--- a/redis_01.pptx
+++ b/redis_01.pptx
@@ -9,13 +9,13 @@
     <p:sldId id="286" r:id="rId3"/>
     <p:sldId id="287" r:id="rId4"/>
     <p:sldId id="282" r:id="rId5"/>
-    <p:sldId id="283" r:id="rId6"/>
-    <p:sldId id="281" r:id="rId7"/>
-    <p:sldId id="285" r:id="rId8"/>
-    <p:sldId id="288" r:id="rId9"/>
-    <p:sldId id="289" r:id="rId10"/>
-    <p:sldId id="290" r:id="rId11"/>
-    <p:sldId id="291" r:id="rId12"/>
+    <p:sldId id="281" r:id="rId6"/>
+    <p:sldId id="285" r:id="rId7"/>
+    <p:sldId id="288" r:id="rId8"/>
+    <p:sldId id="289" r:id="rId9"/>
+    <p:sldId id="290" r:id="rId10"/>
+    <p:sldId id="291" r:id="rId11"/>
+    <p:sldId id="292" r:id="rId12"/>
   </p:sldIdLst>
   <p:sldSz cx="12192000" cy="6858000"/>
   <p:notesSz cx="6858000" cy="9144000"/>
@@ -122,6 +122,32 @@
 </p:presentation>
 </file>
 
+<file path=ppt/commentAuthors.xml><?xml version="1.0" encoding="utf-8"?>
+<p:cmAuthorLst xmlns:a="http://schemas.openxmlformats.org/drawingml/2006/main" xmlns:r="http://schemas.openxmlformats.org/officeDocument/2006/relationships" xmlns:p="http://schemas.openxmlformats.org/presentationml/2006/main">
+  <p:cmAuthor id="1" name="조 성운" initials="조성" lastIdx="1" clrIdx="0">
+    <p:extLst>
+      <p:ext uri="{19B8F6BF-5375-455C-9EA6-DF929625EA0E}">
+        <p15:presenceInfo xmlns:p15="http://schemas.microsoft.com/office/powerpoint/2012/main" userId="74856354f62a721d" providerId="Windows Live"/>
+      </p:ext>
+    </p:extLst>
+  </p:cmAuthor>
+</p:cmAuthorLst>
+</file>
+
+<file path=ppt/comments/comment1.xml><?xml version="1.0" encoding="utf-8"?>
+<p:cmLst xmlns:a="http://schemas.openxmlformats.org/drawingml/2006/main" xmlns:r="http://schemas.openxmlformats.org/officeDocument/2006/relationships" xmlns:p="http://schemas.openxmlformats.org/presentationml/2006/main">
+  <p:cm authorId="1" dt="2021-02-21T21:24:54.165" idx="1">
+    <p:pos x="10" y="10"/>
+    <p:text>동작 시점을 지정하며 각 파라미터마다 다른 기준을 가진다.</p:text>
+    <p:extLst>
+      <p:ext uri="{C676402C-5697-4E1C-873F-D02D1690AC5C}">
+        <p15:threadingInfo xmlns:p15="http://schemas.microsoft.com/office/powerpoint/2012/main" timeZoneBias="-540"/>
+      </p:ext>
+    </p:extLst>
+  </p:cm>
+</p:cmLst>
+</file>
+
 <file path=ppt/slideLayouts/slideLayout1.xml><?xml version="1.0" encoding="utf-8"?>
 <p:sldLayout xmlns:a="http://schemas.openxmlformats.org/drawingml/2006/main" xmlns:r="http://schemas.openxmlformats.org/officeDocument/2006/relationships" xmlns:p="http://schemas.openxmlformats.org/presentationml/2006/main" type="title" preserve="1">
   <p:cSld name="Title Slide">
@@ -271,7 +297,7 @@
           <a:p>
             <a:fld id="{0F97CC09-FC47-544E-980F-F402770FC86C}" type="datetimeFigureOut">
               <a:rPr lang="en-KR" smtClean="0"/>
-              <a:t>2021/02/08</a:t>
+              <a:t>2021/02/21</a:t>
             </a:fld>
             <a:endParaRPr lang="en-KR"/>
           </a:p>
@@ -471,7 +497,7 @@
           <a:p>
             <a:fld id="{0F97CC09-FC47-544E-980F-F402770FC86C}" type="datetimeFigureOut">
               <a:rPr lang="en-KR" smtClean="0"/>
-              <a:t>2021/02/08</a:t>
+              <a:t>2021/02/21</a:t>
             </a:fld>
             <a:endParaRPr lang="en-KR"/>
           </a:p>
@@ -681,7 +707,7 @@
           <a:p>
             <a:fld id="{0F97CC09-FC47-544E-980F-F402770FC86C}" type="datetimeFigureOut">
               <a:rPr lang="en-KR" smtClean="0"/>
-              <a:t>2021/02/08</a:t>
+              <a:t>2021/02/21</a:t>
             </a:fld>
             <a:endParaRPr lang="en-KR"/>
           </a:p>
@@ -881,7 +907,7 @@
           <a:p>
             <a:fld id="{0F97CC09-FC47-544E-980F-F402770FC86C}" type="datetimeFigureOut">
               <a:rPr lang="en-KR" smtClean="0"/>
-              <a:t>2021/02/08</a:t>
+              <a:t>2021/02/21</a:t>
             </a:fld>
             <a:endParaRPr lang="en-KR"/>
           </a:p>
@@ -1157,7 +1183,7 @@
           <a:p>
             <a:fld id="{0F97CC09-FC47-544E-980F-F402770FC86C}" type="datetimeFigureOut">
               <a:rPr lang="en-KR" smtClean="0"/>
-              <a:t>2021/02/08</a:t>
+              <a:t>2021/02/21</a:t>
             </a:fld>
             <a:endParaRPr lang="en-KR"/>
           </a:p>
@@ -1425,7 +1451,7 @@
           <a:p>
             <a:fld id="{0F97CC09-FC47-544E-980F-F402770FC86C}" type="datetimeFigureOut">
               <a:rPr lang="en-KR" smtClean="0"/>
-              <a:t>2021/02/08</a:t>
+              <a:t>2021/02/21</a:t>
             </a:fld>
             <a:endParaRPr lang="en-KR"/>
           </a:p>
@@ -1840,7 +1866,7 @@
           <a:p>
             <a:fld id="{0F97CC09-FC47-544E-980F-F402770FC86C}" type="datetimeFigureOut">
               <a:rPr lang="en-KR" smtClean="0"/>
-              <a:t>2021/02/08</a:t>
+              <a:t>2021/02/21</a:t>
             </a:fld>
             <a:endParaRPr lang="en-KR"/>
           </a:p>
@@ -1982,7 +2008,7 @@
           <a:p>
             <a:fld id="{0F97CC09-FC47-544E-980F-F402770FC86C}" type="datetimeFigureOut">
               <a:rPr lang="en-KR" smtClean="0"/>
-              <a:t>2021/02/08</a:t>
+              <a:t>2021/02/21</a:t>
             </a:fld>
             <a:endParaRPr lang="en-KR"/>
           </a:p>
@@ -2095,7 +2121,7 @@
           <a:p>
             <a:fld id="{0F97CC09-FC47-544E-980F-F402770FC86C}" type="datetimeFigureOut">
               <a:rPr lang="en-KR" smtClean="0"/>
-              <a:t>2021/02/08</a:t>
+              <a:t>2021/02/21</a:t>
             </a:fld>
             <a:endParaRPr lang="en-KR"/>
           </a:p>
@@ -2408,7 +2434,7 @@
           <a:p>
             <a:fld id="{0F97CC09-FC47-544E-980F-F402770FC86C}" type="datetimeFigureOut">
               <a:rPr lang="en-KR" smtClean="0"/>
-              <a:t>2021/02/08</a:t>
+              <a:t>2021/02/21</a:t>
             </a:fld>
             <a:endParaRPr lang="en-KR"/>
           </a:p>
@@ -2697,7 +2723,7 @@
           <a:p>
             <a:fld id="{0F97CC09-FC47-544E-980F-F402770FC86C}" type="datetimeFigureOut">
               <a:rPr lang="en-KR" smtClean="0"/>
-              <a:t>2021/02/08</a:t>
+              <a:t>2021/02/21</a:t>
             </a:fld>
             <a:endParaRPr lang="en-KR"/>
           </a:p>
@@ -2940,7 +2966,7 @@
           <a:p>
             <a:fld id="{0F97CC09-FC47-544E-980F-F402770FC86C}" type="datetimeFigureOut">
               <a:rPr lang="en-KR" smtClean="0"/>
-              <a:t>2021/02/08</a:t>
+              <a:t>2021/02/21</a:t>
             </a:fld>
             <a:endParaRPr lang="en-KR"/>
           </a:p>
@@ -3462,19 +3488,7 @@
           <a:p>
             <a:r>
               <a:rPr lang="en-US" sz="4000" dirty="0"/>
-              <a:t>AOF Rewrite </a:t>
-            </a:r>
-            <a:r>
-              <a:rPr lang="ko-KR" altLang="en-US" sz="4000" dirty="0"/>
-              <a:t>동작</a:t>
-            </a:r>
-            <a:r>
-              <a:rPr lang="en-US" sz="4000" dirty="0"/>
-              <a:t> </a:t>
-            </a:r>
-            <a:r>
-              <a:rPr lang="ko-KR" altLang="en-US" sz="4000" dirty="0"/>
-              <a:t>관련 </a:t>
+              <a:t>RDB </a:t>
             </a:r>
             <a:r>
               <a:rPr lang="en-US" altLang="ko-KR" sz="4000" dirty="0"/>
@@ -3498,8 +3512,8 @@
         </p:nvSpPr>
         <p:spPr>
           <a:xfrm>
-            <a:off x="734822" y="1568861"/>
-            <a:ext cx="4070268" cy="5324535"/>
+            <a:off x="1416134" y="2052947"/>
+            <a:ext cx="4070268" cy="2862322"/>
           </a:xfrm>
           <a:prstGeom prst="rect">
             <a:avLst/>
@@ -3513,170 +3527,67 @@
           <a:lstStyle/>
           <a:p>
             <a:r>
-              <a:rPr lang="en-US" altLang="ko-KR" sz="2000" dirty="0"/>
-              <a:t>AUTO-AOF-REWRITE-PERCENTAGE</a:t>
-            </a:r>
-          </a:p>
-          <a:p>
-            <a:pPr marL="342900" indent="-342900">
+              <a:rPr lang="en-US" dirty="0"/>
+              <a:t>SAVE</a:t>
+            </a:r>
+          </a:p>
+          <a:p>
+            <a:pPr marL="285750" indent="-285750">
               <a:buFont typeface="Arial" panose="020B0604020202020204" pitchFamily="34" charset="0"/>
               <a:buChar char="•"/>
             </a:pPr>
             <a:r>
-              <a:rPr lang="en-US" altLang="ko-KR" sz="2000" dirty="0"/>
-              <a:t>AOF Rewrite </a:t>
-            </a:r>
-            <a:r>
-              <a:rPr lang="ko-KR" altLang="en-US" sz="2000" dirty="0"/>
-              <a:t>동작 시점 결정</a:t>
-            </a:r>
-            <a:endParaRPr lang="en-US" altLang="ko-KR" sz="2000" dirty="0"/>
-          </a:p>
-          <a:p>
-            <a:pPr marL="342900" indent="-342900">
-              <a:buFont typeface="Arial" panose="020B0604020202020204" pitchFamily="34" charset="0"/>
-              <a:buChar char="•"/>
-            </a:pPr>
-            <a:endParaRPr lang="en-US" altLang="ko-KR" sz="2000" dirty="0"/>
-          </a:p>
-          <a:p>
-            <a:r>
-              <a:rPr lang="en-US" altLang="ko-KR" sz="2000" dirty="0"/>
-              <a:t>AUTO-AOF-REWRITE-MIN-SIZE</a:t>
-            </a:r>
-          </a:p>
-          <a:p>
-            <a:pPr marL="342900" indent="-342900">
-              <a:buFont typeface="Arial" panose="020B0604020202020204" pitchFamily="34" charset="0"/>
-              <a:buChar char="•"/>
-            </a:pPr>
-            <a:r>
-              <a:rPr lang="en-US" altLang="ko-KR" sz="2000" dirty="0"/>
-              <a:t>Rewrite </a:t>
-            </a:r>
-            <a:r>
-              <a:rPr lang="ko-KR" altLang="en-US" sz="2000" dirty="0"/>
-              <a:t>동작을 위한 최소 </a:t>
-            </a:r>
-            <a:r>
-              <a:rPr lang="en-US" altLang="ko-KR" sz="2000" dirty="0"/>
-              <a:t>AOF </a:t>
-            </a:r>
-            <a:r>
-              <a:rPr lang="ko-KR" altLang="en-US" sz="2000" dirty="0"/>
-              <a:t>파일  크기 결정</a:t>
-            </a:r>
-            <a:endParaRPr lang="en-US" altLang="ko-KR" sz="2000" dirty="0"/>
-          </a:p>
-          <a:p>
-            <a:pPr marL="342900" indent="-342900">
-              <a:buFont typeface="Arial" panose="020B0604020202020204" pitchFamily="34" charset="0"/>
-              <a:buChar char="•"/>
-            </a:pPr>
-            <a:r>
-              <a:rPr lang="ko-KR" altLang="en-US" sz="2000" dirty="0" err="1"/>
-              <a:t>레디스</a:t>
-            </a:r>
-            <a:r>
-              <a:rPr lang="ko-KR" altLang="en-US" sz="2000" dirty="0"/>
-              <a:t> 서버 시작 시 참고</a:t>
-            </a:r>
-            <a:endParaRPr lang="en-US" altLang="ko-KR" sz="2000" dirty="0"/>
-          </a:p>
-          <a:p>
-            <a:pPr marL="342900" indent="-342900">
-              <a:buFont typeface="Arial" panose="020B0604020202020204" pitchFamily="34" charset="0"/>
-              <a:buChar char="•"/>
-            </a:pPr>
-            <a:endParaRPr lang="en-US" altLang="ko-KR" sz="2000" dirty="0"/>
-          </a:p>
-          <a:p>
-            <a:r>
-              <a:rPr lang="en-US" altLang="ko-KR" sz="2000" dirty="0"/>
-              <a:t>AUTO-AOF-REWRITE-SPEC-TIME</a:t>
-            </a:r>
-          </a:p>
-          <a:p>
-            <a:pPr marL="342900" indent="-342900">
-              <a:buFont typeface="Arial" panose="020B0604020202020204" pitchFamily="34" charset="0"/>
-              <a:buChar char="•"/>
-            </a:pPr>
-            <a:r>
-              <a:rPr lang="en-US" altLang="ko-KR" sz="2000" dirty="0" err="1"/>
-              <a:t>Rewite</a:t>
-            </a:r>
-            <a:r>
-              <a:rPr lang="en-US" altLang="ko-KR" sz="2000" dirty="0"/>
-              <a:t> </a:t>
-            </a:r>
-            <a:r>
-              <a:rPr lang="ko-KR" altLang="en-US" sz="2000" dirty="0"/>
-              <a:t>동작을 하기 위한 시간 결정</a:t>
-            </a:r>
-            <a:endParaRPr lang="en-US" altLang="ko-KR" sz="2000" dirty="0"/>
-          </a:p>
-          <a:p>
-            <a:pPr marL="342900" indent="-342900">
-              <a:buFont typeface="Arial" panose="020B0604020202020204" pitchFamily="34" charset="0"/>
-              <a:buChar char="•"/>
-            </a:pPr>
-            <a:r>
-              <a:rPr lang="ko-KR" altLang="en-US" sz="2000" dirty="0"/>
-              <a:t>서버 부하가 적은 시점 지정하여 동작</a:t>
-            </a:r>
-            <a:endParaRPr lang="en-US" altLang="ko-KR" sz="2000" dirty="0"/>
-          </a:p>
-          <a:p>
-            <a:endParaRPr lang="en-US" altLang="ko-KR" sz="2000" dirty="0"/>
-          </a:p>
-          <a:p>
-            <a:r>
-              <a:rPr lang="en-US" altLang="ko-KR" sz="2000" dirty="0"/>
-              <a:t>AOF-REWRITE-INCREMENTAL-FSYNC</a:t>
-            </a:r>
-          </a:p>
-          <a:p>
-            <a:pPr marL="342900" indent="-342900">
-              <a:buFont typeface="Arial" panose="020B0604020202020204" pitchFamily="34" charset="0"/>
-              <a:buChar char="•"/>
-            </a:pPr>
-            <a:r>
-              <a:rPr lang="en-US" altLang="ko-KR" sz="2000" dirty="0" err="1"/>
-              <a:t>fync</a:t>
-            </a:r>
-            <a:r>
-              <a:rPr lang="en-US" altLang="ko-KR" sz="2000" dirty="0"/>
-              <a:t>()</a:t>
-            </a:r>
-            <a:r>
-              <a:rPr lang="ko-KR" altLang="en-US" sz="2000" dirty="0"/>
-              <a:t> 호출</a:t>
-            </a:r>
-            <a:r>
-              <a:rPr lang="en-US" altLang="ko-KR" sz="2000" dirty="0"/>
-              <a:t> </a:t>
-            </a:r>
-            <a:r>
-              <a:rPr lang="ko-KR" altLang="en-US" sz="2000" dirty="0"/>
-              <a:t>시</a:t>
-            </a:r>
-            <a:r>
-              <a:rPr lang="en-US" altLang="ko-KR" sz="2000" dirty="0"/>
-              <a:t> </a:t>
-            </a:r>
-            <a:r>
-              <a:rPr lang="ko-KR" altLang="en-US" sz="2000" dirty="0"/>
-              <a:t>디스크에 데이터를 </a:t>
-            </a:r>
-            <a:r>
-              <a:rPr lang="en-US" altLang="ko-KR" sz="2000" dirty="0"/>
-              <a:t>32mb</a:t>
-            </a:r>
-            <a:r>
-              <a:rPr lang="ko-KR" altLang="en-US" sz="2000" dirty="0"/>
-              <a:t>씩 나누어 작성</a:t>
-            </a:r>
-            <a:endParaRPr lang="en-US" altLang="ko-KR" sz="2000" dirty="0"/>
+              <a:rPr lang="en-US" altLang="ko-KR" dirty="0"/>
+              <a:t>RDB </a:t>
+            </a:r>
+            <a:r>
+              <a:rPr lang="ko-KR" altLang="en-US" dirty="0"/>
+              <a:t>방식의 동작 주기 결정</a:t>
+            </a:r>
+            <a:endParaRPr lang="en-US" dirty="0"/>
+          </a:p>
+          <a:p>
+            <a:endParaRPr lang="en-US" dirty="0"/>
+          </a:p>
+          <a:p>
+            <a:r>
+              <a:rPr lang="en-US" dirty="0"/>
+              <a:t>STOP-WRITES-ON-BGSAVE-ERROR</a:t>
+            </a:r>
+          </a:p>
+          <a:p>
+            <a:r>
+              <a:rPr lang="ko-KR" altLang="en-US" dirty="0"/>
+              <a:t>* </a:t>
+            </a:r>
+            <a:endParaRPr lang="en-US" dirty="0"/>
+          </a:p>
+          <a:p>
+            <a:endParaRPr lang="en-US" dirty="0"/>
+          </a:p>
+          <a:p>
+            <a:r>
+              <a:rPr lang="en-US" dirty="0"/>
+              <a:t>RDBCOMPRESSION</a:t>
+            </a:r>
+          </a:p>
+          <a:p>
+            <a:r>
+              <a:rPr lang="en-US" dirty="0"/>
+              <a:t>RDBCHECKSUM</a:t>
+            </a:r>
+          </a:p>
+          <a:p>
+            <a:r>
+              <a:rPr lang="en-US" dirty="0"/>
+              <a:t>DBFILENAME</a:t>
+            </a:r>
+          </a:p>
+          <a:p>
+            <a:r>
+              <a:rPr lang="en-US" dirty="0"/>
+              <a:t>RDB-SAVE-INCREMENTAL-FSYNC</a:t>
+            </a:r>
           </a:p>
         </p:txBody>
       </p:sp>
@@ -3715,7 +3626,7 @@
     </p:spTree>
     <p:extLst>
       <p:ext uri="{BB962C8B-B14F-4D97-AF65-F5344CB8AC3E}">
-        <p14:creationId xmlns:p14="http://schemas.microsoft.com/office/powerpoint/2010/main" val="1146073721"/>
+        <p14:creationId xmlns:p14="http://schemas.microsoft.com/office/powerpoint/2010/main" val="2830785869"/>
       </p:ext>
     </p:extLst>
   </p:cSld>
@@ -3742,170 +3653,10 @@
           <a:chExt cx="0" cy="0"/>
         </a:xfrm>
       </p:grpSpPr>
-      <p:sp>
-        <p:nvSpPr>
-          <p:cNvPr id="2" name="Title 1">
-            <a:extLst>
-              <a:ext uri="{FF2B5EF4-FFF2-40B4-BE49-F238E27FC236}">
-                <a16:creationId xmlns:a16="http://schemas.microsoft.com/office/drawing/2014/main" id="{34B3DA25-58D6-9046-BF18-574A0EE2318B}"/>
-              </a:ext>
-            </a:extLst>
-          </p:cNvPr>
-          <p:cNvSpPr>
-            <a:spLocks noGrp="1"/>
-          </p:cNvSpPr>
-          <p:nvPr>
-            <p:ph type="title"/>
-          </p:nvPr>
-        </p:nvSpPr>
-        <p:spPr/>
-        <p:txBody>
-          <a:bodyPr>
-            <a:normAutofit/>
-          </a:bodyPr>
-          <a:lstStyle/>
-          <a:p>
-            <a:r>
-              <a:rPr lang="en-US" sz="4000" dirty="0"/>
-              <a:t>RDB </a:t>
-            </a:r>
-            <a:r>
-              <a:rPr lang="en-US" altLang="ko-KR" sz="4000" dirty="0"/>
-              <a:t>Params</a:t>
-            </a:r>
-            <a:endParaRPr lang="en-KR" sz="4000" dirty="0"/>
-          </a:p>
-        </p:txBody>
-      </p:sp>
-      <p:sp>
-        <p:nvSpPr>
-          <p:cNvPr id="3" name="TextBox 2">
-            <a:extLst>
-              <a:ext uri="{FF2B5EF4-FFF2-40B4-BE49-F238E27FC236}">
-                <a16:creationId xmlns:a16="http://schemas.microsoft.com/office/drawing/2014/main" id="{FB2D2156-D83E-D44D-A171-C99201A7FF97}"/>
-              </a:ext>
-            </a:extLst>
-          </p:cNvPr>
-          <p:cNvSpPr txBox="1"/>
-          <p:nvPr/>
-        </p:nvSpPr>
-        <p:spPr>
-          <a:xfrm>
-            <a:off x="1416134" y="2052947"/>
-            <a:ext cx="4070268" cy="2862322"/>
-          </a:xfrm>
-          <a:prstGeom prst="rect">
-            <a:avLst/>
-          </a:prstGeom>
-          <a:noFill/>
-        </p:spPr>
-        <p:txBody>
-          <a:bodyPr wrap="square" rtlCol="0">
-            <a:spAutoFit/>
-          </a:bodyPr>
-          <a:lstStyle/>
-          <a:p>
-            <a:r>
-              <a:rPr lang="en-US" dirty="0"/>
-              <a:t>SAVE</a:t>
-            </a:r>
-          </a:p>
-          <a:p>
-            <a:pPr marL="285750" indent="-285750">
-              <a:buFont typeface="Arial" panose="020B0604020202020204" pitchFamily="34" charset="0"/>
-              <a:buChar char="•"/>
-            </a:pPr>
-            <a:r>
-              <a:rPr lang="en-US" altLang="ko-KR" dirty="0"/>
-              <a:t>RDB </a:t>
-            </a:r>
-            <a:r>
-              <a:rPr lang="ko-KR" altLang="en-US" dirty="0"/>
-              <a:t>방식의 동작 주기 결정</a:t>
-            </a:r>
-            <a:endParaRPr lang="en-US" dirty="0"/>
-          </a:p>
-          <a:p>
-            <a:endParaRPr lang="en-US" dirty="0"/>
-          </a:p>
-          <a:p>
-            <a:r>
-              <a:rPr lang="en-US" dirty="0"/>
-              <a:t>STOP-WRITES-ON-BGSAVE-ERROR</a:t>
-            </a:r>
-          </a:p>
-          <a:p>
-            <a:r>
-              <a:rPr lang="ko-KR" altLang="en-US" dirty="0"/>
-              <a:t>* </a:t>
-            </a:r>
-            <a:endParaRPr lang="en-US" dirty="0"/>
-          </a:p>
-          <a:p>
-            <a:endParaRPr lang="en-US" dirty="0"/>
-          </a:p>
-          <a:p>
-            <a:r>
-              <a:rPr lang="en-US" dirty="0"/>
-              <a:t>RDBCOMPRESSION</a:t>
-            </a:r>
-          </a:p>
-          <a:p>
-            <a:r>
-              <a:rPr lang="en-US" dirty="0"/>
-              <a:t>RDBCHECKSUM</a:t>
-            </a:r>
-          </a:p>
-          <a:p>
-            <a:r>
-              <a:rPr lang="en-US" dirty="0"/>
-              <a:t>DBFILENAME</a:t>
-            </a:r>
-          </a:p>
-          <a:p>
-            <a:r>
-              <a:rPr lang="en-US" dirty="0"/>
-              <a:t>RDB-SAVE-INCREMENTAL-FSYNC</a:t>
-            </a:r>
-          </a:p>
-        </p:txBody>
-      </p:sp>
-      <p:sp>
-        <p:nvSpPr>
-          <p:cNvPr id="5" name="TextBox 4">
-            <a:extLst>
-              <a:ext uri="{FF2B5EF4-FFF2-40B4-BE49-F238E27FC236}">
-                <a16:creationId xmlns:a16="http://schemas.microsoft.com/office/drawing/2014/main" id="{CC8659ED-57CB-3A42-ACE6-836D9F422F29}"/>
-              </a:ext>
-            </a:extLst>
-          </p:cNvPr>
-          <p:cNvSpPr txBox="1"/>
-          <p:nvPr/>
-        </p:nvSpPr>
-        <p:spPr>
-          <a:xfrm>
-            <a:off x="-691662" y="6435969"/>
-            <a:ext cx="184731" cy="369332"/>
-          </a:xfrm>
-          <a:prstGeom prst="rect">
-            <a:avLst/>
-          </a:prstGeom>
-          <a:noFill/>
-        </p:spPr>
-        <p:txBody>
-          <a:bodyPr wrap="none" rtlCol="0">
-            <a:spAutoFit/>
-          </a:bodyPr>
-          <a:lstStyle/>
-          <a:p>
-            <a:endParaRPr lang="en-KR"/>
-          </a:p>
-        </p:txBody>
-      </p:sp>
     </p:spTree>
     <p:extLst>
       <p:ext uri="{BB962C8B-B14F-4D97-AF65-F5344CB8AC3E}">
-        <p14:creationId xmlns:p14="http://schemas.microsoft.com/office/powerpoint/2010/main" val="2830785869"/>
+        <p14:creationId xmlns:p14="http://schemas.microsoft.com/office/powerpoint/2010/main" val="1285164465"/>
       </p:ext>
     </p:extLst>
   </p:cSld>
@@ -4103,268 +3854,128 @@
       </p:sp>
       <p:sp>
         <p:nvSpPr>
-          <p:cNvPr id="4" name="Process 3">
-            <a:extLst>
-              <a:ext uri="{FF2B5EF4-FFF2-40B4-BE49-F238E27FC236}">
-                <a16:creationId xmlns:a16="http://schemas.microsoft.com/office/drawing/2014/main" id="{0B43D8D5-E850-FA4D-B350-A77D3A5EB064}"/>
-              </a:ext>
-            </a:extLst>
-          </p:cNvPr>
-          <p:cNvSpPr/>
+          <p:cNvPr id="15" name="TextBox 14">
+            <a:extLst>
+              <a:ext uri="{FF2B5EF4-FFF2-40B4-BE49-F238E27FC236}">
+                <a16:creationId xmlns:a16="http://schemas.microsoft.com/office/drawing/2014/main" id="{9B69E391-6BAA-1B49-8696-89DA61C5C18C}"/>
+              </a:ext>
+            </a:extLst>
+          </p:cNvPr>
+          <p:cNvSpPr txBox="1"/>
           <p:nvPr/>
         </p:nvSpPr>
         <p:spPr>
           <a:xfrm>
-            <a:off x="7855286" y="1793184"/>
-            <a:ext cx="3201597" cy="2748984"/>
+            <a:off x="800312" y="2793037"/>
+            <a:ext cx="3124985" cy="2957861"/>
           </a:xfrm>
-          <a:prstGeom prst="flowChartProcess">
+          <a:prstGeom prst="rect">
             <a:avLst/>
           </a:prstGeom>
-          <a:ln/>
+          <a:noFill/>
         </p:spPr>
-        <p:style>
-          <a:lnRef idx="2">
-            <a:schemeClr val="dk1"/>
-          </a:lnRef>
-          <a:fillRef idx="1">
-            <a:schemeClr val="lt1"/>
-          </a:fillRef>
-          <a:effectRef idx="0">
-            <a:schemeClr val="dk1"/>
-          </a:effectRef>
-          <a:fontRef idx="minor">
-            <a:schemeClr val="dk1"/>
-          </a:fontRef>
-        </p:style>
-        <p:txBody>
-          <a:bodyPr rtlCol="0" anchor="ctr"/>
+        <p:txBody>
+          <a:bodyPr wrap="square" rtlCol="0">
+            <a:spAutoFit/>
+          </a:bodyPr>
           <a:lstStyle/>
           <a:p>
-            <a:pPr algn="ctr"/>
-            <a:endParaRPr lang="en-KR"/>
-          </a:p>
-        </p:txBody>
-      </p:sp>
-      <p:sp>
-        <p:nvSpPr>
-          <p:cNvPr id="5" name="Alternate Process 4">
-            <a:extLst>
-              <a:ext uri="{FF2B5EF4-FFF2-40B4-BE49-F238E27FC236}">
-                <a16:creationId xmlns:a16="http://schemas.microsoft.com/office/drawing/2014/main" id="{A1EF4F14-0BFA-4843-B645-0EBFA9106732}"/>
-              </a:ext>
-            </a:extLst>
-          </p:cNvPr>
-          <p:cNvSpPr/>
-          <p:nvPr/>
-        </p:nvSpPr>
-        <p:spPr>
-          <a:xfrm>
-            <a:off x="8426353" y="2127619"/>
-            <a:ext cx="1372504" cy="785656"/>
-          </a:xfrm>
-          <a:prstGeom prst="flowChartAlternateProcess">
-            <a:avLst/>
-          </a:prstGeom>
-          <a:ln>
-            <a:solidFill>
-              <a:schemeClr val="tx1"/>
-            </a:solidFill>
-          </a:ln>
-        </p:spPr>
-        <p:style>
-          <a:lnRef idx="2">
-            <a:schemeClr val="accent6"/>
-          </a:lnRef>
-          <a:fillRef idx="1">
-            <a:schemeClr val="lt1"/>
-          </a:fillRef>
-          <a:effectRef idx="0">
-            <a:schemeClr val="accent6"/>
-          </a:effectRef>
-          <a:fontRef idx="minor">
-            <a:schemeClr val="dk1"/>
-          </a:fontRef>
-        </p:style>
-        <p:txBody>
-          <a:bodyPr rtlCol="0" anchor="ctr"/>
-          <a:lstStyle/>
-          <a:p>
-            <a:pPr algn="ctr"/>
+            <a:pPr>
+              <a:lnSpc>
+                <a:spcPct val="150000"/>
+              </a:lnSpc>
+            </a:pPr>
+            <a:r>
+              <a:rPr lang="en-US" altLang="ko-KR" dirty="0"/>
+              <a:t>1.</a:t>
+            </a:r>
+            <a:r>
+              <a:rPr lang="ko-KR" altLang="en-US" dirty="0"/>
+              <a:t> 명령 수행 후  로그 레코드</a:t>
+            </a:r>
+            <a:r>
+              <a:rPr lang="ko-KR" altLang="en-US" b="1" dirty="0"/>
+              <a:t> </a:t>
+            </a:r>
+            <a:r>
+              <a:rPr lang="ko-KR" altLang="en-US" dirty="0"/>
+              <a:t>생성</a:t>
+            </a:r>
+          </a:p>
+          <a:p>
+            <a:pPr>
+              <a:lnSpc>
+                <a:spcPct val="150000"/>
+              </a:lnSpc>
+            </a:pPr>
+            <a:r>
+              <a:rPr lang="en-US" altLang="ko-KR" dirty="0"/>
+              <a:t>2.</a:t>
+            </a:r>
+            <a:r>
+              <a:rPr lang="ko-KR" altLang="en-US" dirty="0"/>
+              <a:t> </a:t>
+            </a:r>
             <a:r>
               <a:rPr lang="en-US" dirty="0"/>
-              <a:t>Dataset</a:t>
-            </a:r>
+              <a:t>AOF </a:t>
+            </a:r>
+            <a:r>
+              <a:rPr lang="ko-KR" altLang="en-US" dirty="0"/>
+              <a:t>버퍼에 로그 레코드 저장</a:t>
+            </a:r>
+          </a:p>
+          <a:p>
+            <a:pPr>
+              <a:lnSpc>
+                <a:spcPct val="150000"/>
+              </a:lnSpc>
+            </a:pPr>
+            <a:r>
+              <a:rPr lang="en-US" altLang="ko-KR" dirty="0"/>
+              <a:t>3.</a:t>
+            </a:r>
+            <a:r>
+              <a:rPr lang="ko-KR" altLang="en-US" dirty="0"/>
+              <a:t> </a:t>
+            </a:r>
+            <a:r>
+              <a:rPr lang="en-US" dirty="0" err="1"/>
+              <a:t>fsync</a:t>
+            </a:r>
+            <a:r>
+              <a:rPr lang="en-US" dirty="0"/>
+              <a:t> </a:t>
+            </a:r>
+            <a:r>
+              <a:rPr lang="ko-KR" altLang="en-US" dirty="0"/>
+              <a:t>함수를 통해 로그 레코드가 </a:t>
+            </a:r>
+            <a:r>
+              <a:rPr lang="en-US" dirty="0"/>
+              <a:t>AOF </a:t>
+            </a:r>
+            <a:r>
+              <a:rPr lang="ko-KR" altLang="en-US" dirty="0"/>
+              <a:t>파일에 기록</a:t>
+            </a:r>
+          </a:p>
+          <a:p>
+            <a:pPr>
+              <a:lnSpc>
+                <a:spcPct val="150000"/>
+              </a:lnSpc>
+            </a:pPr>
             <a:endParaRPr lang="en-KR" dirty="0"/>
-          </a:p>
-        </p:txBody>
-      </p:sp>
-      <p:sp>
-        <p:nvSpPr>
-          <p:cNvPr id="6" name="Process 5">
-            <a:extLst>
-              <a:ext uri="{FF2B5EF4-FFF2-40B4-BE49-F238E27FC236}">
-                <a16:creationId xmlns:a16="http://schemas.microsoft.com/office/drawing/2014/main" id="{D1C3E958-3D25-EE47-A206-9B8C1B4A7AA9}"/>
-              </a:ext>
-            </a:extLst>
-          </p:cNvPr>
-          <p:cNvSpPr/>
-          <p:nvPr/>
-        </p:nvSpPr>
-        <p:spPr>
-          <a:xfrm>
-            <a:off x="8485728" y="3456721"/>
-            <a:ext cx="1226104" cy="827006"/>
-          </a:xfrm>
-          <a:prstGeom prst="flowChartProcess">
-            <a:avLst/>
-          </a:prstGeom>
-          <a:ln>
-            <a:solidFill>
-              <a:schemeClr val="tx1"/>
-            </a:solidFill>
-          </a:ln>
-        </p:spPr>
-        <p:style>
-          <a:lnRef idx="2">
-            <a:schemeClr val="accent6"/>
-          </a:lnRef>
-          <a:fillRef idx="1">
-            <a:schemeClr val="lt1"/>
-          </a:fillRef>
-          <a:effectRef idx="0">
-            <a:schemeClr val="accent6"/>
-          </a:effectRef>
-          <a:fontRef idx="minor">
-            <a:schemeClr val="dk1"/>
-          </a:fontRef>
-        </p:style>
-        <p:txBody>
-          <a:bodyPr rtlCol="0" anchor="ctr"/>
-          <a:lstStyle/>
-          <a:p>
-            <a:pPr algn="ctr"/>
-            <a:r>
-              <a:rPr lang="en-KR" dirty="0"/>
-              <a:t>AOF Buffer</a:t>
-            </a:r>
-          </a:p>
-        </p:txBody>
-      </p:sp>
-      <p:sp>
-        <p:nvSpPr>
-          <p:cNvPr id="8" name="Connector 7">
-            <a:extLst>
-              <a:ext uri="{FF2B5EF4-FFF2-40B4-BE49-F238E27FC236}">
-                <a16:creationId xmlns:a16="http://schemas.microsoft.com/office/drawing/2014/main" id="{55755F3F-836A-3E4E-99E2-3B7C68A74F0E}"/>
-              </a:ext>
-            </a:extLst>
-          </p:cNvPr>
-          <p:cNvSpPr/>
-          <p:nvPr/>
-        </p:nvSpPr>
-        <p:spPr>
-          <a:xfrm>
-            <a:off x="4875060" y="2838948"/>
-            <a:ext cx="1490113" cy="854277"/>
-          </a:xfrm>
-          <a:prstGeom prst="flowChartConnector">
-            <a:avLst/>
-          </a:prstGeom>
-          <a:ln>
-            <a:solidFill>
-              <a:schemeClr val="tx1"/>
-            </a:solidFill>
-          </a:ln>
-        </p:spPr>
-        <p:style>
-          <a:lnRef idx="2">
-            <a:schemeClr val="accent6"/>
-          </a:lnRef>
-          <a:fillRef idx="1">
-            <a:schemeClr val="lt1"/>
-          </a:fillRef>
-          <a:effectRef idx="0">
-            <a:schemeClr val="accent6"/>
-          </a:effectRef>
-          <a:fontRef idx="minor">
-            <a:schemeClr val="dk1"/>
-          </a:fontRef>
-        </p:style>
-        <p:txBody>
-          <a:bodyPr rtlCol="0" anchor="ctr"/>
-          <a:lstStyle/>
-          <a:p>
-            <a:pPr algn="ctr"/>
-            <a:r>
-              <a:rPr lang="en-US" dirty="0"/>
-              <a:t>C</a:t>
-            </a:r>
-            <a:r>
-              <a:rPr lang="en-KR" dirty="0"/>
-              <a:t>lient Request</a:t>
-            </a:r>
-          </a:p>
-        </p:txBody>
-      </p:sp>
-      <p:sp>
-        <p:nvSpPr>
-          <p:cNvPr id="10" name="Process 9">
-            <a:extLst>
-              <a:ext uri="{FF2B5EF4-FFF2-40B4-BE49-F238E27FC236}">
-                <a16:creationId xmlns:a16="http://schemas.microsoft.com/office/drawing/2014/main" id="{E6F9F6CA-C5EB-704F-AED6-58C0BDFE7AEB}"/>
-              </a:ext>
-            </a:extLst>
-          </p:cNvPr>
-          <p:cNvSpPr/>
-          <p:nvPr/>
-        </p:nvSpPr>
-        <p:spPr>
-          <a:xfrm>
-            <a:off x="8461370" y="5298999"/>
-            <a:ext cx="1276350" cy="762000"/>
-          </a:xfrm>
-          <a:prstGeom prst="flowChartProcess">
-            <a:avLst/>
-          </a:prstGeom>
-          <a:ln>
-            <a:solidFill>
-              <a:schemeClr val="tx1"/>
-            </a:solidFill>
-          </a:ln>
-        </p:spPr>
-        <p:style>
-          <a:lnRef idx="2">
-            <a:schemeClr val="accent6"/>
-          </a:lnRef>
-          <a:fillRef idx="1">
-            <a:schemeClr val="lt1"/>
-          </a:fillRef>
-          <a:effectRef idx="0">
-            <a:schemeClr val="accent6"/>
-          </a:effectRef>
-          <a:fontRef idx="minor">
-            <a:schemeClr val="dk1"/>
-          </a:fontRef>
-        </p:style>
-        <p:txBody>
-          <a:bodyPr rtlCol="0" anchor="ctr"/>
-          <a:lstStyle/>
-          <a:p>
-            <a:pPr algn="ctr"/>
-            <a:r>
-              <a:rPr lang="en-KR" dirty="0"/>
-              <a:t>AOF File</a:t>
-            </a:r>
           </a:p>
         </p:txBody>
       </p:sp>
       <p:grpSp>
         <p:nvGrpSpPr>
-          <p:cNvPr id="32" name="Group 31">
-            <a:extLst>
-              <a:ext uri="{FF2B5EF4-FFF2-40B4-BE49-F238E27FC236}">
-                <a16:creationId xmlns:a16="http://schemas.microsoft.com/office/drawing/2014/main" id="{098EA616-20AA-304A-9671-C7583D497A5D}"/>
+          <p:cNvPr id="13" name="Group 12">
+            <a:extLst>
+              <a:ext uri="{FF2B5EF4-FFF2-40B4-BE49-F238E27FC236}">
+                <a16:creationId xmlns:a16="http://schemas.microsoft.com/office/drawing/2014/main" id="{6C0B6511-14E5-9E44-91A1-3A1B8ABAB198}"/>
               </a:ext>
             </a:extLst>
           </p:cNvPr>
@@ -4373,35 +3984,38 @@
         </p:nvGrpSpPr>
         <p:grpSpPr>
           <a:xfrm>
-            <a:off x="4805355" y="4645168"/>
-            <a:ext cx="7164972" cy="713392"/>
-            <a:chOff x="4805355" y="4571598"/>
-            <a:chExt cx="7164972" cy="713392"/>
+            <a:off x="4805355" y="1772163"/>
+            <a:ext cx="7164972" cy="4267815"/>
+            <a:chOff x="4805355" y="1782673"/>
+            <a:chExt cx="7164972" cy="4267815"/>
           </a:xfrm>
         </p:grpSpPr>
         <p:cxnSp>
           <p:nvCxnSpPr>
-            <p:cNvPr id="9" name="Straight Connector 8">
+            <p:cNvPr id="30" name="Straight Arrow Connector 29">
               <a:extLst>
                 <a:ext uri="{FF2B5EF4-FFF2-40B4-BE49-F238E27FC236}">
-                  <a16:creationId xmlns:a16="http://schemas.microsoft.com/office/drawing/2014/main" id="{C2490CBF-1504-F541-AB02-E5333BC46E87}"/>
+                  <a16:creationId xmlns:a16="http://schemas.microsoft.com/office/drawing/2014/main" id="{9AAB407C-B7FA-6F4E-A066-8E0F35379F7D}"/>
                 </a:ext>
               </a:extLst>
             </p:cNvPr>
             <p:cNvCxnSpPr>
-              <a:cxnSpLocks/>
+              <a:stCxn id="6" idx="2"/>
+              <a:endCxn id="10" idx="0"/>
             </p:cNvCxnSpPr>
             <p:nvPr/>
           </p:nvCxnSpPr>
           <p:spPr>
             <a:xfrm>
-              <a:off x="4875061" y="4920599"/>
-              <a:ext cx="7095266" cy="0"/>
+              <a:off x="9098780" y="4273216"/>
+              <a:ext cx="765" cy="1015272"/>
             </a:xfrm>
-            <a:prstGeom prst="line">
+            <a:prstGeom prst="straightConnector1">
               <a:avLst/>
             </a:prstGeom>
-            <a:ln w="47625"/>
+            <a:ln>
+              <a:tailEnd type="triangle"/>
+            </a:ln>
           </p:spPr>
           <p:style>
             <a:lnRef idx="1">
@@ -4420,10 +4034,488 @@
         </p:cxnSp>
         <p:sp>
           <p:nvSpPr>
-            <p:cNvPr id="11" name="TextBox 10">
+            <p:cNvPr id="4" name="Process 3">
               <a:extLst>
                 <a:ext uri="{FF2B5EF4-FFF2-40B4-BE49-F238E27FC236}">
-                  <a16:creationId xmlns:a16="http://schemas.microsoft.com/office/drawing/2014/main" id="{D0446E8F-7757-164A-B2A9-5C0317860E74}"/>
+                  <a16:creationId xmlns:a16="http://schemas.microsoft.com/office/drawing/2014/main" id="{0B43D8D5-E850-FA4D-B350-A77D3A5EB064}"/>
+                </a:ext>
+              </a:extLst>
+            </p:cNvPr>
+            <p:cNvSpPr/>
+            <p:nvPr/>
+          </p:nvSpPr>
+          <p:spPr>
+            <a:xfrm>
+              <a:off x="7855286" y="1782673"/>
+              <a:ext cx="3201597" cy="2748984"/>
+            </a:xfrm>
+            <a:prstGeom prst="flowChartProcess">
+              <a:avLst/>
+            </a:prstGeom>
+            <a:ln/>
+          </p:spPr>
+          <p:style>
+            <a:lnRef idx="2">
+              <a:schemeClr val="dk1"/>
+            </a:lnRef>
+            <a:fillRef idx="1">
+              <a:schemeClr val="lt1"/>
+            </a:fillRef>
+            <a:effectRef idx="0">
+              <a:schemeClr val="dk1"/>
+            </a:effectRef>
+            <a:fontRef idx="minor">
+              <a:schemeClr val="dk1"/>
+            </a:fontRef>
+          </p:style>
+          <p:txBody>
+            <a:bodyPr rtlCol="0" anchor="ctr"/>
+            <a:lstStyle/>
+            <a:p>
+              <a:pPr algn="ctr"/>
+              <a:endParaRPr lang="en-KR"/>
+            </a:p>
+          </p:txBody>
+        </p:sp>
+        <p:sp>
+          <p:nvSpPr>
+            <p:cNvPr id="5" name="Alternate Process 4">
+              <a:extLst>
+                <a:ext uri="{FF2B5EF4-FFF2-40B4-BE49-F238E27FC236}">
+                  <a16:creationId xmlns:a16="http://schemas.microsoft.com/office/drawing/2014/main" id="{A1EF4F14-0BFA-4843-B645-0EBFA9106732}"/>
+                </a:ext>
+              </a:extLst>
+            </p:cNvPr>
+            <p:cNvSpPr/>
+            <p:nvPr/>
+          </p:nvSpPr>
+          <p:spPr>
+            <a:xfrm>
+              <a:off x="8426353" y="2117108"/>
+              <a:ext cx="1372504" cy="785656"/>
+            </a:xfrm>
+            <a:prstGeom prst="flowChartAlternateProcess">
+              <a:avLst/>
+            </a:prstGeom>
+            <a:ln>
+              <a:solidFill>
+                <a:schemeClr val="tx1"/>
+              </a:solidFill>
+            </a:ln>
+          </p:spPr>
+          <p:style>
+            <a:lnRef idx="2">
+              <a:schemeClr val="accent6"/>
+            </a:lnRef>
+            <a:fillRef idx="1">
+              <a:schemeClr val="lt1"/>
+            </a:fillRef>
+            <a:effectRef idx="0">
+              <a:schemeClr val="accent6"/>
+            </a:effectRef>
+            <a:fontRef idx="minor">
+              <a:schemeClr val="dk1"/>
+            </a:fontRef>
+          </p:style>
+          <p:txBody>
+            <a:bodyPr rtlCol="0" anchor="ctr"/>
+            <a:lstStyle/>
+            <a:p>
+              <a:pPr algn="ctr"/>
+              <a:r>
+                <a:rPr lang="en-US" dirty="0"/>
+                <a:t>Dataset</a:t>
+              </a:r>
+              <a:endParaRPr lang="en-KR" dirty="0"/>
+            </a:p>
+          </p:txBody>
+        </p:sp>
+        <p:sp>
+          <p:nvSpPr>
+            <p:cNvPr id="6" name="Process 5">
+              <a:extLst>
+                <a:ext uri="{FF2B5EF4-FFF2-40B4-BE49-F238E27FC236}">
+                  <a16:creationId xmlns:a16="http://schemas.microsoft.com/office/drawing/2014/main" id="{D1C3E958-3D25-EE47-A206-9B8C1B4A7AA9}"/>
+                </a:ext>
+              </a:extLst>
+            </p:cNvPr>
+            <p:cNvSpPr/>
+            <p:nvPr/>
+          </p:nvSpPr>
+          <p:spPr>
+            <a:xfrm>
+              <a:off x="8485728" y="3446210"/>
+              <a:ext cx="1226104" cy="827006"/>
+            </a:xfrm>
+            <a:prstGeom prst="flowChartProcess">
+              <a:avLst/>
+            </a:prstGeom>
+            <a:ln>
+              <a:solidFill>
+                <a:schemeClr val="tx1"/>
+              </a:solidFill>
+            </a:ln>
+          </p:spPr>
+          <p:style>
+            <a:lnRef idx="2">
+              <a:schemeClr val="accent6"/>
+            </a:lnRef>
+            <a:fillRef idx="1">
+              <a:schemeClr val="lt1"/>
+            </a:fillRef>
+            <a:effectRef idx="0">
+              <a:schemeClr val="accent6"/>
+            </a:effectRef>
+            <a:fontRef idx="minor">
+              <a:schemeClr val="dk1"/>
+            </a:fontRef>
+          </p:style>
+          <p:txBody>
+            <a:bodyPr rtlCol="0" anchor="ctr"/>
+            <a:lstStyle/>
+            <a:p>
+              <a:pPr algn="ctr"/>
+              <a:r>
+                <a:rPr lang="en-KR" dirty="0"/>
+                <a:t>AOF Buffer</a:t>
+              </a:r>
+            </a:p>
+          </p:txBody>
+        </p:sp>
+        <p:sp>
+          <p:nvSpPr>
+            <p:cNvPr id="8" name="Connector 7">
+              <a:extLst>
+                <a:ext uri="{FF2B5EF4-FFF2-40B4-BE49-F238E27FC236}">
+                  <a16:creationId xmlns:a16="http://schemas.microsoft.com/office/drawing/2014/main" id="{55755F3F-836A-3E4E-99E2-3B7C68A74F0E}"/>
+                </a:ext>
+              </a:extLst>
+            </p:cNvPr>
+            <p:cNvSpPr/>
+            <p:nvPr/>
+          </p:nvSpPr>
+          <p:spPr>
+            <a:xfrm>
+              <a:off x="4875060" y="2828437"/>
+              <a:ext cx="1490113" cy="854277"/>
+            </a:xfrm>
+            <a:prstGeom prst="flowChartConnector">
+              <a:avLst/>
+            </a:prstGeom>
+            <a:ln>
+              <a:solidFill>
+                <a:schemeClr val="tx1"/>
+              </a:solidFill>
+            </a:ln>
+          </p:spPr>
+          <p:style>
+            <a:lnRef idx="2">
+              <a:schemeClr val="accent6"/>
+            </a:lnRef>
+            <a:fillRef idx="1">
+              <a:schemeClr val="lt1"/>
+            </a:fillRef>
+            <a:effectRef idx="0">
+              <a:schemeClr val="accent6"/>
+            </a:effectRef>
+            <a:fontRef idx="minor">
+              <a:schemeClr val="dk1"/>
+            </a:fontRef>
+          </p:style>
+          <p:txBody>
+            <a:bodyPr rtlCol="0" anchor="ctr"/>
+            <a:lstStyle/>
+            <a:p>
+              <a:pPr algn="ctr"/>
+              <a:r>
+                <a:rPr lang="en-US" dirty="0"/>
+                <a:t>C</a:t>
+              </a:r>
+              <a:r>
+                <a:rPr lang="en-KR" dirty="0"/>
+                <a:t>lient Request</a:t>
+              </a:r>
+            </a:p>
+          </p:txBody>
+        </p:sp>
+        <p:sp>
+          <p:nvSpPr>
+            <p:cNvPr id="10" name="Process 9">
+              <a:extLst>
+                <a:ext uri="{FF2B5EF4-FFF2-40B4-BE49-F238E27FC236}">
+                  <a16:creationId xmlns:a16="http://schemas.microsoft.com/office/drawing/2014/main" id="{E6F9F6CA-C5EB-704F-AED6-58C0BDFE7AEB}"/>
+                </a:ext>
+              </a:extLst>
+            </p:cNvPr>
+            <p:cNvSpPr/>
+            <p:nvPr/>
+          </p:nvSpPr>
+          <p:spPr>
+            <a:xfrm>
+              <a:off x="8461370" y="5288488"/>
+              <a:ext cx="1276350" cy="762000"/>
+            </a:xfrm>
+            <a:prstGeom prst="flowChartProcess">
+              <a:avLst/>
+            </a:prstGeom>
+            <a:ln>
+              <a:solidFill>
+                <a:schemeClr val="tx1"/>
+              </a:solidFill>
+            </a:ln>
+          </p:spPr>
+          <p:style>
+            <a:lnRef idx="2">
+              <a:schemeClr val="accent6"/>
+            </a:lnRef>
+            <a:fillRef idx="1">
+              <a:schemeClr val="lt1"/>
+            </a:fillRef>
+            <a:effectRef idx="0">
+              <a:schemeClr val="accent6"/>
+            </a:effectRef>
+            <a:fontRef idx="minor">
+              <a:schemeClr val="dk1"/>
+            </a:fontRef>
+          </p:style>
+          <p:txBody>
+            <a:bodyPr rtlCol="0" anchor="ctr"/>
+            <a:lstStyle/>
+            <a:p>
+              <a:pPr algn="ctr"/>
+              <a:r>
+                <a:rPr lang="en-KR" dirty="0"/>
+                <a:t>AOF File</a:t>
+              </a:r>
+            </a:p>
+          </p:txBody>
+        </p:sp>
+        <p:grpSp>
+          <p:nvGrpSpPr>
+            <p:cNvPr id="32" name="Group 31">
+              <a:extLst>
+                <a:ext uri="{FF2B5EF4-FFF2-40B4-BE49-F238E27FC236}">
+                  <a16:creationId xmlns:a16="http://schemas.microsoft.com/office/drawing/2014/main" id="{098EA616-20AA-304A-9671-C7583D497A5D}"/>
+                </a:ext>
+              </a:extLst>
+            </p:cNvPr>
+            <p:cNvGrpSpPr/>
+            <p:nvPr/>
+          </p:nvGrpSpPr>
+          <p:grpSpPr>
+            <a:xfrm>
+              <a:off x="4805355" y="4634657"/>
+              <a:ext cx="7164972" cy="713392"/>
+              <a:chOff x="4805355" y="4571598"/>
+              <a:chExt cx="7164972" cy="713392"/>
+            </a:xfrm>
+          </p:grpSpPr>
+          <p:cxnSp>
+            <p:nvCxnSpPr>
+              <p:cNvPr id="9" name="Straight Connector 8">
+                <a:extLst>
+                  <a:ext uri="{FF2B5EF4-FFF2-40B4-BE49-F238E27FC236}">
+                    <a16:creationId xmlns:a16="http://schemas.microsoft.com/office/drawing/2014/main" id="{C2490CBF-1504-F541-AB02-E5333BC46E87}"/>
+                  </a:ext>
+                </a:extLst>
+              </p:cNvPr>
+              <p:cNvCxnSpPr>
+                <a:cxnSpLocks/>
+              </p:cNvCxnSpPr>
+              <p:nvPr/>
+            </p:nvCxnSpPr>
+            <p:spPr>
+              <a:xfrm>
+                <a:off x="4875061" y="4920599"/>
+                <a:ext cx="7095266" cy="0"/>
+              </a:xfrm>
+              <a:prstGeom prst="line">
+                <a:avLst/>
+              </a:prstGeom>
+              <a:ln w="47625"/>
+            </p:spPr>
+            <p:style>
+              <a:lnRef idx="1">
+                <a:schemeClr val="dk1"/>
+              </a:lnRef>
+              <a:fillRef idx="0">
+                <a:schemeClr val="dk1"/>
+              </a:fillRef>
+              <a:effectRef idx="0">
+                <a:schemeClr val="dk1"/>
+              </a:effectRef>
+              <a:fontRef idx="minor">
+                <a:schemeClr val="tx1"/>
+              </a:fontRef>
+            </p:style>
+          </p:cxnSp>
+          <p:sp>
+            <p:nvSpPr>
+              <p:cNvPr id="11" name="TextBox 10">
+                <a:extLst>
+                  <a:ext uri="{FF2B5EF4-FFF2-40B4-BE49-F238E27FC236}">
+                    <a16:creationId xmlns:a16="http://schemas.microsoft.com/office/drawing/2014/main" id="{D0446E8F-7757-164A-B2A9-5C0317860E74}"/>
+                  </a:ext>
+                </a:extLst>
+              </p:cNvPr>
+              <p:cNvSpPr txBox="1"/>
+              <p:nvPr/>
+            </p:nvSpPr>
+            <p:spPr>
+              <a:xfrm>
+                <a:off x="4805355" y="4571598"/>
+                <a:ext cx="2114550" cy="261610"/>
+              </a:xfrm>
+              <a:prstGeom prst="rect">
+                <a:avLst/>
+              </a:prstGeom>
+              <a:noFill/>
+            </p:spPr>
+            <p:txBody>
+              <a:bodyPr wrap="square" rtlCol="0">
+                <a:spAutoFit/>
+              </a:bodyPr>
+              <a:lstStyle/>
+              <a:p>
+                <a:r>
+                  <a:rPr lang="en-US" sz="1100" b="1" dirty="0"/>
+                  <a:t>Memory(DRAM)</a:t>
+                </a:r>
+                <a:endParaRPr lang="en-KR" sz="1100" b="1" dirty="0"/>
+              </a:p>
+            </p:txBody>
+          </p:sp>
+          <p:sp>
+            <p:nvSpPr>
+              <p:cNvPr id="12" name="TextBox 11">
+                <a:extLst>
+                  <a:ext uri="{FF2B5EF4-FFF2-40B4-BE49-F238E27FC236}">
+                    <a16:creationId xmlns:a16="http://schemas.microsoft.com/office/drawing/2014/main" id="{944FD6A6-A5F6-E14E-89AB-28A5565AFED5}"/>
+                  </a:ext>
+                </a:extLst>
+              </p:cNvPr>
+              <p:cNvSpPr txBox="1"/>
+              <p:nvPr/>
+            </p:nvSpPr>
+            <p:spPr>
+              <a:xfrm>
+                <a:off x="4805355" y="5023380"/>
+                <a:ext cx="2114550" cy="261610"/>
+              </a:xfrm>
+              <a:prstGeom prst="rect">
+                <a:avLst/>
+              </a:prstGeom>
+              <a:noFill/>
+            </p:spPr>
+            <p:txBody>
+              <a:bodyPr wrap="square" rtlCol="0">
+                <a:spAutoFit/>
+              </a:bodyPr>
+              <a:lstStyle/>
+              <a:p>
+                <a:r>
+                  <a:rPr lang="en-KR" sz="1100" b="1" dirty="0"/>
+                  <a:t>Disk(HDD or SSD)</a:t>
+                </a:r>
+              </a:p>
+            </p:txBody>
+          </p:sp>
+        </p:grpSp>
+        <p:cxnSp>
+          <p:nvCxnSpPr>
+            <p:cNvPr id="20" name="Elbow Connector 19">
+              <a:extLst>
+                <a:ext uri="{FF2B5EF4-FFF2-40B4-BE49-F238E27FC236}">
+                  <a16:creationId xmlns:a16="http://schemas.microsoft.com/office/drawing/2014/main" id="{69ADFD75-CCCB-7642-AE99-A47F413A752A}"/>
+                </a:ext>
+              </a:extLst>
+            </p:cNvPr>
+            <p:cNvCxnSpPr>
+              <a:cxnSpLocks/>
+              <a:stCxn id="8" idx="6"/>
+              <a:endCxn id="6" idx="1"/>
+            </p:cNvCxnSpPr>
+            <p:nvPr/>
+          </p:nvCxnSpPr>
+          <p:spPr>
+            <a:xfrm>
+              <a:off x="6365173" y="3255576"/>
+              <a:ext cx="2120555" cy="604137"/>
+            </a:xfrm>
+            <a:prstGeom prst="bentConnector3">
+              <a:avLst>
+                <a:gd name="adj1" fmla="val 81660"/>
+              </a:avLst>
+            </a:prstGeom>
+            <a:ln>
+              <a:tailEnd type="triangle"/>
+            </a:ln>
+          </p:spPr>
+          <p:style>
+            <a:lnRef idx="2">
+              <a:schemeClr val="dk1"/>
+            </a:lnRef>
+            <a:fillRef idx="1">
+              <a:schemeClr val="lt1"/>
+            </a:fillRef>
+            <a:effectRef idx="0">
+              <a:schemeClr val="dk1"/>
+            </a:effectRef>
+            <a:fontRef idx="minor">
+              <a:schemeClr val="dk1"/>
+            </a:fontRef>
+          </p:style>
+        </p:cxnSp>
+        <p:cxnSp>
+          <p:nvCxnSpPr>
+            <p:cNvPr id="25" name="Elbow Connector 24">
+              <a:extLst>
+                <a:ext uri="{FF2B5EF4-FFF2-40B4-BE49-F238E27FC236}">
+                  <a16:creationId xmlns:a16="http://schemas.microsoft.com/office/drawing/2014/main" id="{E375EB92-8327-234A-8810-E29156607540}"/>
+                </a:ext>
+              </a:extLst>
+            </p:cNvPr>
+            <p:cNvCxnSpPr>
+              <a:stCxn id="8" idx="6"/>
+              <a:endCxn id="5" idx="1"/>
+            </p:cNvCxnSpPr>
+            <p:nvPr/>
+          </p:nvCxnSpPr>
+          <p:spPr>
+            <a:xfrm flipV="1">
+              <a:off x="6365173" y="2509936"/>
+              <a:ext cx="2061180" cy="745640"/>
+            </a:xfrm>
+            <a:prstGeom prst="bentConnector3">
+              <a:avLst>
+                <a:gd name="adj1" fmla="val 83992"/>
+              </a:avLst>
+            </a:prstGeom>
+            <a:ln>
+              <a:tailEnd type="triangle"/>
+            </a:ln>
+          </p:spPr>
+          <p:style>
+            <a:lnRef idx="2">
+              <a:schemeClr val="dk1"/>
+            </a:lnRef>
+            <a:fillRef idx="1">
+              <a:schemeClr val="lt1"/>
+            </a:fillRef>
+            <a:effectRef idx="0">
+              <a:schemeClr val="dk1"/>
+            </a:effectRef>
+            <a:fontRef idx="minor">
+              <a:schemeClr val="dk1"/>
+            </a:fontRef>
+          </p:style>
+        </p:cxnSp>
+        <p:sp>
+          <p:nvSpPr>
+            <p:cNvPr id="31" name="TextBox 30">
+              <a:extLst>
+                <a:ext uri="{FF2B5EF4-FFF2-40B4-BE49-F238E27FC236}">
+                  <a16:creationId xmlns:a16="http://schemas.microsoft.com/office/drawing/2014/main" id="{794724BD-36E5-8240-A925-7F34E71DEA2C}"/>
                 </a:ext>
               </a:extLst>
             </p:cNvPr>
@@ -4432,8 +4524,8 @@
           </p:nvSpPr>
           <p:spPr>
             <a:xfrm>
-              <a:off x="4805355" y="4571598"/>
-              <a:ext cx="2114550" cy="261610"/>
+              <a:off x="9299792" y="4528991"/>
+              <a:ext cx="1629103" cy="369332"/>
             </a:xfrm>
             <a:prstGeom prst="rect">
               <a:avLst/>
@@ -4447,350 +4539,30 @@
             <a:lstStyle/>
             <a:p>
               <a:r>
-                <a:rPr lang="en-US" sz="1100" b="1" dirty="0"/>
-                <a:t>Memory(DRAM)</a:t>
+                <a:rPr lang="en-US" dirty="0" err="1">
+                  <a:solidFill>
+                    <a:srgbClr val="FF0000"/>
+                  </a:solidFill>
+                </a:rPr>
+                <a:t>fsync</a:t>
               </a:r>
-              <a:endParaRPr lang="en-KR" sz="1100" b="1" dirty="0"/>
-            </a:p>
-          </p:txBody>
-        </p:sp>
-        <p:sp>
-          <p:nvSpPr>
-            <p:cNvPr id="12" name="TextBox 11">
-              <a:extLst>
-                <a:ext uri="{FF2B5EF4-FFF2-40B4-BE49-F238E27FC236}">
-                  <a16:creationId xmlns:a16="http://schemas.microsoft.com/office/drawing/2014/main" id="{944FD6A6-A5F6-E14E-89AB-28A5565AFED5}"/>
-                </a:ext>
-              </a:extLst>
-            </p:cNvPr>
-            <p:cNvSpPr txBox="1"/>
-            <p:nvPr/>
-          </p:nvSpPr>
-          <p:spPr>
-            <a:xfrm>
-              <a:off x="4805355" y="5023380"/>
-              <a:ext cx="2114550" cy="261610"/>
-            </a:xfrm>
-            <a:prstGeom prst="rect">
-              <a:avLst/>
-            </a:prstGeom>
-            <a:noFill/>
-          </p:spPr>
-          <p:txBody>
-            <a:bodyPr wrap="square" rtlCol="0">
-              <a:spAutoFit/>
-            </a:bodyPr>
-            <a:lstStyle/>
-            <a:p>
               <a:r>
-                <a:rPr lang="en-KR" sz="1100" b="1" dirty="0"/>
-                <a:t>Disk(HDD or SSD)</a:t>
+                <a:rPr lang="ko-KR" altLang="en-US" dirty="0">
+                  <a:solidFill>
+                    <a:srgbClr val="FF0000"/>
+                  </a:solidFill>
+                </a:rPr>
+                <a:t> 함수</a:t>
               </a:r>
+              <a:endParaRPr lang="en-KR" dirty="0">
+                <a:solidFill>
+                  <a:srgbClr val="FF0000"/>
+                </a:solidFill>
+              </a:endParaRPr>
             </a:p>
           </p:txBody>
         </p:sp>
       </p:grpSp>
-      <p:sp>
-        <p:nvSpPr>
-          <p:cNvPr id="15" name="TextBox 14">
-            <a:extLst>
-              <a:ext uri="{FF2B5EF4-FFF2-40B4-BE49-F238E27FC236}">
-                <a16:creationId xmlns:a16="http://schemas.microsoft.com/office/drawing/2014/main" id="{9B69E391-6BAA-1B49-8696-89DA61C5C18C}"/>
-              </a:ext>
-            </a:extLst>
-          </p:cNvPr>
-          <p:cNvSpPr txBox="1"/>
-          <p:nvPr/>
-        </p:nvSpPr>
-        <p:spPr>
-          <a:xfrm>
-            <a:off x="800312" y="2793037"/>
-            <a:ext cx="3124985" cy="2957861"/>
-          </a:xfrm>
-          <a:prstGeom prst="rect">
-            <a:avLst/>
-          </a:prstGeom>
-          <a:noFill/>
-        </p:spPr>
-        <p:txBody>
-          <a:bodyPr wrap="square" rtlCol="0">
-            <a:spAutoFit/>
-          </a:bodyPr>
-          <a:lstStyle/>
-          <a:p>
-            <a:pPr>
-              <a:lnSpc>
-                <a:spcPct val="150000"/>
-              </a:lnSpc>
-            </a:pPr>
-            <a:r>
-              <a:rPr lang="en-US" altLang="ko-KR" dirty="0"/>
-              <a:t>1.</a:t>
-            </a:r>
-            <a:r>
-              <a:rPr lang="ko-KR" altLang="en-US" dirty="0"/>
-              <a:t> 명령 수행 후  로그 레코드</a:t>
-            </a:r>
-            <a:r>
-              <a:rPr lang="ko-KR" altLang="en-US" b="1" dirty="0"/>
-              <a:t> </a:t>
-            </a:r>
-            <a:r>
-              <a:rPr lang="ko-KR" altLang="en-US" dirty="0"/>
-              <a:t>생성</a:t>
-            </a:r>
-          </a:p>
-          <a:p>
-            <a:pPr>
-              <a:lnSpc>
-                <a:spcPct val="150000"/>
-              </a:lnSpc>
-            </a:pPr>
-            <a:r>
-              <a:rPr lang="en-US" altLang="ko-KR" dirty="0"/>
-              <a:t>2.</a:t>
-            </a:r>
-            <a:r>
-              <a:rPr lang="ko-KR" altLang="en-US" dirty="0"/>
-              <a:t> </a:t>
-            </a:r>
-            <a:r>
-              <a:rPr lang="en-US" dirty="0"/>
-              <a:t>AOF </a:t>
-            </a:r>
-            <a:r>
-              <a:rPr lang="ko-KR" altLang="en-US" dirty="0"/>
-              <a:t>버퍼에 로그 레코드 저장</a:t>
-            </a:r>
-          </a:p>
-          <a:p>
-            <a:pPr>
-              <a:lnSpc>
-                <a:spcPct val="150000"/>
-              </a:lnSpc>
-            </a:pPr>
-            <a:r>
-              <a:rPr lang="en-US" altLang="ko-KR" dirty="0"/>
-              <a:t>3.</a:t>
-            </a:r>
-            <a:r>
-              <a:rPr lang="ko-KR" altLang="en-US" dirty="0"/>
-              <a:t> </a:t>
-            </a:r>
-            <a:r>
-              <a:rPr lang="en-US" dirty="0" err="1"/>
-              <a:t>fsync</a:t>
-            </a:r>
-            <a:r>
-              <a:rPr lang="en-US" dirty="0"/>
-              <a:t> </a:t>
-            </a:r>
-            <a:r>
-              <a:rPr lang="ko-KR" altLang="en-US" dirty="0"/>
-              <a:t>함수를 통해 로그 레코드가 </a:t>
-            </a:r>
-            <a:r>
-              <a:rPr lang="en-US" dirty="0"/>
-              <a:t>AOF </a:t>
-            </a:r>
-            <a:r>
-              <a:rPr lang="ko-KR" altLang="en-US" dirty="0"/>
-              <a:t>파일에 기록</a:t>
-            </a:r>
-          </a:p>
-          <a:p>
-            <a:pPr>
-              <a:lnSpc>
-                <a:spcPct val="150000"/>
-              </a:lnSpc>
-            </a:pPr>
-            <a:endParaRPr lang="en-KR" dirty="0"/>
-          </a:p>
-        </p:txBody>
-      </p:sp>
-      <p:cxnSp>
-        <p:nvCxnSpPr>
-          <p:cNvPr id="20" name="Elbow Connector 19">
-            <a:extLst>
-              <a:ext uri="{FF2B5EF4-FFF2-40B4-BE49-F238E27FC236}">
-                <a16:creationId xmlns:a16="http://schemas.microsoft.com/office/drawing/2014/main" id="{69ADFD75-CCCB-7642-AE99-A47F413A752A}"/>
-              </a:ext>
-            </a:extLst>
-          </p:cNvPr>
-          <p:cNvCxnSpPr>
-            <a:cxnSpLocks/>
-            <a:stCxn id="8" idx="6"/>
-            <a:endCxn id="6" idx="1"/>
-          </p:cNvCxnSpPr>
-          <p:nvPr/>
-        </p:nvCxnSpPr>
-        <p:spPr>
-          <a:xfrm>
-            <a:off x="6365173" y="3266087"/>
-            <a:ext cx="2120555" cy="604137"/>
-          </a:xfrm>
-          <a:prstGeom prst="bentConnector3">
-            <a:avLst>
-              <a:gd name="adj1" fmla="val 81660"/>
-            </a:avLst>
-          </a:prstGeom>
-          <a:ln>
-            <a:tailEnd type="triangle"/>
-          </a:ln>
-        </p:spPr>
-        <p:style>
-          <a:lnRef idx="2">
-            <a:schemeClr val="dk1"/>
-          </a:lnRef>
-          <a:fillRef idx="1">
-            <a:schemeClr val="lt1"/>
-          </a:fillRef>
-          <a:effectRef idx="0">
-            <a:schemeClr val="dk1"/>
-          </a:effectRef>
-          <a:fontRef idx="minor">
-            <a:schemeClr val="dk1"/>
-          </a:fontRef>
-        </p:style>
-      </p:cxnSp>
-      <p:cxnSp>
-        <p:nvCxnSpPr>
-          <p:cNvPr id="25" name="Elbow Connector 24">
-            <a:extLst>
-              <a:ext uri="{FF2B5EF4-FFF2-40B4-BE49-F238E27FC236}">
-                <a16:creationId xmlns:a16="http://schemas.microsoft.com/office/drawing/2014/main" id="{E375EB92-8327-234A-8810-E29156607540}"/>
-              </a:ext>
-            </a:extLst>
-          </p:cNvPr>
-          <p:cNvCxnSpPr>
-            <a:stCxn id="8" idx="6"/>
-            <a:endCxn id="5" idx="1"/>
-          </p:cNvCxnSpPr>
-          <p:nvPr/>
-        </p:nvCxnSpPr>
-        <p:spPr>
-          <a:xfrm flipV="1">
-            <a:off x="6365173" y="2520447"/>
-            <a:ext cx="2061180" cy="745640"/>
-          </a:xfrm>
-          <a:prstGeom prst="bentConnector3">
-            <a:avLst>
-              <a:gd name="adj1" fmla="val 83992"/>
-            </a:avLst>
-          </a:prstGeom>
-          <a:ln>
-            <a:tailEnd type="triangle"/>
-          </a:ln>
-        </p:spPr>
-        <p:style>
-          <a:lnRef idx="2">
-            <a:schemeClr val="dk1"/>
-          </a:lnRef>
-          <a:fillRef idx="1">
-            <a:schemeClr val="lt1"/>
-          </a:fillRef>
-          <a:effectRef idx="0">
-            <a:schemeClr val="dk1"/>
-          </a:effectRef>
-          <a:fontRef idx="minor">
-            <a:schemeClr val="dk1"/>
-          </a:fontRef>
-        </p:style>
-      </p:cxnSp>
-      <p:cxnSp>
-        <p:nvCxnSpPr>
-          <p:cNvPr id="30" name="Straight Arrow Connector 29">
-            <a:extLst>
-              <a:ext uri="{FF2B5EF4-FFF2-40B4-BE49-F238E27FC236}">
-                <a16:creationId xmlns:a16="http://schemas.microsoft.com/office/drawing/2014/main" id="{9AAB407C-B7FA-6F4E-A066-8E0F35379F7D}"/>
-              </a:ext>
-            </a:extLst>
-          </p:cNvPr>
-          <p:cNvCxnSpPr>
-            <a:stCxn id="6" idx="2"/>
-            <a:endCxn id="10" idx="0"/>
-          </p:cNvCxnSpPr>
-          <p:nvPr/>
-        </p:nvCxnSpPr>
-        <p:spPr>
-          <a:xfrm>
-            <a:off x="9098780" y="4283727"/>
-            <a:ext cx="765" cy="1015272"/>
-          </a:xfrm>
-          <a:prstGeom prst="straightConnector1">
-            <a:avLst/>
-          </a:prstGeom>
-          <a:ln>
-            <a:tailEnd type="triangle"/>
-          </a:ln>
-        </p:spPr>
-        <p:style>
-          <a:lnRef idx="1">
-            <a:schemeClr val="dk1"/>
-          </a:lnRef>
-          <a:fillRef idx="0">
-            <a:schemeClr val="dk1"/>
-          </a:fillRef>
-          <a:effectRef idx="0">
-            <a:schemeClr val="dk1"/>
-          </a:effectRef>
-          <a:fontRef idx="minor">
-            <a:schemeClr val="tx1"/>
-          </a:fontRef>
-        </p:style>
-      </p:cxnSp>
-      <p:sp>
-        <p:nvSpPr>
-          <p:cNvPr id="31" name="TextBox 30">
-            <a:extLst>
-              <a:ext uri="{FF2B5EF4-FFF2-40B4-BE49-F238E27FC236}">
-                <a16:creationId xmlns:a16="http://schemas.microsoft.com/office/drawing/2014/main" id="{794724BD-36E5-8240-A925-7F34E71DEA2C}"/>
-              </a:ext>
-            </a:extLst>
-          </p:cNvPr>
-          <p:cNvSpPr txBox="1"/>
-          <p:nvPr/>
-        </p:nvSpPr>
-        <p:spPr>
-          <a:xfrm>
-            <a:off x="9299792" y="4539502"/>
-            <a:ext cx="1629103" cy="369332"/>
-          </a:xfrm>
-          <a:prstGeom prst="rect">
-            <a:avLst/>
-          </a:prstGeom>
-          <a:noFill/>
-        </p:spPr>
-        <p:txBody>
-          <a:bodyPr wrap="square" rtlCol="0">
-            <a:spAutoFit/>
-          </a:bodyPr>
-          <a:lstStyle/>
-          <a:p>
-            <a:r>
-              <a:rPr lang="en-US" dirty="0" err="1">
-                <a:solidFill>
-                  <a:srgbClr val="FF0000"/>
-                </a:solidFill>
-              </a:rPr>
-              <a:t>fsync</a:t>
-            </a:r>
-            <a:r>
-              <a:rPr lang="ko-KR" altLang="en-US" dirty="0">
-                <a:solidFill>
-                  <a:srgbClr val="FF0000"/>
-                </a:solidFill>
-              </a:rPr>
-              <a:t> 함수</a:t>
-            </a:r>
-            <a:endParaRPr lang="en-KR" dirty="0">
-              <a:solidFill>
-                <a:srgbClr val="FF0000"/>
-              </a:solidFill>
-            </a:endParaRPr>
-          </a:p>
-        </p:txBody>
-      </p:sp>
     </p:spTree>
     <p:extLst>
       <p:ext uri="{BB962C8B-B14F-4D97-AF65-F5344CB8AC3E}">
@@ -4805,71 +4577,6 @@
 </file>
 
 <file path=ppt/slides/slide5.xml><?xml version="1.0" encoding="utf-8"?>
-<p:sld xmlns:a="http://schemas.openxmlformats.org/drawingml/2006/main" xmlns:r="http://schemas.openxmlformats.org/officeDocument/2006/relationships" xmlns:p="http://schemas.openxmlformats.org/presentationml/2006/main">
-  <p:cSld>
-    <p:spTree>
-      <p:nvGrpSpPr>
-        <p:cNvPr id="1" name=""/>
-        <p:cNvGrpSpPr/>
-        <p:nvPr/>
-      </p:nvGrpSpPr>
-      <p:grpSpPr>
-        <a:xfrm>
-          <a:off x="0" y="0"/>
-          <a:ext cx="0" cy="0"/>
-          <a:chOff x="0" y="0"/>
-          <a:chExt cx="0" cy="0"/>
-        </a:xfrm>
-      </p:grpSpPr>
-      <p:sp>
-        <p:nvSpPr>
-          <p:cNvPr id="2" name="Title 1">
-            <a:extLst>
-              <a:ext uri="{FF2B5EF4-FFF2-40B4-BE49-F238E27FC236}">
-                <a16:creationId xmlns:a16="http://schemas.microsoft.com/office/drawing/2014/main" id="{24D2C232-2308-0942-B690-95502DDF1694}"/>
-              </a:ext>
-            </a:extLst>
-          </p:cNvPr>
-          <p:cNvSpPr>
-            <a:spLocks noGrp="1"/>
-          </p:cNvSpPr>
-          <p:nvPr>
-            <p:ph type="title"/>
-          </p:nvPr>
-        </p:nvSpPr>
-        <p:spPr/>
-        <p:txBody>
-          <a:bodyPr>
-            <a:normAutofit/>
-          </a:bodyPr>
-          <a:lstStyle/>
-          <a:p>
-            <a:r>
-              <a:rPr lang="en-US" sz="4000" dirty="0"/>
-              <a:t>AOF </a:t>
-            </a:r>
-            <a:r>
-              <a:rPr lang="ko-KR" altLang="en-US" sz="4000" dirty="0"/>
-              <a:t>복구 과정</a:t>
-            </a:r>
-            <a:endParaRPr lang="en-KR" sz="4000" dirty="0"/>
-          </a:p>
-        </p:txBody>
-      </p:sp>
-    </p:spTree>
-    <p:extLst>
-      <p:ext uri="{BB962C8B-B14F-4D97-AF65-F5344CB8AC3E}">
-        <p14:creationId xmlns:p14="http://schemas.microsoft.com/office/powerpoint/2010/main" val="1029484644"/>
-      </p:ext>
-    </p:extLst>
-  </p:cSld>
-  <p:clrMapOvr>
-    <a:masterClrMapping/>
-  </p:clrMapOvr>
-</p:sld>
-</file>
-
-<file path=ppt/slides/slide6.xml><?xml version="1.0" encoding="utf-8"?>
 <p:sld xmlns:a="http://schemas.openxmlformats.org/drawingml/2006/main" xmlns:r="http://schemas.openxmlformats.org/officeDocument/2006/relationships" xmlns:p="http://schemas.openxmlformats.org/presentationml/2006/main">
   <p:cSld>
     <p:spTree>
@@ -6174,6 +5881,242 @@
 </p:sld>
 </file>
 
+<file path=ppt/slides/slide6.xml><?xml version="1.0" encoding="utf-8"?>
+<p:sld xmlns:a="http://schemas.openxmlformats.org/drawingml/2006/main" xmlns:r="http://schemas.openxmlformats.org/officeDocument/2006/relationships" xmlns:p="http://schemas.openxmlformats.org/presentationml/2006/main">
+  <p:cSld>
+    <p:spTree>
+      <p:nvGrpSpPr>
+        <p:cNvPr id="1" name=""/>
+        <p:cNvGrpSpPr/>
+        <p:nvPr/>
+      </p:nvGrpSpPr>
+      <p:grpSpPr>
+        <a:xfrm>
+          <a:off x="0" y="0"/>
+          <a:ext cx="0" cy="0"/>
+          <a:chOff x="0" y="0"/>
+          <a:chExt cx="0" cy="0"/>
+        </a:xfrm>
+      </p:grpSpPr>
+      <p:sp>
+        <p:nvSpPr>
+          <p:cNvPr id="2" name="Title 1">
+            <a:extLst>
+              <a:ext uri="{FF2B5EF4-FFF2-40B4-BE49-F238E27FC236}">
+                <a16:creationId xmlns:a16="http://schemas.microsoft.com/office/drawing/2014/main" id="{24D2C232-2308-0942-B690-95502DDF1694}"/>
+              </a:ext>
+            </a:extLst>
+          </p:cNvPr>
+          <p:cNvSpPr>
+            <a:spLocks noGrp="1"/>
+          </p:cNvSpPr>
+          <p:nvPr>
+            <p:ph type="title"/>
+          </p:nvPr>
+        </p:nvSpPr>
+        <p:spPr/>
+        <p:txBody>
+          <a:bodyPr>
+            <a:normAutofit/>
+          </a:bodyPr>
+          <a:lstStyle/>
+          <a:p>
+            <a:r>
+              <a:rPr lang="en-US" sz="4000" dirty="0"/>
+              <a:t>AOF preamble</a:t>
+            </a:r>
+            <a:endParaRPr lang="en-KR" sz="4000" dirty="0"/>
+          </a:p>
+        </p:txBody>
+      </p:sp>
+      <p:sp>
+        <p:nvSpPr>
+          <p:cNvPr id="3" name="TextBox 2">
+            <a:extLst>
+              <a:ext uri="{FF2B5EF4-FFF2-40B4-BE49-F238E27FC236}">
+                <a16:creationId xmlns:a16="http://schemas.microsoft.com/office/drawing/2014/main" id="{9FD8DC16-9EB4-E746-B173-2924688FA541}"/>
+              </a:ext>
+            </a:extLst>
+          </p:cNvPr>
+          <p:cNvSpPr txBox="1"/>
+          <p:nvPr/>
+        </p:nvSpPr>
+        <p:spPr>
+          <a:xfrm>
+            <a:off x="960715" y="1794784"/>
+            <a:ext cx="4002374" cy="3693319"/>
+          </a:xfrm>
+          <a:prstGeom prst="rect">
+            <a:avLst/>
+          </a:prstGeom>
+          <a:noFill/>
+        </p:spPr>
+        <p:txBody>
+          <a:bodyPr wrap="square" rtlCol="0">
+            <a:spAutoFit/>
+          </a:bodyPr>
+          <a:lstStyle/>
+          <a:p>
+            <a:r>
+              <a:rPr lang="en-US" dirty="0"/>
+              <a:t>AOF Preamble</a:t>
+            </a:r>
+          </a:p>
+          <a:p>
+            <a:pPr marL="285750" indent="-285750">
+              <a:buFont typeface="Arial" panose="020B0604020202020204" pitchFamily="34" charset="0"/>
+              <a:buChar char="•"/>
+            </a:pPr>
+            <a:r>
+              <a:rPr lang="en-US" dirty="0"/>
+              <a:t>AOF Rewrite </a:t>
+            </a:r>
+            <a:r>
+              <a:rPr lang="ko-KR" altLang="en-US" dirty="0"/>
+              <a:t>와 동일한 동작 과정</a:t>
+            </a:r>
+            <a:endParaRPr lang="en-US" altLang="ko-KR" dirty="0"/>
+          </a:p>
+          <a:p>
+            <a:pPr marL="285750" indent="-285750">
+              <a:buFont typeface="Arial" panose="020B0604020202020204" pitchFamily="34" charset="0"/>
+              <a:buChar char="•"/>
+            </a:pPr>
+            <a:r>
+              <a:rPr lang="en-US" dirty="0"/>
+              <a:t>Temp AOF </a:t>
+            </a:r>
+            <a:r>
+              <a:rPr lang="ko-KR" altLang="en-US" dirty="0"/>
+              <a:t>파일에 </a:t>
+            </a:r>
+            <a:r>
+              <a:rPr lang="en-US" altLang="ko-KR" dirty="0"/>
+              <a:t>RDB </a:t>
+            </a:r>
+            <a:r>
+              <a:rPr lang="ko-KR" altLang="en-US" dirty="0"/>
+              <a:t>로그 레코드를 기록하는 것이 가장 큰 차이점</a:t>
+            </a:r>
+            <a:endParaRPr lang="en-US" altLang="ko-KR" dirty="0"/>
+          </a:p>
+          <a:p>
+            <a:pPr marL="285750" indent="-285750">
+              <a:buFont typeface="Arial" panose="020B0604020202020204" pitchFamily="34" charset="0"/>
+              <a:buChar char="•"/>
+            </a:pPr>
+            <a:r>
+              <a:rPr lang="en-US" dirty="0"/>
+              <a:t>RDB</a:t>
+            </a:r>
+            <a:r>
+              <a:rPr lang="ko-KR" altLang="en-US" dirty="0"/>
+              <a:t>의 이점인 빠른 작업 및 복구 속도를 활용한다</a:t>
+            </a:r>
+            <a:r>
+              <a:rPr lang="en-US" altLang="ko-KR" dirty="0"/>
+              <a:t>.</a:t>
+            </a:r>
+          </a:p>
+          <a:p>
+            <a:pPr marL="285750" indent="-285750">
+              <a:buFont typeface="Arial" panose="020B0604020202020204" pitchFamily="34" charset="0"/>
+              <a:buChar char="•"/>
+            </a:pPr>
+            <a:r>
+              <a:rPr lang="ko-KR" altLang="en-US" dirty="0"/>
+              <a:t>결국 </a:t>
+            </a:r>
+            <a:r>
+              <a:rPr lang="en-US" altLang="ko-KR" dirty="0"/>
+              <a:t>AOF, RDB</a:t>
+            </a:r>
+            <a:r>
+              <a:rPr lang="ko-KR" altLang="en-US" dirty="0"/>
+              <a:t>가 혼합된 형태이다</a:t>
+            </a:r>
+            <a:r>
+              <a:rPr lang="en-US" altLang="ko-KR" dirty="0"/>
+              <a:t>.</a:t>
+            </a:r>
+          </a:p>
+          <a:p>
+            <a:pPr marL="285750" indent="-285750">
+              <a:buFont typeface="Arial" panose="020B0604020202020204" pitchFamily="34" charset="0"/>
+              <a:buChar char="•"/>
+            </a:pPr>
+            <a:r>
+              <a:rPr lang="ko-KR" altLang="en-US" dirty="0"/>
+              <a:t>상용자 요청 발생시 기존 </a:t>
+            </a:r>
+            <a:r>
+              <a:rPr lang="en-US" altLang="ko-KR" dirty="0"/>
+              <a:t>AOF Rewrite</a:t>
+            </a:r>
+            <a:r>
+              <a:rPr lang="ko-KR" altLang="en-US" dirty="0"/>
+              <a:t>와 동일한 작동 방식을 거친다</a:t>
+            </a:r>
+            <a:r>
+              <a:rPr lang="en-US" altLang="ko-KR" dirty="0"/>
+              <a:t>.</a:t>
+            </a:r>
+            <a:r>
+              <a:rPr lang="ko-KR" altLang="en-US" dirty="0"/>
+              <a:t> </a:t>
+            </a:r>
+            <a:endParaRPr lang="en-US" altLang="ko-KR" dirty="0"/>
+          </a:p>
+          <a:p>
+            <a:pPr marL="285750" indent="-285750">
+              <a:buFont typeface="Arial" panose="020B0604020202020204" pitchFamily="34" charset="0"/>
+              <a:buChar char="•"/>
+            </a:pPr>
+            <a:r>
+              <a:rPr lang="ko-KR" altLang="en-US" dirty="0"/>
+              <a:t>데이터 </a:t>
+            </a:r>
+            <a:r>
+              <a:rPr lang="ko-KR" altLang="en-US" dirty="0" err="1"/>
+              <a:t>복구시</a:t>
+            </a:r>
+            <a:r>
+              <a:rPr lang="ko-KR" altLang="en-US" dirty="0"/>
+              <a:t> </a:t>
+            </a:r>
+            <a:r>
+              <a:rPr lang="en-US" altLang="ko-KR" dirty="0"/>
+              <a:t>RDB, AOF </a:t>
+            </a:r>
+            <a:r>
+              <a:rPr lang="ko-KR" altLang="en-US" dirty="0"/>
+              <a:t>복구 방법 모두 사용된다</a:t>
+            </a:r>
+            <a:r>
+              <a:rPr lang="en-US" altLang="ko-KR" dirty="0"/>
+              <a:t>.</a:t>
+            </a:r>
+            <a:r>
+              <a:rPr lang="ko-KR" altLang="en-US" dirty="0"/>
+              <a:t> </a:t>
+            </a:r>
+            <a:endParaRPr lang="en-KR" dirty="0"/>
+          </a:p>
+        </p:txBody>
+      </p:sp>
+    </p:spTree>
+    <p:extLst>
+      <p:ext uri="{BB962C8B-B14F-4D97-AF65-F5344CB8AC3E}">
+        <p14:creationId xmlns:p14="http://schemas.microsoft.com/office/powerpoint/2010/main" val="1719661354"/>
+      </p:ext>
+    </p:extLst>
+  </p:cSld>
+  <p:clrMapOvr>
+    <a:masterClrMapping/>
+  </p:clrMapOvr>
+</p:sld>
+</file>
+
 <file path=ppt/slides/slide7.xml><?xml version="1.0" encoding="utf-8"?>
 <p:sld xmlns:a="http://schemas.openxmlformats.org/drawingml/2006/main" xmlns:r="http://schemas.openxmlformats.org/officeDocument/2006/relationships" xmlns:p="http://schemas.openxmlformats.org/presentationml/2006/main">
   <p:cSld>
@@ -6196,7 +6139,7 @@
           <p:cNvPr id="2" name="Title 1">
             <a:extLst>
               <a:ext uri="{FF2B5EF4-FFF2-40B4-BE49-F238E27FC236}">
-                <a16:creationId xmlns:a16="http://schemas.microsoft.com/office/drawing/2014/main" id="{24D2C232-2308-0942-B690-95502DDF1694}"/>
+                <a16:creationId xmlns:a16="http://schemas.microsoft.com/office/drawing/2014/main" id="{34B3DA25-58D6-9046-BF18-574A0EE2318B}"/>
               </a:ext>
             </a:extLst>
           </p:cNvPr>
@@ -6216,7 +6159,15 @@
           <a:p>
             <a:r>
               <a:rPr lang="en-US" sz="4000" dirty="0"/>
-              <a:t>AOF preamble</a:t>
+              <a:t>AOF </a:t>
+            </a:r>
+            <a:r>
+              <a:rPr lang="ko-KR" altLang="en-US" sz="4000" dirty="0"/>
+              <a:t>관련 </a:t>
+            </a:r>
+            <a:r>
+              <a:rPr lang="ko-KR" altLang="en-US" sz="4000" dirty="0" err="1"/>
+              <a:t>파라미터</a:t>
             </a:r>
             <a:endParaRPr lang="en-KR" sz="4000" dirty="0"/>
           </a:p>
@@ -6227,7 +6178,7 @@
           <p:cNvPr id="3" name="TextBox 2">
             <a:extLst>
               <a:ext uri="{FF2B5EF4-FFF2-40B4-BE49-F238E27FC236}">
-                <a16:creationId xmlns:a16="http://schemas.microsoft.com/office/drawing/2014/main" id="{9FD8DC16-9EB4-E746-B173-2924688FA541}"/>
+                <a16:creationId xmlns:a16="http://schemas.microsoft.com/office/drawing/2014/main" id="{FB2D2156-D83E-D44D-A171-C99201A7FF97}"/>
               </a:ext>
             </a:extLst>
           </p:cNvPr>
@@ -6236,8 +6187,8 @@
         </p:nvSpPr>
         <p:spPr>
           <a:xfrm>
-            <a:off x="1933731" y="2533338"/>
-            <a:ext cx="4002374" cy="3693319"/>
+            <a:off x="6576643" y="2292990"/>
+            <a:ext cx="4070268" cy="5109091"/>
           </a:xfrm>
           <a:prstGeom prst="rect">
             <a:avLst/>
@@ -6251,8 +6202,47 @@
           <a:lstStyle/>
           <a:p>
             <a:r>
+              <a:rPr lang="en-US" sz="2000" dirty="0"/>
+              <a:t>APPENDONLY</a:t>
+            </a:r>
+          </a:p>
+          <a:p>
+            <a:pPr marL="342900" indent="-342900">
+              <a:buFont typeface="Arial" panose="020B0604020202020204" pitchFamily="34" charset="0"/>
+              <a:buChar char="•"/>
+            </a:pPr>
+            <a:r>
               <a:rPr lang="en-US" dirty="0"/>
-              <a:t>AOF Preamble</a:t>
+              <a:t>AOF </a:t>
+            </a:r>
+            <a:r>
+              <a:rPr lang="ko-KR" altLang="en-US" dirty="0"/>
+              <a:t>로깅 여부 결정</a:t>
+            </a:r>
+            <a:endParaRPr lang="en-US" altLang="ko-KR" dirty="0"/>
+          </a:p>
+          <a:p>
+            <a:pPr marL="342900" indent="-342900">
+              <a:buFont typeface="Arial" panose="020B0604020202020204" pitchFamily="34" charset="0"/>
+              <a:buChar char="•"/>
+            </a:pPr>
+            <a:r>
+              <a:rPr lang="en-US" altLang="ko-KR" dirty="0"/>
+              <a:t>AOF File </a:t>
+            </a:r>
+            <a:r>
+              <a:rPr lang="ko-KR" altLang="en-US" dirty="0"/>
+              <a:t>작성 여부 </a:t>
+            </a:r>
+            <a:endParaRPr lang="en-US" dirty="0"/>
+          </a:p>
+          <a:p>
+            <a:endParaRPr lang="en-US" sz="2000" dirty="0"/>
+          </a:p>
+          <a:p>
+            <a:r>
+              <a:rPr lang="en-US" sz="2000" dirty="0"/>
+              <a:t>APPENDFILENAME</a:t>
             </a:r>
           </a:p>
           <a:p>
@@ -6261,12 +6251,12 @@
               <a:buChar char="•"/>
             </a:pPr>
             <a:r>
-              <a:rPr lang="en-US" dirty="0"/>
-              <a:t>AOF Rewrite </a:t>
+              <a:rPr lang="en-US" altLang="ko-KR" dirty="0"/>
+              <a:t>AOF </a:t>
             </a:r>
             <a:r>
               <a:rPr lang="ko-KR" altLang="en-US" dirty="0"/>
-              <a:t>와 동일한 동작 과정</a:t>
+              <a:t>파일명 지정 가능</a:t>
             </a:r>
             <a:endParaRPr lang="en-US" altLang="ko-KR" dirty="0"/>
           </a:p>
@@ -6275,23 +6265,49 @@
               <a:buFont typeface="Arial" panose="020B0604020202020204" pitchFamily="34" charset="0"/>
               <a:buChar char="•"/>
             </a:pPr>
-            <a:r>
-              <a:rPr lang="en-US" dirty="0"/>
-              <a:t>Temp AOF </a:t>
-            </a:r>
+            <a:endParaRPr lang="en-US" dirty="0"/>
+          </a:p>
+          <a:p>
+            <a:r>
+              <a:rPr lang="en-US" sz="2000" dirty="0"/>
+              <a:t>AOF-LOAD-TRUNCATED</a:t>
+            </a:r>
+          </a:p>
+          <a:p>
+            <a:pPr marL="342900" indent="-342900">
+              <a:buFont typeface="Arial" panose="020B0604020202020204" pitchFamily="34" charset="0"/>
+              <a:buChar char="•"/>
+            </a:pPr>
             <a:r>
               <a:rPr lang="ko-KR" altLang="en-US" dirty="0"/>
-              <a:t>파일에 </a:t>
+              <a:t>끝이 잘려 있는 </a:t>
             </a:r>
             <a:r>
               <a:rPr lang="en-US" altLang="ko-KR" dirty="0"/>
-              <a:t>RDB </a:t>
+              <a:t>AOF</a:t>
             </a:r>
             <a:r>
               <a:rPr lang="ko-KR" altLang="en-US" dirty="0"/>
-              <a:t>로그 레코드를 기록하는 것이 가장 큰 차이점</a:t>
+              <a:t> 파일을 </a:t>
+            </a:r>
+            <a:r>
+              <a:rPr lang="ko-KR" altLang="en-US" dirty="0" err="1"/>
+              <a:t>로드할</a:t>
+            </a:r>
+            <a:r>
+              <a:rPr lang="ko-KR" altLang="en-US" dirty="0"/>
+              <a:t> 경우의 정상 작동 여부</a:t>
             </a:r>
             <a:endParaRPr lang="en-US" altLang="ko-KR" dirty="0"/>
+          </a:p>
+          <a:p>
+            <a:endParaRPr lang="en-US" sz="2000" dirty="0"/>
+          </a:p>
+          <a:p>
+            <a:r>
+              <a:rPr lang="en-US" sz="2000" dirty="0"/>
+              <a:t>AOF-USE-RDB-PREAMBLE</a:t>
+            </a:r>
           </a:p>
           <a:p>
             <a:pPr marL="285750" indent="-285750">
@@ -6299,17 +6315,112 @@
               <a:buChar char="•"/>
             </a:pPr>
             <a:r>
-              <a:rPr lang="en-US" dirty="0"/>
-              <a:t>RDB</a:t>
+              <a:rPr lang="en-US" altLang="ko-KR" dirty="0"/>
+              <a:t>AOF Rewrite </a:t>
             </a:r>
             <a:r>
               <a:rPr lang="ko-KR" altLang="en-US" dirty="0"/>
-              <a:t>의 이점인 빠른 작업 및 복구 속도를 활용한다</a:t>
+              <a:t>동작 시 </a:t>
             </a:r>
             <a:r>
               <a:rPr lang="en-US" altLang="ko-KR" dirty="0"/>
-              <a:t>.</a:t>
-            </a:r>
+              <a:t>AOF</a:t>
+            </a:r>
+            <a:r>
+              <a:rPr lang="ko-KR" altLang="en-US" dirty="0"/>
+              <a:t> 파일을 </a:t>
+            </a:r>
+            <a:r>
+              <a:rPr lang="en-US" altLang="ko-KR" dirty="0"/>
+              <a:t>RDB </a:t>
+            </a:r>
+            <a:r>
+              <a:rPr lang="ko-KR" altLang="en-US" dirty="0"/>
+              <a:t>형식으로 작성할 지 결정</a:t>
+            </a:r>
+            <a:endParaRPr lang="en-US" altLang="ko-KR" dirty="0"/>
+          </a:p>
+          <a:p>
+            <a:endParaRPr lang="en-US" dirty="0"/>
+          </a:p>
+          <a:p>
+            <a:endParaRPr lang="en-US" sz="2000" dirty="0"/>
+          </a:p>
+        </p:txBody>
+      </p:sp>
+      <p:sp>
+        <p:nvSpPr>
+          <p:cNvPr id="5" name="TextBox 4">
+            <a:extLst>
+              <a:ext uri="{FF2B5EF4-FFF2-40B4-BE49-F238E27FC236}">
+                <a16:creationId xmlns:a16="http://schemas.microsoft.com/office/drawing/2014/main" id="{CC8659ED-57CB-3A42-ACE6-836D9F422F29}"/>
+              </a:ext>
+            </a:extLst>
+          </p:cNvPr>
+          <p:cNvSpPr txBox="1"/>
+          <p:nvPr/>
+        </p:nvSpPr>
+        <p:spPr>
+          <a:xfrm>
+            <a:off x="-691662" y="6435969"/>
+            <a:ext cx="184731" cy="369332"/>
+          </a:xfrm>
+          <a:prstGeom prst="rect">
+            <a:avLst/>
+          </a:prstGeom>
+          <a:noFill/>
+        </p:spPr>
+        <p:txBody>
+          <a:bodyPr wrap="none" rtlCol="0">
+            <a:spAutoFit/>
+          </a:bodyPr>
+          <a:lstStyle/>
+          <a:p>
+            <a:endParaRPr lang="en-KR"/>
+          </a:p>
+        </p:txBody>
+      </p:sp>
+      <p:sp>
+        <p:nvSpPr>
+          <p:cNvPr id="6" name="TextBox 5">
+            <a:extLst>
+              <a:ext uri="{FF2B5EF4-FFF2-40B4-BE49-F238E27FC236}">
+                <a16:creationId xmlns:a16="http://schemas.microsoft.com/office/drawing/2014/main" id="{C92867B0-9051-5F43-851E-12390F2E0D55}"/>
+              </a:ext>
+            </a:extLst>
+          </p:cNvPr>
+          <p:cNvSpPr txBox="1"/>
+          <p:nvPr/>
+        </p:nvSpPr>
+        <p:spPr>
+          <a:xfrm>
+            <a:off x="1005941" y="1812347"/>
+            <a:ext cx="3902528" cy="3785652"/>
+          </a:xfrm>
+          <a:prstGeom prst="rect">
+            <a:avLst/>
+          </a:prstGeom>
+          <a:noFill/>
+        </p:spPr>
+        <p:txBody>
+          <a:bodyPr wrap="square" rtlCol="0">
+            <a:spAutoFit/>
+          </a:bodyPr>
+          <a:lstStyle/>
+          <a:p>
+            <a:r>
+              <a:rPr lang="en-US" sz="1600" b="1" dirty="0"/>
+              <a:t>AOF </a:t>
+            </a:r>
+            <a:r>
+              <a:rPr lang="ko-KR" altLang="en-US" sz="1600" b="1" dirty="0"/>
+              <a:t>기본 설정 </a:t>
+            </a:r>
+            <a:r>
+              <a:rPr lang="en-US" altLang="ko-KR" sz="1600" b="1" dirty="0"/>
+              <a:t>Params</a:t>
+            </a:r>
+            <a:endParaRPr lang="en-US" sz="1400" b="1" dirty="0"/>
           </a:p>
           <a:p>
             <a:pPr marL="285750" indent="-285750">
@@ -6317,20 +6428,8 @@
               <a:buChar char="•"/>
             </a:pPr>
             <a:r>
-              <a:rPr lang="ko-KR" altLang="en-US" dirty="0"/>
-              <a:t>결국 </a:t>
-            </a:r>
-            <a:r>
-              <a:rPr lang="en-US" altLang="ko-KR" dirty="0"/>
-              <a:t>AOF, RDB</a:t>
-            </a:r>
-            <a:r>
-              <a:rPr lang="ko-KR" altLang="en-US" dirty="0"/>
-              <a:t>가 혼합된 형태이다</a:t>
-            </a:r>
-            <a:r>
-              <a:rPr lang="en-US" altLang="ko-KR" dirty="0"/>
-              <a:t>.</a:t>
+              <a:rPr lang="en-US" sz="1400" dirty="0"/>
+              <a:t>APPENDONLY</a:t>
             </a:r>
           </a:p>
           <a:p>
@@ -6339,26 +6438,9 @@
               <a:buChar char="•"/>
             </a:pPr>
             <a:r>
-              <a:rPr lang="ko-KR" altLang="en-US" dirty="0"/>
-              <a:t>상용자 요청 발생시 기존 </a:t>
-            </a:r>
-            <a:r>
-              <a:rPr lang="en-US" altLang="ko-KR" dirty="0"/>
-              <a:t>AOF Rewrite</a:t>
-            </a:r>
-            <a:r>
-              <a:rPr lang="ko-KR" altLang="en-US" dirty="0"/>
-              <a:t>와 동일한 작동 방식을 거친다</a:t>
-            </a:r>
-            <a:r>
-              <a:rPr lang="en-US" altLang="ko-KR" dirty="0"/>
-              <a:t>.</a:t>
-            </a:r>
-            <a:r>
-              <a:rPr lang="ko-KR" altLang="en-US" dirty="0"/>
-              <a:t> </a:t>
-            </a:r>
-            <a:endParaRPr lang="en-US" altLang="ko-KR" dirty="0"/>
+              <a:rPr lang="en-US" sz="1400" dirty="0"/>
+              <a:t>APPENDFILENAME</a:t>
+            </a:r>
           </a:p>
           <a:p>
             <a:pPr marL="285750" indent="-285750">
@@ -6366,41 +6448,181 @@
               <a:buChar char="•"/>
             </a:pPr>
             <a:r>
-              <a:rPr lang="ko-KR" altLang="en-US" dirty="0"/>
-              <a:t>데이터 </a:t>
-            </a:r>
-            <a:r>
-              <a:rPr lang="ko-KR" altLang="en-US" dirty="0" err="1"/>
-              <a:t>복구시</a:t>
-            </a:r>
-            <a:r>
-              <a:rPr lang="ko-KR" altLang="en-US" dirty="0"/>
-              <a:t> </a:t>
-            </a:r>
-            <a:r>
-              <a:rPr lang="en-US" altLang="ko-KR" dirty="0"/>
-              <a:t>RDB, AOF </a:t>
-            </a:r>
-            <a:r>
-              <a:rPr lang="ko-KR" altLang="en-US" dirty="0"/>
-              <a:t>복구 방법 모두 사용된다</a:t>
-            </a:r>
-            <a:r>
-              <a:rPr lang="en-US" altLang="ko-KR" dirty="0"/>
-              <a:t>.</a:t>
-            </a:r>
-            <a:r>
-              <a:rPr lang="ko-KR" altLang="en-US" dirty="0"/>
-              <a:t> </a:t>
-            </a:r>
-            <a:endParaRPr lang="en-KR" dirty="0"/>
+              <a:rPr lang="en-US" sz="1400" dirty="0"/>
+              <a:t>AOF-LOAD-TRUNCATED</a:t>
+            </a:r>
+          </a:p>
+          <a:p>
+            <a:pPr marL="285750" indent="-285750">
+              <a:buFont typeface="Arial" panose="020B0604020202020204" pitchFamily="34" charset="0"/>
+              <a:buChar char="•"/>
+            </a:pPr>
+            <a:r>
+              <a:rPr lang="en-US" sz="1400" dirty="0"/>
+              <a:t>AOF-USE-RDB-PREAMBLE</a:t>
+            </a:r>
+          </a:p>
+          <a:p>
+            <a:endParaRPr lang="en-US" sz="1400" dirty="0"/>
+          </a:p>
+          <a:p>
+            <a:r>
+              <a:rPr lang="en-US" sz="1400" b="1" dirty="0" err="1"/>
+              <a:t>fsync</a:t>
+            </a:r>
+            <a:r>
+              <a:rPr lang="ko-KR" altLang="en-US" sz="1400" b="1" dirty="0"/>
+              <a:t> 함수 관련 </a:t>
+            </a:r>
+            <a:r>
+              <a:rPr lang="en-US" altLang="ko-KR" sz="1400" b="1" dirty="0"/>
+              <a:t>Params</a:t>
+            </a:r>
+            <a:endParaRPr lang="en-US" sz="1400" dirty="0"/>
+          </a:p>
+          <a:p>
+            <a:pPr marL="285750" indent="-285750">
+              <a:buFont typeface="Arial" panose="020B0604020202020204" pitchFamily="34" charset="0"/>
+              <a:buChar char="•"/>
+            </a:pPr>
+            <a:r>
+              <a:rPr lang="en-US" sz="1400" dirty="0"/>
+              <a:t>APPENDFSYNC</a:t>
+            </a:r>
+            <a:endParaRPr lang="en-US" altLang="ko-KR" sz="1400" dirty="0"/>
+          </a:p>
+          <a:p>
+            <a:pPr marL="285750" indent="-285750">
+              <a:buFont typeface="Arial" panose="020B0604020202020204" pitchFamily="34" charset="0"/>
+              <a:buChar char="•"/>
+            </a:pPr>
+            <a:r>
+              <a:rPr lang="en-US" altLang="ko-KR" sz="1400" dirty="0"/>
+              <a:t>NO-APPENDFSYNC-ONREWRITE</a:t>
+            </a:r>
+          </a:p>
+          <a:p>
+            <a:pPr marL="285750" indent="-285750">
+              <a:buFont typeface="Arial" panose="020B0604020202020204" pitchFamily="34" charset="0"/>
+              <a:buChar char="•"/>
+            </a:pPr>
+            <a:r>
+              <a:rPr lang="en-US" altLang="ko-KR" sz="1400" dirty="0"/>
+              <a:t>AOF-REWRITE-INCREMENTAL-FSYNC</a:t>
+            </a:r>
+          </a:p>
+          <a:p>
+            <a:endParaRPr lang="en-US" altLang="ko-KR" sz="1400" dirty="0"/>
+          </a:p>
+          <a:p>
+            <a:r>
+              <a:rPr lang="en-US" sz="1400" b="1" dirty="0"/>
+              <a:t>AOF Rewrite </a:t>
+            </a:r>
+            <a:r>
+              <a:rPr lang="ko-KR" altLang="en-US" sz="1400" b="1" dirty="0"/>
+              <a:t>동작 관련 </a:t>
+            </a:r>
+            <a:r>
+              <a:rPr lang="en-US" altLang="ko-KR" sz="1400" b="1" dirty="0"/>
+              <a:t>Params</a:t>
+            </a:r>
+            <a:endParaRPr lang="en-US" altLang="ko-KR" sz="1400" dirty="0"/>
+          </a:p>
+          <a:p>
+            <a:pPr marL="285750" indent="-285750">
+              <a:buFont typeface="Arial" panose="020B0604020202020204" pitchFamily="34" charset="0"/>
+              <a:buChar char="•"/>
+            </a:pPr>
+            <a:r>
+              <a:rPr lang="en-US" altLang="ko-KR" sz="1400" dirty="0"/>
+              <a:t>AUTO-AOF-REWRITE-PERCENTAGE</a:t>
+            </a:r>
+          </a:p>
+          <a:p>
+            <a:pPr marL="285750" indent="-285750">
+              <a:buFont typeface="Arial" panose="020B0604020202020204" pitchFamily="34" charset="0"/>
+              <a:buChar char="•"/>
+            </a:pPr>
+            <a:r>
+              <a:rPr lang="en-US" altLang="ko-KR" sz="1400" dirty="0"/>
+              <a:t>AUTO-AOF-REWRITE-MIN-SIZE</a:t>
+            </a:r>
+          </a:p>
+          <a:p>
+            <a:pPr marL="285750" indent="-285750">
+              <a:buFont typeface="Arial" panose="020B0604020202020204" pitchFamily="34" charset="0"/>
+              <a:buChar char="•"/>
+            </a:pPr>
+            <a:r>
+              <a:rPr lang="en-US" altLang="ko-KR" sz="1400" dirty="0"/>
+              <a:t>AUTO-AOF-REWRITE-SPEC-TIME</a:t>
+            </a:r>
+          </a:p>
+          <a:p>
+            <a:pPr marL="285750" indent="-285750">
+              <a:buFont typeface="Arial" panose="020B0604020202020204" pitchFamily="34" charset="0"/>
+              <a:buChar char="•"/>
+            </a:pPr>
+            <a:endParaRPr lang="en-US" altLang="ko-KR" sz="1400" dirty="0"/>
+          </a:p>
+          <a:p>
+            <a:pPr marL="285750" indent="-285750">
+              <a:buFont typeface="Arial" panose="020B0604020202020204" pitchFamily="34" charset="0"/>
+              <a:buChar char="•"/>
+            </a:pPr>
+            <a:endParaRPr lang="en-US" altLang="ko-KR" sz="1400" dirty="0"/>
+          </a:p>
+        </p:txBody>
+      </p:sp>
+      <p:sp>
+        <p:nvSpPr>
+          <p:cNvPr id="7" name="TextBox 6">
+            <a:extLst>
+              <a:ext uri="{FF2B5EF4-FFF2-40B4-BE49-F238E27FC236}">
+                <a16:creationId xmlns:a16="http://schemas.microsoft.com/office/drawing/2014/main" id="{D69786DD-CE80-7048-9ECB-7A01B8AE51CD}"/>
+              </a:ext>
+            </a:extLst>
+          </p:cNvPr>
+          <p:cNvSpPr txBox="1"/>
+          <p:nvPr/>
+        </p:nvSpPr>
+        <p:spPr>
+          <a:xfrm>
+            <a:off x="6576643" y="1508549"/>
+            <a:ext cx="4220308" cy="461665"/>
+          </a:xfrm>
+          <a:prstGeom prst="rect">
+            <a:avLst/>
+          </a:prstGeom>
+          <a:noFill/>
+        </p:spPr>
+        <p:txBody>
+          <a:bodyPr wrap="square" rtlCol="0">
+            <a:spAutoFit/>
+          </a:bodyPr>
+          <a:lstStyle/>
+          <a:p>
+            <a:r>
+              <a:rPr lang="en-US" sz="2400" b="1" dirty="0"/>
+              <a:t>AOF </a:t>
+            </a:r>
+            <a:r>
+              <a:rPr lang="ko-KR" altLang="en-US" sz="2400" b="1" dirty="0"/>
+              <a:t>기본 설정 </a:t>
+            </a:r>
+            <a:r>
+              <a:rPr lang="en-US" altLang="ko-KR" sz="2400" b="1" dirty="0"/>
+              <a:t>Params</a:t>
+            </a:r>
+            <a:endParaRPr lang="en-US" sz="2000" b="1" dirty="0"/>
           </a:p>
         </p:txBody>
       </p:sp>
     </p:spTree>
     <p:extLst>
       <p:ext uri="{BB962C8B-B14F-4D97-AF65-F5344CB8AC3E}">
-        <p14:creationId xmlns:p14="http://schemas.microsoft.com/office/powerpoint/2010/main" val="1719661354"/>
+        <p14:creationId xmlns:p14="http://schemas.microsoft.com/office/powerpoint/2010/main" val="3153526628"/>
       </p:ext>
     </p:extLst>
   </p:cSld>
@@ -6451,16 +6673,20 @@
           <a:lstStyle/>
           <a:p>
             <a:r>
+              <a:rPr lang="en-US" sz="4000" dirty="0" err="1"/>
+              <a:t>fsync</a:t>
+            </a:r>
+            <a:r>
               <a:rPr lang="en-US" sz="4000" dirty="0"/>
-              <a:t>AOF </a:t>
+              <a:t>() </a:t>
             </a:r>
             <a:r>
               <a:rPr lang="ko-KR" altLang="en-US" sz="4000" dirty="0"/>
-              <a:t>관련 </a:t>
-            </a:r>
-            <a:r>
-              <a:rPr lang="ko-KR" altLang="en-US" sz="4000" dirty="0" err="1"/>
-              <a:t>파라미터</a:t>
+              <a:t>함수 관련 </a:t>
+            </a:r>
+            <a:r>
+              <a:rPr lang="en-US" altLang="ko-KR" sz="4000" dirty="0"/>
+              <a:t>params</a:t>
             </a:r>
             <a:endParaRPr lang="en-KR" sz="4000" dirty="0"/>
           </a:p>
@@ -6481,7 +6707,7 @@
         <p:spPr>
           <a:xfrm>
             <a:off x="1416134" y="2052947"/>
-            <a:ext cx="4070268" cy="2862322"/>
+            <a:ext cx="4070268" cy="2739211"/>
           </a:xfrm>
           <a:prstGeom prst="rect">
             <a:avLst/>
@@ -6496,7 +6722,7 @@
           <a:p>
             <a:r>
               <a:rPr lang="en-US" sz="2000" dirty="0"/>
-              <a:t>APPENDONLY</a:t>
+              <a:t>APPENDFSYNC</a:t>
             </a:r>
           </a:p>
           <a:p>
@@ -6505,23 +6731,18 @@
               <a:buChar char="•"/>
             </a:pPr>
             <a:r>
-              <a:rPr lang="en-US" sz="2000" dirty="0"/>
-              <a:t>AOF </a:t>
-            </a:r>
-            <a:r>
-              <a:rPr lang="ko-KR" altLang="en-US" sz="2000" dirty="0"/>
-              <a:t>파일 작성 여부 결정</a:t>
-            </a:r>
-            <a:endParaRPr lang="en-US" sz="2000" dirty="0"/>
-          </a:p>
-          <a:p>
-            <a:endParaRPr lang="en-US" sz="2000" dirty="0"/>
-          </a:p>
-          <a:p>
-            <a:r>
-              <a:rPr lang="en-US" sz="2000" dirty="0"/>
-              <a:t>APPENDFILENAME</a:t>
-            </a:r>
+              <a:rPr lang="en-US" altLang="ko-KR" dirty="0" err="1"/>
+              <a:t>fsync</a:t>
+            </a:r>
+            <a:r>
+              <a:rPr lang="en-US" altLang="ko-KR" dirty="0"/>
+              <a:t>() </a:t>
+            </a:r>
+            <a:r>
+              <a:rPr lang="ko-KR" altLang="en-US" dirty="0"/>
+              <a:t>함수 호출 주기 결정</a:t>
+            </a:r>
+            <a:endParaRPr lang="en-US" altLang="ko-KR" dirty="0"/>
           </a:p>
           <a:p>
             <a:pPr marL="342900" indent="-342900">
@@ -6529,66 +6750,58 @@
               <a:buChar char="•"/>
             </a:pPr>
             <a:r>
-              <a:rPr lang="en-US" altLang="ko-KR" sz="2000" dirty="0"/>
-              <a:t>AOF </a:t>
-            </a:r>
-            <a:r>
-              <a:rPr lang="ko-KR" altLang="en-US" sz="2000" dirty="0"/>
-              <a:t>파일명 지정</a:t>
-            </a:r>
-            <a:endParaRPr lang="en-US" sz="2000" dirty="0"/>
-          </a:p>
-          <a:p>
-            <a:endParaRPr lang="en-US" sz="2000" dirty="0"/>
-          </a:p>
-          <a:p>
-            <a:r>
-              <a:rPr lang="en-US" sz="2000" dirty="0"/>
-              <a:t>AOF-LOAD-TRUNCATED</a:t>
-            </a:r>
-          </a:p>
-          <a:p>
-            <a:endParaRPr lang="en-US" sz="2000" dirty="0"/>
-          </a:p>
-          <a:p>
-            <a:r>
-              <a:rPr lang="en-US" sz="2000" dirty="0"/>
-              <a:t>AOF-USE-RDB-PREAMBLE</a:t>
-            </a:r>
-          </a:p>
-        </p:txBody>
-      </p:sp>
-      <p:sp>
-        <p:nvSpPr>
-          <p:cNvPr id="4" name="TextBox 3">
-            <a:extLst>
-              <a:ext uri="{FF2B5EF4-FFF2-40B4-BE49-F238E27FC236}">
-                <a16:creationId xmlns:a16="http://schemas.microsoft.com/office/drawing/2014/main" id="{5C509F1E-97E6-8246-BF7F-D066B4BF747B}"/>
-              </a:ext>
-            </a:extLst>
-          </p:cNvPr>
-          <p:cNvSpPr txBox="1"/>
-          <p:nvPr/>
-        </p:nvSpPr>
-        <p:spPr>
-          <a:xfrm>
-            <a:off x="6705600" y="2052947"/>
-            <a:ext cx="3902528" cy="4093428"/>
-          </a:xfrm>
-          <a:prstGeom prst="rect">
-            <a:avLst/>
-          </a:prstGeom>
-          <a:noFill/>
-        </p:spPr>
-        <p:txBody>
-          <a:bodyPr wrap="square" rtlCol="0">
-            <a:spAutoFit/>
-          </a:bodyPr>
-          <a:lstStyle/>
-          <a:p>
-            <a:r>
-              <a:rPr lang="en-US" sz="2000" dirty="0"/>
-              <a:t>APPENDFSYNC</a:t>
+              <a:rPr lang="en-US" altLang="ko-KR" dirty="0"/>
+              <a:t>always: </a:t>
+            </a:r>
+            <a:r>
+              <a:rPr lang="ko-KR" altLang="en-US" dirty="0"/>
+              <a:t>명령이 실행될 때 마다 호출</a:t>
+            </a:r>
+            <a:endParaRPr lang="en-US" altLang="ko-KR" dirty="0"/>
+          </a:p>
+          <a:p>
+            <a:pPr marL="342900" indent="-342900">
+              <a:buFont typeface="Arial" panose="020B0604020202020204" pitchFamily="34" charset="0"/>
+              <a:buChar char="•"/>
+            </a:pPr>
+            <a:r>
+              <a:rPr lang="en-US" altLang="ko-KR" dirty="0" err="1"/>
+              <a:t>everysec</a:t>
+            </a:r>
+            <a:r>
+              <a:rPr lang="en-US" altLang="ko-KR" dirty="0"/>
+              <a:t>: 1</a:t>
+            </a:r>
+            <a:r>
+              <a:rPr lang="ko-KR" altLang="en-US" dirty="0"/>
+              <a:t>초 마다 호출</a:t>
+            </a:r>
+            <a:endParaRPr lang="en-US" altLang="ko-KR" dirty="0"/>
+          </a:p>
+          <a:p>
+            <a:pPr marL="342900" indent="-342900">
+              <a:buFont typeface="Arial" panose="020B0604020202020204" pitchFamily="34" charset="0"/>
+              <a:buChar char="•"/>
+            </a:pPr>
+            <a:r>
+              <a:rPr lang="en-US" altLang="ko-KR" dirty="0"/>
+              <a:t>no: </a:t>
+            </a:r>
+            <a:r>
+              <a:rPr lang="ko-KR" altLang="en-US" dirty="0"/>
+              <a:t>호출 시점을 </a:t>
+            </a:r>
+            <a:r>
+              <a:rPr lang="en-US" altLang="ko-KR" dirty="0"/>
+              <a:t>OS</a:t>
+            </a:r>
+            <a:r>
+              <a:rPr lang="ko-KR" altLang="en-US" dirty="0"/>
+              <a:t>에게 맡긴다</a:t>
+            </a:r>
+            <a:r>
+              <a:rPr lang="en-US" altLang="ko-KR" dirty="0"/>
+              <a:t>.</a:t>
             </a:r>
           </a:p>
           <a:p>
@@ -6601,40 +6814,11 @@
             </a:r>
           </a:p>
           <a:p>
+            <a:pPr marL="342900" indent="-342900">
+              <a:buFont typeface="Arial" panose="020B0604020202020204" pitchFamily="34" charset="0"/>
+              <a:buChar char="•"/>
+            </a:pPr>
             <a:endParaRPr lang="en-US" altLang="ko-KR" sz="2000" dirty="0"/>
-          </a:p>
-          <a:p>
-            <a:r>
-              <a:rPr lang="en-US" altLang="ko-KR" sz="2000" dirty="0"/>
-              <a:t>AUTO-AOF-REWRITE-PERCENTAGE</a:t>
-            </a:r>
-          </a:p>
-          <a:p>
-            <a:endParaRPr lang="en-US" altLang="ko-KR" sz="2000" dirty="0"/>
-          </a:p>
-          <a:p>
-            <a:r>
-              <a:rPr lang="en-US" altLang="ko-KR" sz="2000" dirty="0"/>
-              <a:t>AUTO-AOF-REWRITE-MIN-SIZE</a:t>
-            </a:r>
-          </a:p>
-          <a:p>
-            <a:endParaRPr lang="en-US" altLang="ko-KR" sz="2000" dirty="0"/>
-          </a:p>
-          <a:p>
-            <a:r>
-              <a:rPr lang="en-US" altLang="ko-KR" sz="2000" dirty="0"/>
-              <a:t>AUTO-AOF-REWRITE-SPEC-TIME</a:t>
-            </a:r>
-          </a:p>
-          <a:p>
-            <a:endParaRPr lang="en-US" altLang="ko-KR" sz="2000" dirty="0"/>
-          </a:p>
-          <a:p>
-            <a:r>
-              <a:rPr lang="en-US" altLang="ko-KR" sz="2000" dirty="0"/>
-              <a:t>AOF-REWRITE-INCREMENTAL-FSYNC</a:t>
-            </a:r>
           </a:p>
           <a:p>
             <a:endParaRPr lang="en-US" altLang="ko-KR" sz="2000" dirty="0"/>
@@ -6673,10 +6857,612 @@
           </a:p>
         </p:txBody>
       </p:sp>
+      <p:grpSp>
+        <p:nvGrpSpPr>
+          <p:cNvPr id="20" name="Group 19">
+            <a:extLst>
+              <a:ext uri="{FF2B5EF4-FFF2-40B4-BE49-F238E27FC236}">
+                <a16:creationId xmlns:a16="http://schemas.microsoft.com/office/drawing/2014/main" id="{996349D3-C4E1-F94B-83B4-727032784B5D}"/>
+              </a:ext>
+            </a:extLst>
+          </p:cNvPr>
+          <p:cNvGrpSpPr/>
+          <p:nvPr/>
+        </p:nvGrpSpPr>
+        <p:grpSpPr>
+          <a:xfrm>
+            <a:off x="5906799" y="1913226"/>
+            <a:ext cx="5337463" cy="2770975"/>
+            <a:chOff x="4805355" y="1782673"/>
+            <a:chExt cx="7164972" cy="4375197"/>
+          </a:xfrm>
+        </p:grpSpPr>
+        <p:cxnSp>
+          <p:nvCxnSpPr>
+            <p:cNvPr id="21" name="Straight Arrow Connector 20">
+              <a:extLst>
+                <a:ext uri="{FF2B5EF4-FFF2-40B4-BE49-F238E27FC236}">
+                  <a16:creationId xmlns:a16="http://schemas.microsoft.com/office/drawing/2014/main" id="{601680AB-E46E-A44F-AF42-1871BEBBE9EF}"/>
+                </a:ext>
+              </a:extLst>
+            </p:cNvPr>
+            <p:cNvCxnSpPr>
+              <a:cxnSpLocks/>
+              <a:stCxn id="24" idx="2"/>
+              <a:endCxn id="26" idx="0"/>
+            </p:cNvCxnSpPr>
+            <p:nvPr/>
+          </p:nvCxnSpPr>
+          <p:spPr>
+            <a:xfrm>
+              <a:off x="9098780" y="4273217"/>
+              <a:ext cx="2951" cy="1015273"/>
+            </a:xfrm>
+            <a:prstGeom prst="straightConnector1">
+              <a:avLst/>
+            </a:prstGeom>
+            <a:ln>
+              <a:tailEnd type="triangle"/>
+            </a:ln>
+          </p:spPr>
+          <p:style>
+            <a:lnRef idx="1">
+              <a:schemeClr val="dk1"/>
+            </a:lnRef>
+            <a:fillRef idx="0">
+              <a:schemeClr val="dk1"/>
+            </a:fillRef>
+            <a:effectRef idx="0">
+              <a:schemeClr val="dk1"/>
+            </a:effectRef>
+            <a:fontRef idx="minor">
+              <a:schemeClr val="tx1"/>
+            </a:fontRef>
+          </p:style>
+        </p:cxnSp>
+        <p:sp>
+          <p:nvSpPr>
+            <p:cNvPr id="22" name="Process 21">
+              <a:extLst>
+                <a:ext uri="{FF2B5EF4-FFF2-40B4-BE49-F238E27FC236}">
+                  <a16:creationId xmlns:a16="http://schemas.microsoft.com/office/drawing/2014/main" id="{C1C31978-E51A-6E4F-BD19-070D8E5E0E26}"/>
+                </a:ext>
+              </a:extLst>
+            </p:cNvPr>
+            <p:cNvSpPr/>
+            <p:nvPr/>
+          </p:nvSpPr>
+          <p:spPr>
+            <a:xfrm>
+              <a:off x="7855286" y="1782673"/>
+              <a:ext cx="3201597" cy="2748984"/>
+            </a:xfrm>
+            <a:prstGeom prst="flowChartProcess">
+              <a:avLst/>
+            </a:prstGeom>
+            <a:ln/>
+          </p:spPr>
+          <p:style>
+            <a:lnRef idx="2">
+              <a:schemeClr val="dk1"/>
+            </a:lnRef>
+            <a:fillRef idx="1">
+              <a:schemeClr val="lt1"/>
+            </a:fillRef>
+            <a:effectRef idx="0">
+              <a:schemeClr val="dk1"/>
+            </a:effectRef>
+            <a:fontRef idx="minor">
+              <a:schemeClr val="dk1"/>
+            </a:fontRef>
+          </p:style>
+          <p:txBody>
+            <a:bodyPr rtlCol="0" anchor="ctr"/>
+            <a:lstStyle/>
+            <a:p>
+              <a:pPr algn="ctr"/>
+              <a:endParaRPr lang="en-KR"/>
+            </a:p>
+          </p:txBody>
+        </p:sp>
+        <p:sp>
+          <p:nvSpPr>
+            <p:cNvPr id="23" name="Alternate Process 22">
+              <a:extLst>
+                <a:ext uri="{FF2B5EF4-FFF2-40B4-BE49-F238E27FC236}">
+                  <a16:creationId xmlns:a16="http://schemas.microsoft.com/office/drawing/2014/main" id="{FBB6C4FE-E1C9-A945-9471-83B147907801}"/>
+                </a:ext>
+              </a:extLst>
+            </p:cNvPr>
+            <p:cNvSpPr/>
+            <p:nvPr/>
+          </p:nvSpPr>
+          <p:spPr>
+            <a:xfrm>
+              <a:off x="8426353" y="2117108"/>
+              <a:ext cx="1372504" cy="785656"/>
+            </a:xfrm>
+            <a:prstGeom prst="flowChartAlternateProcess">
+              <a:avLst/>
+            </a:prstGeom>
+            <a:ln>
+              <a:solidFill>
+                <a:schemeClr val="tx1"/>
+              </a:solidFill>
+            </a:ln>
+          </p:spPr>
+          <p:style>
+            <a:lnRef idx="2">
+              <a:schemeClr val="accent6"/>
+            </a:lnRef>
+            <a:fillRef idx="1">
+              <a:schemeClr val="lt1"/>
+            </a:fillRef>
+            <a:effectRef idx="0">
+              <a:schemeClr val="accent6"/>
+            </a:effectRef>
+            <a:fontRef idx="minor">
+              <a:schemeClr val="dk1"/>
+            </a:fontRef>
+          </p:style>
+          <p:txBody>
+            <a:bodyPr rtlCol="0" anchor="ctr"/>
+            <a:lstStyle/>
+            <a:p>
+              <a:pPr algn="ctr"/>
+              <a:r>
+                <a:rPr lang="en-US" dirty="0"/>
+                <a:t>Dataset</a:t>
+              </a:r>
+              <a:endParaRPr lang="en-KR" dirty="0"/>
+            </a:p>
+          </p:txBody>
+        </p:sp>
+        <p:sp>
+          <p:nvSpPr>
+            <p:cNvPr id="24" name="Process 23">
+              <a:extLst>
+                <a:ext uri="{FF2B5EF4-FFF2-40B4-BE49-F238E27FC236}">
+                  <a16:creationId xmlns:a16="http://schemas.microsoft.com/office/drawing/2014/main" id="{2CBCBE08-5CFF-984C-A75E-B4DE4384C4B4}"/>
+                </a:ext>
+              </a:extLst>
+            </p:cNvPr>
+            <p:cNvSpPr/>
+            <p:nvPr/>
+          </p:nvSpPr>
+          <p:spPr>
+            <a:xfrm>
+              <a:off x="8485728" y="3446210"/>
+              <a:ext cx="1226104" cy="827006"/>
+            </a:xfrm>
+            <a:prstGeom prst="flowChartProcess">
+              <a:avLst/>
+            </a:prstGeom>
+            <a:ln>
+              <a:solidFill>
+                <a:schemeClr val="tx1"/>
+              </a:solidFill>
+            </a:ln>
+          </p:spPr>
+          <p:style>
+            <a:lnRef idx="2">
+              <a:schemeClr val="accent6"/>
+            </a:lnRef>
+            <a:fillRef idx="1">
+              <a:schemeClr val="lt1"/>
+            </a:fillRef>
+            <a:effectRef idx="0">
+              <a:schemeClr val="accent6"/>
+            </a:effectRef>
+            <a:fontRef idx="minor">
+              <a:schemeClr val="dk1"/>
+            </a:fontRef>
+          </p:style>
+          <p:txBody>
+            <a:bodyPr rtlCol="0" anchor="ctr"/>
+            <a:lstStyle/>
+            <a:p>
+              <a:pPr algn="ctr"/>
+              <a:r>
+                <a:rPr lang="en-KR" sz="1600" dirty="0"/>
+                <a:t>AOF Buffer</a:t>
+              </a:r>
+            </a:p>
+          </p:txBody>
+        </p:sp>
+        <p:sp>
+          <p:nvSpPr>
+            <p:cNvPr id="25" name="Connector 24">
+              <a:extLst>
+                <a:ext uri="{FF2B5EF4-FFF2-40B4-BE49-F238E27FC236}">
+                  <a16:creationId xmlns:a16="http://schemas.microsoft.com/office/drawing/2014/main" id="{974808E5-551C-2547-BF41-2B6DA1AE0E4A}"/>
+                </a:ext>
+              </a:extLst>
+            </p:cNvPr>
+            <p:cNvSpPr/>
+            <p:nvPr/>
+          </p:nvSpPr>
+          <p:spPr>
+            <a:xfrm>
+              <a:off x="4875060" y="2828437"/>
+              <a:ext cx="1490113" cy="854277"/>
+            </a:xfrm>
+            <a:prstGeom prst="flowChartConnector">
+              <a:avLst/>
+            </a:prstGeom>
+            <a:ln>
+              <a:solidFill>
+                <a:schemeClr val="tx1"/>
+              </a:solidFill>
+            </a:ln>
+          </p:spPr>
+          <p:style>
+            <a:lnRef idx="2">
+              <a:schemeClr val="accent6"/>
+            </a:lnRef>
+            <a:fillRef idx="1">
+              <a:schemeClr val="lt1"/>
+            </a:fillRef>
+            <a:effectRef idx="0">
+              <a:schemeClr val="accent6"/>
+            </a:effectRef>
+            <a:fontRef idx="minor">
+              <a:schemeClr val="dk1"/>
+            </a:fontRef>
+          </p:style>
+          <p:txBody>
+            <a:bodyPr rtlCol="0" anchor="ctr"/>
+            <a:lstStyle/>
+            <a:p>
+              <a:pPr algn="ctr"/>
+              <a:r>
+                <a:rPr lang="en-US" sz="1400" dirty="0"/>
+                <a:t>C</a:t>
+              </a:r>
+              <a:r>
+                <a:rPr lang="en-KR" sz="1400" dirty="0"/>
+                <a:t>lient Request</a:t>
+              </a:r>
+            </a:p>
+          </p:txBody>
+        </p:sp>
+        <p:sp>
+          <p:nvSpPr>
+            <p:cNvPr id="26" name="Process 25">
+              <a:extLst>
+                <a:ext uri="{FF2B5EF4-FFF2-40B4-BE49-F238E27FC236}">
+                  <a16:creationId xmlns:a16="http://schemas.microsoft.com/office/drawing/2014/main" id="{DFEFD941-DD22-D041-B6B7-65738B5CE3AA}"/>
+                </a:ext>
+              </a:extLst>
+            </p:cNvPr>
+            <p:cNvSpPr/>
+            <p:nvPr/>
+          </p:nvSpPr>
+          <p:spPr>
+            <a:xfrm>
+              <a:off x="8462142" y="5288490"/>
+              <a:ext cx="1279176" cy="869380"/>
+            </a:xfrm>
+            <a:prstGeom prst="flowChartProcess">
+              <a:avLst/>
+            </a:prstGeom>
+            <a:ln w="12700">
+              <a:solidFill>
+                <a:schemeClr val="tx1"/>
+              </a:solidFill>
+            </a:ln>
+          </p:spPr>
+          <p:style>
+            <a:lnRef idx="2">
+              <a:schemeClr val="accent6"/>
+            </a:lnRef>
+            <a:fillRef idx="1">
+              <a:schemeClr val="lt1"/>
+            </a:fillRef>
+            <a:effectRef idx="0">
+              <a:schemeClr val="accent6"/>
+            </a:effectRef>
+            <a:fontRef idx="minor">
+              <a:schemeClr val="dk1"/>
+            </a:fontRef>
+          </p:style>
+          <p:txBody>
+            <a:bodyPr rtlCol="0" anchor="ctr"/>
+            <a:lstStyle/>
+            <a:p>
+              <a:pPr algn="ctr"/>
+              <a:r>
+                <a:rPr lang="en-KR" sz="1600" dirty="0"/>
+                <a:t>AOF File</a:t>
+              </a:r>
+            </a:p>
+          </p:txBody>
+        </p:sp>
+        <p:grpSp>
+          <p:nvGrpSpPr>
+            <p:cNvPr id="27" name="Group 26">
+              <a:extLst>
+                <a:ext uri="{FF2B5EF4-FFF2-40B4-BE49-F238E27FC236}">
+                  <a16:creationId xmlns:a16="http://schemas.microsoft.com/office/drawing/2014/main" id="{66B6AE80-A071-2F44-8E91-34A0F5C146AB}"/>
+                </a:ext>
+              </a:extLst>
+            </p:cNvPr>
+            <p:cNvGrpSpPr/>
+            <p:nvPr/>
+          </p:nvGrpSpPr>
+          <p:grpSpPr>
+            <a:xfrm>
+              <a:off x="4805355" y="4634657"/>
+              <a:ext cx="7164972" cy="772592"/>
+              <a:chOff x="4805355" y="4571598"/>
+              <a:chExt cx="7164972" cy="772592"/>
+            </a:xfrm>
+          </p:grpSpPr>
+          <p:cxnSp>
+            <p:nvCxnSpPr>
+              <p:cNvPr id="31" name="Straight Connector 30">
+                <a:extLst>
+                  <a:ext uri="{FF2B5EF4-FFF2-40B4-BE49-F238E27FC236}">
+                    <a16:creationId xmlns:a16="http://schemas.microsoft.com/office/drawing/2014/main" id="{76E8BF0F-EE12-1644-BCFA-2D165922346F}"/>
+                  </a:ext>
+                </a:extLst>
+              </p:cNvPr>
+              <p:cNvCxnSpPr>
+                <a:cxnSpLocks/>
+              </p:cNvCxnSpPr>
+              <p:nvPr/>
+            </p:nvCxnSpPr>
+            <p:spPr>
+              <a:xfrm>
+                <a:off x="4875061" y="4920599"/>
+                <a:ext cx="7095266" cy="0"/>
+              </a:xfrm>
+              <a:prstGeom prst="line">
+                <a:avLst/>
+              </a:prstGeom>
+              <a:ln w="47625"/>
+            </p:spPr>
+            <p:style>
+              <a:lnRef idx="1">
+                <a:schemeClr val="dk1"/>
+              </a:lnRef>
+              <a:fillRef idx="0">
+                <a:schemeClr val="dk1"/>
+              </a:fillRef>
+              <a:effectRef idx="0">
+                <a:schemeClr val="dk1"/>
+              </a:effectRef>
+              <a:fontRef idx="minor">
+                <a:schemeClr val="tx1"/>
+              </a:fontRef>
+            </p:style>
+          </p:cxnSp>
+          <p:sp>
+            <p:nvSpPr>
+              <p:cNvPr id="32" name="TextBox 31">
+                <a:extLst>
+                  <a:ext uri="{FF2B5EF4-FFF2-40B4-BE49-F238E27FC236}">
+                    <a16:creationId xmlns:a16="http://schemas.microsoft.com/office/drawing/2014/main" id="{9BF5E08E-FDB2-D640-8791-08C1C7E82AF5}"/>
+                  </a:ext>
+                </a:extLst>
+              </p:cNvPr>
+              <p:cNvSpPr txBox="1"/>
+              <p:nvPr/>
+            </p:nvSpPr>
+            <p:spPr>
+              <a:xfrm>
+                <a:off x="4805355" y="4571598"/>
+                <a:ext cx="2114551" cy="320810"/>
+              </a:xfrm>
+              <a:prstGeom prst="rect">
+                <a:avLst/>
+              </a:prstGeom>
+              <a:noFill/>
+            </p:spPr>
+            <p:txBody>
+              <a:bodyPr wrap="square" rtlCol="0">
+                <a:spAutoFit/>
+              </a:bodyPr>
+              <a:lstStyle/>
+              <a:p>
+                <a:r>
+                  <a:rPr lang="en-US" sz="1050" b="1" dirty="0"/>
+                  <a:t>Memory(DRAM)</a:t>
+                </a:r>
+                <a:endParaRPr lang="en-KR" sz="1050" b="1" dirty="0"/>
+              </a:p>
+            </p:txBody>
+          </p:sp>
+          <p:sp>
+            <p:nvSpPr>
+              <p:cNvPr id="33" name="TextBox 32">
+                <a:extLst>
+                  <a:ext uri="{FF2B5EF4-FFF2-40B4-BE49-F238E27FC236}">
+                    <a16:creationId xmlns:a16="http://schemas.microsoft.com/office/drawing/2014/main" id="{ABC4CF04-4F4E-4342-8C1D-FC152A345138}"/>
+                  </a:ext>
+                </a:extLst>
+              </p:cNvPr>
+              <p:cNvSpPr txBox="1"/>
+              <p:nvPr/>
+            </p:nvSpPr>
+            <p:spPr>
+              <a:xfrm>
+                <a:off x="4805355" y="5023380"/>
+                <a:ext cx="2114551" cy="320810"/>
+              </a:xfrm>
+              <a:prstGeom prst="rect">
+                <a:avLst/>
+              </a:prstGeom>
+              <a:noFill/>
+            </p:spPr>
+            <p:txBody>
+              <a:bodyPr wrap="square" rtlCol="0">
+                <a:spAutoFit/>
+              </a:bodyPr>
+              <a:lstStyle/>
+              <a:p>
+                <a:r>
+                  <a:rPr lang="en-KR" sz="1050" b="1" dirty="0"/>
+                  <a:t>Disk(HDD or SSD)</a:t>
+                </a:r>
+              </a:p>
+            </p:txBody>
+          </p:sp>
+        </p:grpSp>
+        <p:cxnSp>
+          <p:nvCxnSpPr>
+            <p:cNvPr id="28" name="Elbow Connector 27">
+              <a:extLst>
+                <a:ext uri="{FF2B5EF4-FFF2-40B4-BE49-F238E27FC236}">
+                  <a16:creationId xmlns:a16="http://schemas.microsoft.com/office/drawing/2014/main" id="{3E189856-F487-C441-B660-145C09525AA3}"/>
+                </a:ext>
+              </a:extLst>
+            </p:cNvPr>
+            <p:cNvCxnSpPr>
+              <a:cxnSpLocks/>
+              <a:stCxn id="25" idx="6"/>
+              <a:endCxn id="24" idx="1"/>
+            </p:cNvCxnSpPr>
+            <p:nvPr/>
+          </p:nvCxnSpPr>
+          <p:spPr>
+            <a:xfrm>
+              <a:off x="6365173" y="3255576"/>
+              <a:ext cx="2120555" cy="604137"/>
+            </a:xfrm>
+            <a:prstGeom prst="bentConnector3">
+              <a:avLst>
+                <a:gd name="adj1" fmla="val 81660"/>
+              </a:avLst>
+            </a:prstGeom>
+            <a:ln>
+              <a:tailEnd type="triangle"/>
+            </a:ln>
+          </p:spPr>
+          <p:style>
+            <a:lnRef idx="2">
+              <a:schemeClr val="dk1"/>
+            </a:lnRef>
+            <a:fillRef idx="1">
+              <a:schemeClr val="lt1"/>
+            </a:fillRef>
+            <a:effectRef idx="0">
+              <a:schemeClr val="dk1"/>
+            </a:effectRef>
+            <a:fontRef idx="minor">
+              <a:schemeClr val="dk1"/>
+            </a:fontRef>
+          </p:style>
+        </p:cxnSp>
+        <p:cxnSp>
+          <p:nvCxnSpPr>
+            <p:cNvPr id="29" name="Elbow Connector 28">
+              <a:extLst>
+                <a:ext uri="{FF2B5EF4-FFF2-40B4-BE49-F238E27FC236}">
+                  <a16:creationId xmlns:a16="http://schemas.microsoft.com/office/drawing/2014/main" id="{B1E3CC45-FB31-5242-8FFD-B2FD310CA8DA}"/>
+                </a:ext>
+              </a:extLst>
+            </p:cNvPr>
+            <p:cNvCxnSpPr>
+              <a:stCxn id="25" idx="6"/>
+              <a:endCxn id="23" idx="1"/>
+            </p:cNvCxnSpPr>
+            <p:nvPr/>
+          </p:nvCxnSpPr>
+          <p:spPr>
+            <a:xfrm flipV="1">
+              <a:off x="6365173" y="2509936"/>
+              <a:ext cx="2061180" cy="745640"/>
+            </a:xfrm>
+            <a:prstGeom prst="bentConnector3">
+              <a:avLst>
+                <a:gd name="adj1" fmla="val 83992"/>
+              </a:avLst>
+            </a:prstGeom>
+            <a:ln>
+              <a:tailEnd type="triangle"/>
+            </a:ln>
+          </p:spPr>
+          <p:style>
+            <a:lnRef idx="2">
+              <a:schemeClr val="dk1"/>
+            </a:lnRef>
+            <a:fillRef idx="1">
+              <a:schemeClr val="lt1"/>
+            </a:fillRef>
+            <a:effectRef idx="0">
+              <a:schemeClr val="dk1"/>
+            </a:effectRef>
+            <a:fontRef idx="minor">
+              <a:schemeClr val="dk1"/>
+            </a:fontRef>
+          </p:style>
+        </p:cxnSp>
+        <p:sp>
+          <p:nvSpPr>
+            <p:cNvPr id="30" name="TextBox 29">
+              <a:extLst>
+                <a:ext uri="{FF2B5EF4-FFF2-40B4-BE49-F238E27FC236}">
+                  <a16:creationId xmlns:a16="http://schemas.microsoft.com/office/drawing/2014/main" id="{6F0513D9-3313-FB40-8563-37C986CD4CC8}"/>
+                </a:ext>
+              </a:extLst>
+            </p:cNvPr>
+            <p:cNvSpPr txBox="1"/>
+            <p:nvPr/>
+          </p:nvSpPr>
+          <p:spPr>
+            <a:xfrm>
+              <a:off x="9299792" y="4528990"/>
+              <a:ext cx="1629102" cy="534556"/>
+            </a:xfrm>
+            <a:prstGeom prst="rect">
+              <a:avLst/>
+            </a:prstGeom>
+            <a:noFill/>
+          </p:spPr>
+          <p:txBody>
+            <a:bodyPr wrap="square" rtlCol="0">
+              <a:spAutoFit/>
+            </a:bodyPr>
+            <a:lstStyle/>
+            <a:p>
+              <a:r>
+                <a:rPr lang="en-US" sz="1600" b="1" dirty="0" err="1">
+                  <a:solidFill>
+                    <a:srgbClr val="FF0000"/>
+                  </a:solidFill>
+                </a:rPr>
+                <a:t>fsync</a:t>
+              </a:r>
+              <a:r>
+                <a:rPr lang="ko-KR" altLang="en-US" sz="1600" b="1" dirty="0">
+                  <a:solidFill>
+                    <a:srgbClr val="FF0000"/>
+                  </a:solidFill>
+                </a:rPr>
+                <a:t> </a:t>
+              </a:r>
+              <a:r>
+                <a:rPr lang="ko-KR" altLang="en-US" sz="1400" b="1" dirty="0">
+                  <a:solidFill>
+                    <a:srgbClr val="FF0000"/>
+                  </a:solidFill>
+                </a:rPr>
+                <a:t>함수</a:t>
+              </a:r>
+              <a:endParaRPr lang="en-KR" sz="1600" b="1" dirty="0">
+                <a:solidFill>
+                  <a:srgbClr val="FF0000"/>
+                </a:solidFill>
+              </a:endParaRPr>
+            </a:p>
+          </p:txBody>
+        </p:sp>
+      </p:grpSp>
     </p:spTree>
     <p:extLst>
       <p:ext uri="{BB962C8B-B14F-4D97-AF65-F5344CB8AC3E}">
-        <p14:creationId xmlns:p14="http://schemas.microsoft.com/office/powerpoint/2010/main" val="3153526628"/>
+        <p14:creationId xmlns:p14="http://schemas.microsoft.com/office/powerpoint/2010/main" val="2718876280"/>
       </p:ext>
     </p:extLst>
   </p:cSld>
@@ -6727,20 +7513,24 @@
           <a:lstStyle/>
           <a:p>
             <a:r>
-              <a:rPr lang="en-US" sz="4000" dirty="0" err="1"/>
-              <a:t>fsync</a:t>
-            </a:r>
-            <a:r>
               <a:rPr lang="en-US" sz="4000" dirty="0"/>
-              <a:t>() </a:t>
+              <a:t>AOF Rewrite </a:t>
             </a:r>
             <a:r>
               <a:rPr lang="ko-KR" altLang="en-US" sz="4000" dirty="0"/>
-              <a:t>함수 관련 </a:t>
+              <a:t>동작</a:t>
+            </a:r>
+            <a:r>
+              <a:rPr lang="en-US" sz="4000" dirty="0"/>
+              <a:t> </a:t>
+            </a:r>
+            <a:r>
+              <a:rPr lang="ko-KR" altLang="en-US" sz="4000" dirty="0"/>
+              <a:t>관련 </a:t>
             </a:r>
             <a:r>
               <a:rPr lang="en-US" altLang="ko-KR" sz="4000" dirty="0"/>
-              <a:t>params</a:t>
+              <a:t>Params</a:t>
             </a:r>
             <a:endParaRPr lang="en-KR" sz="4000" dirty="0"/>
           </a:p>
@@ -6760,8 +7550,8 @@
         </p:nvSpPr>
         <p:spPr>
           <a:xfrm>
-            <a:off x="1416134" y="2052947"/>
-            <a:ext cx="4070268" cy="2862322"/>
+            <a:off x="838200" y="2083868"/>
+            <a:ext cx="4093828" cy="2708434"/>
           </a:xfrm>
           <a:prstGeom prst="rect">
             <a:avLst/>
@@ -6775,9 +7565,10 @@
           <a:lstStyle/>
           <a:p>
             <a:r>
-              <a:rPr lang="en-US" sz="2000" dirty="0"/>
-              <a:t>APPENDFSYNC</a:t>
-            </a:r>
+              <a:rPr lang="en-US" altLang="ko-KR" sz="1600" dirty="0"/>
+              <a:t>AUTO-AOF-REWRITE-PERCENTAGE</a:t>
+            </a:r>
+            <a:endParaRPr lang="en-US" altLang="ko-KR" sz="1400" dirty="0"/>
           </a:p>
           <a:p>
             <a:pPr marL="342900" indent="-342900">
@@ -6785,18 +7576,18 @@
               <a:buChar char="•"/>
             </a:pPr>
             <a:r>
-              <a:rPr lang="en-US" altLang="ko-KR" sz="2000" dirty="0" err="1"/>
-              <a:t>fsync</a:t>
-            </a:r>
-            <a:r>
-              <a:rPr lang="en-US" altLang="ko-KR" sz="2000" dirty="0"/>
-              <a:t>() </a:t>
-            </a:r>
-            <a:r>
-              <a:rPr lang="ko-KR" altLang="en-US" sz="2000" dirty="0"/>
-              <a:t>함수 호출 주기 결정</a:t>
-            </a:r>
-            <a:endParaRPr lang="en-US" altLang="ko-KR" sz="2000" dirty="0"/>
+              <a:rPr lang="ko-KR" altLang="en-US" sz="1400" dirty="0"/>
+              <a:t>이전 </a:t>
+            </a:r>
+            <a:r>
+              <a:rPr lang="en-US" altLang="ko-KR" sz="1400" dirty="0"/>
+              <a:t>AOF File </a:t>
+            </a:r>
+            <a:r>
+              <a:rPr lang="ko-KR" altLang="en-US" sz="1400" dirty="0"/>
+              <a:t>크기 기준</a:t>
+            </a:r>
+            <a:endParaRPr lang="en-US" altLang="ko-KR" sz="1400" dirty="0"/>
           </a:p>
           <a:p>
             <a:pPr marL="342900" indent="-342900">
@@ -6804,26 +7595,46 @@
               <a:buChar char="•"/>
             </a:pPr>
             <a:r>
-              <a:rPr lang="en-US" sz="2000" dirty="0"/>
-              <a:t>AOF </a:t>
-            </a:r>
-            <a:r>
-              <a:rPr lang="ko-KR" altLang="en-US" sz="2000" dirty="0"/>
-              <a:t>파일에 데이터가 작성되는 시점 </a:t>
-            </a:r>
-            <a:endParaRPr lang="en-US" altLang="ko-KR" sz="2000" dirty="0"/>
+              <a:rPr lang="ko-KR" altLang="en-US" sz="1400" dirty="0"/>
+              <a:t>이전 </a:t>
+            </a:r>
+            <a:r>
+              <a:rPr lang="en-US" altLang="ko-KR" sz="1400" dirty="0"/>
+              <a:t>AOF File </a:t>
+            </a:r>
+            <a:r>
+              <a:rPr lang="ko-KR" altLang="en-US" sz="1400" dirty="0"/>
+              <a:t>크기 기준 </a:t>
+            </a:r>
+            <a:r>
+              <a:rPr lang="en-US" altLang="ko-KR" sz="1400" dirty="0"/>
+              <a:t>100%</a:t>
+            </a:r>
+            <a:r>
+              <a:rPr lang="ko-KR" altLang="en-US" sz="1400" dirty="0"/>
+              <a:t> 도달 시</a:t>
+            </a:r>
+            <a:r>
+              <a:rPr lang="en-US" altLang="ko-KR" sz="1400" dirty="0"/>
+              <a:t> </a:t>
+            </a:r>
+            <a:r>
+              <a:rPr lang="ko-KR" altLang="en-US" sz="1600" dirty="0"/>
+              <a:t> </a:t>
+            </a:r>
+            <a:endParaRPr lang="en-US" altLang="ko-KR" sz="1600" dirty="0"/>
           </a:p>
           <a:p>
             <a:pPr marL="342900" indent="-342900">
               <a:buFont typeface="Arial" panose="020B0604020202020204" pitchFamily="34" charset="0"/>
               <a:buChar char="•"/>
             </a:pPr>
-            <a:endParaRPr lang="en-US" altLang="ko-KR" sz="2000" dirty="0"/>
-          </a:p>
-          <a:p>
-            <a:r>
-              <a:rPr lang="en-US" altLang="ko-KR" sz="2000" dirty="0"/>
-              <a:t>NO-APPENDFSYNC-ONREWRITE</a:t>
+            <a:endParaRPr lang="en-US" altLang="ko-KR" sz="1600" dirty="0"/>
+          </a:p>
+          <a:p>
+            <a:r>
+              <a:rPr lang="en-US" altLang="ko-KR" sz="1600" dirty="0"/>
+              <a:t>AUTO-AOF-REWRITE-MIN-SIZE</a:t>
             </a:r>
           </a:p>
           <a:p>
@@ -6832,25 +7643,72 @@
               <a:buChar char="•"/>
             </a:pPr>
             <a:r>
-              <a:rPr lang="ko-KR" altLang="en-US" sz="2000" dirty="0"/>
-              <a:t>대량 데이터 작성시 </a:t>
-            </a:r>
-            <a:r>
-              <a:rPr lang="en-US" altLang="ko-KR" sz="2000" dirty="0" err="1"/>
-              <a:t>fsync</a:t>
-            </a:r>
-            <a:r>
-              <a:rPr lang="en-US" altLang="ko-KR" sz="2000" dirty="0"/>
-              <a:t>() </a:t>
-            </a:r>
-            <a:r>
-              <a:rPr lang="ko-KR" altLang="en-US" sz="2000" dirty="0"/>
-              <a:t>수행 여부 결정</a:t>
-            </a:r>
-            <a:endParaRPr lang="en-US" altLang="ko-KR" sz="2000" dirty="0"/>
-          </a:p>
-          <a:p>
-            <a:endParaRPr lang="en-US" altLang="ko-KR" sz="2000" dirty="0"/>
+              <a:rPr lang="ko-KR" altLang="en-US" sz="1400" dirty="0"/>
+              <a:t>현재 </a:t>
+            </a:r>
+            <a:r>
+              <a:rPr lang="en-US" altLang="ko-KR" sz="1400" dirty="0"/>
+              <a:t>AOF</a:t>
+            </a:r>
+            <a:r>
+              <a:rPr lang="ko-KR" altLang="en-US" sz="1400" dirty="0"/>
+              <a:t> </a:t>
+            </a:r>
+            <a:r>
+              <a:rPr lang="en-US" altLang="ko-KR" sz="1400" dirty="0"/>
+              <a:t>File </a:t>
+            </a:r>
+            <a:r>
+              <a:rPr lang="ko-KR" altLang="en-US" sz="1400" dirty="0"/>
+              <a:t>크기 기준</a:t>
+            </a:r>
+            <a:endParaRPr lang="en-US" altLang="ko-KR" sz="1400" dirty="0"/>
+          </a:p>
+          <a:p>
+            <a:pPr marL="342900" indent="-342900">
+              <a:buFont typeface="Arial" panose="020B0604020202020204" pitchFamily="34" charset="0"/>
+              <a:buChar char="•"/>
+            </a:pPr>
+            <a:r>
+              <a:rPr lang="en-US" altLang="ko-KR" sz="1400" dirty="0"/>
+              <a:t>64mg</a:t>
+            </a:r>
+            <a:r>
+              <a:rPr lang="ko-KR" altLang="en-US" sz="1400" dirty="0"/>
+              <a:t> 크기 도달 시</a:t>
+            </a:r>
+            <a:endParaRPr lang="en-US" altLang="ko-KR" sz="1600" dirty="0"/>
+          </a:p>
+          <a:p>
+            <a:pPr marL="342900" indent="-342900">
+              <a:buFont typeface="Arial" panose="020B0604020202020204" pitchFamily="34" charset="0"/>
+              <a:buChar char="•"/>
+            </a:pPr>
+            <a:endParaRPr lang="en-US" altLang="ko-KR" sz="1600" dirty="0"/>
+          </a:p>
+          <a:p>
+            <a:r>
+              <a:rPr lang="en-US" altLang="ko-KR" sz="1600" dirty="0"/>
+              <a:t>AUTO-AOF-REWRITE-SPEC-TIME</a:t>
+            </a:r>
+          </a:p>
+          <a:p>
+            <a:pPr marL="285750" indent="-285750">
+              <a:buFont typeface="Arial" panose="020B0604020202020204" pitchFamily="34" charset="0"/>
+              <a:buChar char="•"/>
+            </a:pPr>
+            <a:r>
+              <a:rPr lang="ko-KR" altLang="en-US" sz="1400" dirty="0"/>
+              <a:t>설정한 시간 기준</a:t>
+            </a:r>
+            <a:endParaRPr lang="en-US" altLang="ko-KR" sz="1400" dirty="0"/>
+          </a:p>
+          <a:p>
+            <a:pPr marL="285750" indent="-285750">
+              <a:buFont typeface="Arial" panose="020B0604020202020204" pitchFamily="34" charset="0"/>
+              <a:buChar char="•"/>
+            </a:pPr>
+            <a:endParaRPr lang="en-US" altLang="ko-KR" sz="1600" dirty="0"/>
           </a:p>
         </p:txBody>
       </p:sp>
@@ -6886,10 +7744,1369 @@
           </a:p>
         </p:txBody>
       </p:sp>
+      <p:sp>
+        <p:nvSpPr>
+          <p:cNvPr id="24" name="TextBox 23">
+            <a:extLst>
+              <a:ext uri="{FF2B5EF4-FFF2-40B4-BE49-F238E27FC236}">
+                <a16:creationId xmlns:a16="http://schemas.microsoft.com/office/drawing/2014/main" id="{87B6AB7E-7EB2-1049-9DE4-2BF36236FAAE}"/>
+              </a:ext>
+            </a:extLst>
+          </p:cNvPr>
+          <p:cNvSpPr txBox="1"/>
+          <p:nvPr/>
+        </p:nvSpPr>
+        <p:spPr>
+          <a:xfrm>
+            <a:off x="838200" y="1517946"/>
+            <a:ext cx="4624552" cy="369332"/>
+          </a:xfrm>
+          <a:prstGeom prst="rect">
+            <a:avLst/>
+          </a:prstGeom>
+          <a:noFill/>
+        </p:spPr>
+        <p:txBody>
+          <a:bodyPr wrap="square" rtlCol="0">
+            <a:spAutoFit/>
+          </a:bodyPr>
+          <a:lstStyle/>
+          <a:p>
+            <a:r>
+              <a:rPr lang="en-KR" b="1" dirty="0"/>
+              <a:t>AOF Rewrite </a:t>
+            </a:r>
+            <a:r>
+              <a:rPr lang="ko-KR" altLang="en-US" b="1" dirty="0"/>
+              <a:t>동작 시점 지정</a:t>
+            </a:r>
+            <a:r>
+              <a:rPr lang="en-US" altLang="ko-KR" b="1" dirty="0"/>
+              <a:t>!!</a:t>
+            </a:r>
+            <a:endParaRPr lang="en-KR" b="1" dirty="0"/>
+          </a:p>
+        </p:txBody>
+      </p:sp>
+      <p:grpSp>
+        <p:nvGrpSpPr>
+          <p:cNvPr id="25" name="Group 24">
+            <a:extLst>
+              <a:ext uri="{FF2B5EF4-FFF2-40B4-BE49-F238E27FC236}">
+                <a16:creationId xmlns:a16="http://schemas.microsoft.com/office/drawing/2014/main" id="{13C2FACC-DC0F-1C47-9B36-310C90497F2E}"/>
+              </a:ext>
+            </a:extLst>
+          </p:cNvPr>
+          <p:cNvGrpSpPr/>
+          <p:nvPr/>
+        </p:nvGrpSpPr>
+        <p:grpSpPr>
+          <a:xfrm>
+            <a:off x="5292437" y="1656051"/>
+            <a:ext cx="5337463" cy="2770975"/>
+            <a:chOff x="4805355" y="1782673"/>
+            <a:chExt cx="7164972" cy="4375197"/>
+          </a:xfrm>
+        </p:grpSpPr>
+        <p:cxnSp>
+          <p:nvCxnSpPr>
+            <p:cNvPr id="26" name="Straight Arrow Connector 25">
+              <a:extLst>
+                <a:ext uri="{FF2B5EF4-FFF2-40B4-BE49-F238E27FC236}">
+                  <a16:creationId xmlns:a16="http://schemas.microsoft.com/office/drawing/2014/main" id="{D5AA82C6-16A9-C14F-A76E-4EE66E309364}"/>
+                </a:ext>
+              </a:extLst>
+            </p:cNvPr>
+            <p:cNvCxnSpPr>
+              <a:cxnSpLocks/>
+              <a:stCxn id="29" idx="2"/>
+              <a:endCxn id="31" idx="0"/>
+            </p:cNvCxnSpPr>
+            <p:nvPr/>
+          </p:nvCxnSpPr>
+          <p:spPr>
+            <a:xfrm>
+              <a:off x="9098780" y="4273217"/>
+              <a:ext cx="2951" cy="1015273"/>
+            </a:xfrm>
+            <a:prstGeom prst="straightConnector1">
+              <a:avLst/>
+            </a:prstGeom>
+            <a:ln>
+              <a:tailEnd type="triangle"/>
+            </a:ln>
+          </p:spPr>
+          <p:style>
+            <a:lnRef idx="1">
+              <a:schemeClr val="dk1"/>
+            </a:lnRef>
+            <a:fillRef idx="0">
+              <a:schemeClr val="dk1"/>
+            </a:fillRef>
+            <a:effectRef idx="0">
+              <a:schemeClr val="dk1"/>
+            </a:effectRef>
+            <a:fontRef idx="minor">
+              <a:schemeClr val="tx1"/>
+            </a:fontRef>
+          </p:style>
+        </p:cxnSp>
+        <p:sp>
+          <p:nvSpPr>
+            <p:cNvPr id="27" name="Process 26">
+              <a:extLst>
+                <a:ext uri="{FF2B5EF4-FFF2-40B4-BE49-F238E27FC236}">
+                  <a16:creationId xmlns:a16="http://schemas.microsoft.com/office/drawing/2014/main" id="{EADFA364-0C52-884C-A5AE-23C97FE3CFAA}"/>
+                </a:ext>
+              </a:extLst>
+            </p:cNvPr>
+            <p:cNvSpPr/>
+            <p:nvPr/>
+          </p:nvSpPr>
+          <p:spPr>
+            <a:xfrm>
+              <a:off x="7855286" y="1782673"/>
+              <a:ext cx="3201597" cy="2748984"/>
+            </a:xfrm>
+            <a:prstGeom prst="flowChartProcess">
+              <a:avLst/>
+            </a:prstGeom>
+            <a:ln/>
+          </p:spPr>
+          <p:style>
+            <a:lnRef idx="2">
+              <a:schemeClr val="dk1"/>
+            </a:lnRef>
+            <a:fillRef idx="1">
+              <a:schemeClr val="lt1"/>
+            </a:fillRef>
+            <a:effectRef idx="0">
+              <a:schemeClr val="dk1"/>
+            </a:effectRef>
+            <a:fontRef idx="minor">
+              <a:schemeClr val="dk1"/>
+            </a:fontRef>
+          </p:style>
+          <p:txBody>
+            <a:bodyPr rtlCol="0" anchor="ctr"/>
+            <a:lstStyle/>
+            <a:p>
+              <a:pPr algn="ctr"/>
+              <a:endParaRPr lang="en-KR"/>
+            </a:p>
+          </p:txBody>
+        </p:sp>
+        <p:sp>
+          <p:nvSpPr>
+            <p:cNvPr id="28" name="Alternate Process 27">
+              <a:extLst>
+                <a:ext uri="{FF2B5EF4-FFF2-40B4-BE49-F238E27FC236}">
+                  <a16:creationId xmlns:a16="http://schemas.microsoft.com/office/drawing/2014/main" id="{1A10B23B-FF9B-4549-8123-229FDD28CE54}"/>
+                </a:ext>
+              </a:extLst>
+            </p:cNvPr>
+            <p:cNvSpPr/>
+            <p:nvPr/>
+          </p:nvSpPr>
+          <p:spPr>
+            <a:xfrm>
+              <a:off x="8426353" y="2117108"/>
+              <a:ext cx="1372504" cy="785656"/>
+            </a:xfrm>
+            <a:prstGeom prst="flowChartAlternateProcess">
+              <a:avLst/>
+            </a:prstGeom>
+            <a:ln>
+              <a:solidFill>
+                <a:schemeClr val="tx1"/>
+              </a:solidFill>
+            </a:ln>
+          </p:spPr>
+          <p:style>
+            <a:lnRef idx="2">
+              <a:schemeClr val="accent6"/>
+            </a:lnRef>
+            <a:fillRef idx="1">
+              <a:schemeClr val="lt1"/>
+            </a:fillRef>
+            <a:effectRef idx="0">
+              <a:schemeClr val="accent6"/>
+            </a:effectRef>
+            <a:fontRef idx="minor">
+              <a:schemeClr val="dk1"/>
+            </a:fontRef>
+          </p:style>
+          <p:txBody>
+            <a:bodyPr rtlCol="0" anchor="ctr"/>
+            <a:lstStyle/>
+            <a:p>
+              <a:pPr algn="ctr"/>
+              <a:r>
+                <a:rPr lang="en-US" dirty="0"/>
+                <a:t>Dataset</a:t>
+              </a:r>
+              <a:endParaRPr lang="en-KR" dirty="0"/>
+            </a:p>
+          </p:txBody>
+        </p:sp>
+        <p:sp>
+          <p:nvSpPr>
+            <p:cNvPr id="29" name="Process 28">
+              <a:extLst>
+                <a:ext uri="{FF2B5EF4-FFF2-40B4-BE49-F238E27FC236}">
+                  <a16:creationId xmlns:a16="http://schemas.microsoft.com/office/drawing/2014/main" id="{B5A43B5B-3CE1-DE4B-ADF6-19A0B96C05C6}"/>
+                </a:ext>
+              </a:extLst>
+            </p:cNvPr>
+            <p:cNvSpPr/>
+            <p:nvPr/>
+          </p:nvSpPr>
+          <p:spPr>
+            <a:xfrm>
+              <a:off x="8485728" y="3446210"/>
+              <a:ext cx="1226104" cy="827006"/>
+            </a:xfrm>
+            <a:prstGeom prst="flowChartProcess">
+              <a:avLst/>
+            </a:prstGeom>
+            <a:ln>
+              <a:solidFill>
+                <a:schemeClr val="tx1"/>
+              </a:solidFill>
+            </a:ln>
+          </p:spPr>
+          <p:style>
+            <a:lnRef idx="2">
+              <a:schemeClr val="accent6"/>
+            </a:lnRef>
+            <a:fillRef idx="1">
+              <a:schemeClr val="lt1"/>
+            </a:fillRef>
+            <a:effectRef idx="0">
+              <a:schemeClr val="accent6"/>
+            </a:effectRef>
+            <a:fontRef idx="minor">
+              <a:schemeClr val="dk1"/>
+            </a:fontRef>
+          </p:style>
+          <p:txBody>
+            <a:bodyPr rtlCol="0" anchor="ctr"/>
+            <a:lstStyle/>
+            <a:p>
+              <a:pPr algn="ctr"/>
+              <a:r>
+                <a:rPr lang="en-KR" sz="1600" dirty="0"/>
+                <a:t>AOF Buffer</a:t>
+              </a:r>
+            </a:p>
+          </p:txBody>
+        </p:sp>
+        <p:sp>
+          <p:nvSpPr>
+            <p:cNvPr id="30" name="Connector 29">
+              <a:extLst>
+                <a:ext uri="{FF2B5EF4-FFF2-40B4-BE49-F238E27FC236}">
+                  <a16:creationId xmlns:a16="http://schemas.microsoft.com/office/drawing/2014/main" id="{AF264B8D-704D-044D-B172-8B0ACE719D98}"/>
+                </a:ext>
+              </a:extLst>
+            </p:cNvPr>
+            <p:cNvSpPr/>
+            <p:nvPr/>
+          </p:nvSpPr>
+          <p:spPr>
+            <a:xfrm>
+              <a:off x="4875060" y="2828437"/>
+              <a:ext cx="1490113" cy="854277"/>
+            </a:xfrm>
+            <a:prstGeom prst="flowChartConnector">
+              <a:avLst/>
+            </a:prstGeom>
+            <a:ln>
+              <a:solidFill>
+                <a:schemeClr val="tx1"/>
+              </a:solidFill>
+            </a:ln>
+          </p:spPr>
+          <p:style>
+            <a:lnRef idx="2">
+              <a:schemeClr val="accent6"/>
+            </a:lnRef>
+            <a:fillRef idx="1">
+              <a:schemeClr val="lt1"/>
+            </a:fillRef>
+            <a:effectRef idx="0">
+              <a:schemeClr val="accent6"/>
+            </a:effectRef>
+            <a:fontRef idx="minor">
+              <a:schemeClr val="dk1"/>
+            </a:fontRef>
+          </p:style>
+          <p:txBody>
+            <a:bodyPr rtlCol="0" anchor="ctr"/>
+            <a:lstStyle/>
+            <a:p>
+              <a:pPr algn="ctr"/>
+              <a:r>
+                <a:rPr lang="en-US" sz="1400" dirty="0"/>
+                <a:t>C</a:t>
+              </a:r>
+              <a:r>
+                <a:rPr lang="en-KR" sz="1400" dirty="0"/>
+                <a:t>lient Request</a:t>
+              </a:r>
+            </a:p>
+          </p:txBody>
+        </p:sp>
+        <p:sp>
+          <p:nvSpPr>
+            <p:cNvPr id="31" name="Process 30">
+              <a:extLst>
+                <a:ext uri="{FF2B5EF4-FFF2-40B4-BE49-F238E27FC236}">
+                  <a16:creationId xmlns:a16="http://schemas.microsoft.com/office/drawing/2014/main" id="{3BEBD8EE-03B0-9F41-A163-9FD5F0FCFAD0}"/>
+                </a:ext>
+              </a:extLst>
+            </p:cNvPr>
+            <p:cNvSpPr/>
+            <p:nvPr/>
+          </p:nvSpPr>
+          <p:spPr>
+            <a:xfrm>
+              <a:off x="8462142" y="5288490"/>
+              <a:ext cx="1279176" cy="869380"/>
+            </a:xfrm>
+            <a:prstGeom prst="flowChartProcess">
+              <a:avLst/>
+            </a:prstGeom>
+            <a:ln w="38100">
+              <a:solidFill>
+                <a:srgbClr val="FF0000"/>
+              </a:solidFill>
+            </a:ln>
+          </p:spPr>
+          <p:style>
+            <a:lnRef idx="2">
+              <a:schemeClr val="accent6"/>
+            </a:lnRef>
+            <a:fillRef idx="1">
+              <a:schemeClr val="lt1"/>
+            </a:fillRef>
+            <a:effectRef idx="0">
+              <a:schemeClr val="accent6"/>
+            </a:effectRef>
+            <a:fontRef idx="minor">
+              <a:schemeClr val="dk1"/>
+            </a:fontRef>
+          </p:style>
+          <p:txBody>
+            <a:bodyPr rtlCol="0" anchor="ctr"/>
+            <a:lstStyle/>
+            <a:p>
+              <a:pPr algn="ctr"/>
+              <a:r>
+                <a:rPr lang="en-KR" sz="1600" dirty="0"/>
+                <a:t>AOF File</a:t>
+              </a:r>
+            </a:p>
+          </p:txBody>
+        </p:sp>
+        <p:grpSp>
+          <p:nvGrpSpPr>
+            <p:cNvPr id="32" name="Group 31">
+              <a:extLst>
+                <a:ext uri="{FF2B5EF4-FFF2-40B4-BE49-F238E27FC236}">
+                  <a16:creationId xmlns:a16="http://schemas.microsoft.com/office/drawing/2014/main" id="{D1EE529C-2DB0-2C42-B24A-93BB74353FEF}"/>
+                </a:ext>
+              </a:extLst>
+            </p:cNvPr>
+            <p:cNvGrpSpPr/>
+            <p:nvPr/>
+          </p:nvGrpSpPr>
+          <p:grpSpPr>
+            <a:xfrm>
+              <a:off x="4805355" y="4634657"/>
+              <a:ext cx="7164972" cy="772592"/>
+              <a:chOff x="4805355" y="4571598"/>
+              <a:chExt cx="7164972" cy="772592"/>
+            </a:xfrm>
+          </p:grpSpPr>
+          <p:cxnSp>
+            <p:nvCxnSpPr>
+              <p:cNvPr id="36" name="Straight Connector 35">
+                <a:extLst>
+                  <a:ext uri="{FF2B5EF4-FFF2-40B4-BE49-F238E27FC236}">
+                    <a16:creationId xmlns:a16="http://schemas.microsoft.com/office/drawing/2014/main" id="{51E223C7-AC0A-5F40-8F6C-913FD5A43FED}"/>
+                  </a:ext>
+                </a:extLst>
+              </p:cNvPr>
+              <p:cNvCxnSpPr>
+                <a:cxnSpLocks/>
+              </p:cNvCxnSpPr>
+              <p:nvPr/>
+            </p:nvCxnSpPr>
+            <p:spPr>
+              <a:xfrm>
+                <a:off x="4875061" y="4920599"/>
+                <a:ext cx="7095266" cy="0"/>
+              </a:xfrm>
+              <a:prstGeom prst="line">
+                <a:avLst/>
+              </a:prstGeom>
+              <a:ln w="47625"/>
+            </p:spPr>
+            <p:style>
+              <a:lnRef idx="1">
+                <a:schemeClr val="dk1"/>
+              </a:lnRef>
+              <a:fillRef idx="0">
+                <a:schemeClr val="dk1"/>
+              </a:fillRef>
+              <a:effectRef idx="0">
+                <a:schemeClr val="dk1"/>
+              </a:effectRef>
+              <a:fontRef idx="minor">
+                <a:schemeClr val="tx1"/>
+              </a:fontRef>
+            </p:style>
+          </p:cxnSp>
+          <p:sp>
+            <p:nvSpPr>
+              <p:cNvPr id="37" name="TextBox 36">
+                <a:extLst>
+                  <a:ext uri="{FF2B5EF4-FFF2-40B4-BE49-F238E27FC236}">
+                    <a16:creationId xmlns:a16="http://schemas.microsoft.com/office/drawing/2014/main" id="{F9BC58DD-FA01-B943-9780-D8B72A124692}"/>
+                  </a:ext>
+                </a:extLst>
+              </p:cNvPr>
+              <p:cNvSpPr txBox="1"/>
+              <p:nvPr/>
+            </p:nvSpPr>
+            <p:spPr>
+              <a:xfrm>
+                <a:off x="4805355" y="4571598"/>
+                <a:ext cx="2114551" cy="320810"/>
+              </a:xfrm>
+              <a:prstGeom prst="rect">
+                <a:avLst/>
+              </a:prstGeom>
+              <a:noFill/>
+            </p:spPr>
+            <p:txBody>
+              <a:bodyPr wrap="square" rtlCol="0">
+                <a:spAutoFit/>
+              </a:bodyPr>
+              <a:lstStyle/>
+              <a:p>
+                <a:r>
+                  <a:rPr lang="en-US" sz="1050" b="1" dirty="0"/>
+                  <a:t>Memory(DRAM)</a:t>
+                </a:r>
+                <a:endParaRPr lang="en-KR" sz="1050" b="1" dirty="0"/>
+              </a:p>
+            </p:txBody>
+          </p:sp>
+          <p:sp>
+            <p:nvSpPr>
+              <p:cNvPr id="38" name="TextBox 37">
+                <a:extLst>
+                  <a:ext uri="{FF2B5EF4-FFF2-40B4-BE49-F238E27FC236}">
+                    <a16:creationId xmlns:a16="http://schemas.microsoft.com/office/drawing/2014/main" id="{42212BC3-F0BB-CF46-BA79-E3A11BC6C28C}"/>
+                  </a:ext>
+                </a:extLst>
+              </p:cNvPr>
+              <p:cNvSpPr txBox="1"/>
+              <p:nvPr/>
+            </p:nvSpPr>
+            <p:spPr>
+              <a:xfrm>
+                <a:off x="4805355" y="5023380"/>
+                <a:ext cx="2114551" cy="320810"/>
+              </a:xfrm>
+              <a:prstGeom prst="rect">
+                <a:avLst/>
+              </a:prstGeom>
+              <a:noFill/>
+            </p:spPr>
+            <p:txBody>
+              <a:bodyPr wrap="square" rtlCol="0">
+                <a:spAutoFit/>
+              </a:bodyPr>
+              <a:lstStyle/>
+              <a:p>
+                <a:r>
+                  <a:rPr lang="en-KR" sz="1050" b="1" dirty="0"/>
+                  <a:t>Disk(HDD or SSD)</a:t>
+                </a:r>
+              </a:p>
+            </p:txBody>
+          </p:sp>
+        </p:grpSp>
+        <p:cxnSp>
+          <p:nvCxnSpPr>
+            <p:cNvPr id="33" name="Elbow Connector 32">
+              <a:extLst>
+                <a:ext uri="{FF2B5EF4-FFF2-40B4-BE49-F238E27FC236}">
+                  <a16:creationId xmlns:a16="http://schemas.microsoft.com/office/drawing/2014/main" id="{33AA391E-78C4-7641-A1A1-95FD129F0E6E}"/>
+                </a:ext>
+              </a:extLst>
+            </p:cNvPr>
+            <p:cNvCxnSpPr>
+              <a:cxnSpLocks/>
+              <a:stCxn id="30" idx="6"/>
+              <a:endCxn id="29" idx="1"/>
+            </p:cNvCxnSpPr>
+            <p:nvPr/>
+          </p:nvCxnSpPr>
+          <p:spPr>
+            <a:xfrm>
+              <a:off x="6365173" y="3255576"/>
+              <a:ext cx="2120555" cy="604137"/>
+            </a:xfrm>
+            <a:prstGeom prst="bentConnector3">
+              <a:avLst>
+                <a:gd name="adj1" fmla="val 81660"/>
+              </a:avLst>
+            </a:prstGeom>
+            <a:ln>
+              <a:tailEnd type="triangle"/>
+            </a:ln>
+          </p:spPr>
+          <p:style>
+            <a:lnRef idx="2">
+              <a:schemeClr val="dk1"/>
+            </a:lnRef>
+            <a:fillRef idx="1">
+              <a:schemeClr val="lt1"/>
+            </a:fillRef>
+            <a:effectRef idx="0">
+              <a:schemeClr val="dk1"/>
+            </a:effectRef>
+            <a:fontRef idx="minor">
+              <a:schemeClr val="dk1"/>
+            </a:fontRef>
+          </p:style>
+        </p:cxnSp>
+        <p:cxnSp>
+          <p:nvCxnSpPr>
+            <p:cNvPr id="34" name="Elbow Connector 33">
+              <a:extLst>
+                <a:ext uri="{FF2B5EF4-FFF2-40B4-BE49-F238E27FC236}">
+                  <a16:creationId xmlns:a16="http://schemas.microsoft.com/office/drawing/2014/main" id="{3FA08D1D-2DF0-6C45-980F-F3CAAA2873A2}"/>
+                </a:ext>
+              </a:extLst>
+            </p:cNvPr>
+            <p:cNvCxnSpPr>
+              <a:stCxn id="30" idx="6"/>
+              <a:endCxn id="28" idx="1"/>
+            </p:cNvCxnSpPr>
+            <p:nvPr/>
+          </p:nvCxnSpPr>
+          <p:spPr>
+            <a:xfrm flipV="1">
+              <a:off x="6365173" y="2509936"/>
+              <a:ext cx="2061180" cy="745640"/>
+            </a:xfrm>
+            <a:prstGeom prst="bentConnector3">
+              <a:avLst>
+                <a:gd name="adj1" fmla="val 83992"/>
+              </a:avLst>
+            </a:prstGeom>
+            <a:ln>
+              <a:tailEnd type="triangle"/>
+            </a:ln>
+          </p:spPr>
+          <p:style>
+            <a:lnRef idx="2">
+              <a:schemeClr val="dk1"/>
+            </a:lnRef>
+            <a:fillRef idx="1">
+              <a:schemeClr val="lt1"/>
+            </a:fillRef>
+            <a:effectRef idx="0">
+              <a:schemeClr val="dk1"/>
+            </a:effectRef>
+            <a:fontRef idx="minor">
+              <a:schemeClr val="dk1"/>
+            </a:fontRef>
+          </p:style>
+        </p:cxnSp>
+        <p:sp>
+          <p:nvSpPr>
+            <p:cNvPr id="35" name="TextBox 34">
+              <a:extLst>
+                <a:ext uri="{FF2B5EF4-FFF2-40B4-BE49-F238E27FC236}">
+                  <a16:creationId xmlns:a16="http://schemas.microsoft.com/office/drawing/2014/main" id="{B3940C53-F21D-374F-9B11-2560884837D1}"/>
+                </a:ext>
+              </a:extLst>
+            </p:cNvPr>
+            <p:cNvSpPr txBox="1"/>
+            <p:nvPr/>
+          </p:nvSpPr>
+          <p:spPr>
+            <a:xfrm>
+              <a:off x="9299792" y="4528990"/>
+              <a:ext cx="1629102" cy="534556"/>
+            </a:xfrm>
+            <a:prstGeom prst="rect">
+              <a:avLst/>
+            </a:prstGeom>
+            <a:noFill/>
+          </p:spPr>
+          <p:txBody>
+            <a:bodyPr wrap="square" rtlCol="0">
+              <a:spAutoFit/>
+            </a:bodyPr>
+            <a:lstStyle/>
+            <a:p>
+              <a:r>
+                <a:rPr lang="en-US" sz="1600" dirty="0" err="1"/>
+                <a:t>fsync</a:t>
+              </a:r>
+              <a:r>
+                <a:rPr lang="ko-KR" altLang="en-US" sz="1600" dirty="0"/>
+                <a:t> </a:t>
+              </a:r>
+              <a:r>
+                <a:rPr lang="ko-KR" altLang="en-US" sz="1400" dirty="0"/>
+                <a:t>함수</a:t>
+              </a:r>
+              <a:endParaRPr lang="en-KR" sz="1600" dirty="0"/>
+            </a:p>
+          </p:txBody>
+        </p:sp>
+      </p:grpSp>
+      <p:sp>
+        <p:nvSpPr>
+          <p:cNvPr id="41" name="Process 40">
+            <a:extLst>
+              <a:ext uri="{FF2B5EF4-FFF2-40B4-BE49-F238E27FC236}">
+                <a16:creationId xmlns:a16="http://schemas.microsoft.com/office/drawing/2014/main" id="{F088854D-6609-7642-A12A-152CDB7E996C}"/>
+              </a:ext>
+            </a:extLst>
+          </p:cNvPr>
+          <p:cNvSpPr/>
+          <p:nvPr/>
+        </p:nvSpPr>
+        <p:spPr>
+          <a:xfrm>
+            <a:off x="5407519" y="5044492"/>
+            <a:ext cx="1736231" cy="913396"/>
+          </a:xfrm>
+          <a:prstGeom prst="flowChartProcess">
+            <a:avLst/>
+          </a:prstGeom>
+          <a:ln w="44450">
+            <a:prstDash val="solid"/>
+            <a:extLst>
+              <a:ext uri="{C807C97D-BFC1-408E-A445-0C87EB9F89A2}">
+                <ask:lineSketchStyleProps xmlns:ask="http://schemas.microsoft.com/office/drawing/2018/sketchyshapes" sd="1219033472">
+                  <a:custGeom>
+                    <a:avLst/>
+                    <a:gdLst>
+                      <a:gd name="connsiteX0" fmla="*/ 0 w 1276350"/>
+                      <a:gd name="connsiteY0" fmla="*/ 0 h 762000"/>
+                      <a:gd name="connsiteX1" fmla="*/ 412686 w 1276350"/>
+                      <a:gd name="connsiteY1" fmla="*/ 0 h 762000"/>
+                      <a:gd name="connsiteX2" fmla="*/ 838136 w 1276350"/>
+                      <a:gd name="connsiteY2" fmla="*/ 0 h 762000"/>
+                      <a:gd name="connsiteX3" fmla="*/ 1276350 w 1276350"/>
+                      <a:gd name="connsiteY3" fmla="*/ 0 h 762000"/>
+                      <a:gd name="connsiteX4" fmla="*/ 1276350 w 1276350"/>
+                      <a:gd name="connsiteY4" fmla="*/ 381000 h 762000"/>
+                      <a:gd name="connsiteX5" fmla="*/ 1276350 w 1276350"/>
+                      <a:gd name="connsiteY5" fmla="*/ 762000 h 762000"/>
+                      <a:gd name="connsiteX6" fmla="*/ 850900 w 1276350"/>
+                      <a:gd name="connsiteY6" fmla="*/ 762000 h 762000"/>
+                      <a:gd name="connsiteX7" fmla="*/ 450977 w 1276350"/>
+                      <a:gd name="connsiteY7" fmla="*/ 762000 h 762000"/>
+                      <a:gd name="connsiteX8" fmla="*/ 0 w 1276350"/>
+                      <a:gd name="connsiteY8" fmla="*/ 762000 h 762000"/>
+                      <a:gd name="connsiteX9" fmla="*/ 0 w 1276350"/>
+                      <a:gd name="connsiteY9" fmla="*/ 388620 h 762000"/>
+                      <a:gd name="connsiteX10" fmla="*/ 0 w 1276350"/>
+                      <a:gd name="connsiteY10" fmla="*/ 0 h 762000"/>
+                    </a:gdLst>
+                    <a:ahLst/>
+                    <a:cxnLst>
+                      <a:cxn ang="0">
+                        <a:pos x="connsiteX0" y="connsiteY0"/>
+                      </a:cxn>
+                      <a:cxn ang="0">
+                        <a:pos x="connsiteX1" y="connsiteY1"/>
+                      </a:cxn>
+                      <a:cxn ang="0">
+                        <a:pos x="connsiteX2" y="connsiteY2"/>
+                      </a:cxn>
+                      <a:cxn ang="0">
+                        <a:pos x="connsiteX3" y="connsiteY3"/>
+                      </a:cxn>
+                      <a:cxn ang="0">
+                        <a:pos x="connsiteX4" y="connsiteY4"/>
+                      </a:cxn>
+                      <a:cxn ang="0">
+                        <a:pos x="connsiteX5" y="connsiteY5"/>
+                      </a:cxn>
+                      <a:cxn ang="0">
+                        <a:pos x="connsiteX6" y="connsiteY6"/>
+                      </a:cxn>
+                      <a:cxn ang="0">
+                        <a:pos x="connsiteX7" y="connsiteY7"/>
+                      </a:cxn>
+                      <a:cxn ang="0">
+                        <a:pos x="connsiteX8" y="connsiteY8"/>
+                      </a:cxn>
+                      <a:cxn ang="0">
+                        <a:pos x="connsiteX9" y="connsiteY9"/>
+                      </a:cxn>
+                      <a:cxn ang="0">
+                        <a:pos x="connsiteX10" y="connsiteY10"/>
+                      </a:cxn>
+                    </a:cxnLst>
+                    <a:rect l="l" t="t" r="r" b="b"/>
+                    <a:pathLst>
+                      <a:path w="1276350" h="762000" fill="none" extrusionOk="0">
+                        <a:moveTo>
+                          <a:pt x="0" y="0"/>
+                        </a:moveTo>
+                        <a:cubicBezTo>
+                          <a:pt x="136356" y="-34838"/>
+                          <a:pt x="219171" y="13812"/>
+                          <a:pt x="412686" y="0"/>
+                        </a:cubicBezTo>
+                        <a:cubicBezTo>
+                          <a:pt x="606201" y="-13812"/>
+                          <a:pt x="659919" y="6527"/>
+                          <a:pt x="838136" y="0"/>
+                        </a:cubicBezTo>
+                        <a:cubicBezTo>
+                          <a:pt x="1016353" y="-6527"/>
+                          <a:pt x="1079832" y="15945"/>
+                          <a:pt x="1276350" y="0"/>
+                        </a:cubicBezTo>
+                        <a:cubicBezTo>
+                          <a:pt x="1289991" y="189174"/>
+                          <a:pt x="1245507" y="238046"/>
+                          <a:pt x="1276350" y="381000"/>
+                        </a:cubicBezTo>
+                        <a:cubicBezTo>
+                          <a:pt x="1307193" y="523954"/>
+                          <a:pt x="1261750" y="580976"/>
+                          <a:pt x="1276350" y="762000"/>
+                        </a:cubicBezTo>
+                        <a:cubicBezTo>
+                          <a:pt x="1105528" y="785166"/>
+                          <a:pt x="1052609" y="733242"/>
+                          <a:pt x="850900" y="762000"/>
+                        </a:cubicBezTo>
+                        <a:cubicBezTo>
+                          <a:pt x="649191" y="790758"/>
+                          <a:pt x="593197" y="751107"/>
+                          <a:pt x="450977" y="762000"/>
+                        </a:cubicBezTo>
+                        <a:cubicBezTo>
+                          <a:pt x="308757" y="772893"/>
+                          <a:pt x="91609" y="736556"/>
+                          <a:pt x="0" y="762000"/>
+                        </a:cubicBezTo>
+                        <a:cubicBezTo>
+                          <a:pt x="-8973" y="663282"/>
+                          <a:pt x="33419" y="564558"/>
+                          <a:pt x="0" y="388620"/>
+                        </a:cubicBezTo>
+                        <a:cubicBezTo>
+                          <a:pt x="-33419" y="212682"/>
+                          <a:pt x="31051" y="173601"/>
+                          <a:pt x="0" y="0"/>
+                        </a:cubicBezTo>
+                        <a:close/>
+                      </a:path>
+                      <a:path w="1276350" h="762000" stroke="0" extrusionOk="0">
+                        <a:moveTo>
+                          <a:pt x="0" y="0"/>
+                        </a:moveTo>
+                        <a:cubicBezTo>
+                          <a:pt x="106252" y="-15855"/>
+                          <a:pt x="273672" y="47053"/>
+                          <a:pt x="412686" y="0"/>
+                        </a:cubicBezTo>
+                        <a:cubicBezTo>
+                          <a:pt x="551700" y="-47053"/>
+                          <a:pt x="635667" y="42089"/>
+                          <a:pt x="799846" y="0"/>
+                        </a:cubicBezTo>
+                        <a:cubicBezTo>
+                          <a:pt x="964025" y="-42089"/>
+                          <a:pt x="1164293" y="40962"/>
+                          <a:pt x="1276350" y="0"/>
+                        </a:cubicBezTo>
+                        <a:cubicBezTo>
+                          <a:pt x="1295075" y="173437"/>
+                          <a:pt x="1242482" y="237305"/>
+                          <a:pt x="1276350" y="373380"/>
+                        </a:cubicBezTo>
+                        <a:cubicBezTo>
+                          <a:pt x="1310218" y="509455"/>
+                          <a:pt x="1245490" y="570835"/>
+                          <a:pt x="1276350" y="762000"/>
+                        </a:cubicBezTo>
+                        <a:cubicBezTo>
+                          <a:pt x="1080838" y="781647"/>
+                          <a:pt x="1014462" y="722608"/>
+                          <a:pt x="876427" y="762000"/>
+                        </a:cubicBezTo>
+                        <a:cubicBezTo>
+                          <a:pt x="738392" y="801392"/>
+                          <a:pt x="591383" y="735772"/>
+                          <a:pt x="476504" y="762000"/>
+                        </a:cubicBezTo>
+                        <a:cubicBezTo>
+                          <a:pt x="361625" y="788228"/>
+                          <a:pt x="181759" y="761606"/>
+                          <a:pt x="0" y="762000"/>
+                        </a:cubicBezTo>
+                        <a:cubicBezTo>
+                          <a:pt x="-39289" y="613046"/>
+                          <a:pt x="41522" y="532599"/>
+                          <a:pt x="0" y="403860"/>
+                        </a:cubicBezTo>
+                        <a:cubicBezTo>
+                          <a:pt x="-41522" y="275121"/>
+                          <a:pt x="5475" y="108377"/>
+                          <a:pt x="0" y="0"/>
+                        </a:cubicBezTo>
+                        <a:close/>
+                      </a:path>
+                    </a:pathLst>
+                  </a:custGeom>
+                  <ask:type>
+                    <ask:lineSketchNone/>
+                  </ask:type>
+                </ask:lineSketchStyleProps>
+              </a:ext>
+            </a:extLst>
+          </a:ln>
+        </p:spPr>
+        <p:style>
+          <a:lnRef idx="2">
+            <a:schemeClr val="dk1"/>
+          </a:lnRef>
+          <a:fillRef idx="1">
+            <a:schemeClr val="lt1"/>
+          </a:fillRef>
+          <a:effectRef idx="0">
+            <a:schemeClr val="dk1"/>
+          </a:effectRef>
+          <a:fontRef idx="minor">
+            <a:schemeClr val="dk1"/>
+          </a:fontRef>
+        </p:style>
+        <p:txBody>
+          <a:bodyPr rtlCol="0" anchor="ctr"/>
+          <a:lstStyle/>
+          <a:p>
+            <a:pPr algn="ctr"/>
+            <a:r>
+              <a:rPr lang="ko-KR" altLang="en-US" dirty="0"/>
+              <a:t>이전 </a:t>
+            </a:r>
+            <a:endParaRPr lang="en-US" altLang="ko-KR" dirty="0"/>
+          </a:p>
+          <a:p>
+            <a:pPr algn="ctr"/>
+            <a:r>
+              <a:rPr lang="en-KR" dirty="0"/>
+              <a:t>AOF File</a:t>
+            </a:r>
+          </a:p>
+        </p:txBody>
+      </p:sp>
+      <p:sp>
+        <p:nvSpPr>
+          <p:cNvPr id="44" name="Process 43">
+            <a:extLst>
+              <a:ext uri="{FF2B5EF4-FFF2-40B4-BE49-F238E27FC236}">
+                <a16:creationId xmlns:a16="http://schemas.microsoft.com/office/drawing/2014/main" id="{82CF65FC-3893-CA41-A102-272DEB655ECE}"/>
+              </a:ext>
+            </a:extLst>
+          </p:cNvPr>
+          <p:cNvSpPr/>
+          <p:nvPr/>
+        </p:nvSpPr>
+        <p:spPr>
+          <a:xfrm>
+            <a:off x="7532941" y="5044492"/>
+            <a:ext cx="1736231" cy="913396"/>
+          </a:xfrm>
+          <a:prstGeom prst="flowChartProcess">
+            <a:avLst/>
+          </a:prstGeom>
+          <a:ln w="44450">
+            <a:prstDash val="solid"/>
+            <a:extLst>
+              <a:ext uri="{C807C97D-BFC1-408E-A445-0C87EB9F89A2}">
+                <ask:lineSketchStyleProps xmlns:ask="http://schemas.microsoft.com/office/drawing/2018/sketchyshapes" sd="1219033472">
+                  <a:custGeom>
+                    <a:avLst/>
+                    <a:gdLst>
+                      <a:gd name="connsiteX0" fmla="*/ 0 w 1276350"/>
+                      <a:gd name="connsiteY0" fmla="*/ 0 h 762000"/>
+                      <a:gd name="connsiteX1" fmla="*/ 412686 w 1276350"/>
+                      <a:gd name="connsiteY1" fmla="*/ 0 h 762000"/>
+                      <a:gd name="connsiteX2" fmla="*/ 838136 w 1276350"/>
+                      <a:gd name="connsiteY2" fmla="*/ 0 h 762000"/>
+                      <a:gd name="connsiteX3" fmla="*/ 1276350 w 1276350"/>
+                      <a:gd name="connsiteY3" fmla="*/ 0 h 762000"/>
+                      <a:gd name="connsiteX4" fmla="*/ 1276350 w 1276350"/>
+                      <a:gd name="connsiteY4" fmla="*/ 381000 h 762000"/>
+                      <a:gd name="connsiteX5" fmla="*/ 1276350 w 1276350"/>
+                      <a:gd name="connsiteY5" fmla="*/ 762000 h 762000"/>
+                      <a:gd name="connsiteX6" fmla="*/ 850900 w 1276350"/>
+                      <a:gd name="connsiteY6" fmla="*/ 762000 h 762000"/>
+                      <a:gd name="connsiteX7" fmla="*/ 450977 w 1276350"/>
+                      <a:gd name="connsiteY7" fmla="*/ 762000 h 762000"/>
+                      <a:gd name="connsiteX8" fmla="*/ 0 w 1276350"/>
+                      <a:gd name="connsiteY8" fmla="*/ 762000 h 762000"/>
+                      <a:gd name="connsiteX9" fmla="*/ 0 w 1276350"/>
+                      <a:gd name="connsiteY9" fmla="*/ 388620 h 762000"/>
+                      <a:gd name="connsiteX10" fmla="*/ 0 w 1276350"/>
+                      <a:gd name="connsiteY10" fmla="*/ 0 h 762000"/>
+                    </a:gdLst>
+                    <a:ahLst/>
+                    <a:cxnLst>
+                      <a:cxn ang="0">
+                        <a:pos x="connsiteX0" y="connsiteY0"/>
+                      </a:cxn>
+                      <a:cxn ang="0">
+                        <a:pos x="connsiteX1" y="connsiteY1"/>
+                      </a:cxn>
+                      <a:cxn ang="0">
+                        <a:pos x="connsiteX2" y="connsiteY2"/>
+                      </a:cxn>
+                      <a:cxn ang="0">
+                        <a:pos x="connsiteX3" y="connsiteY3"/>
+                      </a:cxn>
+                      <a:cxn ang="0">
+                        <a:pos x="connsiteX4" y="connsiteY4"/>
+                      </a:cxn>
+                      <a:cxn ang="0">
+                        <a:pos x="connsiteX5" y="connsiteY5"/>
+                      </a:cxn>
+                      <a:cxn ang="0">
+                        <a:pos x="connsiteX6" y="connsiteY6"/>
+                      </a:cxn>
+                      <a:cxn ang="0">
+                        <a:pos x="connsiteX7" y="connsiteY7"/>
+                      </a:cxn>
+                      <a:cxn ang="0">
+                        <a:pos x="connsiteX8" y="connsiteY8"/>
+                      </a:cxn>
+                      <a:cxn ang="0">
+                        <a:pos x="connsiteX9" y="connsiteY9"/>
+                      </a:cxn>
+                      <a:cxn ang="0">
+                        <a:pos x="connsiteX10" y="connsiteY10"/>
+                      </a:cxn>
+                    </a:cxnLst>
+                    <a:rect l="l" t="t" r="r" b="b"/>
+                    <a:pathLst>
+                      <a:path w="1276350" h="762000" fill="none" extrusionOk="0">
+                        <a:moveTo>
+                          <a:pt x="0" y="0"/>
+                        </a:moveTo>
+                        <a:cubicBezTo>
+                          <a:pt x="136356" y="-34838"/>
+                          <a:pt x="219171" y="13812"/>
+                          <a:pt x="412686" y="0"/>
+                        </a:cubicBezTo>
+                        <a:cubicBezTo>
+                          <a:pt x="606201" y="-13812"/>
+                          <a:pt x="659919" y="6527"/>
+                          <a:pt x="838136" y="0"/>
+                        </a:cubicBezTo>
+                        <a:cubicBezTo>
+                          <a:pt x="1016353" y="-6527"/>
+                          <a:pt x="1079832" y="15945"/>
+                          <a:pt x="1276350" y="0"/>
+                        </a:cubicBezTo>
+                        <a:cubicBezTo>
+                          <a:pt x="1289991" y="189174"/>
+                          <a:pt x="1245507" y="238046"/>
+                          <a:pt x="1276350" y="381000"/>
+                        </a:cubicBezTo>
+                        <a:cubicBezTo>
+                          <a:pt x="1307193" y="523954"/>
+                          <a:pt x="1261750" y="580976"/>
+                          <a:pt x="1276350" y="762000"/>
+                        </a:cubicBezTo>
+                        <a:cubicBezTo>
+                          <a:pt x="1105528" y="785166"/>
+                          <a:pt x="1052609" y="733242"/>
+                          <a:pt x="850900" y="762000"/>
+                        </a:cubicBezTo>
+                        <a:cubicBezTo>
+                          <a:pt x="649191" y="790758"/>
+                          <a:pt x="593197" y="751107"/>
+                          <a:pt x="450977" y="762000"/>
+                        </a:cubicBezTo>
+                        <a:cubicBezTo>
+                          <a:pt x="308757" y="772893"/>
+                          <a:pt x="91609" y="736556"/>
+                          <a:pt x="0" y="762000"/>
+                        </a:cubicBezTo>
+                        <a:cubicBezTo>
+                          <a:pt x="-8973" y="663282"/>
+                          <a:pt x="33419" y="564558"/>
+                          <a:pt x="0" y="388620"/>
+                        </a:cubicBezTo>
+                        <a:cubicBezTo>
+                          <a:pt x="-33419" y="212682"/>
+                          <a:pt x="31051" y="173601"/>
+                          <a:pt x="0" y="0"/>
+                        </a:cubicBezTo>
+                        <a:close/>
+                      </a:path>
+                      <a:path w="1276350" h="762000" stroke="0" extrusionOk="0">
+                        <a:moveTo>
+                          <a:pt x="0" y="0"/>
+                        </a:moveTo>
+                        <a:cubicBezTo>
+                          <a:pt x="106252" y="-15855"/>
+                          <a:pt x="273672" y="47053"/>
+                          <a:pt x="412686" y="0"/>
+                        </a:cubicBezTo>
+                        <a:cubicBezTo>
+                          <a:pt x="551700" y="-47053"/>
+                          <a:pt x="635667" y="42089"/>
+                          <a:pt x="799846" y="0"/>
+                        </a:cubicBezTo>
+                        <a:cubicBezTo>
+                          <a:pt x="964025" y="-42089"/>
+                          <a:pt x="1164293" y="40962"/>
+                          <a:pt x="1276350" y="0"/>
+                        </a:cubicBezTo>
+                        <a:cubicBezTo>
+                          <a:pt x="1295075" y="173437"/>
+                          <a:pt x="1242482" y="237305"/>
+                          <a:pt x="1276350" y="373380"/>
+                        </a:cubicBezTo>
+                        <a:cubicBezTo>
+                          <a:pt x="1310218" y="509455"/>
+                          <a:pt x="1245490" y="570835"/>
+                          <a:pt x="1276350" y="762000"/>
+                        </a:cubicBezTo>
+                        <a:cubicBezTo>
+                          <a:pt x="1080838" y="781647"/>
+                          <a:pt x="1014462" y="722608"/>
+                          <a:pt x="876427" y="762000"/>
+                        </a:cubicBezTo>
+                        <a:cubicBezTo>
+                          <a:pt x="738392" y="801392"/>
+                          <a:pt x="591383" y="735772"/>
+                          <a:pt x="476504" y="762000"/>
+                        </a:cubicBezTo>
+                        <a:cubicBezTo>
+                          <a:pt x="361625" y="788228"/>
+                          <a:pt x="181759" y="761606"/>
+                          <a:pt x="0" y="762000"/>
+                        </a:cubicBezTo>
+                        <a:cubicBezTo>
+                          <a:pt x="-39289" y="613046"/>
+                          <a:pt x="41522" y="532599"/>
+                          <a:pt x="0" y="403860"/>
+                        </a:cubicBezTo>
+                        <a:cubicBezTo>
+                          <a:pt x="-41522" y="275121"/>
+                          <a:pt x="5475" y="108377"/>
+                          <a:pt x="0" y="0"/>
+                        </a:cubicBezTo>
+                        <a:close/>
+                      </a:path>
+                    </a:pathLst>
+                  </a:custGeom>
+                  <ask:type>
+                    <ask:lineSketchNone/>
+                  </ask:type>
+                </ask:lineSketchStyleProps>
+              </a:ext>
+            </a:extLst>
+          </a:ln>
+        </p:spPr>
+        <p:style>
+          <a:lnRef idx="2">
+            <a:schemeClr val="dk1"/>
+          </a:lnRef>
+          <a:fillRef idx="1">
+            <a:schemeClr val="lt1"/>
+          </a:fillRef>
+          <a:effectRef idx="0">
+            <a:schemeClr val="dk1"/>
+          </a:effectRef>
+          <a:fontRef idx="minor">
+            <a:schemeClr val="dk1"/>
+          </a:fontRef>
+        </p:style>
+        <p:txBody>
+          <a:bodyPr rtlCol="0" anchor="ctr"/>
+          <a:lstStyle/>
+          <a:p>
+            <a:pPr algn="ctr"/>
+            <a:r>
+              <a:rPr lang="ko-KR" altLang="en-US" dirty="0"/>
+              <a:t>서버 시작 시 </a:t>
+            </a:r>
+            <a:r>
+              <a:rPr lang="en-KR" dirty="0"/>
+              <a:t>AOF File</a:t>
+            </a:r>
+            <a:r>
+              <a:rPr lang="ko-KR" altLang="en-US" dirty="0"/>
+              <a:t> </a:t>
+            </a:r>
+            <a:endParaRPr lang="en-KR" dirty="0"/>
+          </a:p>
+        </p:txBody>
+      </p:sp>
+      <p:sp>
+        <p:nvSpPr>
+          <p:cNvPr id="45" name="Process 44">
+            <a:extLst>
+              <a:ext uri="{FF2B5EF4-FFF2-40B4-BE49-F238E27FC236}">
+                <a16:creationId xmlns:a16="http://schemas.microsoft.com/office/drawing/2014/main" id="{07BB800C-3931-304F-90B2-64D9612543DD}"/>
+              </a:ext>
+            </a:extLst>
+          </p:cNvPr>
+          <p:cNvSpPr/>
+          <p:nvPr/>
+        </p:nvSpPr>
+        <p:spPr>
+          <a:xfrm>
+            <a:off x="9761784" y="5044492"/>
+            <a:ext cx="1736231" cy="913396"/>
+          </a:xfrm>
+          <a:prstGeom prst="flowChartProcess">
+            <a:avLst/>
+          </a:prstGeom>
+          <a:ln w="44450">
+            <a:prstDash val="solid"/>
+            <a:extLst>
+              <a:ext uri="{C807C97D-BFC1-408E-A445-0C87EB9F89A2}">
+                <ask:lineSketchStyleProps xmlns:ask="http://schemas.microsoft.com/office/drawing/2018/sketchyshapes" sd="1219033472">
+                  <a:custGeom>
+                    <a:avLst/>
+                    <a:gdLst>
+                      <a:gd name="connsiteX0" fmla="*/ 0 w 1276350"/>
+                      <a:gd name="connsiteY0" fmla="*/ 0 h 762000"/>
+                      <a:gd name="connsiteX1" fmla="*/ 412686 w 1276350"/>
+                      <a:gd name="connsiteY1" fmla="*/ 0 h 762000"/>
+                      <a:gd name="connsiteX2" fmla="*/ 838136 w 1276350"/>
+                      <a:gd name="connsiteY2" fmla="*/ 0 h 762000"/>
+                      <a:gd name="connsiteX3" fmla="*/ 1276350 w 1276350"/>
+                      <a:gd name="connsiteY3" fmla="*/ 0 h 762000"/>
+                      <a:gd name="connsiteX4" fmla="*/ 1276350 w 1276350"/>
+                      <a:gd name="connsiteY4" fmla="*/ 381000 h 762000"/>
+                      <a:gd name="connsiteX5" fmla="*/ 1276350 w 1276350"/>
+                      <a:gd name="connsiteY5" fmla="*/ 762000 h 762000"/>
+                      <a:gd name="connsiteX6" fmla="*/ 850900 w 1276350"/>
+                      <a:gd name="connsiteY6" fmla="*/ 762000 h 762000"/>
+                      <a:gd name="connsiteX7" fmla="*/ 450977 w 1276350"/>
+                      <a:gd name="connsiteY7" fmla="*/ 762000 h 762000"/>
+                      <a:gd name="connsiteX8" fmla="*/ 0 w 1276350"/>
+                      <a:gd name="connsiteY8" fmla="*/ 762000 h 762000"/>
+                      <a:gd name="connsiteX9" fmla="*/ 0 w 1276350"/>
+                      <a:gd name="connsiteY9" fmla="*/ 388620 h 762000"/>
+                      <a:gd name="connsiteX10" fmla="*/ 0 w 1276350"/>
+                      <a:gd name="connsiteY10" fmla="*/ 0 h 762000"/>
+                    </a:gdLst>
+                    <a:ahLst/>
+                    <a:cxnLst>
+                      <a:cxn ang="0">
+                        <a:pos x="connsiteX0" y="connsiteY0"/>
+                      </a:cxn>
+                      <a:cxn ang="0">
+                        <a:pos x="connsiteX1" y="connsiteY1"/>
+                      </a:cxn>
+                      <a:cxn ang="0">
+                        <a:pos x="connsiteX2" y="connsiteY2"/>
+                      </a:cxn>
+                      <a:cxn ang="0">
+                        <a:pos x="connsiteX3" y="connsiteY3"/>
+                      </a:cxn>
+                      <a:cxn ang="0">
+                        <a:pos x="connsiteX4" y="connsiteY4"/>
+                      </a:cxn>
+                      <a:cxn ang="0">
+                        <a:pos x="connsiteX5" y="connsiteY5"/>
+                      </a:cxn>
+                      <a:cxn ang="0">
+                        <a:pos x="connsiteX6" y="connsiteY6"/>
+                      </a:cxn>
+                      <a:cxn ang="0">
+                        <a:pos x="connsiteX7" y="connsiteY7"/>
+                      </a:cxn>
+                      <a:cxn ang="0">
+                        <a:pos x="connsiteX8" y="connsiteY8"/>
+                      </a:cxn>
+                      <a:cxn ang="0">
+                        <a:pos x="connsiteX9" y="connsiteY9"/>
+                      </a:cxn>
+                      <a:cxn ang="0">
+                        <a:pos x="connsiteX10" y="connsiteY10"/>
+                      </a:cxn>
+                    </a:cxnLst>
+                    <a:rect l="l" t="t" r="r" b="b"/>
+                    <a:pathLst>
+                      <a:path w="1276350" h="762000" fill="none" extrusionOk="0">
+                        <a:moveTo>
+                          <a:pt x="0" y="0"/>
+                        </a:moveTo>
+                        <a:cubicBezTo>
+                          <a:pt x="136356" y="-34838"/>
+                          <a:pt x="219171" y="13812"/>
+                          <a:pt x="412686" y="0"/>
+                        </a:cubicBezTo>
+                        <a:cubicBezTo>
+                          <a:pt x="606201" y="-13812"/>
+                          <a:pt x="659919" y="6527"/>
+                          <a:pt x="838136" y="0"/>
+                        </a:cubicBezTo>
+                        <a:cubicBezTo>
+                          <a:pt x="1016353" y="-6527"/>
+                          <a:pt x="1079832" y="15945"/>
+                          <a:pt x="1276350" y="0"/>
+                        </a:cubicBezTo>
+                        <a:cubicBezTo>
+                          <a:pt x="1289991" y="189174"/>
+                          <a:pt x="1245507" y="238046"/>
+                          <a:pt x="1276350" y="381000"/>
+                        </a:cubicBezTo>
+                        <a:cubicBezTo>
+                          <a:pt x="1307193" y="523954"/>
+                          <a:pt x="1261750" y="580976"/>
+                          <a:pt x="1276350" y="762000"/>
+                        </a:cubicBezTo>
+                        <a:cubicBezTo>
+                          <a:pt x="1105528" y="785166"/>
+                          <a:pt x="1052609" y="733242"/>
+                          <a:pt x="850900" y="762000"/>
+                        </a:cubicBezTo>
+                        <a:cubicBezTo>
+                          <a:pt x="649191" y="790758"/>
+                          <a:pt x="593197" y="751107"/>
+                          <a:pt x="450977" y="762000"/>
+                        </a:cubicBezTo>
+                        <a:cubicBezTo>
+                          <a:pt x="308757" y="772893"/>
+                          <a:pt x="91609" y="736556"/>
+                          <a:pt x="0" y="762000"/>
+                        </a:cubicBezTo>
+                        <a:cubicBezTo>
+                          <a:pt x="-8973" y="663282"/>
+                          <a:pt x="33419" y="564558"/>
+                          <a:pt x="0" y="388620"/>
+                        </a:cubicBezTo>
+                        <a:cubicBezTo>
+                          <a:pt x="-33419" y="212682"/>
+                          <a:pt x="31051" y="173601"/>
+                          <a:pt x="0" y="0"/>
+                        </a:cubicBezTo>
+                        <a:close/>
+                      </a:path>
+                      <a:path w="1276350" h="762000" stroke="0" extrusionOk="0">
+                        <a:moveTo>
+                          <a:pt x="0" y="0"/>
+                        </a:moveTo>
+                        <a:cubicBezTo>
+                          <a:pt x="106252" y="-15855"/>
+                          <a:pt x="273672" y="47053"/>
+                          <a:pt x="412686" y="0"/>
+                        </a:cubicBezTo>
+                        <a:cubicBezTo>
+                          <a:pt x="551700" y="-47053"/>
+                          <a:pt x="635667" y="42089"/>
+                          <a:pt x="799846" y="0"/>
+                        </a:cubicBezTo>
+                        <a:cubicBezTo>
+                          <a:pt x="964025" y="-42089"/>
+                          <a:pt x="1164293" y="40962"/>
+                          <a:pt x="1276350" y="0"/>
+                        </a:cubicBezTo>
+                        <a:cubicBezTo>
+                          <a:pt x="1295075" y="173437"/>
+                          <a:pt x="1242482" y="237305"/>
+                          <a:pt x="1276350" y="373380"/>
+                        </a:cubicBezTo>
+                        <a:cubicBezTo>
+                          <a:pt x="1310218" y="509455"/>
+                          <a:pt x="1245490" y="570835"/>
+                          <a:pt x="1276350" y="762000"/>
+                        </a:cubicBezTo>
+                        <a:cubicBezTo>
+                          <a:pt x="1080838" y="781647"/>
+                          <a:pt x="1014462" y="722608"/>
+                          <a:pt x="876427" y="762000"/>
+                        </a:cubicBezTo>
+                        <a:cubicBezTo>
+                          <a:pt x="738392" y="801392"/>
+                          <a:pt x="591383" y="735772"/>
+                          <a:pt x="476504" y="762000"/>
+                        </a:cubicBezTo>
+                        <a:cubicBezTo>
+                          <a:pt x="361625" y="788228"/>
+                          <a:pt x="181759" y="761606"/>
+                          <a:pt x="0" y="762000"/>
+                        </a:cubicBezTo>
+                        <a:cubicBezTo>
+                          <a:pt x="-39289" y="613046"/>
+                          <a:pt x="41522" y="532599"/>
+                          <a:pt x="0" y="403860"/>
+                        </a:cubicBezTo>
+                        <a:cubicBezTo>
+                          <a:pt x="-41522" y="275121"/>
+                          <a:pt x="5475" y="108377"/>
+                          <a:pt x="0" y="0"/>
+                        </a:cubicBezTo>
+                        <a:close/>
+                      </a:path>
+                    </a:pathLst>
+                  </a:custGeom>
+                  <ask:type>
+                    <ask:lineSketchNone/>
+                  </ask:type>
+                </ask:lineSketchStyleProps>
+              </a:ext>
+            </a:extLst>
+          </a:ln>
+        </p:spPr>
+        <p:style>
+          <a:lnRef idx="2">
+            <a:schemeClr val="dk1"/>
+          </a:lnRef>
+          <a:fillRef idx="1">
+            <a:schemeClr val="lt1"/>
+          </a:fillRef>
+          <a:effectRef idx="0">
+            <a:schemeClr val="dk1"/>
+          </a:effectRef>
+          <a:fontRef idx="minor">
+            <a:schemeClr val="dk1"/>
+          </a:fontRef>
+        </p:style>
+        <p:txBody>
+          <a:bodyPr rtlCol="0" anchor="ctr"/>
+          <a:lstStyle/>
+          <a:p>
+            <a:pPr algn="ctr"/>
+            <a:r>
+              <a:rPr lang="en-US" altLang="ko-KR" dirty="0"/>
+              <a:t>64MG</a:t>
+            </a:r>
+            <a:endParaRPr lang="en-KR" dirty="0"/>
+          </a:p>
+        </p:txBody>
+      </p:sp>
     </p:spTree>
     <p:extLst>
       <p:ext uri="{BB962C8B-B14F-4D97-AF65-F5344CB8AC3E}">
-        <p14:creationId xmlns:p14="http://schemas.microsoft.com/office/powerpoint/2010/main" val="2718876280"/>
+        <p14:creationId xmlns:p14="http://schemas.microsoft.com/office/powerpoint/2010/main" val="1146073721"/>
       </p:ext>
     </p:extLst>
   </p:cSld>

--- a/redis_01.pptx
+++ b/redis_01.pptx
@@ -6,16 +6,18 @@
   </p:sldMasterIdLst>
   <p:sldIdLst>
     <p:sldId id="256" r:id="rId2"/>
-    <p:sldId id="286" r:id="rId3"/>
-    <p:sldId id="287" r:id="rId4"/>
-    <p:sldId id="282" r:id="rId5"/>
-    <p:sldId id="281" r:id="rId6"/>
-    <p:sldId id="285" r:id="rId7"/>
-    <p:sldId id="288" r:id="rId8"/>
-    <p:sldId id="289" r:id="rId9"/>
-    <p:sldId id="290" r:id="rId10"/>
-    <p:sldId id="291" r:id="rId11"/>
-    <p:sldId id="292" r:id="rId12"/>
+    <p:sldId id="294" r:id="rId3"/>
+    <p:sldId id="286" r:id="rId4"/>
+    <p:sldId id="287" r:id="rId5"/>
+    <p:sldId id="282" r:id="rId6"/>
+    <p:sldId id="293" r:id="rId7"/>
+    <p:sldId id="281" r:id="rId8"/>
+    <p:sldId id="285" r:id="rId9"/>
+    <p:sldId id="288" r:id="rId10"/>
+    <p:sldId id="289" r:id="rId11"/>
+    <p:sldId id="290" r:id="rId12"/>
+    <p:sldId id="291" r:id="rId13"/>
+    <p:sldId id="292" r:id="rId14"/>
   </p:sldIdLst>
   <p:sldSz cx="12192000" cy="6858000"/>
   <p:notesSz cx="6858000" cy="9144000"/>
@@ -297,7 +299,7 @@
           <a:p>
             <a:fld id="{0F97CC09-FC47-544E-980F-F402770FC86C}" type="datetimeFigureOut">
               <a:rPr lang="en-KR" smtClean="0"/>
-              <a:t>2021/02/21</a:t>
+              <a:t>2021/02/22</a:t>
             </a:fld>
             <a:endParaRPr lang="en-KR"/>
           </a:p>
@@ -497,7 +499,7 @@
           <a:p>
             <a:fld id="{0F97CC09-FC47-544E-980F-F402770FC86C}" type="datetimeFigureOut">
               <a:rPr lang="en-KR" smtClean="0"/>
-              <a:t>2021/02/21</a:t>
+              <a:t>2021/02/22</a:t>
             </a:fld>
             <a:endParaRPr lang="en-KR"/>
           </a:p>
@@ -707,7 +709,7 @@
           <a:p>
             <a:fld id="{0F97CC09-FC47-544E-980F-F402770FC86C}" type="datetimeFigureOut">
               <a:rPr lang="en-KR" smtClean="0"/>
-              <a:t>2021/02/21</a:t>
+              <a:t>2021/02/22</a:t>
             </a:fld>
             <a:endParaRPr lang="en-KR"/>
           </a:p>
@@ -907,7 +909,7 @@
           <a:p>
             <a:fld id="{0F97CC09-FC47-544E-980F-F402770FC86C}" type="datetimeFigureOut">
               <a:rPr lang="en-KR" smtClean="0"/>
-              <a:t>2021/02/21</a:t>
+              <a:t>2021/02/22</a:t>
             </a:fld>
             <a:endParaRPr lang="en-KR"/>
           </a:p>
@@ -1183,7 +1185,7 @@
           <a:p>
             <a:fld id="{0F97CC09-FC47-544E-980F-F402770FC86C}" type="datetimeFigureOut">
               <a:rPr lang="en-KR" smtClean="0"/>
-              <a:t>2021/02/21</a:t>
+              <a:t>2021/02/22</a:t>
             </a:fld>
             <a:endParaRPr lang="en-KR"/>
           </a:p>
@@ -1451,7 +1453,7 @@
           <a:p>
             <a:fld id="{0F97CC09-FC47-544E-980F-F402770FC86C}" type="datetimeFigureOut">
               <a:rPr lang="en-KR" smtClean="0"/>
-              <a:t>2021/02/21</a:t>
+              <a:t>2021/02/22</a:t>
             </a:fld>
             <a:endParaRPr lang="en-KR"/>
           </a:p>
@@ -1866,7 +1868,7 @@
           <a:p>
             <a:fld id="{0F97CC09-FC47-544E-980F-F402770FC86C}" type="datetimeFigureOut">
               <a:rPr lang="en-KR" smtClean="0"/>
-              <a:t>2021/02/21</a:t>
+              <a:t>2021/02/22</a:t>
             </a:fld>
             <a:endParaRPr lang="en-KR"/>
           </a:p>
@@ -2008,7 +2010,7 @@
           <a:p>
             <a:fld id="{0F97CC09-FC47-544E-980F-F402770FC86C}" type="datetimeFigureOut">
               <a:rPr lang="en-KR" smtClean="0"/>
-              <a:t>2021/02/21</a:t>
+              <a:t>2021/02/22</a:t>
             </a:fld>
             <a:endParaRPr lang="en-KR"/>
           </a:p>
@@ -2121,7 +2123,7 @@
           <a:p>
             <a:fld id="{0F97CC09-FC47-544E-980F-F402770FC86C}" type="datetimeFigureOut">
               <a:rPr lang="en-KR" smtClean="0"/>
-              <a:t>2021/02/21</a:t>
+              <a:t>2021/02/22</a:t>
             </a:fld>
             <a:endParaRPr lang="en-KR"/>
           </a:p>
@@ -2434,7 +2436,7 @@
           <a:p>
             <a:fld id="{0F97CC09-FC47-544E-980F-F402770FC86C}" type="datetimeFigureOut">
               <a:rPr lang="en-KR" smtClean="0"/>
-              <a:t>2021/02/21</a:t>
+              <a:t>2021/02/22</a:t>
             </a:fld>
             <a:endParaRPr lang="en-KR"/>
           </a:p>
@@ -2723,7 +2725,7 @@
           <a:p>
             <a:fld id="{0F97CC09-FC47-544E-980F-F402770FC86C}" type="datetimeFigureOut">
               <a:rPr lang="en-KR" smtClean="0"/>
-              <a:t>2021/02/21</a:t>
+              <a:t>2021/02/22</a:t>
             </a:fld>
             <a:endParaRPr lang="en-KR"/>
           </a:p>
@@ -2966,7 +2968,7 @@
           <a:p>
             <a:fld id="{0F97CC09-FC47-544E-980F-F402770FC86C}" type="datetimeFigureOut">
               <a:rPr lang="en-KR" smtClean="0"/>
-              <a:t>2021/02/21</a:t>
+              <a:t>2021/02/22</a:t>
             </a:fld>
             <a:endParaRPr lang="en-KR"/>
           </a:p>
@@ -3404,7 +3406,7 @@
           <a:bodyPr/>
           <a:lstStyle/>
           <a:p>
-            <a:endParaRPr lang="en-KR"/>
+            <a:endParaRPr lang="en-KR" dirty="0"/>
           </a:p>
         </p:txBody>
       </p:sp>
@@ -3447,3192 +3449,6 @@
 </file>
 
 <file path=ppt/slides/slide10.xml><?xml version="1.0" encoding="utf-8"?>
-<p:sld xmlns:a="http://schemas.openxmlformats.org/drawingml/2006/main" xmlns:r="http://schemas.openxmlformats.org/officeDocument/2006/relationships" xmlns:p="http://schemas.openxmlformats.org/presentationml/2006/main">
-  <p:cSld>
-    <p:spTree>
-      <p:nvGrpSpPr>
-        <p:cNvPr id="1" name=""/>
-        <p:cNvGrpSpPr/>
-        <p:nvPr/>
-      </p:nvGrpSpPr>
-      <p:grpSpPr>
-        <a:xfrm>
-          <a:off x="0" y="0"/>
-          <a:ext cx="0" cy="0"/>
-          <a:chOff x="0" y="0"/>
-          <a:chExt cx="0" cy="0"/>
-        </a:xfrm>
-      </p:grpSpPr>
-      <p:sp>
-        <p:nvSpPr>
-          <p:cNvPr id="2" name="Title 1">
-            <a:extLst>
-              <a:ext uri="{FF2B5EF4-FFF2-40B4-BE49-F238E27FC236}">
-                <a16:creationId xmlns:a16="http://schemas.microsoft.com/office/drawing/2014/main" id="{34B3DA25-58D6-9046-BF18-574A0EE2318B}"/>
-              </a:ext>
-            </a:extLst>
-          </p:cNvPr>
-          <p:cNvSpPr>
-            <a:spLocks noGrp="1"/>
-          </p:cNvSpPr>
-          <p:nvPr>
-            <p:ph type="title"/>
-          </p:nvPr>
-        </p:nvSpPr>
-        <p:spPr/>
-        <p:txBody>
-          <a:bodyPr>
-            <a:normAutofit/>
-          </a:bodyPr>
-          <a:lstStyle/>
-          <a:p>
-            <a:r>
-              <a:rPr lang="en-US" sz="4000" dirty="0"/>
-              <a:t>RDB </a:t>
-            </a:r>
-            <a:r>
-              <a:rPr lang="en-US" altLang="ko-KR" sz="4000" dirty="0"/>
-              <a:t>Params</a:t>
-            </a:r>
-            <a:endParaRPr lang="en-KR" sz="4000" dirty="0"/>
-          </a:p>
-        </p:txBody>
-      </p:sp>
-      <p:sp>
-        <p:nvSpPr>
-          <p:cNvPr id="3" name="TextBox 2">
-            <a:extLst>
-              <a:ext uri="{FF2B5EF4-FFF2-40B4-BE49-F238E27FC236}">
-                <a16:creationId xmlns:a16="http://schemas.microsoft.com/office/drawing/2014/main" id="{FB2D2156-D83E-D44D-A171-C99201A7FF97}"/>
-              </a:ext>
-            </a:extLst>
-          </p:cNvPr>
-          <p:cNvSpPr txBox="1"/>
-          <p:nvPr/>
-        </p:nvSpPr>
-        <p:spPr>
-          <a:xfrm>
-            <a:off x="1416134" y="2052947"/>
-            <a:ext cx="4070268" cy="2862322"/>
-          </a:xfrm>
-          <a:prstGeom prst="rect">
-            <a:avLst/>
-          </a:prstGeom>
-          <a:noFill/>
-        </p:spPr>
-        <p:txBody>
-          <a:bodyPr wrap="square" rtlCol="0">
-            <a:spAutoFit/>
-          </a:bodyPr>
-          <a:lstStyle/>
-          <a:p>
-            <a:r>
-              <a:rPr lang="en-US" dirty="0"/>
-              <a:t>SAVE</a:t>
-            </a:r>
-          </a:p>
-          <a:p>
-            <a:pPr marL="285750" indent="-285750">
-              <a:buFont typeface="Arial" panose="020B0604020202020204" pitchFamily="34" charset="0"/>
-              <a:buChar char="•"/>
-            </a:pPr>
-            <a:r>
-              <a:rPr lang="en-US" altLang="ko-KR" dirty="0"/>
-              <a:t>RDB </a:t>
-            </a:r>
-            <a:r>
-              <a:rPr lang="ko-KR" altLang="en-US" dirty="0"/>
-              <a:t>방식의 동작 주기 결정</a:t>
-            </a:r>
-            <a:endParaRPr lang="en-US" dirty="0"/>
-          </a:p>
-          <a:p>
-            <a:endParaRPr lang="en-US" dirty="0"/>
-          </a:p>
-          <a:p>
-            <a:r>
-              <a:rPr lang="en-US" dirty="0"/>
-              <a:t>STOP-WRITES-ON-BGSAVE-ERROR</a:t>
-            </a:r>
-          </a:p>
-          <a:p>
-            <a:r>
-              <a:rPr lang="ko-KR" altLang="en-US" dirty="0"/>
-              <a:t>* </a:t>
-            </a:r>
-            <a:endParaRPr lang="en-US" dirty="0"/>
-          </a:p>
-          <a:p>
-            <a:endParaRPr lang="en-US" dirty="0"/>
-          </a:p>
-          <a:p>
-            <a:r>
-              <a:rPr lang="en-US" dirty="0"/>
-              <a:t>RDBCOMPRESSION</a:t>
-            </a:r>
-          </a:p>
-          <a:p>
-            <a:r>
-              <a:rPr lang="en-US" dirty="0"/>
-              <a:t>RDBCHECKSUM</a:t>
-            </a:r>
-          </a:p>
-          <a:p>
-            <a:r>
-              <a:rPr lang="en-US" dirty="0"/>
-              <a:t>DBFILENAME</a:t>
-            </a:r>
-          </a:p>
-          <a:p>
-            <a:r>
-              <a:rPr lang="en-US" dirty="0"/>
-              <a:t>RDB-SAVE-INCREMENTAL-FSYNC</a:t>
-            </a:r>
-          </a:p>
-        </p:txBody>
-      </p:sp>
-      <p:sp>
-        <p:nvSpPr>
-          <p:cNvPr id="5" name="TextBox 4">
-            <a:extLst>
-              <a:ext uri="{FF2B5EF4-FFF2-40B4-BE49-F238E27FC236}">
-                <a16:creationId xmlns:a16="http://schemas.microsoft.com/office/drawing/2014/main" id="{CC8659ED-57CB-3A42-ACE6-836D9F422F29}"/>
-              </a:ext>
-            </a:extLst>
-          </p:cNvPr>
-          <p:cNvSpPr txBox="1"/>
-          <p:nvPr/>
-        </p:nvSpPr>
-        <p:spPr>
-          <a:xfrm>
-            <a:off x="-691662" y="6435969"/>
-            <a:ext cx="184731" cy="369332"/>
-          </a:xfrm>
-          <a:prstGeom prst="rect">
-            <a:avLst/>
-          </a:prstGeom>
-          <a:noFill/>
-        </p:spPr>
-        <p:txBody>
-          <a:bodyPr wrap="none" rtlCol="0">
-            <a:spAutoFit/>
-          </a:bodyPr>
-          <a:lstStyle/>
-          <a:p>
-            <a:endParaRPr lang="en-KR"/>
-          </a:p>
-        </p:txBody>
-      </p:sp>
-    </p:spTree>
-    <p:extLst>
-      <p:ext uri="{BB962C8B-B14F-4D97-AF65-F5344CB8AC3E}">
-        <p14:creationId xmlns:p14="http://schemas.microsoft.com/office/powerpoint/2010/main" val="2830785869"/>
-      </p:ext>
-    </p:extLst>
-  </p:cSld>
-  <p:clrMapOvr>
-    <a:masterClrMapping/>
-  </p:clrMapOvr>
-</p:sld>
-</file>
-
-<file path=ppt/slides/slide11.xml><?xml version="1.0" encoding="utf-8"?>
-<p:sld xmlns:a="http://schemas.openxmlformats.org/drawingml/2006/main" xmlns:r="http://schemas.openxmlformats.org/officeDocument/2006/relationships" xmlns:p="http://schemas.openxmlformats.org/presentationml/2006/main">
-  <p:cSld>
-    <p:spTree>
-      <p:nvGrpSpPr>
-        <p:cNvPr id="1" name=""/>
-        <p:cNvGrpSpPr/>
-        <p:nvPr/>
-      </p:nvGrpSpPr>
-      <p:grpSpPr>
-        <a:xfrm>
-          <a:off x="0" y="0"/>
-          <a:ext cx="0" cy="0"/>
-          <a:chOff x="0" y="0"/>
-          <a:chExt cx="0" cy="0"/>
-        </a:xfrm>
-      </p:grpSpPr>
-    </p:spTree>
-    <p:extLst>
-      <p:ext uri="{BB962C8B-B14F-4D97-AF65-F5344CB8AC3E}">
-        <p14:creationId xmlns:p14="http://schemas.microsoft.com/office/powerpoint/2010/main" val="1285164465"/>
-      </p:ext>
-    </p:extLst>
-  </p:cSld>
-  <p:clrMapOvr>
-    <a:masterClrMapping/>
-  </p:clrMapOvr>
-</p:sld>
-</file>
-
-<file path=ppt/slides/slide2.xml><?xml version="1.0" encoding="utf-8"?>
-<p:sld xmlns:a="http://schemas.openxmlformats.org/drawingml/2006/main" xmlns:r="http://schemas.openxmlformats.org/officeDocument/2006/relationships" xmlns:p="http://schemas.openxmlformats.org/presentationml/2006/main">
-  <p:cSld>
-    <p:spTree>
-      <p:nvGrpSpPr>
-        <p:cNvPr id="1" name=""/>
-        <p:cNvGrpSpPr/>
-        <p:nvPr/>
-      </p:nvGrpSpPr>
-      <p:grpSpPr>
-        <a:xfrm>
-          <a:off x="0" y="0"/>
-          <a:ext cx="0" cy="0"/>
-          <a:chOff x="0" y="0"/>
-          <a:chExt cx="0" cy="0"/>
-        </a:xfrm>
-      </p:grpSpPr>
-      <p:sp>
-        <p:nvSpPr>
-          <p:cNvPr id="2" name="Title 1">
-            <a:extLst>
-              <a:ext uri="{FF2B5EF4-FFF2-40B4-BE49-F238E27FC236}">
-                <a16:creationId xmlns:a16="http://schemas.microsoft.com/office/drawing/2014/main" id="{24D2C232-2308-0942-B690-95502DDF1694}"/>
-              </a:ext>
-            </a:extLst>
-          </p:cNvPr>
-          <p:cNvSpPr>
-            <a:spLocks noGrp="1"/>
-          </p:cNvSpPr>
-          <p:nvPr>
-            <p:ph type="title"/>
-          </p:nvPr>
-        </p:nvSpPr>
-        <p:spPr/>
-        <p:txBody>
-          <a:bodyPr>
-            <a:normAutofit/>
-          </a:bodyPr>
-          <a:lstStyle/>
-          <a:p>
-            <a:r>
-              <a:rPr lang="en-US" sz="4000" dirty="0"/>
-              <a:t>RDB </a:t>
-            </a:r>
-            <a:r>
-              <a:rPr lang="ko-KR" altLang="en-US" sz="4000" dirty="0"/>
-              <a:t>로깅 과정</a:t>
-            </a:r>
-            <a:endParaRPr lang="en-KR" sz="4000" dirty="0"/>
-          </a:p>
-        </p:txBody>
-      </p:sp>
-    </p:spTree>
-    <p:extLst>
-      <p:ext uri="{BB962C8B-B14F-4D97-AF65-F5344CB8AC3E}">
-        <p14:creationId xmlns:p14="http://schemas.microsoft.com/office/powerpoint/2010/main" val="1546951250"/>
-      </p:ext>
-    </p:extLst>
-  </p:cSld>
-  <p:clrMapOvr>
-    <a:masterClrMapping/>
-  </p:clrMapOvr>
-</p:sld>
-</file>
-
-<file path=ppt/slides/slide3.xml><?xml version="1.0" encoding="utf-8"?>
-<p:sld xmlns:a="http://schemas.openxmlformats.org/drawingml/2006/main" xmlns:r="http://schemas.openxmlformats.org/officeDocument/2006/relationships" xmlns:p="http://schemas.openxmlformats.org/presentationml/2006/main">
-  <p:cSld>
-    <p:spTree>
-      <p:nvGrpSpPr>
-        <p:cNvPr id="1" name=""/>
-        <p:cNvGrpSpPr/>
-        <p:nvPr/>
-      </p:nvGrpSpPr>
-      <p:grpSpPr>
-        <a:xfrm>
-          <a:off x="0" y="0"/>
-          <a:ext cx="0" cy="0"/>
-          <a:chOff x="0" y="0"/>
-          <a:chExt cx="0" cy="0"/>
-        </a:xfrm>
-      </p:grpSpPr>
-      <p:sp>
-        <p:nvSpPr>
-          <p:cNvPr id="2" name="Title 1">
-            <a:extLst>
-              <a:ext uri="{FF2B5EF4-FFF2-40B4-BE49-F238E27FC236}">
-                <a16:creationId xmlns:a16="http://schemas.microsoft.com/office/drawing/2014/main" id="{24D2C232-2308-0942-B690-95502DDF1694}"/>
-              </a:ext>
-            </a:extLst>
-          </p:cNvPr>
-          <p:cNvSpPr>
-            <a:spLocks noGrp="1"/>
-          </p:cNvSpPr>
-          <p:nvPr>
-            <p:ph type="title"/>
-          </p:nvPr>
-        </p:nvSpPr>
-        <p:spPr/>
-        <p:txBody>
-          <a:bodyPr>
-            <a:normAutofit/>
-          </a:bodyPr>
-          <a:lstStyle/>
-          <a:p>
-            <a:r>
-              <a:rPr lang="en-US" altLang="ko-KR" sz="4000" dirty="0"/>
-              <a:t>RDB</a:t>
-            </a:r>
-            <a:r>
-              <a:rPr lang="en-US" sz="4000" dirty="0"/>
-              <a:t> </a:t>
-            </a:r>
-            <a:r>
-              <a:rPr lang="ko-KR" altLang="en-US" sz="4000" dirty="0"/>
-              <a:t>복구 과정</a:t>
-            </a:r>
-            <a:endParaRPr lang="en-KR" sz="4000" dirty="0"/>
-          </a:p>
-        </p:txBody>
-      </p:sp>
-    </p:spTree>
-    <p:extLst>
-      <p:ext uri="{BB962C8B-B14F-4D97-AF65-F5344CB8AC3E}">
-        <p14:creationId xmlns:p14="http://schemas.microsoft.com/office/powerpoint/2010/main" val="2924281535"/>
-      </p:ext>
-    </p:extLst>
-  </p:cSld>
-  <p:clrMapOvr>
-    <a:masterClrMapping/>
-  </p:clrMapOvr>
-</p:sld>
-</file>
-
-<file path=ppt/slides/slide4.xml><?xml version="1.0" encoding="utf-8"?>
-<p:sld xmlns:a="http://schemas.openxmlformats.org/drawingml/2006/main" xmlns:r="http://schemas.openxmlformats.org/officeDocument/2006/relationships" xmlns:p="http://schemas.openxmlformats.org/presentationml/2006/main">
-  <p:cSld>
-    <p:spTree>
-      <p:nvGrpSpPr>
-        <p:cNvPr id="1" name=""/>
-        <p:cNvGrpSpPr/>
-        <p:nvPr/>
-      </p:nvGrpSpPr>
-      <p:grpSpPr>
-        <a:xfrm>
-          <a:off x="0" y="0"/>
-          <a:ext cx="0" cy="0"/>
-          <a:chOff x="0" y="0"/>
-          <a:chExt cx="0" cy="0"/>
-        </a:xfrm>
-      </p:grpSpPr>
-      <p:sp>
-        <p:nvSpPr>
-          <p:cNvPr id="2" name="Title 1">
-            <a:extLst>
-              <a:ext uri="{FF2B5EF4-FFF2-40B4-BE49-F238E27FC236}">
-                <a16:creationId xmlns:a16="http://schemas.microsoft.com/office/drawing/2014/main" id="{24D2C232-2308-0942-B690-95502DDF1694}"/>
-              </a:ext>
-            </a:extLst>
-          </p:cNvPr>
-          <p:cNvSpPr>
-            <a:spLocks noGrp="1"/>
-          </p:cNvSpPr>
-          <p:nvPr>
-            <p:ph type="title"/>
-          </p:nvPr>
-        </p:nvSpPr>
-        <p:spPr/>
-        <p:txBody>
-          <a:bodyPr>
-            <a:normAutofit/>
-          </a:bodyPr>
-          <a:lstStyle/>
-          <a:p>
-            <a:r>
-              <a:rPr lang="en-US" sz="4000" dirty="0"/>
-              <a:t>AOF </a:t>
-            </a:r>
-            <a:r>
-              <a:rPr lang="ko-KR" altLang="en-US" sz="4000" dirty="0"/>
-              <a:t>로깅 과정</a:t>
-            </a:r>
-            <a:endParaRPr lang="en-KR" sz="4000" dirty="0"/>
-          </a:p>
-        </p:txBody>
-      </p:sp>
-      <p:sp>
-        <p:nvSpPr>
-          <p:cNvPr id="15" name="TextBox 14">
-            <a:extLst>
-              <a:ext uri="{FF2B5EF4-FFF2-40B4-BE49-F238E27FC236}">
-                <a16:creationId xmlns:a16="http://schemas.microsoft.com/office/drawing/2014/main" id="{9B69E391-6BAA-1B49-8696-89DA61C5C18C}"/>
-              </a:ext>
-            </a:extLst>
-          </p:cNvPr>
-          <p:cNvSpPr txBox="1"/>
-          <p:nvPr/>
-        </p:nvSpPr>
-        <p:spPr>
-          <a:xfrm>
-            <a:off x="800312" y="2793037"/>
-            <a:ext cx="3124985" cy="2957861"/>
-          </a:xfrm>
-          <a:prstGeom prst="rect">
-            <a:avLst/>
-          </a:prstGeom>
-          <a:noFill/>
-        </p:spPr>
-        <p:txBody>
-          <a:bodyPr wrap="square" rtlCol="0">
-            <a:spAutoFit/>
-          </a:bodyPr>
-          <a:lstStyle/>
-          <a:p>
-            <a:pPr>
-              <a:lnSpc>
-                <a:spcPct val="150000"/>
-              </a:lnSpc>
-            </a:pPr>
-            <a:r>
-              <a:rPr lang="en-US" altLang="ko-KR" dirty="0"/>
-              <a:t>1.</a:t>
-            </a:r>
-            <a:r>
-              <a:rPr lang="ko-KR" altLang="en-US" dirty="0"/>
-              <a:t> 명령 수행 후  로그 레코드</a:t>
-            </a:r>
-            <a:r>
-              <a:rPr lang="ko-KR" altLang="en-US" b="1" dirty="0"/>
-              <a:t> </a:t>
-            </a:r>
-            <a:r>
-              <a:rPr lang="ko-KR" altLang="en-US" dirty="0"/>
-              <a:t>생성</a:t>
-            </a:r>
-          </a:p>
-          <a:p>
-            <a:pPr>
-              <a:lnSpc>
-                <a:spcPct val="150000"/>
-              </a:lnSpc>
-            </a:pPr>
-            <a:r>
-              <a:rPr lang="en-US" altLang="ko-KR" dirty="0"/>
-              <a:t>2.</a:t>
-            </a:r>
-            <a:r>
-              <a:rPr lang="ko-KR" altLang="en-US" dirty="0"/>
-              <a:t> </a:t>
-            </a:r>
-            <a:r>
-              <a:rPr lang="en-US" dirty="0"/>
-              <a:t>AOF </a:t>
-            </a:r>
-            <a:r>
-              <a:rPr lang="ko-KR" altLang="en-US" dirty="0"/>
-              <a:t>버퍼에 로그 레코드 저장</a:t>
-            </a:r>
-          </a:p>
-          <a:p>
-            <a:pPr>
-              <a:lnSpc>
-                <a:spcPct val="150000"/>
-              </a:lnSpc>
-            </a:pPr>
-            <a:r>
-              <a:rPr lang="en-US" altLang="ko-KR" dirty="0"/>
-              <a:t>3.</a:t>
-            </a:r>
-            <a:r>
-              <a:rPr lang="ko-KR" altLang="en-US" dirty="0"/>
-              <a:t> </a:t>
-            </a:r>
-            <a:r>
-              <a:rPr lang="en-US" dirty="0" err="1"/>
-              <a:t>fsync</a:t>
-            </a:r>
-            <a:r>
-              <a:rPr lang="en-US" dirty="0"/>
-              <a:t> </a:t>
-            </a:r>
-            <a:r>
-              <a:rPr lang="ko-KR" altLang="en-US" dirty="0"/>
-              <a:t>함수를 통해 로그 레코드가 </a:t>
-            </a:r>
-            <a:r>
-              <a:rPr lang="en-US" dirty="0"/>
-              <a:t>AOF </a:t>
-            </a:r>
-            <a:r>
-              <a:rPr lang="ko-KR" altLang="en-US" dirty="0"/>
-              <a:t>파일에 기록</a:t>
-            </a:r>
-          </a:p>
-          <a:p>
-            <a:pPr>
-              <a:lnSpc>
-                <a:spcPct val="150000"/>
-              </a:lnSpc>
-            </a:pPr>
-            <a:endParaRPr lang="en-KR" dirty="0"/>
-          </a:p>
-        </p:txBody>
-      </p:sp>
-      <p:grpSp>
-        <p:nvGrpSpPr>
-          <p:cNvPr id="13" name="Group 12">
-            <a:extLst>
-              <a:ext uri="{FF2B5EF4-FFF2-40B4-BE49-F238E27FC236}">
-                <a16:creationId xmlns:a16="http://schemas.microsoft.com/office/drawing/2014/main" id="{6C0B6511-14E5-9E44-91A1-3A1B8ABAB198}"/>
-              </a:ext>
-            </a:extLst>
-          </p:cNvPr>
-          <p:cNvGrpSpPr/>
-          <p:nvPr/>
-        </p:nvGrpSpPr>
-        <p:grpSpPr>
-          <a:xfrm>
-            <a:off x="4805355" y="1772163"/>
-            <a:ext cx="7164972" cy="4267815"/>
-            <a:chOff x="4805355" y="1782673"/>
-            <a:chExt cx="7164972" cy="4267815"/>
-          </a:xfrm>
-        </p:grpSpPr>
-        <p:cxnSp>
-          <p:nvCxnSpPr>
-            <p:cNvPr id="30" name="Straight Arrow Connector 29">
-              <a:extLst>
-                <a:ext uri="{FF2B5EF4-FFF2-40B4-BE49-F238E27FC236}">
-                  <a16:creationId xmlns:a16="http://schemas.microsoft.com/office/drawing/2014/main" id="{9AAB407C-B7FA-6F4E-A066-8E0F35379F7D}"/>
-                </a:ext>
-              </a:extLst>
-            </p:cNvPr>
-            <p:cNvCxnSpPr>
-              <a:stCxn id="6" idx="2"/>
-              <a:endCxn id="10" idx="0"/>
-            </p:cNvCxnSpPr>
-            <p:nvPr/>
-          </p:nvCxnSpPr>
-          <p:spPr>
-            <a:xfrm>
-              <a:off x="9098780" y="4273216"/>
-              <a:ext cx="765" cy="1015272"/>
-            </a:xfrm>
-            <a:prstGeom prst="straightConnector1">
-              <a:avLst/>
-            </a:prstGeom>
-            <a:ln>
-              <a:tailEnd type="triangle"/>
-            </a:ln>
-          </p:spPr>
-          <p:style>
-            <a:lnRef idx="1">
-              <a:schemeClr val="dk1"/>
-            </a:lnRef>
-            <a:fillRef idx="0">
-              <a:schemeClr val="dk1"/>
-            </a:fillRef>
-            <a:effectRef idx="0">
-              <a:schemeClr val="dk1"/>
-            </a:effectRef>
-            <a:fontRef idx="minor">
-              <a:schemeClr val="tx1"/>
-            </a:fontRef>
-          </p:style>
-        </p:cxnSp>
-        <p:sp>
-          <p:nvSpPr>
-            <p:cNvPr id="4" name="Process 3">
-              <a:extLst>
-                <a:ext uri="{FF2B5EF4-FFF2-40B4-BE49-F238E27FC236}">
-                  <a16:creationId xmlns:a16="http://schemas.microsoft.com/office/drawing/2014/main" id="{0B43D8D5-E850-FA4D-B350-A77D3A5EB064}"/>
-                </a:ext>
-              </a:extLst>
-            </p:cNvPr>
-            <p:cNvSpPr/>
-            <p:nvPr/>
-          </p:nvSpPr>
-          <p:spPr>
-            <a:xfrm>
-              <a:off x="7855286" y="1782673"/>
-              <a:ext cx="3201597" cy="2748984"/>
-            </a:xfrm>
-            <a:prstGeom prst="flowChartProcess">
-              <a:avLst/>
-            </a:prstGeom>
-            <a:ln/>
-          </p:spPr>
-          <p:style>
-            <a:lnRef idx="2">
-              <a:schemeClr val="dk1"/>
-            </a:lnRef>
-            <a:fillRef idx="1">
-              <a:schemeClr val="lt1"/>
-            </a:fillRef>
-            <a:effectRef idx="0">
-              <a:schemeClr val="dk1"/>
-            </a:effectRef>
-            <a:fontRef idx="minor">
-              <a:schemeClr val="dk1"/>
-            </a:fontRef>
-          </p:style>
-          <p:txBody>
-            <a:bodyPr rtlCol="0" anchor="ctr"/>
-            <a:lstStyle/>
-            <a:p>
-              <a:pPr algn="ctr"/>
-              <a:endParaRPr lang="en-KR"/>
-            </a:p>
-          </p:txBody>
-        </p:sp>
-        <p:sp>
-          <p:nvSpPr>
-            <p:cNvPr id="5" name="Alternate Process 4">
-              <a:extLst>
-                <a:ext uri="{FF2B5EF4-FFF2-40B4-BE49-F238E27FC236}">
-                  <a16:creationId xmlns:a16="http://schemas.microsoft.com/office/drawing/2014/main" id="{A1EF4F14-0BFA-4843-B645-0EBFA9106732}"/>
-                </a:ext>
-              </a:extLst>
-            </p:cNvPr>
-            <p:cNvSpPr/>
-            <p:nvPr/>
-          </p:nvSpPr>
-          <p:spPr>
-            <a:xfrm>
-              <a:off x="8426353" y="2117108"/>
-              <a:ext cx="1372504" cy="785656"/>
-            </a:xfrm>
-            <a:prstGeom prst="flowChartAlternateProcess">
-              <a:avLst/>
-            </a:prstGeom>
-            <a:ln>
-              <a:solidFill>
-                <a:schemeClr val="tx1"/>
-              </a:solidFill>
-            </a:ln>
-          </p:spPr>
-          <p:style>
-            <a:lnRef idx="2">
-              <a:schemeClr val="accent6"/>
-            </a:lnRef>
-            <a:fillRef idx="1">
-              <a:schemeClr val="lt1"/>
-            </a:fillRef>
-            <a:effectRef idx="0">
-              <a:schemeClr val="accent6"/>
-            </a:effectRef>
-            <a:fontRef idx="minor">
-              <a:schemeClr val="dk1"/>
-            </a:fontRef>
-          </p:style>
-          <p:txBody>
-            <a:bodyPr rtlCol="0" anchor="ctr"/>
-            <a:lstStyle/>
-            <a:p>
-              <a:pPr algn="ctr"/>
-              <a:r>
-                <a:rPr lang="en-US" dirty="0"/>
-                <a:t>Dataset</a:t>
-              </a:r>
-              <a:endParaRPr lang="en-KR" dirty="0"/>
-            </a:p>
-          </p:txBody>
-        </p:sp>
-        <p:sp>
-          <p:nvSpPr>
-            <p:cNvPr id="6" name="Process 5">
-              <a:extLst>
-                <a:ext uri="{FF2B5EF4-FFF2-40B4-BE49-F238E27FC236}">
-                  <a16:creationId xmlns:a16="http://schemas.microsoft.com/office/drawing/2014/main" id="{D1C3E958-3D25-EE47-A206-9B8C1B4A7AA9}"/>
-                </a:ext>
-              </a:extLst>
-            </p:cNvPr>
-            <p:cNvSpPr/>
-            <p:nvPr/>
-          </p:nvSpPr>
-          <p:spPr>
-            <a:xfrm>
-              <a:off x="8485728" y="3446210"/>
-              <a:ext cx="1226104" cy="827006"/>
-            </a:xfrm>
-            <a:prstGeom prst="flowChartProcess">
-              <a:avLst/>
-            </a:prstGeom>
-            <a:ln>
-              <a:solidFill>
-                <a:schemeClr val="tx1"/>
-              </a:solidFill>
-            </a:ln>
-          </p:spPr>
-          <p:style>
-            <a:lnRef idx="2">
-              <a:schemeClr val="accent6"/>
-            </a:lnRef>
-            <a:fillRef idx="1">
-              <a:schemeClr val="lt1"/>
-            </a:fillRef>
-            <a:effectRef idx="0">
-              <a:schemeClr val="accent6"/>
-            </a:effectRef>
-            <a:fontRef idx="minor">
-              <a:schemeClr val="dk1"/>
-            </a:fontRef>
-          </p:style>
-          <p:txBody>
-            <a:bodyPr rtlCol="0" anchor="ctr"/>
-            <a:lstStyle/>
-            <a:p>
-              <a:pPr algn="ctr"/>
-              <a:r>
-                <a:rPr lang="en-KR" dirty="0"/>
-                <a:t>AOF Buffer</a:t>
-              </a:r>
-            </a:p>
-          </p:txBody>
-        </p:sp>
-        <p:sp>
-          <p:nvSpPr>
-            <p:cNvPr id="8" name="Connector 7">
-              <a:extLst>
-                <a:ext uri="{FF2B5EF4-FFF2-40B4-BE49-F238E27FC236}">
-                  <a16:creationId xmlns:a16="http://schemas.microsoft.com/office/drawing/2014/main" id="{55755F3F-836A-3E4E-99E2-3B7C68A74F0E}"/>
-                </a:ext>
-              </a:extLst>
-            </p:cNvPr>
-            <p:cNvSpPr/>
-            <p:nvPr/>
-          </p:nvSpPr>
-          <p:spPr>
-            <a:xfrm>
-              <a:off x="4875060" y="2828437"/>
-              <a:ext cx="1490113" cy="854277"/>
-            </a:xfrm>
-            <a:prstGeom prst="flowChartConnector">
-              <a:avLst/>
-            </a:prstGeom>
-            <a:ln>
-              <a:solidFill>
-                <a:schemeClr val="tx1"/>
-              </a:solidFill>
-            </a:ln>
-          </p:spPr>
-          <p:style>
-            <a:lnRef idx="2">
-              <a:schemeClr val="accent6"/>
-            </a:lnRef>
-            <a:fillRef idx="1">
-              <a:schemeClr val="lt1"/>
-            </a:fillRef>
-            <a:effectRef idx="0">
-              <a:schemeClr val="accent6"/>
-            </a:effectRef>
-            <a:fontRef idx="minor">
-              <a:schemeClr val="dk1"/>
-            </a:fontRef>
-          </p:style>
-          <p:txBody>
-            <a:bodyPr rtlCol="0" anchor="ctr"/>
-            <a:lstStyle/>
-            <a:p>
-              <a:pPr algn="ctr"/>
-              <a:r>
-                <a:rPr lang="en-US" dirty="0"/>
-                <a:t>C</a:t>
-              </a:r>
-              <a:r>
-                <a:rPr lang="en-KR" dirty="0"/>
-                <a:t>lient Request</a:t>
-              </a:r>
-            </a:p>
-          </p:txBody>
-        </p:sp>
-        <p:sp>
-          <p:nvSpPr>
-            <p:cNvPr id="10" name="Process 9">
-              <a:extLst>
-                <a:ext uri="{FF2B5EF4-FFF2-40B4-BE49-F238E27FC236}">
-                  <a16:creationId xmlns:a16="http://schemas.microsoft.com/office/drawing/2014/main" id="{E6F9F6CA-C5EB-704F-AED6-58C0BDFE7AEB}"/>
-                </a:ext>
-              </a:extLst>
-            </p:cNvPr>
-            <p:cNvSpPr/>
-            <p:nvPr/>
-          </p:nvSpPr>
-          <p:spPr>
-            <a:xfrm>
-              <a:off x="8461370" y="5288488"/>
-              <a:ext cx="1276350" cy="762000"/>
-            </a:xfrm>
-            <a:prstGeom prst="flowChartProcess">
-              <a:avLst/>
-            </a:prstGeom>
-            <a:ln>
-              <a:solidFill>
-                <a:schemeClr val="tx1"/>
-              </a:solidFill>
-            </a:ln>
-          </p:spPr>
-          <p:style>
-            <a:lnRef idx="2">
-              <a:schemeClr val="accent6"/>
-            </a:lnRef>
-            <a:fillRef idx="1">
-              <a:schemeClr val="lt1"/>
-            </a:fillRef>
-            <a:effectRef idx="0">
-              <a:schemeClr val="accent6"/>
-            </a:effectRef>
-            <a:fontRef idx="minor">
-              <a:schemeClr val="dk1"/>
-            </a:fontRef>
-          </p:style>
-          <p:txBody>
-            <a:bodyPr rtlCol="0" anchor="ctr"/>
-            <a:lstStyle/>
-            <a:p>
-              <a:pPr algn="ctr"/>
-              <a:r>
-                <a:rPr lang="en-KR" dirty="0"/>
-                <a:t>AOF File</a:t>
-              </a:r>
-            </a:p>
-          </p:txBody>
-        </p:sp>
-        <p:grpSp>
-          <p:nvGrpSpPr>
-            <p:cNvPr id="32" name="Group 31">
-              <a:extLst>
-                <a:ext uri="{FF2B5EF4-FFF2-40B4-BE49-F238E27FC236}">
-                  <a16:creationId xmlns:a16="http://schemas.microsoft.com/office/drawing/2014/main" id="{098EA616-20AA-304A-9671-C7583D497A5D}"/>
-                </a:ext>
-              </a:extLst>
-            </p:cNvPr>
-            <p:cNvGrpSpPr/>
-            <p:nvPr/>
-          </p:nvGrpSpPr>
-          <p:grpSpPr>
-            <a:xfrm>
-              <a:off x="4805355" y="4634657"/>
-              <a:ext cx="7164972" cy="713392"/>
-              <a:chOff x="4805355" y="4571598"/>
-              <a:chExt cx="7164972" cy="713392"/>
-            </a:xfrm>
-          </p:grpSpPr>
-          <p:cxnSp>
-            <p:nvCxnSpPr>
-              <p:cNvPr id="9" name="Straight Connector 8">
-                <a:extLst>
-                  <a:ext uri="{FF2B5EF4-FFF2-40B4-BE49-F238E27FC236}">
-                    <a16:creationId xmlns:a16="http://schemas.microsoft.com/office/drawing/2014/main" id="{C2490CBF-1504-F541-AB02-E5333BC46E87}"/>
-                  </a:ext>
-                </a:extLst>
-              </p:cNvPr>
-              <p:cNvCxnSpPr>
-                <a:cxnSpLocks/>
-              </p:cNvCxnSpPr>
-              <p:nvPr/>
-            </p:nvCxnSpPr>
-            <p:spPr>
-              <a:xfrm>
-                <a:off x="4875061" y="4920599"/>
-                <a:ext cx="7095266" cy="0"/>
-              </a:xfrm>
-              <a:prstGeom prst="line">
-                <a:avLst/>
-              </a:prstGeom>
-              <a:ln w="47625"/>
-            </p:spPr>
-            <p:style>
-              <a:lnRef idx="1">
-                <a:schemeClr val="dk1"/>
-              </a:lnRef>
-              <a:fillRef idx="0">
-                <a:schemeClr val="dk1"/>
-              </a:fillRef>
-              <a:effectRef idx="0">
-                <a:schemeClr val="dk1"/>
-              </a:effectRef>
-              <a:fontRef idx="minor">
-                <a:schemeClr val="tx1"/>
-              </a:fontRef>
-            </p:style>
-          </p:cxnSp>
-          <p:sp>
-            <p:nvSpPr>
-              <p:cNvPr id="11" name="TextBox 10">
-                <a:extLst>
-                  <a:ext uri="{FF2B5EF4-FFF2-40B4-BE49-F238E27FC236}">
-                    <a16:creationId xmlns:a16="http://schemas.microsoft.com/office/drawing/2014/main" id="{D0446E8F-7757-164A-B2A9-5C0317860E74}"/>
-                  </a:ext>
-                </a:extLst>
-              </p:cNvPr>
-              <p:cNvSpPr txBox="1"/>
-              <p:nvPr/>
-            </p:nvSpPr>
-            <p:spPr>
-              <a:xfrm>
-                <a:off x="4805355" y="4571598"/>
-                <a:ext cx="2114550" cy="261610"/>
-              </a:xfrm>
-              <a:prstGeom prst="rect">
-                <a:avLst/>
-              </a:prstGeom>
-              <a:noFill/>
-            </p:spPr>
-            <p:txBody>
-              <a:bodyPr wrap="square" rtlCol="0">
-                <a:spAutoFit/>
-              </a:bodyPr>
-              <a:lstStyle/>
-              <a:p>
-                <a:r>
-                  <a:rPr lang="en-US" sz="1100" b="1" dirty="0"/>
-                  <a:t>Memory(DRAM)</a:t>
-                </a:r>
-                <a:endParaRPr lang="en-KR" sz="1100" b="1" dirty="0"/>
-              </a:p>
-            </p:txBody>
-          </p:sp>
-          <p:sp>
-            <p:nvSpPr>
-              <p:cNvPr id="12" name="TextBox 11">
-                <a:extLst>
-                  <a:ext uri="{FF2B5EF4-FFF2-40B4-BE49-F238E27FC236}">
-                    <a16:creationId xmlns:a16="http://schemas.microsoft.com/office/drawing/2014/main" id="{944FD6A6-A5F6-E14E-89AB-28A5565AFED5}"/>
-                  </a:ext>
-                </a:extLst>
-              </p:cNvPr>
-              <p:cNvSpPr txBox="1"/>
-              <p:nvPr/>
-            </p:nvSpPr>
-            <p:spPr>
-              <a:xfrm>
-                <a:off x="4805355" y="5023380"/>
-                <a:ext cx="2114550" cy="261610"/>
-              </a:xfrm>
-              <a:prstGeom prst="rect">
-                <a:avLst/>
-              </a:prstGeom>
-              <a:noFill/>
-            </p:spPr>
-            <p:txBody>
-              <a:bodyPr wrap="square" rtlCol="0">
-                <a:spAutoFit/>
-              </a:bodyPr>
-              <a:lstStyle/>
-              <a:p>
-                <a:r>
-                  <a:rPr lang="en-KR" sz="1100" b="1" dirty="0"/>
-                  <a:t>Disk(HDD or SSD)</a:t>
-                </a:r>
-              </a:p>
-            </p:txBody>
-          </p:sp>
-        </p:grpSp>
-        <p:cxnSp>
-          <p:nvCxnSpPr>
-            <p:cNvPr id="20" name="Elbow Connector 19">
-              <a:extLst>
-                <a:ext uri="{FF2B5EF4-FFF2-40B4-BE49-F238E27FC236}">
-                  <a16:creationId xmlns:a16="http://schemas.microsoft.com/office/drawing/2014/main" id="{69ADFD75-CCCB-7642-AE99-A47F413A752A}"/>
-                </a:ext>
-              </a:extLst>
-            </p:cNvPr>
-            <p:cNvCxnSpPr>
-              <a:cxnSpLocks/>
-              <a:stCxn id="8" idx="6"/>
-              <a:endCxn id="6" idx="1"/>
-            </p:cNvCxnSpPr>
-            <p:nvPr/>
-          </p:nvCxnSpPr>
-          <p:spPr>
-            <a:xfrm>
-              <a:off x="6365173" y="3255576"/>
-              <a:ext cx="2120555" cy="604137"/>
-            </a:xfrm>
-            <a:prstGeom prst="bentConnector3">
-              <a:avLst>
-                <a:gd name="adj1" fmla="val 81660"/>
-              </a:avLst>
-            </a:prstGeom>
-            <a:ln>
-              <a:tailEnd type="triangle"/>
-            </a:ln>
-          </p:spPr>
-          <p:style>
-            <a:lnRef idx="2">
-              <a:schemeClr val="dk1"/>
-            </a:lnRef>
-            <a:fillRef idx="1">
-              <a:schemeClr val="lt1"/>
-            </a:fillRef>
-            <a:effectRef idx="0">
-              <a:schemeClr val="dk1"/>
-            </a:effectRef>
-            <a:fontRef idx="minor">
-              <a:schemeClr val="dk1"/>
-            </a:fontRef>
-          </p:style>
-        </p:cxnSp>
-        <p:cxnSp>
-          <p:nvCxnSpPr>
-            <p:cNvPr id="25" name="Elbow Connector 24">
-              <a:extLst>
-                <a:ext uri="{FF2B5EF4-FFF2-40B4-BE49-F238E27FC236}">
-                  <a16:creationId xmlns:a16="http://schemas.microsoft.com/office/drawing/2014/main" id="{E375EB92-8327-234A-8810-E29156607540}"/>
-                </a:ext>
-              </a:extLst>
-            </p:cNvPr>
-            <p:cNvCxnSpPr>
-              <a:stCxn id="8" idx="6"/>
-              <a:endCxn id="5" idx="1"/>
-            </p:cNvCxnSpPr>
-            <p:nvPr/>
-          </p:nvCxnSpPr>
-          <p:spPr>
-            <a:xfrm flipV="1">
-              <a:off x="6365173" y="2509936"/>
-              <a:ext cx="2061180" cy="745640"/>
-            </a:xfrm>
-            <a:prstGeom prst="bentConnector3">
-              <a:avLst>
-                <a:gd name="adj1" fmla="val 83992"/>
-              </a:avLst>
-            </a:prstGeom>
-            <a:ln>
-              <a:tailEnd type="triangle"/>
-            </a:ln>
-          </p:spPr>
-          <p:style>
-            <a:lnRef idx="2">
-              <a:schemeClr val="dk1"/>
-            </a:lnRef>
-            <a:fillRef idx="1">
-              <a:schemeClr val="lt1"/>
-            </a:fillRef>
-            <a:effectRef idx="0">
-              <a:schemeClr val="dk1"/>
-            </a:effectRef>
-            <a:fontRef idx="minor">
-              <a:schemeClr val="dk1"/>
-            </a:fontRef>
-          </p:style>
-        </p:cxnSp>
-        <p:sp>
-          <p:nvSpPr>
-            <p:cNvPr id="31" name="TextBox 30">
-              <a:extLst>
-                <a:ext uri="{FF2B5EF4-FFF2-40B4-BE49-F238E27FC236}">
-                  <a16:creationId xmlns:a16="http://schemas.microsoft.com/office/drawing/2014/main" id="{794724BD-36E5-8240-A925-7F34E71DEA2C}"/>
-                </a:ext>
-              </a:extLst>
-            </p:cNvPr>
-            <p:cNvSpPr txBox="1"/>
-            <p:nvPr/>
-          </p:nvSpPr>
-          <p:spPr>
-            <a:xfrm>
-              <a:off x="9299792" y="4528991"/>
-              <a:ext cx="1629103" cy="369332"/>
-            </a:xfrm>
-            <a:prstGeom prst="rect">
-              <a:avLst/>
-            </a:prstGeom>
-            <a:noFill/>
-          </p:spPr>
-          <p:txBody>
-            <a:bodyPr wrap="square" rtlCol="0">
-              <a:spAutoFit/>
-            </a:bodyPr>
-            <a:lstStyle/>
-            <a:p>
-              <a:r>
-                <a:rPr lang="en-US" dirty="0" err="1">
-                  <a:solidFill>
-                    <a:srgbClr val="FF0000"/>
-                  </a:solidFill>
-                </a:rPr>
-                <a:t>fsync</a:t>
-              </a:r>
-              <a:r>
-                <a:rPr lang="ko-KR" altLang="en-US" dirty="0">
-                  <a:solidFill>
-                    <a:srgbClr val="FF0000"/>
-                  </a:solidFill>
-                </a:rPr>
-                <a:t> 함수</a:t>
-              </a:r>
-              <a:endParaRPr lang="en-KR" dirty="0">
-                <a:solidFill>
-                  <a:srgbClr val="FF0000"/>
-                </a:solidFill>
-              </a:endParaRPr>
-            </a:p>
-          </p:txBody>
-        </p:sp>
-      </p:grpSp>
-    </p:spTree>
-    <p:extLst>
-      <p:ext uri="{BB962C8B-B14F-4D97-AF65-F5344CB8AC3E}">
-        <p14:creationId xmlns:p14="http://schemas.microsoft.com/office/powerpoint/2010/main" val="298065900"/>
-      </p:ext>
-    </p:extLst>
-  </p:cSld>
-  <p:clrMapOvr>
-    <a:masterClrMapping/>
-  </p:clrMapOvr>
-</p:sld>
-</file>
-
-<file path=ppt/slides/slide5.xml><?xml version="1.0" encoding="utf-8"?>
-<p:sld xmlns:a="http://schemas.openxmlformats.org/drawingml/2006/main" xmlns:r="http://schemas.openxmlformats.org/officeDocument/2006/relationships" xmlns:p="http://schemas.openxmlformats.org/presentationml/2006/main">
-  <p:cSld>
-    <p:spTree>
-      <p:nvGrpSpPr>
-        <p:cNvPr id="1" name=""/>
-        <p:cNvGrpSpPr/>
-        <p:nvPr/>
-      </p:nvGrpSpPr>
-      <p:grpSpPr>
-        <a:xfrm>
-          <a:off x="0" y="0"/>
-          <a:ext cx="0" cy="0"/>
-          <a:chOff x="0" y="0"/>
-          <a:chExt cx="0" cy="0"/>
-        </a:xfrm>
-      </p:grpSpPr>
-      <p:sp>
-        <p:nvSpPr>
-          <p:cNvPr id="2" name="Title 1">
-            <a:extLst>
-              <a:ext uri="{FF2B5EF4-FFF2-40B4-BE49-F238E27FC236}">
-                <a16:creationId xmlns:a16="http://schemas.microsoft.com/office/drawing/2014/main" id="{CE762BBF-2A28-D44F-A9CD-27F8D0C6D3BE}"/>
-              </a:ext>
-            </a:extLst>
-          </p:cNvPr>
-          <p:cNvSpPr>
-            <a:spLocks noGrp="1"/>
-          </p:cNvSpPr>
-          <p:nvPr>
-            <p:ph type="title"/>
-          </p:nvPr>
-        </p:nvSpPr>
-        <p:spPr/>
-        <p:txBody>
-          <a:bodyPr>
-            <a:normAutofit/>
-          </a:bodyPr>
-          <a:lstStyle/>
-          <a:p>
-            <a:r>
-              <a:rPr lang="en-US" sz="4000" dirty="0"/>
-              <a:t>AOF Rewrite </a:t>
-            </a:r>
-            <a:r>
-              <a:rPr lang="ko-KR" altLang="en-US" sz="4000" dirty="0"/>
-              <a:t>동작 과정</a:t>
-            </a:r>
-            <a:endParaRPr lang="en-KR" sz="4000" dirty="0"/>
-          </a:p>
-        </p:txBody>
-      </p:sp>
-      <p:grpSp>
-        <p:nvGrpSpPr>
-          <p:cNvPr id="10" name="Group 9">
-            <a:extLst>
-              <a:ext uri="{FF2B5EF4-FFF2-40B4-BE49-F238E27FC236}">
-                <a16:creationId xmlns:a16="http://schemas.microsoft.com/office/drawing/2014/main" id="{FE5E1C7A-FBBE-D94F-A2D8-452CA3C19479}"/>
-              </a:ext>
-            </a:extLst>
-          </p:cNvPr>
-          <p:cNvGrpSpPr/>
-          <p:nvPr/>
-        </p:nvGrpSpPr>
-        <p:grpSpPr>
-          <a:xfrm>
-            <a:off x="2400300" y="2209800"/>
-            <a:ext cx="3657600" cy="2324100"/>
-            <a:chOff x="1581150" y="2743200"/>
-            <a:chExt cx="3657600" cy="2324100"/>
-          </a:xfrm>
-        </p:grpSpPr>
-        <p:sp>
-          <p:nvSpPr>
-            <p:cNvPr id="3" name="Process 2">
-              <a:extLst>
-                <a:ext uri="{FF2B5EF4-FFF2-40B4-BE49-F238E27FC236}">
-                  <a16:creationId xmlns:a16="http://schemas.microsoft.com/office/drawing/2014/main" id="{9D0B968A-3089-4944-A9FA-78BFF3EF34C6}"/>
-                </a:ext>
-              </a:extLst>
-            </p:cNvPr>
-            <p:cNvSpPr/>
-            <p:nvPr/>
-          </p:nvSpPr>
-          <p:spPr>
-            <a:xfrm>
-              <a:off x="1581150" y="2743200"/>
-              <a:ext cx="3657600" cy="2324100"/>
-            </a:xfrm>
-            <a:prstGeom prst="flowChartProcess">
-              <a:avLst/>
-            </a:prstGeom>
-            <a:ln>
-              <a:solidFill>
-                <a:schemeClr val="tx1"/>
-              </a:solidFill>
-            </a:ln>
-          </p:spPr>
-          <p:style>
-            <a:lnRef idx="2">
-              <a:schemeClr val="accent6"/>
-            </a:lnRef>
-            <a:fillRef idx="1">
-              <a:schemeClr val="lt1"/>
-            </a:fillRef>
-            <a:effectRef idx="0">
-              <a:schemeClr val="accent6"/>
-            </a:effectRef>
-            <a:fontRef idx="minor">
-              <a:schemeClr val="dk1"/>
-            </a:fontRef>
-          </p:style>
-          <p:txBody>
-            <a:bodyPr rtlCol="0" anchor="ctr"/>
-            <a:lstStyle/>
-            <a:p>
-              <a:pPr algn="ctr"/>
-              <a:endParaRPr lang="en-KR"/>
-            </a:p>
-          </p:txBody>
-        </p:sp>
-        <p:sp>
-          <p:nvSpPr>
-            <p:cNvPr id="4" name="Alternate Process 3">
-              <a:extLst>
-                <a:ext uri="{FF2B5EF4-FFF2-40B4-BE49-F238E27FC236}">
-                  <a16:creationId xmlns:a16="http://schemas.microsoft.com/office/drawing/2014/main" id="{91251D08-4E79-0A4F-918E-E490E22A4CF1}"/>
-                </a:ext>
-              </a:extLst>
-            </p:cNvPr>
-            <p:cNvSpPr/>
-            <p:nvPr/>
-          </p:nvSpPr>
-          <p:spPr>
-            <a:xfrm>
-              <a:off x="2019300" y="2954425"/>
-              <a:ext cx="1428750" cy="723900"/>
-            </a:xfrm>
-            <a:prstGeom prst="flowChartAlternateProcess">
-              <a:avLst/>
-            </a:prstGeom>
-            <a:ln>
-              <a:solidFill>
-                <a:schemeClr val="tx1"/>
-              </a:solidFill>
-            </a:ln>
-          </p:spPr>
-          <p:style>
-            <a:lnRef idx="2">
-              <a:schemeClr val="accent6"/>
-            </a:lnRef>
-            <a:fillRef idx="1">
-              <a:schemeClr val="lt1"/>
-            </a:fillRef>
-            <a:effectRef idx="0">
-              <a:schemeClr val="accent6"/>
-            </a:effectRef>
-            <a:fontRef idx="minor">
-              <a:schemeClr val="dk1"/>
-            </a:fontRef>
-          </p:style>
-          <p:txBody>
-            <a:bodyPr rtlCol="0" anchor="ctr"/>
-            <a:lstStyle/>
-            <a:p>
-              <a:pPr algn="ctr"/>
-              <a:r>
-                <a:rPr lang="en-US" dirty="0"/>
-                <a:t>Dataset</a:t>
-              </a:r>
-              <a:endParaRPr lang="en-KR" dirty="0"/>
-            </a:p>
-          </p:txBody>
-        </p:sp>
-        <p:sp>
-          <p:nvSpPr>
-            <p:cNvPr id="5" name="Process 4">
-              <a:extLst>
-                <a:ext uri="{FF2B5EF4-FFF2-40B4-BE49-F238E27FC236}">
-                  <a16:creationId xmlns:a16="http://schemas.microsoft.com/office/drawing/2014/main" id="{92C8B7C6-72A3-734C-B9E4-F2E96BD913C3}"/>
-                </a:ext>
-              </a:extLst>
-            </p:cNvPr>
-            <p:cNvSpPr/>
-            <p:nvPr/>
-          </p:nvSpPr>
-          <p:spPr>
-            <a:xfrm>
-              <a:off x="2019300" y="4067175"/>
-              <a:ext cx="1276350" cy="762000"/>
-            </a:xfrm>
-            <a:prstGeom prst="flowChartProcess">
-              <a:avLst/>
-            </a:prstGeom>
-            <a:ln>
-              <a:solidFill>
-                <a:schemeClr val="tx1"/>
-              </a:solidFill>
-            </a:ln>
-          </p:spPr>
-          <p:style>
-            <a:lnRef idx="2">
-              <a:schemeClr val="accent6"/>
-            </a:lnRef>
-            <a:fillRef idx="1">
-              <a:schemeClr val="lt1"/>
-            </a:fillRef>
-            <a:effectRef idx="0">
-              <a:schemeClr val="accent6"/>
-            </a:effectRef>
-            <a:fontRef idx="minor">
-              <a:schemeClr val="dk1"/>
-            </a:fontRef>
-          </p:style>
-          <p:txBody>
-            <a:bodyPr rtlCol="0" anchor="ctr"/>
-            <a:lstStyle/>
-            <a:p>
-              <a:pPr algn="ctr"/>
-              <a:r>
-                <a:rPr lang="en-KR" dirty="0"/>
-                <a:t>AOF Buffer</a:t>
-              </a:r>
-            </a:p>
-          </p:txBody>
-        </p:sp>
-        <p:sp>
-          <p:nvSpPr>
-            <p:cNvPr id="6" name="Process 5">
-              <a:extLst>
-                <a:ext uri="{FF2B5EF4-FFF2-40B4-BE49-F238E27FC236}">
-                  <a16:creationId xmlns:a16="http://schemas.microsoft.com/office/drawing/2014/main" id="{00E5002E-4A9E-D142-A960-5C69580765E8}"/>
-                </a:ext>
-              </a:extLst>
-            </p:cNvPr>
-            <p:cNvSpPr/>
-            <p:nvPr/>
-          </p:nvSpPr>
-          <p:spPr>
-            <a:xfrm>
-              <a:off x="3629025" y="4090988"/>
-              <a:ext cx="1276350" cy="762000"/>
-            </a:xfrm>
-            <a:prstGeom prst="flowChartProcess">
-              <a:avLst/>
-            </a:prstGeom>
-            <a:ln>
-              <a:solidFill>
-                <a:schemeClr val="tx1"/>
-              </a:solidFill>
-            </a:ln>
-          </p:spPr>
-          <p:style>
-            <a:lnRef idx="2">
-              <a:schemeClr val="accent6"/>
-            </a:lnRef>
-            <a:fillRef idx="1">
-              <a:schemeClr val="lt1"/>
-            </a:fillRef>
-            <a:effectRef idx="0">
-              <a:schemeClr val="accent6"/>
-            </a:effectRef>
-            <a:fontRef idx="minor">
-              <a:schemeClr val="dk1"/>
-            </a:fontRef>
-          </p:style>
-          <p:txBody>
-            <a:bodyPr rtlCol="0" anchor="ctr"/>
-            <a:lstStyle/>
-            <a:p>
-              <a:pPr algn="ctr"/>
-              <a:r>
-                <a:rPr lang="en-KR" dirty="0"/>
-                <a:t>Rewrite Buffer</a:t>
-              </a:r>
-            </a:p>
-          </p:txBody>
-        </p:sp>
-      </p:grpSp>
-      <p:grpSp>
-        <p:nvGrpSpPr>
-          <p:cNvPr id="9" name="Group 8">
-            <a:extLst>
-              <a:ext uri="{FF2B5EF4-FFF2-40B4-BE49-F238E27FC236}">
-                <a16:creationId xmlns:a16="http://schemas.microsoft.com/office/drawing/2014/main" id="{151980D7-39BF-3A46-A5FA-BA79E5FAF48D}"/>
-              </a:ext>
-            </a:extLst>
-          </p:cNvPr>
-          <p:cNvGrpSpPr/>
-          <p:nvPr/>
-        </p:nvGrpSpPr>
-        <p:grpSpPr>
-          <a:xfrm>
-            <a:off x="7510152" y="2584133"/>
-            <a:ext cx="2381250" cy="1581150"/>
-            <a:chOff x="6686550" y="2743200"/>
-            <a:chExt cx="2381250" cy="1581150"/>
-          </a:xfrm>
-        </p:grpSpPr>
-        <p:sp>
-          <p:nvSpPr>
-            <p:cNvPr id="7" name="Process 6">
-              <a:extLst>
-                <a:ext uri="{FF2B5EF4-FFF2-40B4-BE49-F238E27FC236}">
-                  <a16:creationId xmlns:a16="http://schemas.microsoft.com/office/drawing/2014/main" id="{83DB0B39-483C-7E49-9B60-BD80FDB7BA57}"/>
-                </a:ext>
-              </a:extLst>
-            </p:cNvPr>
-            <p:cNvSpPr/>
-            <p:nvPr/>
-          </p:nvSpPr>
-          <p:spPr>
-            <a:xfrm>
-              <a:off x="6686550" y="2743200"/>
-              <a:ext cx="2381250" cy="1581150"/>
-            </a:xfrm>
-            <a:prstGeom prst="flowChartProcess">
-              <a:avLst/>
-            </a:prstGeom>
-            <a:ln>
-              <a:solidFill>
-                <a:schemeClr val="tx1"/>
-              </a:solidFill>
-            </a:ln>
-          </p:spPr>
-          <p:style>
-            <a:lnRef idx="2">
-              <a:schemeClr val="accent6"/>
-            </a:lnRef>
-            <a:fillRef idx="1">
-              <a:schemeClr val="lt1"/>
-            </a:fillRef>
-            <a:effectRef idx="0">
-              <a:schemeClr val="accent6"/>
-            </a:effectRef>
-            <a:fontRef idx="minor">
-              <a:schemeClr val="dk1"/>
-            </a:fontRef>
-          </p:style>
-          <p:txBody>
-            <a:bodyPr rtlCol="0" anchor="ctr"/>
-            <a:lstStyle/>
-            <a:p>
-              <a:pPr algn="ctr"/>
-              <a:endParaRPr lang="en-KR" dirty="0"/>
-            </a:p>
-          </p:txBody>
-        </p:sp>
-        <p:sp>
-          <p:nvSpPr>
-            <p:cNvPr id="8" name="Alternate Process 7">
-              <a:extLst>
-                <a:ext uri="{FF2B5EF4-FFF2-40B4-BE49-F238E27FC236}">
-                  <a16:creationId xmlns:a16="http://schemas.microsoft.com/office/drawing/2014/main" id="{E54CA9B0-B625-C647-830C-F4B4324D9E0B}"/>
-                </a:ext>
-              </a:extLst>
-            </p:cNvPr>
-            <p:cNvSpPr/>
-            <p:nvPr/>
-          </p:nvSpPr>
-          <p:spPr>
-            <a:xfrm>
-              <a:off x="6953250" y="3429000"/>
-              <a:ext cx="1428750" cy="723900"/>
-            </a:xfrm>
-            <a:prstGeom prst="flowChartAlternateProcess">
-              <a:avLst/>
-            </a:prstGeom>
-            <a:ln>
-              <a:solidFill>
-                <a:schemeClr val="tx1"/>
-              </a:solidFill>
-            </a:ln>
-          </p:spPr>
-          <p:style>
-            <a:lnRef idx="2">
-              <a:schemeClr val="accent6"/>
-            </a:lnRef>
-            <a:fillRef idx="1">
-              <a:schemeClr val="lt1"/>
-            </a:fillRef>
-            <a:effectRef idx="0">
-              <a:schemeClr val="accent6"/>
-            </a:effectRef>
-            <a:fontRef idx="minor">
-              <a:schemeClr val="dk1"/>
-            </a:fontRef>
-          </p:style>
-          <p:txBody>
-            <a:bodyPr rtlCol="0" anchor="ctr"/>
-            <a:lstStyle/>
-            <a:p>
-              <a:pPr algn="ctr"/>
-              <a:r>
-                <a:rPr lang="en-US" dirty="0"/>
-                <a:t>Dataset</a:t>
-              </a:r>
-              <a:endParaRPr lang="en-KR" dirty="0"/>
-            </a:p>
-          </p:txBody>
-        </p:sp>
-      </p:grpSp>
-      <p:sp>
-        <p:nvSpPr>
-          <p:cNvPr id="11" name="Connector 10">
-            <a:extLst>
-              <a:ext uri="{FF2B5EF4-FFF2-40B4-BE49-F238E27FC236}">
-                <a16:creationId xmlns:a16="http://schemas.microsoft.com/office/drawing/2014/main" id="{804BB694-2242-7A45-ADAB-232CA241B633}"/>
-              </a:ext>
-            </a:extLst>
-          </p:cNvPr>
-          <p:cNvSpPr/>
-          <p:nvPr/>
-        </p:nvSpPr>
-        <p:spPr>
-          <a:xfrm>
-            <a:off x="552450" y="3028950"/>
-            <a:ext cx="1352550" cy="642938"/>
-          </a:xfrm>
-          <a:prstGeom prst="flowChartConnector">
-            <a:avLst/>
-          </a:prstGeom>
-          <a:ln>
-            <a:solidFill>
-              <a:schemeClr val="tx1"/>
-            </a:solidFill>
-          </a:ln>
-        </p:spPr>
-        <p:style>
-          <a:lnRef idx="2">
-            <a:schemeClr val="accent6"/>
-          </a:lnRef>
-          <a:fillRef idx="1">
-            <a:schemeClr val="lt1"/>
-          </a:fillRef>
-          <a:effectRef idx="0">
-            <a:schemeClr val="accent6"/>
-          </a:effectRef>
-          <a:fontRef idx="minor">
-            <a:schemeClr val="dk1"/>
-          </a:fontRef>
-        </p:style>
-        <p:txBody>
-          <a:bodyPr rtlCol="0" anchor="ctr"/>
-          <a:lstStyle/>
-          <a:p>
-            <a:pPr algn="ctr"/>
-            <a:r>
-              <a:rPr lang="en-US" dirty="0"/>
-              <a:t>C</a:t>
-            </a:r>
-            <a:r>
-              <a:rPr lang="en-KR" dirty="0"/>
-              <a:t>lient Request</a:t>
-            </a:r>
-          </a:p>
-        </p:txBody>
-      </p:sp>
-      <p:cxnSp>
-        <p:nvCxnSpPr>
-          <p:cNvPr id="13" name="Straight Connector 12">
-            <a:extLst>
-              <a:ext uri="{FF2B5EF4-FFF2-40B4-BE49-F238E27FC236}">
-                <a16:creationId xmlns:a16="http://schemas.microsoft.com/office/drawing/2014/main" id="{48DDDE0C-FE04-6647-A6ED-E65F395FA63C}"/>
-              </a:ext>
-            </a:extLst>
-          </p:cNvPr>
-          <p:cNvCxnSpPr/>
-          <p:nvPr/>
-        </p:nvCxnSpPr>
-        <p:spPr>
-          <a:xfrm>
-            <a:off x="552450" y="5276850"/>
-            <a:ext cx="10553700" cy="0"/>
-          </a:xfrm>
-          <a:prstGeom prst="line">
-            <a:avLst/>
-          </a:prstGeom>
-          <a:ln w="47625"/>
-        </p:spPr>
-        <p:style>
-          <a:lnRef idx="1">
-            <a:schemeClr val="dk1"/>
-          </a:lnRef>
-          <a:fillRef idx="0">
-            <a:schemeClr val="dk1"/>
-          </a:fillRef>
-          <a:effectRef idx="0">
-            <a:schemeClr val="dk1"/>
-          </a:effectRef>
-          <a:fontRef idx="minor">
-            <a:schemeClr val="tx1"/>
-          </a:fontRef>
-        </p:style>
-      </p:cxnSp>
-      <p:sp>
-        <p:nvSpPr>
-          <p:cNvPr id="14" name="Process 13">
-            <a:extLst>
-              <a:ext uri="{FF2B5EF4-FFF2-40B4-BE49-F238E27FC236}">
-                <a16:creationId xmlns:a16="http://schemas.microsoft.com/office/drawing/2014/main" id="{89DCB771-3827-D948-B909-F17367DAAE3A}"/>
-              </a:ext>
-            </a:extLst>
-          </p:cNvPr>
-          <p:cNvSpPr/>
-          <p:nvPr/>
-        </p:nvSpPr>
-        <p:spPr>
-          <a:xfrm>
-            <a:off x="2838450" y="5572125"/>
-            <a:ext cx="1276350" cy="762000"/>
-          </a:xfrm>
-          <a:prstGeom prst="flowChartProcess">
-            <a:avLst/>
-          </a:prstGeom>
-          <a:ln>
-            <a:solidFill>
-              <a:schemeClr val="tx1"/>
-            </a:solidFill>
-          </a:ln>
-        </p:spPr>
-        <p:style>
-          <a:lnRef idx="2">
-            <a:schemeClr val="accent6"/>
-          </a:lnRef>
-          <a:fillRef idx="1">
-            <a:schemeClr val="lt1"/>
-          </a:fillRef>
-          <a:effectRef idx="0">
-            <a:schemeClr val="accent6"/>
-          </a:effectRef>
-          <a:fontRef idx="minor">
-            <a:schemeClr val="dk1"/>
-          </a:fontRef>
-        </p:style>
-        <p:txBody>
-          <a:bodyPr rtlCol="0" anchor="ctr"/>
-          <a:lstStyle/>
-          <a:p>
-            <a:pPr algn="ctr"/>
-            <a:r>
-              <a:rPr lang="en-KR" dirty="0"/>
-              <a:t>AOF File</a:t>
-            </a:r>
-          </a:p>
-        </p:txBody>
-      </p:sp>
-      <p:sp>
-        <p:nvSpPr>
-          <p:cNvPr id="15" name="Process 14">
-            <a:extLst>
-              <a:ext uri="{FF2B5EF4-FFF2-40B4-BE49-F238E27FC236}">
-                <a16:creationId xmlns:a16="http://schemas.microsoft.com/office/drawing/2014/main" id="{BF8D90AE-8B9A-0C4C-804C-FC8F7F94F4BD}"/>
-              </a:ext>
-            </a:extLst>
-          </p:cNvPr>
-          <p:cNvSpPr/>
-          <p:nvPr/>
-        </p:nvSpPr>
-        <p:spPr>
-          <a:xfrm>
-            <a:off x="7871460" y="5581650"/>
-            <a:ext cx="1276350" cy="762000"/>
-          </a:xfrm>
-          <a:prstGeom prst="flowChartProcess">
-            <a:avLst/>
-          </a:prstGeom>
-          <a:ln>
-            <a:solidFill>
-              <a:schemeClr val="tx1"/>
-            </a:solidFill>
-          </a:ln>
-        </p:spPr>
-        <p:style>
-          <a:lnRef idx="2">
-            <a:schemeClr val="accent6"/>
-          </a:lnRef>
-          <a:fillRef idx="1">
-            <a:schemeClr val="lt1"/>
-          </a:fillRef>
-          <a:effectRef idx="0">
-            <a:schemeClr val="accent6"/>
-          </a:effectRef>
-          <a:fontRef idx="minor">
-            <a:schemeClr val="dk1"/>
-          </a:fontRef>
-        </p:style>
-        <p:txBody>
-          <a:bodyPr rtlCol="0" anchor="ctr"/>
-          <a:lstStyle/>
-          <a:p>
-            <a:pPr algn="ctr"/>
-            <a:r>
-              <a:rPr lang="en-KR" dirty="0"/>
-              <a:t>Temp AOF File</a:t>
-            </a:r>
-          </a:p>
-        </p:txBody>
-      </p:sp>
-      <p:sp>
-        <p:nvSpPr>
-          <p:cNvPr id="16" name="TextBox 15">
-            <a:extLst>
-              <a:ext uri="{FF2B5EF4-FFF2-40B4-BE49-F238E27FC236}">
-                <a16:creationId xmlns:a16="http://schemas.microsoft.com/office/drawing/2014/main" id="{64821463-344A-8D43-968B-262E7A02B631}"/>
-              </a:ext>
-            </a:extLst>
-          </p:cNvPr>
-          <p:cNvSpPr txBox="1"/>
-          <p:nvPr/>
-        </p:nvSpPr>
-        <p:spPr>
-          <a:xfrm>
-            <a:off x="7258706" y="2138801"/>
-            <a:ext cx="2037693" cy="253916"/>
-          </a:xfrm>
-          <a:prstGeom prst="rect">
-            <a:avLst/>
-          </a:prstGeom>
-          <a:noFill/>
-        </p:spPr>
-        <p:txBody>
-          <a:bodyPr wrap="square" rtlCol="0">
-            <a:spAutoFit/>
-          </a:bodyPr>
-          <a:lstStyle/>
-          <a:p>
-            <a:r>
-              <a:rPr lang="en-US" altLang="ko-KR" sz="1050" dirty="0">
-                <a:solidFill>
-                  <a:srgbClr val="FF0000"/>
-                </a:solidFill>
-              </a:rPr>
-              <a:t>1.</a:t>
-            </a:r>
-            <a:r>
-              <a:rPr lang="ko-KR" altLang="en-US" sz="1050" dirty="0">
-                <a:solidFill>
-                  <a:srgbClr val="FF0000"/>
-                </a:solidFill>
-              </a:rPr>
-              <a:t> 자식 프로세스 생성</a:t>
-            </a:r>
-            <a:r>
-              <a:rPr lang="en-US" altLang="ko-KR" sz="1050" dirty="0">
-                <a:solidFill>
-                  <a:srgbClr val="FF0000"/>
-                </a:solidFill>
-              </a:rPr>
-              <a:t>(fork)</a:t>
-            </a:r>
-            <a:endParaRPr lang="en-KR" sz="1000" dirty="0">
-              <a:solidFill>
-                <a:srgbClr val="FF0000"/>
-              </a:solidFill>
-            </a:endParaRPr>
-          </a:p>
-        </p:txBody>
-      </p:sp>
-      <p:sp>
-        <p:nvSpPr>
-          <p:cNvPr id="17" name="TextBox 16">
-            <a:extLst>
-              <a:ext uri="{FF2B5EF4-FFF2-40B4-BE49-F238E27FC236}">
-                <a16:creationId xmlns:a16="http://schemas.microsoft.com/office/drawing/2014/main" id="{795E71D1-6B9D-8A46-97C2-D8451DCED242}"/>
-              </a:ext>
-            </a:extLst>
-          </p:cNvPr>
-          <p:cNvSpPr txBox="1"/>
-          <p:nvPr/>
-        </p:nvSpPr>
-        <p:spPr>
-          <a:xfrm>
-            <a:off x="9296400" y="5765885"/>
-            <a:ext cx="1601514" cy="253916"/>
-          </a:xfrm>
-          <a:prstGeom prst="rect">
-            <a:avLst/>
-          </a:prstGeom>
-          <a:noFill/>
-        </p:spPr>
-        <p:txBody>
-          <a:bodyPr wrap="square" rtlCol="0">
-            <a:spAutoFit/>
-          </a:bodyPr>
-          <a:lstStyle/>
-          <a:p>
-            <a:r>
-              <a:rPr lang="en-US" altLang="ko-KR" sz="1050" dirty="0">
-                <a:solidFill>
-                  <a:srgbClr val="FF0000"/>
-                </a:solidFill>
-              </a:rPr>
-              <a:t>2. Temp AOF  File </a:t>
-            </a:r>
-            <a:r>
-              <a:rPr lang="ko-KR" altLang="en-US" sz="1050" dirty="0">
-                <a:solidFill>
-                  <a:srgbClr val="FF0000"/>
-                </a:solidFill>
-              </a:rPr>
-              <a:t>생성 </a:t>
-            </a:r>
-            <a:endParaRPr lang="en-KR" sz="1000" dirty="0">
-              <a:solidFill>
-                <a:srgbClr val="FF0000"/>
-              </a:solidFill>
-            </a:endParaRPr>
-          </a:p>
-        </p:txBody>
-      </p:sp>
-      <p:sp>
-        <p:nvSpPr>
-          <p:cNvPr id="18" name="TextBox 17">
-            <a:extLst>
-              <a:ext uri="{FF2B5EF4-FFF2-40B4-BE49-F238E27FC236}">
-                <a16:creationId xmlns:a16="http://schemas.microsoft.com/office/drawing/2014/main" id="{10FB4878-757D-7049-A025-E177FF308959}"/>
-              </a:ext>
-            </a:extLst>
-          </p:cNvPr>
-          <p:cNvSpPr txBox="1"/>
-          <p:nvPr/>
-        </p:nvSpPr>
-        <p:spPr>
-          <a:xfrm>
-            <a:off x="398736" y="2448639"/>
-            <a:ext cx="2001564" cy="246221"/>
-          </a:xfrm>
-          <a:prstGeom prst="rect">
-            <a:avLst/>
-          </a:prstGeom>
-          <a:noFill/>
-        </p:spPr>
-        <p:txBody>
-          <a:bodyPr wrap="square" rtlCol="0">
-            <a:spAutoFit/>
-          </a:bodyPr>
-          <a:lstStyle/>
-          <a:p>
-            <a:r>
-              <a:rPr lang="en-US" altLang="ko-KR" sz="1000" dirty="0">
-                <a:solidFill>
-                  <a:srgbClr val="FF0000"/>
-                </a:solidFill>
-              </a:rPr>
-              <a:t>3.</a:t>
-            </a:r>
-            <a:r>
-              <a:rPr lang="ko-KR" altLang="en-US" sz="1000" dirty="0">
-                <a:solidFill>
-                  <a:srgbClr val="FF0000"/>
-                </a:solidFill>
-              </a:rPr>
-              <a:t> </a:t>
-            </a:r>
-            <a:r>
-              <a:rPr lang="ko-KR" altLang="en-US" sz="1000" dirty="0" err="1">
-                <a:solidFill>
-                  <a:srgbClr val="FF0000"/>
-                </a:solidFill>
-              </a:rPr>
-              <a:t>요청시</a:t>
-            </a:r>
-            <a:r>
-              <a:rPr lang="ko-KR" altLang="en-US" sz="1000" dirty="0">
-                <a:solidFill>
-                  <a:srgbClr val="FF0000"/>
-                </a:solidFill>
-              </a:rPr>
-              <a:t> 로그 레코드 기록</a:t>
-            </a:r>
-            <a:endParaRPr lang="en-KR" sz="1000" dirty="0">
-              <a:solidFill>
-                <a:srgbClr val="FF0000"/>
-              </a:solidFill>
-            </a:endParaRPr>
-          </a:p>
-        </p:txBody>
-      </p:sp>
-      <p:sp>
-        <p:nvSpPr>
-          <p:cNvPr id="19" name="TextBox 18">
-            <a:extLst>
-              <a:ext uri="{FF2B5EF4-FFF2-40B4-BE49-F238E27FC236}">
-                <a16:creationId xmlns:a16="http://schemas.microsoft.com/office/drawing/2014/main" id="{3611F4C8-9256-4A48-9329-C643B59D40F1}"/>
-              </a:ext>
-            </a:extLst>
-          </p:cNvPr>
-          <p:cNvSpPr txBox="1"/>
-          <p:nvPr/>
-        </p:nvSpPr>
-        <p:spPr>
-          <a:xfrm>
-            <a:off x="6027054" y="2940810"/>
-            <a:ext cx="1428750" cy="253905"/>
-          </a:xfrm>
-          <a:prstGeom prst="rect">
-            <a:avLst/>
-          </a:prstGeom>
-          <a:noFill/>
-        </p:spPr>
-        <p:txBody>
-          <a:bodyPr wrap="square" rtlCol="0">
-            <a:spAutoFit/>
-          </a:bodyPr>
-          <a:lstStyle/>
-          <a:p>
-            <a:r>
-              <a:rPr lang="en-US" altLang="ko-KR" sz="1050" dirty="0">
-                <a:solidFill>
-                  <a:srgbClr val="FF0000"/>
-                </a:solidFill>
-              </a:rPr>
-              <a:t>4.</a:t>
-            </a:r>
-            <a:r>
-              <a:rPr lang="ko-KR" altLang="en-US" sz="1050" dirty="0">
-                <a:solidFill>
-                  <a:srgbClr val="FF0000"/>
-                </a:solidFill>
-              </a:rPr>
-              <a:t> 종료</a:t>
-            </a:r>
-            <a:r>
-              <a:rPr lang="en-US" altLang="ko-KR" sz="1050" dirty="0">
-                <a:solidFill>
-                  <a:srgbClr val="FF0000"/>
-                </a:solidFill>
-              </a:rPr>
-              <a:t> </a:t>
-            </a:r>
-            <a:r>
-              <a:rPr lang="ko-KR" altLang="en-US" sz="1050" dirty="0">
-                <a:solidFill>
-                  <a:srgbClr val="FF0000"/>
-                </a:solidFill>
-              </a:rPr>
-              <a:t>시그널 전송 </a:t>
-            </a:r>
-            <a:endParaRPr lang="en-KR" sz="1000" dirty="0">
-              <a:solidFill>
-                <a:srgbClr val="FF0000"/>
-              </a:solidFill>
-            </a:endParaRPr>
-          </a:p>
-        </p:txBody>
-      </p:sp>
-      <p:sp>
-        <p:nvSpPr>
-          <p:cNvPr id="20" name="TextBox 19">
-            <a:extLst>
-              <a:ext uri="{FF2B5EF4-FFF2-40B4-BE49-F238E27FC236}">
-                <a16:creationId xmlns:a16="http://schemas.microsoft.com/office/drawing/2014/main" id="{404D31D3-E13E-A94A-85CD-0D9D8194ED53}"/>
-              </a:ext>
-            </a:extLst>
-          </p:cNvPr>
-          <p:cNvSpPr txBox="1"/>
-          <p:nvPr/>
-        </p:nvSpPr>
-        <p:spPr>
-          <a:xfrm>
-            <a:off x="6779119" y="4571153"/>
-            <a:ext cx="2114550" cy="253916"/>
-          </a:xfrm>
-          <a:prstGeom prst="rect">
-            <a:avLst/>
-          </a:prstGeom>
-          <a:noFill/>
-        </p:spPr>
-        <p:txBody>
-          <a:bodyPr wrap="square" rtlCol="0">
-            <a:spAutoFit/>
-          </a:bodyPr>
-          <a:lstStyle/>
-          <a:p>
-            <a:r>
-              <a:rPr lang="en-US" altLang="ko-KR" sz="1050" dirty="0">
-                <a:solidFill>
-                  <a:srgbClr val="FF0000"/>
-                </a:solidFill>
-              </a:rPr>
-              <a:t>5.</a:t>
-            </a:r>
-            <a:r>
-              <a:rPr lang="ko-KR" altLang="en-US" sz="1050" dirty="0">
-                <a:solidFill>
-                  <a:srgbClr val="FF0000"/>
-                </a:solidFill>
-              </a:rPr>
-              <a:t> 로그 레코드 기록</a:t>
-            </a:r>
-            <a:endParaRPr lang="en-KR" sz="1000" dirty="0">
-              <a:solidFill>
-                <a:srgbClr val="FF0000"/>
-              </a:solidFill>
-            </a:endParaRPr>
-          </a:p>
-        </p:txBody>
-      </p:sp>
-      <p:sp>
-        <p:nvSpPr>
-          <p:cNvPr id="21" name="TextBox 20">
-            <a:extLst>
-              <a:ext uri="{FF2B5EF4-FFF2-40B4-BE49-F238E27FC236}">
-                <a16:creationId xmlns:a16="http://schemas.microsoft.com/office/drawing/2014/main" id="{29F8D223-7FF9-5E48-85D4-F7BA720D3805}"/>
-              </a:ext>
-            </a:extLst>
-          </p:cNvPr>
-          <p:cNvSpPr txBox="1"/>
-          <p:nvPr/>
-        </p:nvSpPr>
-        <p:spPr>
-          <a:xfrm>
-            <a:off x="4829832" y="6205538"/>
-            <a:ext cx="2114550" cy="246221"/>
-          </a:xfrm>
-          <a:prstGeom prst="rect">
-            <a:avLst/>
-          </a:prstGeom>
-          <a:noFill/>
-        </p:spPr>
-        <p:txBody>
-          <a:bodyPr wrap="square" rtlCol="0">
-            <a:spAutoFit/>
-          </a:bodyPr>
-          <a:lstStyle/>
-          <a:p>
-            <a:r>
-              <a:rPr lang="en-US" altLang="ko-KR" sz="1000" dirty="0">
-                <a:solidFill>
-                  <a:srgbClr val="FF0000"/>
-                </a:solidFill>
-              </a:rPr>
-              <a:t>5.</a:t>
-            </a:r>
-            <a:r>
-              <a:rPr lang="ko-KR" altLang="en-US" sz="1000" dirty="0">
-                <a:solidFill>
-                  <a:srgbClr val="FF0000"/>
-                </a:solidFill>
-              </a:rPr>
-              <a:t> 기존 </a:t>
-            </a:r>
-            <a:r>
-              <a:rPr lang="en-US" altLang="ko-KR" sz="1000" dirty="0">
-                <a:solidFill>
-                  <a:srgbClr val="FF0000"/>
-                </a:solidFill>
-              </a:rPr>
-              <a:t>AOF </a:t>
-            </a:r>
-            <a:r>
-              <a:rPr lang="ko-KR" altLang="en-US" sz="1000" dirty="0">
-                <a:solidFill>
-                  <a:srgbClr val="FF0000"/>
-                </a:solidFill>
-              </a:rPr>
-              <a:t>파일 대체 </a:t>
-            </a:r>
-            <a:endParaRPr lang="en-KR" sz="1000" dirty="0">
-              <a:solidFill>
-                <a:srgbClr val="FF0000"/>
-              </a:solidFill>
-            </a:endParaRPr>
-          </a:p>
-        </p:txBody>
-      </p:sp>
-      <p:sp>
-        <p:nvSpPr>
-          <p:cNvPr id="22" name="TextBox 21">
-            <a:extLst>
-              <a:ext uri="{FF2B5EF4-FFF2-40B4-BE49-F238E27FC236}">
-                <a16:creationId xmlns:a16="http://schemas.microsoft.com/office/drawing/2014/main" id="{2313E784-176E-5B4B-8F8A-10E80B7A9017}"/>
-              </a:ext>
-            </a:extLst>
-          </p:cNvPr>
-          <p:cNvSpPr txBox="1"/>
-          <p:nvPr/>
-        </p:nvSpPr>
-        <p:spPr>
-          <a:xfrm>
-            <a:off x="482744" y="4927849"/>
-            <a:ext cx="2114550" cy="246221"/>
-          </a:xfrm>
-          <a:prstGeom prst="rect">
-            <a:avLst/>
-          </a:prstGeom>
-          <a:noFill/>
-        </p:spPr>
-        <p:txBody>
-          <a:bodyPr wrap="square" rtlCol="0">
-            <a:spAutoFit/>
-          </a:bodyPr>
-          <a:lstStyle/>
-          <a:p>
-            <a:r>
-              <a:rPr lang="en-US" sz="1000" b="1" dirty="0"/>
-              <a:t>Memory(DRAM)</a:t>
-            </a:r>
-            <a:endParaRPr lang="en-KR" sz="1000" b="1" dirty="0"/>
-          </a:p>
-        </p:txBody>
-      </p:sp>
-      <p:sp>
-        <p:nvSpPr>
-          <p:cNvPr id="23" name="TextBox 22">
-            <a:extLst>
-              <a:ext uri="{FF2B5EF4-FFF2-40B4-BE49-F238E27FC236}">
-                <a16:creationId xmlns:a16="http://schemas.microsoft.com/office/drawing/2014/main" id="{5A4FE09A-4499-F546-8784-AC2192834378}"/>
-              </a:ext>
-            </a:extLst>
-          </p:cNvPr>
-          <p:cNvSpPr txBox="1"/>
-          <p:nvPr/>
-        </p:nvSpPr>
-        <p:spPr>
-          <a:xfrm>
-            <a:off x="482744" y="5379631"/>
-            <a:ext cx="2114550" cy="246221"/>
-          </a:xfrm>
-          <a:prstGeom prst="rect">
-            <a:avLst/>
-          </a:prstGeom>
-          <a:noFill/>
-        </p:spPr>
-        <p:txBody>
-          <a:bodyPr wrap="square" rtlCol="0">
-            <a:spAutoFit/>
-          </a:bodyPr>
-          <a:lstStyle/>
-          <a:p>
-            <a:r>
-              <a:rPr lang="en-KR" sz="1000" b="1" dirty="0"/>
-              <a:t>Disk(HDD or SSD)</a:t>
-            </a:r>
-          </a:p>
-        </p:txBody>
-      </p:sp>
-      <p:cxnSp>
-        <p:nvCxnSpPr>
-          <p:cNvPr id="24" name="Elbow Connector 23">
-            <a:extLst>
-              <a:ext uri="{FF2B5EF4-FFF2-40B4-BE49-F238E27FC236}">
-                <a16:creationId xmlns:a16="http://schemas.microsoft.com/office/drawing/2014/main" id="{1722E09F-92F5-FF4C-9716-500A6A23F24C}"/>
-              </a:ext>
-            </a:extLst>
-          </p:cNvPr>
-          <p:cNvCxnSpPr>
-            <a:stCxn id="11" idx="6"/>
-          </p:cNvCxnSpPr>
-          <p:nvPr/>
-        </p:nvCxnSpPr>
-        <p:spPr>
-          <a:xfrm flipV="1">
-            <a:off x="1905000" y="2767013"/>
-            <a:ext cx="933450" cy="583406"/>
-          </a:xfrm>
-          <a:prstGeom prst="bentConnector3">
-            <a:avLst>
-              <a:gd name="adj1" fmla="val 72606"/>
-            </a:avLst>
-          </a:prstGeom>
-          <a:ln>
-            <a:tailEnd type="triangle"/>
-          </a:ln>
-        </p:spPr>
-        <p:style>
-          <a:lnRef idx="1">
-            <a:schemeClr val="dk1"/>
-          </a:lnRef>
-          <a:fillRef idx="0">
-            <a:schemeClr val="dk1"/>
-          </a:fillRef>
-          <a:effectRef idx="0">
-            <a:schemeClr val="dk1"/>
-          </a:effectRef>
-          <a:fontRef idx="minor">
-            <a:schemeClr val="tx1"/>
-          </a:fontRef>
-        </p:style>
-      </p:cxnSp>
-      <p:cxnSp>
-        <p:nvCxnSpPr>
-          <p:cNvPr id="27" name="Elbow Connector 26">
-            <a:extLst>
-              <a:ext uri="{FF2B5EF4-FFF2-40B4-BE49-F238E27FC236}">
-                <a16:creationId xmlns:a16="http://schemas.microsoft.com/office/drawing/2014/main" id="{06E9296C-4F59-CF4C-B049-AC9695F52FFC}"/>
-              </a:ext>
-            </a:extLst>
-          </p:cNvPr>
-          <p:cNvCxnSpPr>
-            <a:cxnSpLocks/>
-          </p:cNvCxnSpPr>
-          <p:nvPr/>
-        </p:nvCxnSpPr>
-        <p:spPr>
-          <a:xfrm>
-            <a:off x="1905000" y="3350419"/>
-            <a:ext cx="933450" cy="564356"/>
-          </a:xfrm>
-          <a:prstGeom prst="bentConnector3">
-            <a:avLst>
-              <a:gd name="adj1" fmla="val 72404"/>
-            </a:avLst>
-          </a:prstGeom>
-          <a:ln>
-            <a:tailEnd type="triangle"/>
-          </a:ln>
-        </p:spPr>
-        <p:style>
-          <a:lnRef idx="1">
-            <a:schemeClr val="dk1"/>
-          </a:lnRef>
-          <a:fillRef idx="0">
-            <a:schemeClr val="dk1"/>
-          </a:fillRef>
-          <a:effectRef idx="0">
-            <a:schemeClr val="dk1"/>
-          </a:effectRef>
-          <a:fontRef idx="minor">
-            <a:schemeClr val="tx1"/>
-          </a:fontRef>
-        </p:style>
-      </p:cxnSp>
-      <p:cxnSp>
-        <p:nvCxnSpPr>
-          <p:cNvPr id="33" name="Elbow Connector 32">
-            <a:extLst>
-              <a:ext uri="{FF2B5EF4-FFF2-40B4-BE49-F238E27FC236}">
-                <a16:creationId xmlns:a16="http://schemas.microsoft.com/office/drawing/2014/main" id="{74890C63-854A-4B4B-87DE-AF2D617F6435}"/>
-              </a:ext>
-            </a:extLst>
-          </p:cNvPr>
-          <p:cNvCxnSpPr>
-            <a:stCxn id="11" idx="6"/>
-            <a:endCxn id="6" idx="0"/>
-          </p:cNvCxnSpPr>
-          <p:nvPr/>
-        </p:nvCxnSpPr>
-        <p:spPr>
-          <a:xfrm>
-            <a:off x="1905000" y="3350419"/>
-            <a:ext cx="3181350" cy="207169"/>
-          </a:xfrm>
-          <a:prstGeom prst="bentConnector2">
-            <a:avLst/>
-          </a:prstGeom>
-          <a:ln>
-            <a:tailEnd type="triangle"/>
-          </a:ln>
-        </p:spPr>
-        <p:style>
-          <a:lnRef idx="1">
-            <a:schemeClr val="dk1"/>
-          </a:lnRef>
-          <a:fillRef idx="0">
-            <a:schemeClr val="dk1"/>
-          </a:fillRef>
-          <a:effectRef idx="0">
-            <a:schemeClr val="dk1"/>
-          </a:effectRef>
-          <a:fontRef idx="minor">
-            <a:schemeClr val="tx1"/>
-          </a:fontRef>
-        </p:style>
-      </p:cxnSp>
-      <p:cxnSp>
-        <p:nvCxnSpPr>
-          <p:cNvPr id="35" name="Straight Arrow Connector 34">
-            <a:extLst>
-              <a:ext uri="{FF2B5EF4-FFF2-40B4-BE49-F238E27FC236}">
-                <a16:creationId xmlns:a16="http://schemas.microsoft.com/office/drawing/2014/main" id="{813967FA-8878-354E-B531-2BA05A8BEE15}"/>
-              </a:ext>
-            </a:extLst>
-          </p:cNvPr>
-          <p:cNvCxnSpPr>
-            <a:stCxn id="3" idx="3"/>
-            <a:endCxn id="7" idx="1"/>
-          </p:cNvCxnSpPr>
-          <p:nvPr/>
-        </p:nvCxnSpPr>
-        <p:spPr>
-          <a:xfrm>
-            <a:off x="6057900" y="3371850"/>
-            <a:ext cx="1452252" cy="2858"/>
-          </a:xfrm>
-          <a:prstGeom prst="straightConnector1">
-            <a:avLst/>
-          </a:prstGeom>
-          <a:ln>
-            <a:tailEnd type="triangle"/>
-          </a:ln>
-        </p:spPr>
-        <p:style>
-          <a:lnRef idx="1">
-            <a:schemeClr val="dk1"/>
-          </a:lnRef>
-          <a:fillRef idx="0">
-            <a:schemeClr val="dk1"/>
-          </a:fillRef>
-          <a:effectRef idx="0">
-            <a:schemeClr val="dk1"/>
-          </a:effectRef>
-          <a:fontRef idx="minor">
-            <a:schemeClr val="tx1"/>
-          </a:fontRef>
-        </p:style>
-      </p:cxnSp>
-      <p:cxnSp>
-        <p:nvCxnSpPr>
-          <p:cNvPr id="37" name="Straight Arrow Connector 36">
-            <a:extLst>
-              <a:ext uri="{FF2B5EF4-FFF2-40B4-BE49-F238E27FC236}">
-                <a16:creationId xmlns:a16="http://schemas.microsoft.com/office/drawing/2014/main" id="{69B240A0-358B-F648-8947-C6B22EE6DA7D}"/>
-              </a:ext>
-            </a:extLst>
-          </p:cNvPr>
-          <p:cNvCxnSpPr>
-            <a:stCxn id="5" idx="2"/>
-            <a:endCxn id="14" idx="0"/>
-          </p:cNvCxnSpPr>
-          <p:nvPr/>
-        </p:nvCxnSpPr>
-        <p:spPr>
-          <a:xfrm>
-            <a:off x="3476625" y="4295775"/>
-            <a:ext cx="0" cy="1276350"/>
-          </a:xfrm>
-          <a:prstGeom prst="straightConnector1">
-            <a:avLst/>
-          </a:prstGeom>
-          <a:ln>
-            <a:tailEnd type="triangle"/>
-          </a:ln>
-        </p:spPr>
-        <p:style>
-          <a:lnRef idx="1">
-            <a:schemeClr val="dk1"/>
-          </a:lnRef>
-          <a:fillRef idx="0">
-            <a:schemeClr val="dk1"/>
-          </a:fillRef>
-          <a:effectRef idx="0">
-            <a:schemeClr val="dk1"/>
-          </a:effectRef>
-          <a:fontRef idx="minor">
-            <a:schemeClr val="tx1"/>
-          </a:fontRef>
-        </p:style>
-      </p:cxnSp>
-      <p:cxnSp>
-        <p:nvCxnSpPr>
-          <p:cNvPr id="39" name="Straight Arrow Connector 38">
-            <a:extLst>
-              <a:ext uri="{FF2B5EF4-FFF2-40B4-BE49-F238E27FC236}">
-                <a16:creationId xmlns:a16="http://schemas.microsoft.com/office/drawing/2014/main" id="{30D97E28-14E6-2540-9DA3-1767173057C1}"/>
-              </a:ext>
-            </a:extLst>
-          </p:cNvPr>
-          <p:cNvCxnSpPr>
-            <a:stCxn id="8" idx="2"/>
-            <a:endCxn id="15" idx="0"/>
-          </p:cNvCxnSpPr>
-          <p:nvPr/>
-        </p:nvCxnSpPr>
-        <p:spPr>
-          <a:xfrm>
-            <a:off x="8491227" y="3993833"/>
-            <a:ext cx="18408" cy="1587817"/>
-          </a:xfrm>
-          <a:prstGeom prst="straightConnector1">
-            <a:avLst/>
-          </a:prstGeom>
-          <a:ln>
-            <a:tailEnd type="triangle"/>
-          </a:ln>
-        </p:spPr>
-        <p:style>
-          <a:lnRef idx="1">
-            <a:schemeClr val="dk1"/>
-          </a:lnRef>
-          <a:fillRef idx="0">
-            <a:schemeClr val="dk1"/>
-          </a:fillRef>
-          <a:effectRef idx="0">
-            <a:schemeClr val="dk1"/>
-          </a:effectRef>
-          <a:fontRef idx="minor">
-            <a:schemeClr val="tx1"/>
-          </a:fontRef>
-        </p:style>
-      </p:cxnSp>
-    </p:spTree>
-    <p:extLst>
-      <p:ext uri="{BB962C8B-B14F-4D97-AF65-F5344CB8AC3E}">
-        <p14:creationId xmlns:p14="http://schemas.microsoft.com/office/powerpoint/2010/main" val="1653055989"/>
-      </p:ext>
-    </p:extLst>
-  </p:cSld>
-  <p:clrMapOvr>
-    <a:masterClrMapping/>
-  </p:clrMapOvr>
-</p:sld>
-</file>
-
-<file path=ppt/slides/slide6.xml><?xml version="1.0" encoding="utf-8"?>
-<p:sld xmlns:a="http://schemas.openxmlformats.org/drawingml/2006/main" xmlns:r="http://schemas.openxmlformats.org/officeDocument/2006/relationships" xmlns:p="http://schemas.openxmlformats.org/presentationml/2006/main">
-  <p:cSld>
-    <p:spTree>
-      <p:nvGrpSpPr>
-        <p:cNvPr id="1" name=""/>
-        <p:cNvGrpSpPr/>
-        <p:nvPr/>
-      </p:nvGrpSpPr>
-      <p:grpSpPr>
-        <a:xfrm>
-          <a:off x="0" y="0"/>
-          <a:ext cx="0" cy="0"/>
-          <a:chOff x="0" y="0"/>
-          <a:chExt cx="0" cy="0"/>
-        </a:xfrm>
-      </p:grpSpPr>
-      <p:sp>
-        <p:nvSpPr>
-          <p:cNvPr id="2" name="Title 1">
-            <a:extLst>
-              <a:ext uri="{FF2B5EF4-FFF2-40B4-BE49-F238E27FC236}">
-                <a16:creationId xmlns:a16="http://schemas.microsoft.com/office/drawing/2014/main" id="{24D2C232-2308-0942-B690-95502DDF1694}"/>
-              </a:ext>
-            </a:extLst>
-          </p:cNvPr>
-          <p:cNvSpPr>
-            <a:spLocks noGrp="1"/>
-          </p:cNvSpPr>
-          <p:nvPr>
-            <p:ph type="title"/>
-          </p:nvPr>
-        </p:nvSpPr>
-        <p:spPr/>
-        <p:txBody>
-          <a:bodyPr>
-            <a:normAutofit/>
-          </a:bodyPr>
-          <a:lstStyle/>
-          <a:p>
-            <a:r>
-              <a:rPr lang="en-US" sz="4000" dirty="0"/>
-              <a:t>AOF preamble</a:t>
-            </a:r>
-            <a:endParaRPr lang="en-KR" sz="4000" dirty="0"/>
-          </a:p>
-        </p:txBody>
-      </p:sp>
-      <p:sp>
-        <p:nvSpPr>
-          <p:cNvPr id="3" name="TextBox 2">
-            <a:extLst>
-              <a:ext uri="{FF2B5EF4-FFF2-40B4-BE49-F238E27FC236}">
-                <a16:creationId xmlns:a16="http://schemas.microsoft.com/office/drawing/2014/main" id="{9FD8DC16-9EB4-E746-B173-2924688FA541}"/>
-              </a:ext>
-            </a:extLst>
-          </p:cNvPr>
-          <p:cNvSpPr txBox="1"/>
-          <p:nvPr/>
-        </p:nvSpPr>
-        <p:spPr>
-          <a:xfrm>
-            <a:off x="960715" y="1794784"/>
-            <a:ext cx="4002374" cy="3693319"/>
-          </a:xfrm>
-          <a:prstGeom prst="rect">
-            <a:avLst/>
-          </a:prstGeom>
-          <a:noFill/>
-        </p:spPr>
-        <p:txBody>
-          <a:bodyPr wrap="square" rtlCol="0">
-            <a:spAutoFit/>
-          </a:bodyPr>
-          <a:lstStyle/>
-          <a:p>
-            <a:r>
-              <a:rPr lang="en-US" dirty="0"/>
-              <a:t>AOF Preamble</a:t>
-            </a:r>
-          </a:p>
-          <a:p>
-            <a:pPr marL="285750" indent="-285750">
-              <a:buFont typeface="Arial" panose="020B0604020202020204" pitchFamily="34" charset="0"/>
-              <a:buChar char="•"/>
-            </a:pPr>
-            <a:r>
-              <a:rPr lang="en-US" dirty="0"/>
-              <a:t>AOF Rewrite </a:t>
-            </a:r>
-            <a:r>
-              <a:rPr lang="ko-KR" altLang="en-US" dirty="0"/>
-              <a:t>와 동일한 동작 과정</a:t>
-            </a:r>
-            <a:endParaRPr lang="en-US" altLang="ko-KR" dirty="0"/>
-          </a:p>
-          <a:p>
-            <a:pPr marL="285750" indent="-285750">
-              <a:buFont typeface="Arial" panose="020B0604020202020204" pitchFamily="34" charset="0"/>
-              <a:buChar char="•"/>
-            </a:pPr>
-            <a:r>
-              <a:rPr lang="en-US" dirty="0"/>
-              <a:t>Temp AOF </a:t>
-            </a:r>
-            <a:r>
-              <a:rPr lang="ko-KR" altLang="en-US" dirty="0"/>
-              <a:t>파일에 </a:t>
-            </a:r>
-            <a:r>
-              <a:rPr lang="en-US" altLang="ko-KR" dirty="0"/>
-              <a:t>RDB </a:t>
-            </a:r>
-            <a:r>
-              <a:rPr lang="ko-KR" altLang="en-US" dirty="0"/>
-              <a:t>로그 레코드를 기록하는 것이 가장 큰 차이점</a:t>
-            </a:r>
-            <a:endParaRPr lang="en-US" altLang="ko-KR" dirty="0"/>
-          </a:p>
-          <a:p>
-            <a:pPr marL="285750" indent="-285750">
-              <a:buFont typeface="Arial" panose="020B0604020202020204" pitchFamily="34" charset="0"/>
-              <a:buChar char="•"/>
-            </a:pPr>
-            <a:r>
-              <a:rPr lang="en-US" dirty="0"/>
-              <a:t>RDB</a:t>
-            </a:r>
-            <a:r>
-              <a:rPr lang="ko-KR" altLang="en-US" dirty="0"/>
-              <a:t>의 이점인 빠른 작업 및 복구 속도를 활용한다</a:t>
-            </a:r>
-            <a:r>
-              <a:rPr lang="en-US" altLang="ko-KR" dirty="0"/>
-              <a:t>.</a:t>
-            </a:r>
-          </a:p>
-          <a:p>
-            <a:pPr marL="285750" indent="-285750">
-              <a:buFont typeface="Arial" panose="020B0604020202020204" pitchFamily="34" charset="0"/>
-              <a:buChar char="•"/>
-            </a:pPr>
-            <a:r>
-              <a:rPr lang="ko-KR" altLang="en-US" dirty="0"/>
-              <a:t>결국 </a:t>
-            </a:r>
-            <a:r>
-              <a:rPr lang="en-US" altLang="ko-KR" dirty="0"/>
-              <a:t>AOF, RDB</a:t>
-            </a:r>
-            <a:r>
-              <a:rPr lang="ko-KR" altLang="en-US" dirty="0"/>
-              <a:t>가 혼합된 형태이다</a:t>
-            </a:r>
-            <a:r>
-              <a:rPr lang="en-US" altLang="ko-KR" dirty="0"/>
-              <a:t>.</a:t>
-            </a:r>
-          </a:p>
-          <a:p>
-            <a:pPr marL="285750" indent="-285750">
-              <a:buFont typeface="Arial" panose="020B0604020202020204" pitchFamily="34" charset="0"/>
-              <a:buChar char="•"/>
-            </a:pPr>
-            <a:r>
-              <a:rPr lang="ko-KR" altLang="en-US" dirty="0"/>
-              <a:t>상용자 요청 발생시 기존 </a:t>
-            </a:r>
-            <a:r>
-              <a:rPr lang="en-US" altLang="ko-KR" dirty="0"/>
-              <a:t>AOF Rewrite</a:t>
-            </a:r>
-            <a:r>
-              <a:rPr lang="ko-KR" altLang="en-US" dirty="0"/>
-              <a:t>와 동일한 작동 방식을 거친다</a:t>
-            </a:r>
-            <a:r>
-              <a:rPr lang="en-US" altLang="ko-KR" dirty="0"/>
-              <a:t>.</a:t>
-            </a:r>
-            <a:r>
-              <a:rPr lang="ko-KR" altLang="en-US" dirty="0"/>
-              <a:t> </a:t>
-            </a:r>
-            <a:endParaRPr lang="en-US" altLang="ko-KR" dirty="0"/>
-          </a:p>
-          <a:p>
-            <a:pPr marL="285750" indent="-285750">
-              <a:buFont typeface="Arial" panose="020B0604020202020204" pitchFamily="34" charset="0"/>
-              <a:buChar char="•"/>
-            </a:pPr>
-            <a:r>
-              <a:rPr lang="ko-KR" altLang="en-US" dirty="0"/>
-              <a:t>데이터 </a:t>
-            </a:r>
-            <a:r>
-              <a:rPr lang="ko-KR" altLang="en-US" dirty="0" err="1"/>
-              <a:t>복구시</a:t>
-            </a:r>
-            <a:r>
-              <a:rPr lang="ko-KR" altLang="en-US" dirty="0"/>
-              <a:t> </a:t>
-            </a:r>
-            <a:r>
-              <a:rPr lang="en-US" altLang="ko-KR" dirty="0"/>
-              <a:t>RDB, AOF </a:t>
-            </a:r>
-            <a:r>
-              <a:rPr lang="ko-KR" altLang="en-US" dirty="0"/>
-              <a:t>복구 방법 모두 사용된다</a:t>
-            </a:r>
-            <a:r>
-              <a:rPr lang="en-US" altLang="ko-KR" dirty="0"/>
-              <a:t>.</a:t>
-            </a:r>
-            <a:r>
-              <a:rPr lang="ko-KR" altLang="en-US" dirty="0"/>
-              <a:t> </a:t>
-            </a:r>
-            <a:endParaRPr lang="en-KR" dirty="0"/>
-          </a:p>
-        </p:txBody>
-      </p:sp>
-    </p:spTree>
-    <p:extLst>
-      <p:ext uri="{BB962C8B-B14F-4D97-AF65-F5344CB8AC3E}">
-        <p14:creationId xmlns:p14="http://schemas.microsoft.com/office/powerpoint/2010/main" val="1719661354"/>
-      </p:ext>
-    </p:extLst>
-  </p:cSld>
-  <p:clrMapOvr>
-    <a:masterClrMapping/>
-  </p:clrMapOvr>
-</p:sld>
-</file>
-
-<file path=ppt/slides/slide7.xml><?xml version="1.0" encoding="utf-8"?>
-<p:sld xmlns:a="http://schemas.openxmlformats.org/drawingml/2006/main" xmlns:r="http://schemas.openxmlformats.org/officeDocument/2006/relationships" xmlns:p="http://schemas.openxmlformats.org/presentationml/2006/main">
-  <p:cSld>
-    <p:spTree>
-      <p:nvGrpSpPr>
-        <p:cNvPr id="1" name=""/>
-        <p:cNvGrpSpPr/>
-        <p:nvPr/>
-      </p:nvGrpSpPr>
-      <p:grpSpPr>
-        <a:xfrm>
-          <a:off x="0" y="0"/>
-          <a:ext cx="0" cy="0"/>
-          <a:chOff x="0" y="0"/>
-          <a:chExt cx="0" cy="0"/>
-        </a:xfrm>
-      </p:grpSpPr>
-      <p:sp>
-        <p:nvSpPr>
-          <p:cNvPr id="2" name="Title 1">
-            <a:extLst>
-              <a:ext uri="{FF2B5EF4-FFF2-40B4-BE49-F238E27FC236}">
-                <a16:creationId xmlns:a16="http://schemas.microsoft.com/office/drawing/2014/main" id="{34B3DA25-58D6-9046-BF18-574A0EE2318B}"/>
-              </a:ext>
-            </a:extLst>
-          </p:cNvPr>
-          <p:cNvSpPr>
-            <a:spLocks noGrp="1"/>
-          </p:cNvSpPr>
-          <p:nvPr>
-            <p:ph type="title"/>
-          </p:nvPr>
-        </p:nvSpPr>
-        <p:spPr/>
-        <p:txBody>
-          <a:bodyPr>
-            <a:normAutofit/>
-          </a:bodyPr>
-          <a:lstStyle/>
-          <a:p>
-            <a:r>
-              <a:rPr lang="en-US" sz="4000" dirty="0"/>
-              <a:t>AOF </a:t>
-            </a:r>
-            <a:r>
-              <a:rPr lang="ko-KR" altLang="en-US" sz="4000" dirty="0"/>
-              <a:t>관련 </a:t>
-            </a:r>
-            <a:r>
-              <a:rPr lang="ko-KR" altLang="en-US" sz="4000" dirty="0" err="1"/>
-              <a:t>파라미터</a:t>
-            </a:r>
-            <a:endParaRPr lang="en-KR" sz="4000" dirty="0"/>
-          </a:p>
-        </p:txBody>
-      </p:sp>
-      <p:sp>
-        <p:nvSpPr>
-          <p:cNvPr id="3" name="TextBox 2">
-            <a:extLst>
-              <a:ext uri="{FF2B5EF4-FFF2-40B4-BE49-F238E27FC236}">
-                <a16:creationId xmlns:a16="http://schemas.microsoft.com/office/drawing/2014/main" id="{FB2D2156-D83E-D44D-A171-C99201A7FF97}"/>
-              </a:ext>
-            </a:extLst>
-          </p:cNvPr>
-          <p:cNvSpPr txBox="1"/>
-          <p:nvPr/>
-        </p:nvSpPr>
-        <p:spPr>
-          <a:xfrm>
-            <a:off x="6576643" y="2292990"/>
-            <a:ext cx="4070268" cy="5109091"/>
-          </a:xfrm>
-          <a:prstGeom prst="rect">
-            <a:avLst/>
-          </a:prstGeom>
-          <a:noFill/>
-        </p:spPr>
-        <p:txBody>
-          <a:bodyPr wrap="square" rtlCol="0">
-            <a:spAutoFit/>
-          </a:bodyPr>
-          <a:lstStyle/>
-          <a:p>
-            <a:r>
-              <a:rPr lang="en-US" sz="2000" dirty="0"/>
-              <a:t>APPENDONLY</a:t>
-            </a:r>
-          </a:p>
-          <a:p>
-            <a:pPr marL="342900" indent="-342900">
-              <a:buFont typeface="Arial" panose="020B0604020202020204" pitchFamily="34" charset="0"/>
-              <a:buChar char="•"/>
-            </a:pPr>
-            <a:r>
-              <a:rPr lang="en-US" dirty="0"/>
-              <a:t>AOF </a:t>
-            </a:r>
-            <a:r>
-              <a:rPr lang="ko-KR" altLang="en-US" dirty="0"/>
-              <a:t>로깅 여부 결정</a:t>
-            </a:r>
-            <a:endParaRPr lang="en-US" altLang="ko-KR" dirty="0"/>
-          </a:p>
-          <a:p>
-            <a:pPr marL="342900" indent="-342900">
-              <a:buFont typeface="Arial" panose="020B0604020202020204" pitchFamily="34" charset="0"/>
-              <a:buChar char="•"/>
-            </a:pPr>
-            <a:r>
-              <a:rPr lang="en-US" altLang="ko-KR" dirty="0"/>
-              <a:t>AOF File </a:t>
-            </a:r>
-            <a:r>
-              <a:rPr lang="ko-KR" altLang="en-US" dirty="0"/>
-              <a:t>작성 여부 </a:t>
-            </a:r>
-            <a:endParaRPr lang="en-US" dirty="0"/>
-          </a:p>
-          <a:p>
-            <a:endParaRPr lang="en-US" sz="2000" dirty="0"/>
-          </a:p>
-          <a:p>
-            <a:r>
-              <a:rPr lang="en-US" sz="2000" dirty="0"/>
-              <a:t>APPENDFILENAME</a:t>
-            </a:r>
-          </a:p>
-          <a:p>
-            <a:pPr marL="285750" indent="-285750">
-              <a:buFont typeface="Arial" panose="020B0604020202020204" pitchFamily="34" charset="0"/>
-              <a:buChar char="•"/>
-            </a:pPr>
-            <a:r>
-              <a:rPr lang="en-US" altLang="ko-KR" dirty="0"/>
-              <a:t>AOF </a:t>
-            </a:r>
-            <a:r>
-              <a:rPr lang="ko-KR" altLang="en-US" dirty="0"/>
-              <a:t>파일명 지정 가능</a:t>
-            </a:r>
-            <a:endParaRPr lang="en-US" altLang="ko-KR" dirty="0"/>
-          </a:p>
-          <a:p>
-            <a:pPr marL="285750" indent="-285750">
-              <a:buFont typeface="Arial" panose="020B0604020202020204" pitchFamily="34" charset="0"/>
-              <a:buChar char="•"/>
-            </a:pPr>
-            <a:endParaRPr lang="en-US" dirty="0"/>
-          </a:p>
-          <a:p>
-            <a:r>
-              <a:rPr lang="en-US" sz="2000" dirty="0"/>
-              <a:t>AOF-LOAD-TRUNCATED</a:t>
-            </a:r>
-          </a:p>
-          <a:p>
-            <a:pPr marL="342900" indent="-342900">
-              <a:buFont typeface="Arial" panose="020B0604020202020204" pitchFamily="34" charset="0"/>
-              <a:buChar char="•"/>
-            </a:pPr>
-            <a:r>
-              <a:rPr lang="ko-KR" altLang="en-US" dirty="0"/>
-              <a:t>끝이 잘려 있는 </a:t>
-            </a:r>
-            <a:r>
-              <a:rPr lang="en-US" altLang="ko-KR" dirty="0"/>
-              <a:t>AOF</a:t>
-            </a:r>
-            <a:r>
-              <a:rPr lang="ko-KR" altLang="en-US" dirty="0"/>
-              <a:t> 파일을 </a:t>
-            </a:r>
-            <a:r>
-              <a:rPr lang="ko-KR" altLang="en-US" dirty="0" err="1"/>
-              <a:t>로드할</a:t>
-            </a:r>
-            <a:r>
-              <a:rPr lang="ko-KR" altLang="en-US" dirty="0"/>
-              <a:t> 경우의 정상 작동 여부</a:t>
-            </a:r>
-            <a:endParaRPr lang="en-US" altLang="ko-KR" dirty="0"/>
-          </a:p>
-          <a:p>
-            <a:endParaRPr lang="en-US" sz="2000" dirty="0"/>
-          </a:p>
-          <a:p>
-            <a:r>
-              <a:rPr lang="en-US" sz="2000" dirty="0"/>
-              <a:t>AOF-USE-RDB-PREAMBLE</a:t>
-            </a:r>
-          </a:p>
-          <a:p>
-            <a:pPr marL="285750" indent="-285750">
-              <a:buFont typeface="Arial" panose="020B0604020202020204" pitchFamily="34" charset="0"/>
-              <a:buChar char="•"/>
-            </a:pPr>
-            <a:r>
-              <a:rPr lang="en-US" altLang="ko-KR" dirty="0"/>
-              <a:t>AOF Rewrite </a:t>
-            </a:r>
-            <a:r>
-              <a:rPr lang="ko-KR" altLang="en-US" dirty="0"/>
-              <a:t>동작 시 </a:t>
-            </a:r>
-            <a:r>
-              <a:rPr lang="en-US" altLang="ko-KR" dirty="0"/>
-              <a:t>AOF</a:t>
-            </a:r>
-            <a:r>
-              <a:rPr lang="ko-KR" altLang="en-US" dirty="0"/>
-              <a:t> 파일을 </a:t>
-            </a:r>
-            <a:r>
-              <a:rPr lang="en-US" altLang="ko-KR" dirty="0"/>
-              <a:t>RDB </a:t>
-            </a:r>
-            <a:r>
-              <a:rPr lang="ko-KR" altLang="en-US" dirty="0"/>
-              <a:t>형식으로 작성할 지 결정</a:t>
-            </a:r>
-            <a:endParaRPr lang="en-US" altLang="ko-KR" dirty="0"/>
-          </a:p>
-          <a:p>
-            <a:endParaRPr lang="en-US" dirty="0"/>
-          </a:p>
-          <a:p>
-            <a:endParaRPr lang="en-US" sz="2000" dirty="0"/>
-          </a:p>
-        </p:txBody>
-      </p:sp>
-      <p:sp>
-        <p:nvSpPr>
-          <p:cNvPr id="5" name="TextBox 4">
-            <a:extLst>
-              <a:ext uri="{FF2B5EF4-FFF2-40B4-BE49-F238E27FC236}">
-                <a16:creationId xmlns:a16="http://schemas.microsoft.com/office/drawing/2014/main" id="{CC8659ED-57CB-3A42-ACE6-836D9F422F29}"/>
-              </a:ext>
-            </a:extLst>
-          </p:cNvPr>
-          <p:cNvSpPr txBox="1"/>
-          <p:nvPr/>
-        </p:nvSpPr>
-        <p:spPr>
-          <a:xfrm>
-            <a:off x="-691662" y="6435969"/>
-            <a:ext cx="184731" cy="369332"/>
-          </a:xfrm>
-          <a:prstGeom prst="rect">
-            <a:avLst/>
-          </a:prstGeom>
-          <a:noFill/>
-        </p:spPr>
-        <p:txBody>
-          <a:bodyPr wrap="none" rtlCol="0">
-            <a:spAutoFit/>
-          </a:bodyPr>
-          <a:lstStyle/>
-          <a:p>
-            <a:endParaRPr lang="en-KR"/>
-          </a:p>
-        </p:txBody>
-      </p:sp>
-      <p:sp>
-        <p:nvSpPr>
-          <p:cNvPr id="6" name="TextBox 5">
-            <a:extLst>
-              <a:ext uri="{FF2B5EF4-FFF2-40B4-BE49-F238E27FC236}">
-                <a16:creationId xmlns:a16="http://schemas.microsoft.com/office/drawing/2014/main" id="{C92867B0-9051-5F43-851E-12390F2E0D55}"/>
-              </a:ext>
-            </a:extLst>
-          </p:cNvPr>
-          <p:cNvSpPr txBox="1"/>
-          <p:nvPr/>
-        </p:nvSpPr>
-        <p:spPr>
-          <a:xfrm>
-            <a:off x="1005941" y="1812347"/>
-            <a:ext cx="3902528" cy="3785652"/>
-          </a:xfrm>
-          <a:prstGeom prst="rect">
-            <a:avLst/>
-          </a:prstGeom>
-          <a:noFill/>
-        </p:spPr>
-        <p:txBody>
-          <a:bodyPr wrap="square" rtlCol="0">
-            <a:spAutoFit/>
-          </a:bodyPr>
-          <a:lstStyle/>
-          <a:p>
-            <a:r>
-              <a:rPr lang="en-US" sz="1600" b="1" dirty="0"/>
-              <a:t>AOF </a:t>
-            </a:r>
-            <a:r>
-              <a:rPr lang="ko-KR" altLang="en-US" sz="1600" b="1" dirty="0"/>
-              <a:t>기본 설정 </a:t>
-            </a:r>
-            <a:r>
-              <a:rPr lang="en-US" altLang="ko-KR" sz="1600" b="1" dirty="0"/>
-              <a:t>Params</a:t>
-            </a:r>
-            <a:endParaRPr lang="en-US" sz="1400" b="1" dirty="0"/>
-          </a:p>
-          <a:p>
-            <a:pPr marL="285750" indent="-285750">
-              <a:buFont typeface="Arial" panose="020B0604020202020204" pitchFamily="34" charset="0"/>
-              <a:buChar char="•"/>
-            </a:pPr>
-            <a:r>
-              <a:rPr lang="en-US" sz="1400" dirty="0"/>
-              <a:t>APPENDONLY</a:t>
-            </a:r>
-          </a:p>
-          <a:p>
-            <a:pPr marL="285750" indent="-285750">
-              <a:buFont typeface="Arial" panose="020B0604020202020204" pitchFamily="34" charset="0"/>
-              <a:buChar char="•"/>
-            </a:pPr>
-            <a:r>
-              <a:rPr lang="en-US" sz="1400" dirty="0"/>
-              <a:t>APPENDFILENAME</a:t>
-            </a:r>
-          </a:p>
-          <a:p>
-            <a:pPr marL="285750" indent="-285750">
-              <a:buFont typeface="Arial" panose="020B0604020202020204" pitchFamily="34" charset="0"/>
-              <a:buChar char="•"/>
-            </a:pPr>
-            <a:r>
-              <a:rPr lang="en-US" sz="1400" dirty="0"/>
-              <a:t>AOF-LOAD-TRUNCATED</a:t>
-            </a:r>
-          </a:p>
-          <a:p>
-            <a:pPr marL="285750" indent="-285750">
-              <a:buFont typeface="Arial" panose="020B0604020202020204" pitchFamily="34" charset="0"/>
-              <a:buChar char="•"/>
-            </a:pPr>
-            <a:r>
-              <a:rPr lang="en-US" sz="1400" dirty="0"/>
-              <a:t>AOF-USE-RDB-PREAMBLE</a:t>
-            </a:r>
-          </a:p>
-          <a:p>
-            <a:endParaRPr lang="en-US" sz="1400" dirty="0"/>
-          </a:p>
-          <a:p>
-            <a:r>
-              <a:rPr lang="en-US" sz="1400" b="1" dirty="0" err="1"/>
-              <a:t>fsync</a:t>
-            </a:r>
-            <a:r>
-              <a:rPr lang="ko-KR" altLang="en-US" sz="1400" b="1" dirty="0"/>
-              <a:t> 함수 관련 </a:t>
-            </a:r>
-            <a:r>
-              <a:rPr lang="en-US" altLang="ko-KR" sz="1400" b="1" dirty="0"/>
-              <a:t>Params</a:t>
-            </a:r>
-            <a:endParaRPr lang="en-US" sz="1400" dirty="0"/>
-          </a:p>
-          <a:p>
-            <a:pPr marL="285750" indent="-285750">
-              <a:buFont typeface="Arial" panose="020B0604020202020204" pitchFamily="34" charset="0"/>
-              <a:buChar char="•"/>
-            </a:pPr>
-            <a:r>
-              <a:rPr lang="en-US" sz="1400" dirty="0"/>
-              <a:t>APPENDFSYNC</a:t>
-            </a:r>
-            <a:endParaRPr lang="en-US" altLang="ko-KR" sz="1400" dirty="0"/>
-          </a:p>
-          <a:p>
-            <a:pPr marL="285750" indent="-285750">
-              <a:buFont typeface="Arial" panose="020B0604020202020204" pitchFamily="34" charset="0"/>
-              <a:buChar char="•"/>
-            </a:pPr>
-            <a:r>
-              <a:rPr lang="en-US" altLang="ko-KR" sz="1400" dirty="0"/>
-              <a:t>NO-APPENDFSYNC-ONREWRITE</a:t>
-            </a:r>
-          </a:p>
-          <a:p>
-            <a:pPr marL="285750" indent="-285750">
-              <a:buFont typeface="Arial" panose="020B0604020202020204" pitchFamily="34" charset="0"/>
-              <a:buChar char="•"/>
-            </a:pPr>
-            <a:r>
-              <a:rPr lang="en-US" altLang="ko-KR" sz="1400" dirty="0"/>
-              <a:t>AOF-REWRITE-INCREMENTAL-FSYNC</a:t>
-            </a:r>
-          </a:p>
-          <a:p>
-            <a:endParaRPr lang="en-US" altLang="ko-KR" sz="1400" dirty="0"/>
-          </a:p>
-          <a:p>
-            <a:r>
-              <a:rPr lang="en-US" sz="1400" b="1" dirty="0"/>
-              <a:t>AOF Rewrite </a:t>
-            </a:r>
-            <a:r>
-              <a:rPr lang="ko-KR" altLang="en-US" sz="1400" b="1" dirty="0"/>
-              <a:t>동작 관련 </a:t>
-            </a:r>
-            <a:r>
-              <a:rPr lang="en-US" altLang="ko-KR" sz="1400" b="1" dirty="0"/>
-              <a:t>Params</a:t>
-            </a:r>
-            <a:endParaRPr lang="en-US" altLang="ko-KR" sz="1400" dirty="0"/>
-          </a:p>
-          <a:p>
-            <a:pPr marL="285750" indent="-285750">
-              <a:buFont typeface="Arial" panose="020B0604020202020204" pitchFamily="34" charset="0"/>
-              <a:buChar char="•"/>
-            </a:pPr>
-            <a:r>
-              <a:rPr lang="en-US" altLang="ko-KR" sz="1400" dirty="0"/>
-              <a:t>AUTO-AOF-REWRITE-PERCENTAGE</a:t>
-            </a:r>
-          </a:p>
-          <a:p>
-            <a:pPr marL="285750" indent="-285750">
-              <a:buFont typeface="Arial" panose="020B0604020202020204" pitchFamily="34" charset="0"/>
-              <a:buChar char="•"/>
-            </a:pPr>
-            <a:r>
-              <a:rPr lang="en-US" altLang="ko-KR" sz="1400" dirty="0"/>
-              <a:t>AUTO-AOF-REWRITE-MIN-SIZE</a:t>
-            </a:r>
-          </a:p>
-          <a:p>
-            <a:pPr marL="285750" indent="-285750">
-              <a:buFont typeface="Arial" panose="020B0604020202020204" pitchFamily="34" charset="0"/>
-              <a:buChar char="•"/>
-            </a:pPr>
-            <a:r>
-              <a:rPr lang="en-US" altLang="ko-KR" sz="1400" dirty="0"/>
-              <a:t>AUTO-AOF-REWRITE-SPEC-TIME</a:t>
-            </a:r>
-          </a:p>
-          <a:p>
-            <a:pPr marL="285750" indent="-285750">
-              <a:buFont typeface="Arial" panose="020B0604020202020204" pitchFamily="34" charset="0"/>
-              <a:buChar char="•"/>
-            </a:pPr>
-            <a:endParaRPr lang="en-US" altLang="ko-KR" sz="1400" dirty="0"/>
-          </a:p>
-          <a:p>
-            <a:pPr marL="285750" indent="-285750">
-              <a:buFont typeface="Arial" panose="020B0604020202020204" pitchFamily="34" charset="0"/>
-              <a:buChar char="•"/>
-            </a:pPr>
-            <a:endParaRPr lang="en-US" altLang="ko-KR" sz="1400" dirty="0"/>
-          </a:p>
-        </p:txBody>
-      </p:sp>
-      <p:sp>
-        <p:nvSpPr>
-          <p:cNvPr id="7" name="TextBox 6">
-            <a:extLst>
-              <a:ext uri="{FF2B5EF4-FFF2-40B4-BE49-F238E27FC236}">
-                <a16:creationId xmlns:a16="http://schemas.microsoft.com/office/drawing/2014/main" id="{D69786DD-CE80-7048-9ECB-7A01B8AE51CD}"/>
-              </a:ext>
-            </a:extLst>
-          </p:cNvPr>
-          <p:cNvSpPr txBox="1"/>
-          <p:nvPr/>
-        </p:nvSpPr>
-        <p:spPr>
-          <a:xfrm>
-            <a:off x="6576643" y="1508549"/>
-            <a:ext cx="4220308" cy="461665"/>
-          </a:xfrm>
-          <a:prstGeom prst="rect">
-            <a:avLst/>
-          </a:prstGeom>
-          <a:noFill/>
-        </p:spPr>
-        <p:txBody>
-          <a:bodyPr wrap="square" rtlCol="0">
-            <a:spAutoFit/>
-          </a:bodyPr>
-          <a:lstStyle/>
-          <a:p>
-            <a:r>
-              <a:rPr lang="en-US" sz="2400" b="1" dirty="0"/>
-              <a:t>AOF </a:t>
-            </a:r>
-            <a:r>
-              <a:rPr lang="ko-KR" altLang="en-US" sz="2400" b="1" dirty="0"/>
-              <a:t>기본 설정 </a:t>
-            </a:r>
-            <a:r>
-              <a:rPr lang="en-US" altLang="ko-KR" sz="2400" b="1" dirty="0"/>
-              <a:t>Params</a:t>
-            </a:r>
-            <a:endParaRPr lang="en-US" sz="2000" b="1" dirty="0"/>
-          </a:p>
-        </p:txBody>
-      </p:sp>
-    </p:spTree>
-    <p:extLst>
-      <p:ext uri="{BB962C8B-B14F-4D97-AF65-F5344CB8AC3E}">
-        <p14:creationId xmlns:p14="http://schemas.microsoft.com/office/powerpoint/2010/main" val="3153526628"/>
-      </p:ext>
-    </p:extLst>
-  </p:cSld>
-  <p:clrMapOvr>
-    <a:masterClrMapping/>
-  </p:clrMapOvr>
-</p:sld>
-</file>
-
-<file path=ppt/slides/slide8.xml><?xml version="1.0" encoding="utf-8"?>
 <p:sld xmlns:a="http://schemas.openxmlformats.org/drawingml/2006/main" xmlns:r="http://schemas.openxmlformats.org/officeDocument/2006/relationships" xmlns:p="http://schemas.openxmlformats.org/presentationml/2006/main">
   <p:cSld>
     <p:spTree>
@@ -7472,7 +4288,7 @@
 </p:sld>
 </file>
 
-<file path=ppt/slides/slide9.xml><?xml version="1.0" encoding="utf-8"?>
+<file path=ppt/slides/slide11.xml><?xml version="1.0" encoding="utf-8"?>
 <p:sld xmlns:a="http://schemas.openxmlformats.org/drawingml/2006/main" xmlns:r="http://schemas.openxmlformats.org/officeDocument/2006/relationships" xmlns:p="http://schemas.openxmlformats.org/presentationml/2006/main">
   <p:cSld>
     <p:spTree>
@@ -9116,6 +5932,5613 @@
 </p:sld>
 </file>
 
+<file path=ppt/slides/slide12.xml><?xml version="1.0" encoding="utf-8"?>
+<p:sld xmlns:a="http://schemas.openxmlformats.org/drawingml/2006/main" xmlns:r="http://schemas.openxmlformats.org/officeDocument/2006/relationships" xmlns:p="http://schemas.openxmlformats.org/presentationml/2006/main">
+  <p:cSld>
+    <p:spTree>
+      <p:nvGrpSpPr>
+        <p:cNvPr id="1" name=""/>
+        <p:cNvGrpSpPr/>
+        <p:nvPr/>
+      </p:nvGrpSpPr>
+      <p:grpSpPr>
+        <a:xfrm>
+          <a:off x="0" y="0"/>
+          <a:ext cx="0" cy="0"/>
+          <a:chOff x="0" y="0"/>
+          <a:chExt cx="0" cy="0"/>
+        </a:xfrm>
+      </p:grpSpPr>
+      <p:sp>
+        <p:nvSpPr>
+          <p:cNvPr id="2" name="Title 1">
+            <a:extLst>
+              <a:ext uri="{FF2B5EF4-FFF2-40B4-BE49-F238E27FC236}">
+                <a16:creationId xmlns:a16="http://schemas.microsoft.com/office/drawing/2014/main" id="{34B3DA25-58D6-9046-BF18-574A0EE2318B}"/>
+              </a:ext>
+            </a:extLst>
+          </p:cNvPr>
+          <p:cNvSpPr>
+            <a:spLocks noGrp="1"/>
+          </p:cNvSpPr>
+          <p:nvPr>
+            <p:ph type="title"/>
+          </p:nvPr>
+        </p:nvSpPr>
+        <p:spPr/>
+        <p:txBody>
+          <a:bodyPr>
+            <a:normAutofit/>
+          </a:bodyPr>
+          <a:lstStyle/>
+          <a:p>
+            <a:r>
+              <a:rPr lang="en-US" sz="4000" dirty="0"/>
+              <a:t>RDB </a:t>
+            </a:r>
+            <a:r>
+              <a:rPr lang="en-US" altLang="ko-KR" sz="4000" dirty="0"/>
+              <a:t>Params</a:t>
+            </a:r>
+            <a:endParaRPr lang="en-KR" sz="4000" dirty="0"/>
+          </a:p>
+        </p:txBody>
+      </p:sp>
+      <p:sp>
+        <p:nvSpPr>
+          <p:cNvPr id="3" name="TextBox 2">
+            <a:extLst>
+              <a:ext uri="{FF2B5EF4-FFF2-40B4-BE49-F238E27FC236}">
+                <a16:creationId xmlns:a16="http://schemas.microsoft.com/office/drawing/2014/main" id="{FB2D2156-D83E-D44D-A171-C99201A7FF97}"/>
+              </a:ext>
+            </a:extLst>
+          </p:cNvPr>
+          <p:cNvSpPr txBox="1"/>
+          <p:nvPr/>
+        </p:nvSpPr>
+        <p:spPr>
+          <a:xfrm>
+            <a:off x="1416134" y="2052947"/>
+            <a:ext cx="4070268" cy="2862322"/>
+          </a:xfrm>
+          <a:prstGeom prst="rect">
+            <a:avLst/>
+          </a:prstGeom>
+          <a:noFill/>
+        </p:spPr>
+        <p:txBody>
+          <a:bodyPr wrap="square" rtlCol="0">
+            <a:spAutoFit/>
+          </a:bodyPr>
+          <a:lstStyle/>
+          <a:p>
+            <a:r>
+              <a:rPr lang="en-US" dirty="0"/>
+              <a:t>SAVE</a:t>
+            </a:r>
+          </a:p>
+          <a:p>
+            <a:pPr marL="285750" indent="-285750">
+              <a:buFont typeface="Arial" panose="020B0604020202020204" pitchFamily="34" charset="0"/>
+              <a:buChar char="•"/>
+            </a:pPr>
+            <a:r>
+              <a:rPr lang="en-US" altLang="ko-KR" dirty="0"/>
+              <a:t>RDB </a:t>
+            </a:r>
+            <a:r>
+              <a:rPr lang="ko-KR" altLang="en-US" dirty="0"/>
+              <a:t>방식의 동작 주기 결정</a:t>
+            </a:r>
+            <a:endParaRPr lang="en-US" dirty="0"/>
+          </a:p>
+          <a:p>
+            <a:endParaRPr lang="en-US" dirty="0"/>
+          </a:p>
+          <a:p>
+            <a:r>
+              <a:rPr lang="en-US" dirty="0"/>
+              <a:t>STOP-WRITES-ON-BGSAVE-ERROR</a:t>
+            </a:r>
+          </a:p>
+          <a:p>
+            <a:r>
+              <a:rPr lang="ko-KR" altLang="en-US" dirty="0"/>
+              <a:t>* </a:t>
+            </a:r>
+            <a:endParaRPr lang="en-US" dirty="0"/>
+          </a:p>
+          <a:p>
+            <a:endParaRPr lang="en-US" dirty="0"/>
+          </a:p>
+          <a:p>
+            <a:r>
+              <a:rPr lang="en-US" dirty="0"/>
+              <a:t>RDBCOMPRESSION</a:t>
+            </a:r>
+          </a:p>
+          <a:p>
+            <a:r>
+              <a:rPr lang="en-US" dirty="0"/>
+              <a:t>RDBCHECKSUM</a:t>
+            </a:r>
+          </a:p>
+          <a:p>
+            <a:r>
+              <a:rPr lang="en-US" dirty="0"/>
+              <a:t>DBFILENAME</a:t>
+            </a:r>
+          </a:p>
+          <a:p>
+            <a:r>
+              <a:rPr lang="en-US" dirty="0"/>
+              <a:t>RDB-SAVE-INCREMENTAL-FSYNC</a:t>
+            </a:r>
+          </a:p>
+        </p:txBody>
+      </p:sp>
+      <p:sp>
+        <p:nvSpPr>
+          <p:cNvPr id="5" name="TextBox 4">
+            <a:extLst>
+              <a:ext uri="{FF2B5EF4-FFF2-40B4-BE49-F238E27FC236}">
+                <a16:creationId xmlns:a16="http://schemas.microsoft.com/office/drawing/2014/main" id="{CC8659ED-57CB-3A42-ACE6-836D9F422F29}"/>
+              </a:ext>
+            </a:extLst>
+          </p:cNvPr>
+          <p:cNvSpPr txBox="1"/>
+          <p:nvPr/>
+        </p:nvSpPr>
+        <p:spPr>
+          <a:xfrm>
+            <a:off x="-691662" y="6435969"/>
+            <a:ext cx="184731" cy="369332"/>
+          </a:xfrm>
+          <a:prstGeom prst="rect">
+            <a:avLst/>
+          </a:prstGeom>
+          <a:noFill/>
+        </p:spPr>
+        <p:txBody>
+          <a:bodyPr wrap="none" rtlCol="0">
+            <a:spAutoFit/>
+          </a:bodyPr>
+          <a:lstStyle/>
+          <a:p>
+            <a:endParaRPr lang="en-KR"/>
+          </a:p>
+        </p:txBody>
+      </p:sp>
+    </p:spTree>
+    <p:extLst>
+      <p:ext uri="{BB962C8B-B14F-4D97-AF65-F5344CB8AC3E}">
+        <p14:creationId xmlns:p14="http://schemas.microsoft.com/office/powerpoint/2010/main" val="2830785869"/>
+      </p:ext>
+    </p:extLst>
+  </p:cSld>
+  <p:clrMapOvr>
+    <a:masterClrMapping/>
+  </p:clrMapOvr>
+</p:sld>
+</file>
+
+<file path=ppt/slides/slide13.xml><?xml version="1.0" encoding="utf-8"?>
+<p:sld xmlns:a="http://schemas.openxmlformats.org/drawingml/2006/main" xmlns:r="http://schemas.openxmlformats.org/officeDocument/2006/relationships" xmlns:p="http://schemas.openxmlformats.org/presentationml/2006/main">
+  <p:cSld>
+    <p:spTree>
+      <p:nvGrpSpPr>
+        <p:cNvPr id="1" name=""/>
+        <p:cNvGrpSpPr/>
+        <p:nvPr/>
+      </p:nvGrpSpPr>
+      <p:grpSpPr>
+        <a:xfrm>
+          <a:off x="0" y="0"/>
+          <a:ext cx="0" cy="0"/>
+          <a:chOff x="0" y="0"/>
+          <a:chExt cx="0" cy="0"/>
+        </a:xfrm>
+      </p:grpSpPr>
+    </p:spTree>
+    <p:extLst>
+      <p:ext uri="{BB962C8B-B14F-4D97-AF65-F5344CB8AC3E}">
+        <p14:creationId xmlns:p14="http://schemas.microsoft.com/office/powerpoint/2010/main" val="1285164465"/>
+      </p:ext>
+    </p:extLst>
+  </p:cSld>
+  <p:clrMapOvr>
+    <a:masterClrMapping/>
+  </p:clrMapOvr>
+</p:sld>
+</file>
+
+<file path=ppt/slides/slide2.xml><?xml version="1.0" encoding="utf-8"?>
+<p:sld xmlns:a="http://schemas.openxmlformats.org/drawingml/2006/main" xmlns:r="http://schemas.openxmlformats.org/officeDocument/2006/relationships" xmlns:p="http://schemas.openxmlformats.org/presentationml/2006/main">
+  <p:cSld>
+    <p:spTree>
+      <p:nvGrpSpPr>
+        <p:cNvPr id="1" name=""/>
+        <p:cNvGrpSpPr/>
+        <p:nvPr/>
+      </p:nvGrpSpPr>
+      <p:grpSpPr>
+        <a:xfrm>
+          <a:off x="0" y="0"/>
+          <a:ext cx="0" cy="0"/>
+          <a:chOff x="0" y="0"/>
+          <a:chExt cx="0" cy="0"/>
+        </a:xfrm>
+      </p:grpSpPr>
+      <p:sp>
+        <p:nvSpPr>
+          <p:cNvPr id="2" name="Title 1">
+            <a:extLst>
+              <a:ext uri="{FF2B5EF4-FFF2-40B4-BE49-F238E27FC236}">
+                <a16:creationId xmlns:a16="http://schemas.microsoft.com/office/drawing/2014/main" id="{24D2C232-2308-0942-B690-95502DDF1694}"/>
+              </a:ext>
+            </a:extLst>
+          </p:cNvPr>
+          <p:cNvSpPr>
+            <a:spLocks noGrp="1"/>
+          </p:cNvSpPr>
+          <p:nvPr>
+            <p:ph type="title"/>
+          </p:nvPr>
+        </p:nvSpPr>
+        <p:spPr/>
+        <p:txBody>
+          <a:bodyPr>
+            <a:normAutofit/>
+          </a:bodyPr>
+          <a:lstStyle/>
+          <a:p>
+            <a:r>
+              <a:rPr lang="en-US" sz="4000" dirty="0"/>
+              <a:t>Data Persistence</a:t>
+            </a:r>
+            <a:endParaRPr lang="en-KR" sz="4000" dirty="0"/>
+          </a:p>
+        </p:txBody>
+      </p:sp>
+    </p:spTree>
+    <p:extLst>
+      <p:ext uri="{BB962C8B-B14F-4D97-AF65-F5344CB8AC3E}">
+        <p14:creationId xmlns:p14="http://schemas.microsoft.com/office/powerpoint/2010/main" val="3733007345"/>
+      </p:ext>
+    </p:extLst>
+  </p:cSld>
+  <p:clrMapOvr>
+    <a:masterClrMapping/>
+  </p:clrMapOvr>
+</p:sld>
+</file>
+
+<file path=ppt/slides/slide3.xml><?xml version="1.0" encoding="utf-8"?>
+<p:sld xmlns:a="http://schemas.openxmlformats.org/drawingml/2006/main" xmlns:r="http://schemas.openxmlformats.org/officeDocument/2006/relationships" xmlns:p="http://schemas.openxmlformats.org/presentationml/2006/main">
+  <p:cSld>
+    <p:spTree>
+      <p:nvGrpSpPr>
+        <p:cNvPr id="1" name=""/>
+        <p:cNvGrpSpPr/>
+        <p:nvPr/>
+      </p:nvGrpSpPr>
+      <p:grpSpPr>
+        <a:xfrm>
+          <a:off x="0" y="0"/>
+          <a:ext cx="0" cy="0"/>
+          <a:chOff x="0" y="0"/>
+          <a:chExt cx="0" cy="0"/>
+        </a:xfrm>
+      </p:grpSpPr>
+      <p:sp>
+        <p:nvSpPr>
+          <p:cNvPr id="2" name="Title 1">
+            <a:extLst>
+              <a:ext uri="{FF2B5EF4-FFF2-40B4-BE49-F238E27FC236}">
+                <a16:creationId xmlns:a16="http://schemas.microsoft.com/office/drawing/2014/main" id="{24D2C232-2308-0942-B690-95502DDF1694}"/>
+              </a:ext>
+            </a:extLst>
+          </p:cNvPr>
+          <p:cNvSpPr>
+            <a:spLocks noGrp="1"/>
+          </p:cNvSpPr>
+          <p:nvPr>
+            <p:ph type="title"/>
+          </p:nvPr>
+        </p:nvSpPr>
+        <p:spPr/>
+        <p:txBody>
+          <a:bodyPr>
+            <a:normAutofit/>
+          </a:bodyPr>
+          <a:lstStyle/>
+          <a:p>
+            <a:r>
+              <a:rPr lang="en-US" sz="4000" dirty="0"/>
+              <a:t>RDB </a:t>
+            </a:r>
+            <a:r>
+              <a:rPr lang="ko-KR" altLang="en-US" sz="4000" dirty="0"/>
+              <a:t>로깅 과정</a:t>
+            </a:r>
+            <a:endParaRPr lang="en-KR" sz="4000" dirty="0"/>
+          </a:p>
+        </p:txBody>
+      </p:sp>
+      <p:sp>
+        <p:nvSpPr>
+          <p:cNvPr id="75" name="Rounded Rectangle 74">
+            <a:extLst>
+              <a:ext uri="{FF2B5EF4-FFF2-40B4-BE49-F238E27FC236}">
+                <a16:creationId xmlns:a16="http://schemas.microsoft.com/office/drawing/2014/main" id="{DC2972B6-6844-6842-A9A5-7BB4AE7BD508}"/>
+              </a:ext>
+            </a:extLst>
+          </p:cNvPr>
+          <p:cNvSpPr/>
+          <p:nvPr/>
+        </p:nvSpPr>
+        <p:spPr>
+          <a:xfrm>
+            <a:off x="1275347" y="1515979"/>
+            <a:ext cx="4066674" cy="4283242"/>
+          </a:xfrm>
+          <a:prstGeom prst="roundRect">
+            <a:avLst/>
+          </a:prstGeom>
+          <a:ln>
+            <a:solidFill>
+              <a:schemeClr val="tx1"/>
+            </a:solidFill>
+          </a:ln>
+        </p:spPr>
+        <p:style>
+          <a:lnRef idx="2">
+            <a:schemeClr val="accent6"/>
+          </a:lnRef>
+          <a:fillRef idx="1">
+            <a:schemeClr val="lt1"/>
+          </a:fillRef>
+          <a:effectRef idx="0">
+            <a:schemeClr val="accent6"/>
+          </a:effectRef>
+          <a:fontRef idx="minor">
+            <a:schemeClr val="dk1"/>
+          </a:fontRef>
+        </p:style>
+        <p:txBody>
+          <a:bodyPr rtlCol="0" anchor="ctr"/>
+          <a:lstStyle/>
+          <a:p>
+            <a:pPr algn="ctr"/>
+            <a:endParaRPr lang="en-KR"/>
+          </a:p>
+        </p:txBody>
+      </p:sp>
+      <p:sp>
+        <p:nvSpPr>
+          <p:cNvPr id="65" name="Rectangle 64">
+            <a:extLst>
+              <a:ext uri="{FF2B5EF4-FFF2-40B4-BE49-F238E27FC236}">
+                <a16:creationId xmlns:a16="http://schemas.microsoft.com/office/drawing/2014/main" id="{6BE276E5-8468-ED45-9666-CF1629CDE43F}"/>
+              </a:ext>
+            </a:extLst>
+          </p:cNvPr>
+          <p:cNvSpPr/>
+          <p:nvPr/>
+        </p:nvSpPr>
+        <p:spPr>
+          <a:xfrm>
+            <a:off x="2655384" y="1900750"/>
+            <a:ext cx="2213810" cy="1166928"/>
+          </a:xfrm>
+          <a:prstGeom prst="rect">
+            <a:avLst/>
+          </a:prstGeom>
+          <a:ln w="25400">
+            <a:solidFill>
+              <a:schemeClr val="accent5">
+                <a:lumMod val="75000"/>
+              </a:schemeClr>
+            </a:solidFill>
+            <a:prstDash val="sysDash"/>
+          </a:ln>
+        </p:spPr>
+        <p:style>
+          <a:lnRef idx="2">
+            <a:schemeClr val="accent6"/>
+          </a:lnRef>
+          <a:fillRef idx="1">
+            <a:schemeClr val="lt1"/>
+          </a:fillRef>
+          <a:effectRef idx="0">
+            <a:schemeClr val="accent6"/>
+          </a:effectRef>
+          <a:fontRef idx="minor">
+            <a:schemeClr val="dk1"/>
+          </a:fontRef>
+        </p:style>
+        <p:txBody>
+          <a:bodyPr rtlCol="0" anchor="ctr"/>
+          <a:lstStyle/>
+          <a:p>
+            <a:pPr algn="ctr"/>
+            <a:endParaRPr lang="en-KR"/>
+          </a:p>
+        </p:txBody>
+      </p:sp>
+      <p:grpSp>
+        <p:nvGrpSpPr>
+          <p:cNvPr id="64" name="Group 63">
+            <a:extLst>
+              <a:ext uri="{FF2B5EF4-FFF2-40B4-BE49-F238E27FC236}">
+                <a16:creationId xmlns:a16="http://schemas.microsoft.com/office/drawing/2014/main" id="{93D33CB4-E7EF-594E-9806-4469A630394F}"/>
+              </a:ext>
+            </a:extLst>
+          </p:cNvPr>
+          <p:cNvGrpSpPr/>
+          <p:nvPr/>
+        </p:nvGrpSpPr>
+        <p:grpSpPr>
+          <a:xfrm>
+            <a:off x="1662156" y="1864059"/>
+            <a:ext cx="2970002" cy="3419100"/>
+            <a:chOff x="5764924" y="865437"/>
+            <a:chExt cx="2970002" cy="3419100"/>
+          </a:xfrm>
+        </p:grpSpPr>
+        <p:grpSp>
+          <p:nvGrpSpPr>
+            <p:cNvPr id="26" name="Group 25">
+              <a:extLst>
+                <a:ext uri="{FF2B5EF4-FFF2-40B4-BE49-F238E27FC236}">
+                  <a16:creationId xmlns:a16="http://schemas.microsoft.com/office/drawing/2014/main" id="{6BE8FAB5-B706-824D-99DA-958BC9A2887E}"/>
+                </a:ext>
+              </a:extLst>
+            </p:cNvPr>
+            <p:cNvGrpSpPr/>
+            <p:nvPr/>
+          </p:nvGrpSpPr>
+          <p:grpSpPr>
+            <a:xfrm>
+              <a:off x="6895891" y="1050103"/>
+              <a:ext cx="1839035" cy="850888"/>
+              <a:chOff x="4188371" y="2560866"/>
+              <a:chExt cx="2070539" cy="902924"/>
+            </a:xfrm>
+          </p:grpSpPr>
+          <p:sp>
+            <p:nvSpPr>
+              <p:cNvPr id="19" name="TextBox 18">
+                <a:extLst>
+                  <a:ext uri="{FF2B5EF4-FFF2-40B4-BE49-F238E27FC236}">
+                    <a16:creationId xmlns:a16="http://schemas.microsoft.com/office/drawing/2014/main" id="{82ADB6A4-5F5E-F746-9337-F389BC7F0185}"/>
+                  </a:ext>
+                </a:extLst>
+              </p:cNvPr>
+              <p:cNvSpPr txBox="1"/>
+              <p:nvPr/>
+            </p:nvSpPr>
+            <p:spPr>
+              <a:xfrm>
+                <a:off x="4188371" y="2895600"/>
+                <a:ext cx="762001" cy="369332"/>
+              </a:xfrm>
+              <a:prstGeom prst="rect">
+                <a:avLst/>
+              </a:prstGeom>
+              <a:noFill/>
+              <a:ln>
+                <a:solidFill>
+                  <a:schemeClr val="tx1"/>
+                </a:solidFill>
+              </a:ln>
+            </p:spPr>
+            <p:txBody>
+              <a:bodyPr wrap="square" rtlCol="0">
+                <a:spAutoFit/>
+              </a:bodyPr>
+              <a:lstStyle/>
+              <a:p>
+                <a:r>
+                  <a:rPr lang="en-US" dirty="0"/>
+                  <a:t>entry</a:t>
+                </a:r>
+                <a:endParaRPr lang="en-KR" dirty="0"/>
+              </a:p>
+            </p:txBody>
+          </p:sp>
+          <p:sp>
+            <p:nvSpPr>
+              <p:cNvPr id="20" name="TextBox 19">
+                <a:extLst>
+                  <a:ext uri="{FF2B5EF4-FFF2-40B4-BE49-F238E27FC236}">
+                    <a16:creationId xmlns:a16="http://schemas.microsoft.com/office/drawing/2014/main" id="{DDC12D4B-726A-F449-B3B2-07A2E080CD54}"/>
+                  </a:ext>
+                </a:extLst>
+              </p:cNvPr>
+              <p:cNvSpPr txBox="1"/>
+              <p:nvPr/>
+            </p:nvSpPr>
+            <p:spPr>
+              <a:xfrm>
+                <a:off x="5333998" y="2560866"/>
+                <a:ext cx="762001" cy="369332"/>
+              </a:xfrm>
+              <a:prstGeom prst="rect">
+                <a:avLst/>
+              </a:prstGeom>
+              <a:noFill/>
+              <a:ln>
+                <a:solidFill>
+                  <a:schemeClr val="tx1"/>
+                </a:solidFill>
+              </a:ln>
+            </p:spPr>
+            <p:txBody>
+              <a:bodyPr wrap="square" rtlCol="0">
+                <a:spAutoFit/>
+              </a:bodyPr>
+              <a:lstStyle/>
+              <a:p>
+                <a:r>
+                  <a:rPr lang="en-KR" dirty="0"/>
+                  <a:t>key1</a:t>
+                </a:r>
+              </a:p>
+            </p:txBody>
+          </p:sp>
+          <p:sp>
+            <p:nvSpPr>
+              <p:cNvPr id="21" name="TextBox 20">
+                <a:extLst>
+                  <a:ext uri="{FF2B5EF4-FFF2-40B4-BE49-F238E27FC236}">
+                    <a16:creationId xmlns:a16="http://schemas.microsoft.com/office/drawing/2014/main" id="{12076A26-B100-C343-BC64-D10528751403}"/>
+                  </a:ext>
+                </a:extLst>
+              </p:cNvPr>
+              <p:cNvSpPr txBox="1"/>
+              <p:nvPr/>
+            </p:nvSpPr>
+            <p:spPr>
+              <a:xfrm>
+                <a:off x="5333998" y="3094458"/>
+                <a:ext cx="924912" cy="369332"/>
+              </a:xfrm>
+              <a:prstGeom prst="rect">
+                <a:avLst/>
+              </a:prstGeom>
+              <a:noFill/>
+              <a:ln>
+                <a:solidFill>
+                  <a:schemeClr val="tx1"/>
+                </a:solidFill>
+              </a:ln>
+            </p:spPr>
+            <p:txBody>
+              <a:bodyPr wrap="square" rtlCol="0">
+                <a:spAutoFit/>
+              </a:bodyPr>
+              <a:lstStyle/>
+              <a:p>
+                <a:r>
+                  <a:rPr lang="en-KR" dirty="0"/>
+                  <a:t>value1</a:t>
+                </a:r>
+              </a:p>
+            </p:txBody>
+          </p:sp>
+          <p:cxnSp>
+            <p:nvCxnSpPr>
+              <p:cNvPr id="23" name="Elbow Connector 22">
+                <a:extLst>
+                  <a:ext uri="{FF2B5EF4-FFF2-40B4-BE49-F238E27FC236}">
+                    <a16:creationId xmlns:a16="http://schemas.microsoft.com/office/drawing/2014/main" id="{C4295FEE-53AA-034B-A3B7-EE8DF015394D}"/>
+                  </a:ext>
+                </a:extLst>
+              </p:cNvPr>
+              <p:cNvCxnSpPr>
+                <a:stCxn id="19" idx="3"/>
+                <a:endCxn id="20" idx="1"/>
+              </p:cNvCxnSpPr>
+              <p:nvPr/>
+            </p:nvCxnSpPr>
+            <p:spPr>
+              <a:xfrm flipV="1">
+                <a:off x="4950372" y="2745532"/>
+                <a:ext cx="383626" cy="334734"/>
+              </a:xfrm>
+              <a:prstGeom prst="bentConnector3">
+                <a:avLst/>
+              </a:prstGeom>
+            </p:spPr>
+            <p:style>
+              <a:lnRef idx="1">
+                <a:schemeClr val="dk1"/>
+              </a:lnRef>
+              <a:fillRef idx="0">
+                <a:schemeClr val="dk1"/>
+              </a:fillRef>
+              <a:effectRef idx="0">
+                <a:schemeClr val="dk1"/>
+              </a:effectRef>
+              <a:fontRef idx="minor">
+                <a:schemeClr val="tx1"/>
+              </a:fontRef>
+            </p:style>
+          </p:cxnSp>
+          <p:cxnSp>
+            <p:nvCxnSpPr>
+              <p:cNvPr id="25" name="Elbow Connector 24">
+                <a:extLst>
+                  <a:ext uri="{FF2B5EF4-FFF2-40B4-BE49-F238E27FC236}">
+                    <a16:creationId xmlns:a16="http://schemas.microsoft.com/office/drawing/2014/main" id="{18C252D8-DA16-2349-B6BB-D22A53FE75EA}"/>
+                  </a:ext>
+                </a:extLst>
+              </p:cNvPr>
+              <p:cNvCxnSpPr>
+                <a:stCxn id="19" idx="3"/>
+                <a:endCxn id="21" idx="1"/>
+              </p:cNvCxnSpPr>
+              <p:nvPr/>
+            </p:nvCxnSpPr>
+            <p:spPr>
+              <a:xfrm>
+                <a:off x="4950372" y="3080266"/>
+                <a:ext cx="383626" cy="198858"/>
+              </a:xfrm>
+              <a:prstGeom prst="bentConnector3">
+                <a:avLst/>
+              </a:prstGeom>
+            </p:spPr>
+            <p:style>
+              <a:lnRef idx="1">
+                <a:schemeClr val="dk1"/>
+              </a:lnRef>
+              <a:fillRef idx="0">
+                <a:schemeClr val="dk1"/>
+              </a:fillRef>
+              <a:effectRef idx="0">
+                <a:schemeClr val="dk1"/>
+              </a:effectRef>
+              <a:fontRef idx="minor">
+                <a:schemeClr val="tx1"/>
+              </a:fontRef>
+            </p:style>
+          </p:cxnSp>
+        </p:grpSp>
+        <p:grpSp>
+          <p:nvGrpSpPr>
+            <p:cNvPr id="42" name="Group 41">
+              <a:extLst>
+                <a:ext uri="{FF2B5EF4-FFF2-40B4-BE49-F238E27FC236}">
+                  <a16:creationId xmlns:a16="http://schemas.microsoft.com/office/drawing/2014/main" id="{B032ED2A-79F6-904C-A51D-E963A0949CE8}"/>
+                </a:ext>
+              </a:extLst>
+            </p:cNvPr>
+            <p:cNvGrpSpPr/>
+            <p:nvPr/>
+          </p:nvGrpSpPr>
+          <p:grpSpPr>
+            <a:xfrm>
+              <a:off x="6895891" y="2237921"/>
+              <a:ext cx="1839035" cy="872172"/>
+              <a:chOff x="4188371" y="2560866"/>
+              <a:chExt cx="2070539" cy="925510"/>
+            </a:xfrm>
+          </p:grpSpPr>
+          <p:sp>
+            <p:nvSpPr>
+              <p:cNvPr id="43" name="TextBox 42">
+                <a:extLst>
+                  <a:ext uri="{FF2B5EF4-FFF2-40B4-BE49-F238E27FC236}">
+                    <a16:creationId xmlns:a16="http://schemas.microsoft.com/office/drawing/2014/main" id="{1D548889-0A09-7C41-9E53-8993B2B4C02F}"/>
+                  </a:ext>
+                </a:extLst>
+              </p:cNvPr>
+              <p:cNvSpPr txBox="1"/>
+              <p:nvPr/>
+            </p:nvSpPr>
+            <p:spPr>
+              <a:xfrm>
+                <a:off x="4188371" y="2895600"/>
+                <a:ext cx="762001" cy="369332"/>
+              </a:xfrm>
+              <a:prstGeom prst="rect">
+                <a:avLst/>
+              </a:prstGeom>
+              <a:noFill/>
+              <a:ln>
+                <a:solidFill>
+                  <a:schemeClr val="tx1"/>
+                </a:solidFill>
+              </a:ln>
+            </p:spPr>
+            <p:txBody>
+              <a:bodyPr wrap="square" rtlCol="0">
+                <a:spAutoFit/>
+              </a:bodyPr>
+              <a:lstStyle/>
+              <a:p>
+                <a:r>
+                  <a:rPr lang="en-US" dirty="0"/>
+                  <a:t>entry</a:t>
+                </a:r>
+                <a:endParaRPr lang="en-KR" dirty="0"/>
+              </a:p>
+            </p:txBody>
+          </p:sp>
+          <p:sp>
+            <p:nvSpPr>
+              <p:cNvPr id="44" name="TextBox 43">
+                <a:extLst>
+                  <a:ext uri="{FF2B5EF4-FFF2-40B4-BE49-F238E27FC236}">
+                    <a16:creationId xmlns:a16="http://schemas.microsoft.com/office/drawing/2014/main" id="{F2D2260A-9B84-AA4D-84A6-9A015AF5E257}"/>
+                  </a:ext>
+                </a:extLst>
+              </p:cNvPr>
+              <p:cNvSpPr txBox="1"/>
+              <p:nvPr/>
+            </p:nvSpPr>
+            <p:spPr>
+              <a:xfrm>
+                <a:off x="5333998" y="2560866"/>
+                <a:ext cx="762001" cy="391918"/>
+              </a:xfrm>
+              <a:prstGeom prst="rect">
+                <a:avLst/>
+              </a:prstGeom>
+              <a:noFill/>
+              <a:ln>
+                <a:solidFill>
+                  <a:schemeClr val="tx1"/>
+                </a:solidFill>
+              </a:ln>
+            </p:spPr>
+            <p:txBody>
+              <a:bodyPr wrap="square" rtlCol="0">
+                <a:spAutoFit/>
+              </a:bodyPr>
+              <a:lstStyle/>
+              <a:p>
+                <a:r>
+                  <a:rPr lang="en-KR" dirty="0"/>
+                  <a:t>key2</a:t>
+                </a:r>
+              </a:p>
+            </p:txBody>
+          </p:sp>
+          <p:sp>
+            <p:nvSpPr>
+              <p:cNvPr id="45" name="TextBox 44">
+                <a:extLst>
+                  <a:ext uri="{FF2B5EF4-FFF2-40B4-BE49-F238E27FC236}">
+                    <a16:creationId xmlns:a16="http://schemas.microsoft.com/office/drawing/2014/main" id="{4A9B95DC-C023-E741-AF48-D0A7F91B4C49}"/>
+                  </a:ext>
+                </a:extLst>
+              </p:cNvPr>
+              <p:cNvSpPr txBox="1"/>
+              <p:nvPr/>
+            </p:nvSpPr>
+            <p:spPr>
+              <a:xfrm>
+                <a:off x="5333998" y="3094458"/>
+                <a:ext cx="924912" cy="391918"/>
+              </a:xfrm>
+              <a:prstGeom prst="rect">
+                <a:avLst/>
+              </a:prstGeom>
+              <a:noFill/>
+              <a:ln>
+                <a:solidFill>
+                  <a:schemeClr val="tx1"/>
+                </a:solidFill>
+              </a:ln>
+            </p:spPr>
+            <p:txBody>
+              <a:bodyPr wrap="square" rtlCol="0">
+                <a:spAutoFit/>
+              </a:bodyPr>
+              <a:lstStyle/>
+              <a:p>
+                <a:r>
+                  <a:rPr lang="en-KR" dirty="0"/>
+                  <a:t>value2</a:t>
+                </a:r>
+              </a:p>
+            </p:txBody>
+          </p:sp>
+          <p:cxnSp>
+            <p:nvCxnSpPr>
+              <p:cNvPr id="46" name="Elbow Connector 45">
+                <a:extLst>
+                  <a:ext uri="{FF2B5EF4-FFF2-40B4-BE49-F238E27FC236}">
+                    <a16:creationId xmlns:a16="http://schemas.microsoft.com/office/drawing/2014/main" id="{BAA52511-4B3D-1042-81A0-52362796E9F3}"/>
+                  </a:ext>
+                </a:extLst>
+              </p:cNvPr>
+              <p:cNvCxnSpPr>
+                <a:stCxn id="43" idx="3"/>
+                <a:endCxn id="44" idx="1"/>
+              </p:cNvCxnSpPr>
+              <p:nvPr/>
+            </p:nvCxnSpPr>
+            <p:spPr>
+              <a:xfrm flipV="1">
+                <a:off x="4950372" y="2756825"/>
+                <a:ext cx="383626" cy="323441"/>
+              </a:xfrm>
+              <a:prstGeom prst="bentConnector3">
+                <a:avLst/>
+              </a:prstGeom>
+            </p:spPr>
+            <p:style>
+              <a:lnRef idx="1">
+                <a:schemeClr val="dk1"/>
+              </a:lnRef>
+              <a:fillRef idx="0">
+                <a:schemeClr val="dk1"/>
+              </a:fillRef>
+              <a:effectRef idx="0">
+                <a:schemeClr val="dk1"/>
+              </a:effectRef>
+              <a:fontRef idx="minor">
+                <a:schemeClr val="tx1"/>
+              </a:fontRef>
+            </p:style>
+          </p:cxnSp>
+          <p:cxnSp>
+            <p:nvCxnSpPr>
+              <p:cNvPr id="47" name="Elbow Connector 46">
+                <a:extLst>
+                  <a:ext uri="{FF2B5EF4-FFF2-40B4-BE49-F238E27FC236}">
+                    <a16:creationId xmlns:a16="http://schemas.microsoft.com/office/drawing/2014/main" id="{7EED3024-209A-D547-A621-17FC63BC19EA}"/>
+                  </a:ext>
+                </a:extLst>
+              </p:cNvPr>
+              <p:cNvCxnSpPr>
+                <a:stCxn id="43" idx="3"/>
+                <a:endCxn id="45" idx="1"/>
+              </p:cNvCxnSpPr>
+              <p:nvPr/>
+            </p:nvCxnSpPr>
+            <p:spPr>
+              <a:xfrm>
+                <a:off x="4950372" y="3080267"/>
+                <a:ext cx="383626" cy="210151"/>
+              </a:xfrm>
+              <a:prstGeom prst="bentConnector3">
+                <a:avLst/>
+              </a:prstGeom>
+            </p:spPr>
+            <p:style>
+              <a:lnRef idx="1">
+                <a:schemeClr val="dk1"/>
+              </a:lnRef>
+              <a:fillRef idx="0">
+                <a:schemeClr val="dk1"/>
+              </a:fillRef>
+              <a:effectRef idx="0">
+                <a:schemeClr val="dk1"/>
+              </a:effectRef>
+              <a:fontRef idx="minor">
+                <a:schemeClr val="tx1"/>
+              </a:fontRef>
+            </p:style>
+          </p:cxnSp>
+        </p:grpSp>
+        <p:grpSp>
+          <p:nvGrpSpPr>
+            <p:cNvPr id="48" name="Group 47">
+              <a:extLst>
+                <a:ext uri="{FF2B5EF4-FFF2-40B4-BE49-F238E27FC236}">
+                  <a16:creationId xmlns:a16="http://schemas.microsoft.com/office/drawing/2014/main" id="{48A599EB-7E41-0E47-9EA9-6BA43BBF5189}"/>
+                </a:ext>
+              </a:extLst>
+            </p:cNvPr>
+            <p:cNvGrpSpPr/>
+            <p:nvPr/>
+          </p:nvGrpSpPr>
+          <p:grpSpPr>
+            <a:xfrm>
+              <a:off x="6895891" y="3412365"/>
+              <a:ext cx="1839035" cy="872172"/>
+              <a:chOff x="4188371" y="2560866"/>
+              <a:chExt cx="2070539" cy="925510"/>
+            </a:xfrm>
+          </p:grpSpPr>
+          <p:sp>
+            <p:nvSpPr>
+              <p:cNvPr id="49" name="TextBox 48">
+                <a:extLst>
+                  <a:ext uri="{FF2B5EF4-FFF2-40B4-BE49-F238E27FC236}">
+                    <a16:creationId xmlns:a16="http://schemas.microsoft.com/office/drawing/2014/main" id="{1C0CC40C-CB79-0643-A565-DDFD19A00E13}"/>
+                  </a:ext>
+                </a:extLst>
+              </p:cNvPr>
+              <p:cNvSpPr txBox="1"/>
+              <p:nvPr/>
+            </p:nvSpPr>
+            <p:spPr>
+              <a:xfrm>
+                <a:off x="4188371" y="2895600"/>
+                <a:ext cx="762001" cy="369332"/>
+              </a:xfrm>
+              <a:prstGeom prst="rect">
+                <a:avLst/>
+              </a:prstGeom>
+              <a:noFill/>
+              <a:ln>
+                <a:solidFill>
+                  <a:schemeClr val="tx1"/>
+                </a:solidFill>
+              </a:ln>
+            </p:spPr>
+            <p:txBody>
+              <a:bodyPr wrap="square" rtlCol="0">
+                <a:spAutoFit/>
+              </a:bodyPr>
+              <a:lstStyle/>
+              <a:p>
+                <a:r>
+                  <a:rPr lang="en-US" dirty="0"/>
+                  <a:t>entry</a:t>
+                </a:r>
+                <a:endParaRPr lang="en-KR" dirty="0"/>
+              </a:p>
+            </p:txBody>
+          </p:sp>
+          <p:sp>
+            <p:nvSpPr>
+              <p:cNvPr id="50" name="TextBox 49">
+                <a:extLst>
+                  <a:ext uri="{FF2B5EF4-FFF2-40B4-BE49-F238E27FC236}">
+                    <a16:creationId xmlns:a16="http://schemas.microsoft.com/office/drawing/2014/main" id="{B9395018-E882-8443-8250-FD47330467DF}"/>
+                  </a:ext>
+                </a:extLst>
+              </p:cNvPr>
+              <p:cNvSpPr txBox="1"/>
+              <p:nvPr/>
+            </p:nvSpPr>
+            <p:spPr>
+              <a:xfrm>
+                <a:off x="5333998" y="2560866"/>
+                <a:ext cx="762001" cy="391918"/>
+              </a:xfrm>
+              <a:prstGeom prst="rect">
+                <a:avLst/>
+              </a:prstGeom>
+              <a:noFill/>
+              <a:ln>
+                <a:solidFill>
+                  <a:schemeClr val="tx1"/>
+                </a:solidFill>
+              </a:ln>
+            </p:spPr>
+            <p:txBody>
+              <a:bodyPr wrap="square" rtlCol="0">
+                <a:spAutoFit/>
+              </a:bodyPr>
+              <a:lstStyle/>
+              <a:p>
+                <a:r>
+                  <a:rPr lang="en-KR" dirty="0"/>
+                  <a:t>key3</a:t>
+                </a:r>
+              </a:p>
+            </p:txBody>
+          </p:sp>
+          <p:sp>
+            <p:nvSpPr>
+              <p:cNvPr id="51" name="TextBox 50">
+                <a:extLst>
+                  <a:ext uri="{FF2B5EF4-FFF2-40B4-BE49-F238E27FC236}">
+                    <a16:creationId xmlns:a16="http://schemas.microsoft.com/office/drawing/2014/main" id="{D3F8AC5B-33E3-E146-B231-3283A8806726}"/>
+                  </a:ext>
+                </a:extLst>
+              </p:cNvPr>
+              <p:cNvSpPr txBox="1"/>
+              <p:nvPr/>
+            </p:nvSpPr>
+            <p:spPr>
+              <a:xfrm>
+                <a:off x="5333998" y="3094458"/>
+                <a:ext cx="924912" cy="391918"/>
+              </a:xfrm>
+              <a:prstGeom prst="rect">
+                <a:avLst/>
+              </a:prstGeom>
+              <a:noFill/>
+              <a:ln>
+                <a:solidFill>
+                  <a:schemeClr val="tx1"/>
+                </a:solidFill>
+              </a:ln>
+            </p:spPr>
+            <p:txBody>
+              <a:bodyPr wrap="square" rtlCol="0">
+                <a:spAutoFit/>
+              </a:bodyPr>
+              <a:lstStyle/>
+              <a:p>
+                <a:r>
+                  <a:rPr lang="en-KR" dirty="0"/>
+                  <a:t>value3</a:t>
+                </a:r>
+              </a:p>
+            </p:txBody>
+          </p:sp>
+          <p:cxnSp>
+            <p:nvCxnSpPr>
+              <p:cNvPr id="52" name="Elbow Connector 51">
+                <a:extLst>
+                  <a:ext uri="{FF2B5EF4-FFF2-40B4-BE49-F238E27FC236}">
+                    <a16:creationId xmlns:a16="http://schemas.microsoft.com/office/drawing/2014/main" id="{7C46F2EC-EF71-F34E-AE79-BD9B8BF19B5D}"/>
+                  </a:ext>
+                </a:extLst>
+              </p:cNvPr>
+              <p:cNvCxnSpPr>
+                <a:stCxn id="49" idx="3"/>
+                <a:endCxn id="50" idx="1"/>
+              </p:cNvCxnSpPr>
+              <p:nvPr/>
+            </p:nvCxnSpPr>
+            <p:spPr>
+              <a:xfrm flipV="1">
+                <a:off x="4950372" y="2756825"/>
+                <a:ext cx="383626" cy="323441"/>
+              </a:xfrm>
+              <a:prstGeom prst="bentConnector3">
+                <a:avLst/>
+              </a:prstGeom>
+            </p:spPr>
+            <p:style>
+              <a:lnRef idx="1">
+                <a:schemeClr val="dk1"/>
+              </a:lnRef>
+              <a:fillRef idx="0">
+                <a:schemeClr val="dk1"/>
+              </a:fillRef>
+              <a:effectRef idx="0">
+                <a:schemeClr val="dk1"/>
+              </a:effectRef>
+              <a:fontRef idx="minor">
+                <a:schemeClr val="tx1"/>
+              </a:fontRef>
+            </p:style>
+          </p:cxnSp>
+          <p:cxnSp>
+            <p:nvCxnSpPr>
+              <p:cNvPr id="53" name="Elbow Connector 52">
+                <a:extLst>
+                  <a:ext uri="{FF2B5EF4-FFF2-40B4-BE49-F238E27FC236}">
+                    <a16:creationId xmlns:a16="http://schemas.microsoft.com/office/drawing/2014/main" id="{7B632CD4-B6F6-A549-9BC5-21E65F0493F0}"/>
+                  </a:ext>
+                </a:extLst>
+              </p:cNvPr>
+              <p:cNvCxnSpPr>
+                <a:stCxn id="49" idx="3"/>
+                <a:endCxn id="51" idx="1"/>
+              </p:cNvCxnSpPr>
+              <p:nvPr/>
+            </p:nvCxnSpPr>
+            <p:spPr>
+              <a:xfrm>
+                <a:off x="4950372" y="3080267"/>
+                <a:ext cx="383626" cy="210151"/>
+              </a:xfrm>
+              <a:prstGeom prst="bentConnector3">
+                <a:avLst/>
+              </a:prstGeom>
+            </p:spPr>
+            <p:style>
+              <a:lnRef idx="1">
+                <a:schemeClr val="dk1"/>
+              </a:lnRef>
+              <a:fillRef idx="0">
+                <a:schemeClr val="dk1"/>
+              </a:fillRef>
+              <a:effectRef idx="0">
+                <a:schemeClr val="dk1"/>
+              </a:effectRef>
+              <a:fontRef idx="minor">
+                <a:schemeClr val="tx1"/>
+              </a:fontRef>
+            </p:style>
+          </p:cxnSp>
+        </p:grpSp>
+        <p:grpSp>
+          <p:nvGrpSpPr>
+            <p:cNvPr id="63" name="Group 62">
+              <a:extLst>
+                <a:ext uri="{FF2B5EF4-FFF2-40B4-BE49-F238E27FC236}">
+                  <a16:creationId xmlns:a16="http://schemas.microsoft.com/office/drawing/2014/main" id="{F718E45A-254E-5246-A8BA-2AA8C089BF3F}"/>
+                </a:ext>
+              </a:extLst>
+            </p:cNvPr>
+            <p:cNvGrpSpPr/>
+            <p:nvPr/>
+          </p:nvGrpSpPr>
+          <p:grpSpPr>
+            <a:xfrm>
+              <a:off x="5764924" y="865437"/>
+              <a:ext cx="1130967" cy="3309521"/>
+              <a:chOff x="5764924" y="865437"/>
+              <a:chExt cx="1130967" cy="3309521"/>
+            </a:xfrm>
+          </p:grpSpPr>
+          <p:sp>
+            <p:nvSpPr>
+              <p:cNvPr id="18" name="TextBox 17">
+                <a:extLst>
+                  <a:ext uri="{FF2B5EF4-FFF2-40B4-BE49-F238E27FC236}">
+                    <a16:creationId xmlns:a16="http://schemas.microsoft.com/office/drawing/2014/main" id="{7B7228B2-FB01-D447-BAD6-E0906CF46692}"/>
+                  </a:ext>
+                </a:extLst>
+              </p:cNvPr>
+              <p:cNvSpPr txBox="1"/>
+              <p:nvPr/>
+            </p:nvSpPr>
+            <p:spPr>
+              <a:xfrm>
+                <a:off x="5764924" y="865437"/>
+                <a:ext cx="662152" cy="369332"/>
+              </a:xfrm>
+              <a:prstGeom prst="rect">
+                <a:avLst/>
+              </a:prstGeom>
+              <a:noFill/>
+              <a:ln>
+                <a:solidFill>
+                  <a:schemeClr val="tx1"/>
+                </a:solidFill>
+              </a:ln>
+            </p:spPr>
+            <p:txBody>
+              <a:bodyPr wrap="square" rtlCol="0">
+                <a:spAutoFit/>
+              </a:bodyPr>
+              <a:lstStyle/>
+              <a:p>
+                <a:r>
+                  <a:rPr lang="en-US" dirty="0" err="1"/>
+                  <a:t>dict</a:t>
+                </a:r>
+                <a:endParaRPr lang="en-KR" dirty="0"/>
+              </a:p>
+            </p:txBody>
+          </p:sp>
+          <p:cxnSp>
+            <p:nvCxnSpPr>
+              <p:cNvPr id="55" name="Straight Connector 54">
+                <a:extLst>
+                  <a:ext uri="{FF2B5EF4-FFF2-40B4-BE49-F238E27FC236}">
+                    <a16:creationId xmlns:a16="http://schemas.microsoft.com/office/drawing/2014/main" id="{8BBFC6BE-A650-FF43-874E-EBA3750BB896}"/>
+                  </a:ext>
+                </a:extLst>
+              </p:cNvPr>
+              <p:cNvCxnSpPr>
+                <a:stCxn id="18" idx="2"/>
+              </p:cNvCxnSpPr>
+              <p:nvPr/>
+            </p:nvCxnSpPr>
+            <p:spPr>
+              <a:xfrm>
+                <a:off x="6096000" y="1234769"/>
+                <a:ext cx="0" cy="2940189"/>
+              </a:xfrm>
+              <a:prstGeom prst="line">
+                <a:avLst/>
+              </a:prstGeom>
+            </p:spPr>
+            <p:style>
+              <a:lnRef idx="1">
+                <a:schemeClr val="dk1"/>
+              </a:lnRef>
+              <a:fillRef idx="0">
+                <a:schemeClr val="dk1"/>
+              </a:fillRef>
+              <a:effectRef idx="0">
+                <a:schemeClr val="dk1"/>
+              </a:effectRef>
+              <a:fontRef idx="minor">
+                <a:schemeClr val="tx1"/>
+              </a:fontRef>
+            </p:style>
+          </p:cxnSp>
+          <p:cxnSp>
+            <p:nvCxnSpPr>
+              <p:cNvPr id="57" name="Straight Connector 56">
+                <a:extLst>
+                  <a:ext uri="{FF2B5EF4-FFF2-40B4-BE49-F238E27FC236}">
+                    <a16:creationId xmlns:a16="http://schemas.microsoft.com/office/drawing/2014/main" id="{74433470-4293-844B-9550-2996724A22BB}"/>
+                  </a:ext>
+                </a:extLst>
+              </p:cNvPr>
+              <p:cNvCxnSpPr>
+                <a:stCxn id="19" idx="1"/>
+              </p:cNvCxnSpPr>
+              <p:nvPr/>
+            </p:nvCxnSpPr>
+            <p:spPr>
+              <a:xfrm flipH="1" flipV="1">
+                <a:off x="6096000" y="1539569"/>
+                <a:ext cx="799891" cy="1"/>
+              </a:xfrm>
+              <a:prstGeom prst="line">
+                <a:avLst/>
+              </a:prstGeom>
+            </p:spPr>
+            <p:style>
+              <a:lnRef idx="1">
+                <a:schemeClr val="dk1"/>
+              </a:lnRef>
+              <a:fillRef idx="0">
+                <a:schemeClr val="dk1"/>
+              </a:fillRef>
+              <a:effectRef idx="0">
+                <a:schemeClr val="dk1"/>
+              </a:effectRef>
+              <a:fontRef idx="minor">
+                <a:schemeClr val="tx1"/>
+              </a:fontRef>
+            </p:style>
+          </p:cxnSp>
+          <p:cxnSp>
+            <p:nvCxnSpPr>
+              <p:cNvPr id="59" name="Straight Connector 58">
+                <a:extLst>
+                  <a:ext uri="{FF2B5EF4-FFF2-40B4-BE49-F238E27FC236}">
+                    <a16:creationId xmlns:a16="http://schemas.microsoft.com/office/drawing/2014/main" id="{825D0F5E-398D-854B-A856-EF397FEF69C5}"/>
+                  </a:ext>
+                </a:extLst>
+              </p:cNvPr>
+              <p:cNvCxnSpPr>
+                <a:cxnSpLocks/>
+                <a:stCxn id="43" idx="1"/>
+              </p:cNvCxnSpPr>
+              <p:nvPr/>
+            </p:nvCxnSpPr>
+            <p:spPr>
+              <a:xfrm flipH="1">
+                <a:off x="6096000" y="2727389"/>
+                <a:ext cx="799891" cy="0"/>
+              </a:xfrm>
+              <a:prstGeom prst="line">
+                <a:avLst/>
+              </a:prstGeom>
+            </p:spPr>
+            <p:style>
+              <a:lnRef idx="1">
+                <a:schemeClr val="dk1"/>
+              </a:lnRef>
+              <a:fillRef idx="0">
+                <a:schemeClr val="dk1"/>
+              </a:fillRef>
+              <a:effectRef idx="0">
+                <a:schemeClr val="dk1"/>
+              </a:effectRef>
+              <a:fontRef idx="minor">
+                <a:schemeClr val="tx1"/>
+              </a:fontRef>
+            </p:style>
+          </p:cxnSp>
+          <p:cxnSp>
+            <p:nvCxnSpPr>
+              <p:cNvPr id="62" name="Straight Connector 61">
+                <a:extLst>
+                  <a:ext uri="{FF2B5EF4-FFF2-40B4-BE49-F238E27FC236}">
+                    <a16:creationId xmlns:a16="http://schemas.microsoft.com/office/drawing/2014/main" id="{54343FB6-05C6-724B-BE3C-327ED227215C}"/>
+                  </a:ext>
+                </a:extLst>
+              </p:cNvPr>
+              <p:cNvCxnSpPr>
+                <a:stCxn id="49" idx="1"/>
+              </p:cNvCxnSpPr>
+              <p:nvPr/>
+            </p:nvCxnSpPr>
+            <p:spPr>
+              <a:xfrm flipH="1" flipV="1">
+                <a:off x="6096000" y="3901832"/>
+                <a:ext cx="799891" cy="1"/>
+              </a:xfrm>
+              <a:prstGeom prst="line">
+                <a:avLst/>
+              </a:prstGeom>
+            </p:spPr>
+            <p:style>
+              <a:lnRef idx="1">
+                <a:schemeClr val="dk1"/>
+              </a:lnRef>
+              <a:fillRef idx="0">
+                <a:schemeClr val="dk1"/>
+              </a:fillRef>
+              <a:effectRef idx="0">
+                <a:schemeClr val="dk1"/>
+              </a:effectRef>
+              <a:fontRef idx="minor">
+                <a:schemeClr val="tx1"/>
+              </a:fontRef>
+            </p:style>
+          </p:cxnSp>
+        </p:grpSp>
+      </p:grpSp>
+      <p:sp>
+        <p:nvSpPr>
+          <p:cNvPr id="66" name="TextBox 65">
+            <a:extLst>
+              <a:ext uri="{FF2B5EF4-FFF2-40B4-BE49-F238E27FC236}">
+                <a16:creationId xmlns:a16="http://schemas.microsoft.com/office/drawing/2014/main" id="{9D9B8DEA-1299-624C-96FC-73114559DAB1}"/>
+              </a:ext>
+            </a:extLst>
+          </p:cNvPr>
+          <p:cNvSpPr txBox="1"/>
+          <p:nvPr/>
+        </p:nvSpPr>
+        <p:spPr>
+          <a:xfrm>
+            <a:off x="5789197" y="3105834"/>
+            <a:ext cx="2121568" cy="646331"/>
+          </a:xfrm>
+          <a:prstGeom prst="rect">
+            <a:avLst/>
+          </a:prstGeom>
+          <a:noFill/>
+          <a:ln w="25400">
+            <a:solidFill>
+              <a:schemeClr val="accent5">
+                <a:lumMod val="75000"/>
+              </a:schemeClr>
+            </a:solidFill>
+            <a:prstDash val="sysDash"/>
+          </a:ln>
+        </p:spPr>
+        <p:txBody>
+          <a:bodyPr wrap="square" rtlCol="0">
+            <a:spAutoFit/>
+          </a:bodyPr>
+          <a:lstStyle/>
+          <a:p>
+            <a:pPr algn="ctr"/>
+            <a:r>
+              <a:rPr lang="en-KR" dirty="0"/>
+              <a:t>Data </a:t>
+            </a:r>
+            <a:br>
+              <a:rPr lang="en-KR" dirty="0"/>
+            </a:br>
+            <a:r>
+              <a:rPr lang="en-KR" dirty="0"/>
+              <a:t>Compression</a:t>
+            </a:r>
+          </a:p>
+        </p:txBody>
+      </p:sp>
+      <p:cxnSp>
+        <p:nvCxnSpPr>
+          <p:cNvPr id="69" name="Straight Connector 68">
+            <a:extLst>
+              <a:ext uri="{FF2B5EF4-FFF2-40B4-BE49-F238E27FC236}">
+                <a16:creationId xmlns:a16="http://schemas.microsoft.com/office/drawing/2014/main" id="{E8F8046E-C59D-584B-821D-94B2DD26EC8C}"/>
+              </a:ext>
+            </a:extLst>
+          </p:cNvPr>
+          <p:cNvCxnSpPr>
+            <a:cxnSpLocks/>
+          </p:cNvCxnSpPr>
+          <p:nvPr/>
+        </p:nvCxnSpPr>
+        <p:spPr>
+          <a:xfrm>
+            <a:off x="8446169" y="952126"/>
+            <a:ext cx="0" cy="5109259"/>
+          </a:xfrm>
+          <a:prstGeom prst="line">
+            <a:avLst/>
+          </a:prstGeom>
+          <a:ln w="47625">
+            <a:solidFill>
+              <a:schemeClr val="tx1"/>
+            </a:solidFill>
+          </a:ln>
+        </p:spPr>
+        <p:style>
+          <a:lnRef idx="1">
+            <a:schemeClr val="accent1"/>
+          </a:lnRef>
+          <a:fillRef idx="0">
+            <a:schemeClr val="accent1"/>
+          </a:fillRef>
+          <a:effectRef idx="0">
+            <a:schemeClr val="accent1"/>
+          </a:effectRef>
+          <a:fontRef idx="minor">
+            <a:schemeClr val="tx1"/>
+          </a:fontRef>
+        </p:style>
+      </p:cxnSp>
+      <p:sp>
+        <p:nvSpPr>
+          <p:cNvPr id="73" name="TextBox 72">
+            <a:extLst>
+              <a:ext uri="{FF2B5EF4-FFF2-40B4-BE49-F238E27FC236}">
+                <a16:creationId xmlns:a16="http://schemas.microsoft.com/office/drawing/2014/main" id="{E9CC6D46-2A09-AA4E-A4D9-AADDEE3A4180}"/>
+              </a:ext>
+            </a:extLst>
+          </p:cNvPr>
+          <p:cNvSpPr txBox="1"/>
+          <p:nvPr/>
+        </p:nvSpPr>
+        <p:spPr>
+          <a:xfrm>
+            <a:off x="9083842" y="2689493"/>
+            <a:ext cx="1525482" cy="1477328"/>
+          </a:xfrm>
+          <a:prstGeom prst="rect">
+            <a:avLst/>
+          </a:prstGeom>
+          <a:noFill/>
+          <a:ln>
+            <a:solidFill>
+              <a:schemeClr val="tx1"/>
+            </a:solidFill>
+          </a:ln>
+        </p:spPr>
+        <p:txBody>
+          <a:bodyPr wrap="square" rtlCol="0">
+            <a:spAutoFit/>
+          </a:bodyPr>
+          <a:lstStyle/>
+          <a:p>
+            <a:pPr algn="ctr"/>
+            <a:r>
+              <a:rPr lang="en-US" dirty="0"/>
+              <a:t>K</a:t>
+            </a:r>
+            <a:r>
+              <a:rPr lang="en-KR" dirty="0"/>
+              <a:t>ey1 - value1</a:t>
+            </a:r>
+          </a:p>
+          <a:p>
+            <a:pPr algn="ctr"/>
+            <a:endParaRPr lang="en-KR" dirty="0"/>
+          </a:p>
+          <a:p>
+            <a:pPr algn="ctr"/>
+            <a:endParaRPr lang="en-KR" dirty="0"/>
+          </a:p>
+          <a:p>
+            <a:pPr algn="ctr"/>
+            <a:endParaRPr lang="en-KR" dirty="0"/>
+          </a:p>
+          <a:p>
+            <a:pPr algn="ctr"/>
+            <a:endParaRPr lang="en-KR" dirty="0"/>
+          </a:p>
+        </p:txBody>
+      </p:sp>
+      <p:sp>
+        <p:nvSpPr>
+          <p:cNvPr id="74" name="TextBox 73">
+            <a:extLst>
+              <a:ext uri="{FF2B5EF4-FFF2-40B4-BE49-F238E27FC236}">
+                <a16:creationId xmlns:a16="http://schemas.microsoft.com/office/drawing/2014/main" id="{D3796C91-165F-4E4C-8435-1538EF2A322A}"/>
+              </a:ext>
+            </a:extLst>
+          </p:cNvPr>
+          <p:cNvSpPr txBox="1"/>
+          <p:nvPr/>
+        </p:nvSpPr>
+        <p:spPr>
+          <a:xfrm>
+            <a:off x="9294394" y="4373401"/>
+            <a:ext cx="1104377" cy="369332"/>
+          </a:xfrm>
+          <a:prstGeom prst="rect">
+            <a:avLst/>
+          </a:prstGeom>
+          <a:noFill/>
+        </p:spPr>
+        <p:txBody>
+          <a:bodyPr wrap="square" rtlCol="0">
+            <a:spAutoFit/>
+          </a:bodyPr>
+          <a:lstStyle/>
+          <a:p>
+            <a:r>
+              <a:rPr lang="en-KR" b="1" dirty="0"/>
+              <a:t>RDB File</a:t>
+            </a:r>
+          </a:p>
+        </p:txBody>
+      </p:sp>
+      <p:cxnSp>
+        <p:nvCxnSpPr>
+          <p:cNvPr id="78" name="Straight Arrow Connector 77">
+            <a:extLst>
+              <a:ext uri="{FF2B5EF4-FFF2-40B4-BE49-F238E27FC236}">
+                <a16:creationId xmlns:a16="http://schemas.microsoft.com/office/drawing/2014/main" id="{FAEDB654-1FE0-9041-AD7E-46D44D66BF75}"/>
+              </a:ext>
+            </a:extLst>
+          </p:cNvPr>
+          <p:cNvCxnSpPr>
+            <a:cxnSpLocks/>
+            <a:stCxn id="65" idx="3"/>
+            <a:endCxn id="66" idx="0"/>
+          </p:cNvCxnSpPr>
+          <p:nvPr/>
+        </p:nvCxnSpPr>
+        <p:spPr>
+          <a:xfrm>
+            <a:off x="4869194" y="2484214"/>
+            <a:ext cx="1980787" cy="621620"/>
+          </a:xfrm>
+          <a:prstGeom prst="curvedConnector2">
+            <a:avLst/>
+          </a:prstGeom>
+          <a:ln>
+            <a:solidFill>
+              <a:schemeClr val="accent5">
+                <a:lumMod val="75000"/>
+              </a:schemeClr>
+            </a:solidFill>
+            <a:tailEnd type="triangle"/>
+          </a:ln>
+        </p:spPr>
+        <p:style>
+          <a:lnRef idx="1">
+            <a:schemeClr val="accent1"/>
+          </a:lnRef>
+          <a:fillRef idx="0">
+            <a:schemeClr val="accent1"/>
+          </a:fillRef>
+          <a:effectRef idx="0">
+            <a:schemeClr val="accent1"/>
+          </a:effectRef>
+          <a:fontRef idx="minor">
+            <a:schemeClr val="tx1"/>
+          </a:fontRef>
+        </p:style>
+      </p:cxnSp>
+      <p:sp>
+        <p:nvSpPr>
+          <p:cNvPr id="76" name="TextBox 75">
+            <a:extLst>
+              <a:ext uri="{FF2B5EF4-FFF2-40B4-BE49-F238E27FC236}">
+                <a16:creationId xmlns:a16="http://schemas.microsoft.com/office/drawing/2014/main" id="{9190CCFB-6D35-0C43-A174-EDAC588334D0}"/>
+              </a:ext>
+            </a:extLst>
+          </p:cNvPr>
+          <p:cNvSpPr txBox="1"/>
+          <p:nvPr/>
+        </p:nvSpPr>
+        <p:spPr>
+          <a:xfrm>
+            <a:off x="2657912" y="5887500"/>
+            <a:ext cx="1104377" cy="369332"/>
+          </a:xfrm>
+          <a:prstGeom prst="rect">
+            <a:avLst/>
+          </a:prstGeom>
+          <a:noFill/>
+        </p:spPr>
+        <p:txBody>
+          <a:bodyPr wrap="square" rtlCol="0">
+            <a:spAutoFit/>
+          </a:bodyPr>
+          <a:lstStyle/>
+          <a:p>
+            <a:r>
+              <a:rPr lang="en-KR" b="1" dirty="0"/>
+              <a:t>Dataset</a:t>
+            </a:r>
+          </a:p>
+        </p:txBody>
+      </p:sp>
+      <p:cxnSp>
+        <p:nvCxnSpPr>
+          <p:cNvPr id="90" name="Straight Arrow Connector 89">
+            <a:extLst>
+              <a:ext uri="{FF2B5EF4-FFF2-40B4-BE49-F238E27FC236}">
+                <a16:creationId xmlns:a16="http://schemas.microsoft.com/office/drawing/2014/main" id="{BE987143-583D-6849-82F1-368B8963BC0E}"/>
+              </a:ext>
+            </a:extLst>
+          </p:cNvPr>
+          <p:cNvCxnSpPr>
+            <a:stCxn id="66" idx="3"/>
+            <a:endCxn id="73" idx="1"/>
+          </p:cNvCxnSpPr>
+          <p:nvPr/>
+        </p:nvCxnSpPr>
+        <p:spPr>
+          <a:xfrm flipV="1">
+            <a:off x="7910765" y="3428157"/>
+            <a:ext cx="1173077" cy="843"/>
+          </a:xfrm>
+          <a:prstGeom prst="straightConnector1">
+            <a:avLst/>
+          </a:prstGeom>
+          <a:ln>
+            <a:solidFill>
+              <a:schemeClr val="accent5">
+                <a:lumMod val="75000"/>
+              </a:schemeClr>
+            </a:solidFill>
+            <a:tailEnd type="triangle"/>
+          </a:ln>
+        </p:spPr>
+        <p:style>
+          <a:lnRef idx="1">
+            <a:schemeClr val="accent1"/>
+          </a:lnRef>
+          <a:fillRef idx="0">
+            <a:schemeClr val="accent1"/>
+          </a:fillRef>
+          <a:effectRef idx="0">
+            <a:schemeClr val="accent1"/>
+          </a:effectRef>
+          <a:fontRef idx="minor">
+            <a:schemeClr val="tx1"/>
+          </a:fontRef>
+        </p:style>
+      </p:cxnSp>
+      <p:sp>
+        <p:nvSpPr>
+          <p:cNvPr id="92" name="TextBox 91">
+            <a:extLst>
+              <a:ext uri="{FF2B5EF4-FFF2-40B4-BE49-F238E27FC236}">
+                <a16:creationId xmlns:a16="http://schemas.microsoft.com/office/drawing/2014/main" id="{3196033C-B6E7-1744-A05B-0B22412FDEAC}"/>
+              </a:ext>
+            </a:extLst>
+          </p:cNvPr>
+          <p:cNvSpPr txBox="1"/>
+          <p:nvPr/>
+        </p:nvSpPr>
+        <p:spPr>
+          <a:xfrm>
+            <a:off x="8609341" y="952126"/>
+            <a:ext cx="1290643" cy="266092"/>
+          </a:xfrm>
+          <a:prstGeom prst="rect">
+            <a:avLst/>
+          </a:prstGeom>
+          <a:noFill/>
+        </p:spPr>
+        <p:txBody>
+          <a:bodyPr wrap="square" rtlCol="0">
+            <a:spAutoFit/>
+          </a:bodyPr>
+          <a:lstStyle/>
+          <a:p>
+            <a:r>
+              <a:rPr lang="en-KR" sz="1100" b="1" dirty="0"/>
+              <a:t>Disk(HDD or SSD)</a:t>
+            </a:r>
+          </a:p>
+        </p:txBody>
+      </p:sp>
+      <p:sp>
+        <p:nvSpPr>
+          <p:cNvPr id="93" name="TextBox 92">
+            <a:extLst>
+              <a:ext uri="{FF2B5EF4-FFF2-40B4-BE49-F238E27FC236}">
+                <a16:creationId xmlns:a16="http://schemas.microsoft.com/office/drawing/2014/main" id="{8AA3B78F-3F49-F14F-A290-D0D5B7AA75D8}"/>
+              </a:ext>
+            </a:extLst>
+          </p:cNvPr>
+          <p:cNvSpPr txBox="1"/>
+          <p:nvPr/>
+        </p:nvSpPr>
+        <p:spPr>
+          <a:xfrm>
+            <a:off x="7142419" y="952126"/>
+            <a:ext cx="1248859" cy="253916"/>
+          </a:xfrm>
+          <a:prstGeom prst="rect">
+            <a:avLst/>
+          </a:prstGeom>
+          <a:noFill/>
+        </p:spPr>
+        <p:txBody>
+          <a:bodyPr wrap="square" rtlCol="0">
+            <a:spAutoFit/>
+          </a:bodyPr>
+          <a:lstStyle/>
+          <a:p>
+            <a:r>
+              <a:rPr lang="en-US" sz="1050" b="1" dirty="0"/>
+              <a:t>Memory(DRAM)</a:t>
+            </a:r>
+            <a:endParaRPr lang="en-KR" sz="1050" b="1" dirty="0"/>
+          </a:p>
+        </p:txBody>
+      </p:sp>
+    </p:spTree>
+    <p:extLst>
+      <p:ext uri="{BB962C8B-B14F-4D97-AF65-F5344CB8AC3E}">
+        <p14:creationId xmlns:p14="http://schemas.microsoft.com/office/powerpoint/2010/main" val="1546951250"/>
+      </p:ext>
+    </p:extLst>
+  </p:cSld>
+  <p:clrMapOvr>
+    <a:masterClrMapping/>
+  </p:clrMapOvr>
+</p:sld>
+</file>
+
+<file path=ppt/slides/slide4.xml><?xml version="1.0" encoding="utf-8"?>
+<p:sld xmlns:a="http://schemas.openxmlformats.org/drawingml/2006/main" xmlns:r="http://schemas.openxmlformats.org/officeDocument/2006/relationships" xmlns:p="http://schemas.openxmlformats.org/presentationml/2006/main">
+  <p:cSld>
+    <p:spTree>
+      <p:nvGrpSpPr>
+        <p:cNvPr id="1" name=""/>
+        <p:cNvGrpSpPr/>
+        <p:nvPr/>
+      </p:nvGrpSpPr>
+      <p:grpSpPr>
+        <a:xfrm>
+          <a:off x="0" y="0"/>
+          <a:ext cx="0" cy="0"/>
+          <a:chOff x="0" y="0"/>
+          <a:chExt cx="0" cy="0"/>
+        </a:xfrm>
+      </p:grpSpPr>
+      <p:sp>
+        <p:nvSpPr>
+          <p:cNvPr id="2" name="Title 1">
+            <a:extLst>
+              <a:ext uri="{FF2B5EF4-FFF2-40B4-BE49-F238E27FC236}">
+                <a16:creationId xmlns:a16="http://schemas.microsoft.com/office/drawing/2014/main" id="{24D2C232-2308-0942-B690-95502DDF1694}"/>
+              </a:ext>
+            </a:extLst>
+          </p:cNvPr>
+          <p:cNvSpPr>
+            <a:spLocks noGrp="1"/>
+          </p:cNvSpPr>
+          <p:nvPr>
+            <p:ph type="title"/>
+          </p:nvPr>
+        </p:nvSpPr>
+        <p:spPr/>
+        <p:txBody>
+          <a:bodyPr>
+            <a:normAutofit/>
+          </a:bodyPr>
+          <a:lstStyle/>
+          <a:p>
+            <a:r>
+              <a:rPr lang="en-US" altLang="ko-KR" sz="4000" dirty="0"/>
+              <a:t>RDB</a:t>
+            </a:r>
+            <a:r>
+              <a:rPr lang="en-US" sz="4000" dirty="0"/>
+              <a:t> </a:t>
+            </a:r>
+            <a:r>
+              <a:rPr lang="ko-KR" altLang="en-US" sz="4000" dirty="0"/>
+              <a:t>복구 과정</a:t>
+            </a:r>
+            <a:endParaRPr lang="en-KR" sz="4000" dirty="0"/>
+          </a:p>
+        </p:txBody>
+      </p:sp>
+      <p:cxnSp>
+        <p:nvCxnSpPr>
+          <p:cNvPr id="31" name="Straight Connector 30">
+            <a:extLst>
+              <a:ext uri="{FF2B5EF4-FFF2-40B4-BE49-F238E27FC236}">
+                <a16:creationId xmlns:a16="http://schemas.microsoft.com/office/drawing/2014/main" id="{D24EA7E4-B1FA-2F44-AEC3-10F98A617AEA}"/>
+              </a:ext>
+            </a:extLst>
+          </p:cNvPr>
+          <p:cNvCxnSpPr>
+            <a:cxnSpLocks/>
+          </p:cNvCxnSpPr>
+          <p:nvPr/>
+        </p:nvCxnSpPr>
+        <p:spPr>
+          <a:xfrm>
+            <a:off x="3826043" y="1512717"/>
+            <a:ext cx="0" cy="5109259"/>
+          </a:xfrm>
+          <a:prstGeom prst="line">
+            <a:avLst/>
+          </a:prstGeom>
+          <a:ln w="47625">
+            <a:solidFill>
+              <a:schemeClr val="tx1"/>
+            </a:solidFill>
+          </a:ln>
+        </p:spPr>
+        <p:style>
+          <a:lnRef idx="1">
+            <a:schemeClr val="accent1"/>
+          </a:lnRef>
+          <a:fillRef idx="0">
+            <a:schemeClr val="accent1"/>
+          </a:fillRef>
+          <a:effectRef idx="0">
+            <a:schemeClr val="accent1"/>
+          </a:effectRef>
+          <a:fontRef idx="minor">
+            <a:schemeClr val="tx1"/>
+          </a:fontRef>
+        </p:style>
+      </p:cxnSp>
+      <p:sp>
+        <p:nvSpPr>
+          <p:cNvPr id="4" name="Rectangle 3">
+            <a:extLst>
+              <a:ext uri="{FF2B5EF4-FFF2-40B4-BE49-F238E27FC236}">
+                <a16:creationId xmlns:a16="http://schemas.microsoft.com/office/drawing/2014/main" id="{E6A8FAA1-9325-9442-9675-0AC229DF35A4}"/>
+              </a:ext>
+            </a:extLst>
+          </p:cNvPr>
+          <p:cNvSpPr/>
+          <p:nvPr/>
+        </p:nvSpPr>
+        <p:spPr>
+          <a:xfrm>
+            <a:off x="1120282" y="2945156"/>
+            <a:ext cx="1503813" cy="583464"/>
+          </a:xfrm>
+          <a:prstGeom prst="rect">
+            <a:avLst/>
+          </a:prstGeom>
+          <a:ln w="25400">
+            <a:solidFill>
+              <a:schemeClr val="accent5">
+                <a:lumMod val="75000"/>
+              </a:schemeClr>
+            </a:solidFill>
+            <a:prstDash val="sysDash"/>
+          </a:ln>
+        </p:spPr>
+        <p:style>
+          <a:lnRef idx="2">
+            <a:schemeClr val="accent6"/>
+          </a:lnRef>
+          <a:fillRef idx="1">
+            <a:schemeClr val="lt1"/>
+          </a:fillRef>
+          <a:effectRef idx="0">
+            <a:schemeClr val="accent6"/>
+          </a:effectRef>
+          <a:fontRef idx="minor">
+            <a:schemeClr val="dk1"/>
+          </a:fontRef>
+        </p:style>
+        <p:txBody>
+          <a:bodyPr rtlCol="0" anchor="ctr"/>
+          <a:lstStyle/>
+          <a:p>
+            <a:pPr algn="ctr"/>
+            <a:endParaRPr lang="en-KR"/>
+          </a:p>
+        </p:txBody>
+      </p:sp>
+      <p:sp>
+        <p:nvSpPr>
+          <p:cNvPr id="32" name="TextBox 31">
+            <a:extLst>
+              <a:ext uri="{FF2B5EF4-FFF2-40B4-BE49-F238E27FC236}">
+                <a16:creationId xmlns:a16="http://schemas.microsoft.com/office/drawing/2014/main" id="{B598CA41-DBF6-2948-BA4E-35BF77E819BB}"/>
+              </a:ext>
+            </a:extLst>
+          </p:cNvPr>
+          <p:cNvSpPr txBox="1"/>
+          <p:nvPr/>
+        </p:nvSpPr>
+        <p:spPr>
+          <a:xfrm>
+            <a:off x="1098100" y="2937950"/>
+            <a:ext cx="1525482" cy="1477328"/>
+          </a:xfrm>
+          <a:prstGeom prst="rect">
+            <a:avLst/>
+          </a:prstGeom>
+          <a:noFill/>
+          <a:ln>
+            <a:solidFill>
+              <a:schemeClr val="tx1"/>
+            </a:solidFill>
+          </a:ln>
+        </p:spPr>
+        <p:txBody>
+          <a:bodyPr wrap="square" rtlCol="0">
+            <a:spAutoFit/>
+          </a:bodyPr>
+          <a:lstStyle/>
+          <a:p>
+            <a:pPr algn="ctr">
+              <a:lnSpc>
+                <a:spcPct val="150000"/>
+              </a:lnSpc>
+            </a:pPr>
+            <a:r>
+              <a:rPr lang="en-US" dirty="0"/>
+              <a:t>K</a:t>
+            </a:r>
+            <a:r>
+              <a:rPr lang="en-KR" dirty="0"/>
+              <a:t>ey1 - value1</a:t>
+            </a:r>
+          </a:p>
+          <a:p>
+            <a:pPr algn="ctr">
+              <a:lnSpc>
+                <a:spcPct val="150000"/>
+              </a:lnSpc>
+            </a:pPr>
+            <a:r>
+              <a:rPr lang="en-US" dirty="0"/>
+              <a:t>K</a:t>
+            </a:r>
+            <a:r>
+              <a:rPr lang="en-KR" dirty="0"/>
+              <a:t>ey2 – value2</a:t>
+            </a:r>
+          </a:p>
+          <a:p>
+            <a:pPr algn="ctr">
+              <a:lnSpc>
+                <a:spcPct val="150000"/>
+              </a:lnSpc>
+            </a:pPr>
+            <a:r>
+              <a:rPr lang="en-US" dirty="0"/>
+              <a:t>K</a:t>
+            </a:r>
+            <a:r>
+              <a:rPr lang="en-KR" dirty="0"/>
+              <a:t>ey3 – value3</a:t>
+            </a:r>
+          </a:p>
+          <a:p>
+            <a:pPr algn="ctr">
+              <a:lnSpc>
+                <a:spcPct val="150000"/>
+              </a:lnSpc>
+            </a:pPr>
+            <a:endParaRPr lang="en-KR" dirty="0"/>
+          </a:p>
+          <a:p>
+            <a:pPr algn="ctr">
+              <a:lnSpc>
+                <a:spcPct val="150000"/>
+              </a:lnSpc>
+            </a:pPr>
+            <a:endParaRPr lang="en-KR" dirty="0"/>
+          </a:p>
+        </p:txBody>
+      </p:sp>
+      <p:sp>
+        <p:nvSpPr>
+          <p:cNvPr id="33" name="TextBox 32">
+            <a:extLst>
+              <a:ext uri="{FF2B5EF4-FFF2-40B4-BE49-F238E27FC236}">
+                <a16:creationId xmlns:a16="http://schemas.microsoft.com/office/drawing/2014/main" id="{870FB432-8518-D244-99DC-70E7B416B0CD}"/>
+              </a:ext>
+            </a:extLst>
+          </p:cNvPr>
+          <p:cNvSpPr txBox="1"/>
+          <p:nvPr/>
+        </p:nvSpPr>
+        <p:spPr>
+          <a:xfrm>
+            <a:off x="1308652" y="4621858"/>
+            <a:ext cx="1104377" cy="369332"/>
+          </a:xfrm>
+          <a:prstGeom prst="rect">
+            <a:avLst/>
+          </a:prstGeom>
+          <a:noFill/>
+        </p:spPr>
+        <p:txBody>
+          <a:bodyPr wrap="square" rtlCol="0">
+            <a:spAutoFit/>
+          </a:bodyPr>
+          <a:lstStyle/>
+          <a:p>
+            <a:r>
+              <a:rPr lang="en-KR" b="1" dirty="0"/>
+              <a:t>RDB File</a:t>
+            </a:r>
+          </a:p>
+        </p:txBody>
+      </p:sp>
+      <p:sp>
+        <p:nvSpPr>
+          <p:cNvPr id="30" name="TextBox 29">
+            <a:extLst>
+              <a:ext uri="{FF2B5EF4-FFF2-40B4-BE49-F238E27FC236}">
+                <a16:creationId xmlns:a16="http://schemas.microsoft.com/office/drawing/2014/main" id="{4657D237-FC8A-B646-9EAC-C4255FE12A96}"/>
+              </a:ext>
+            </a:extLst>
+          </p:cNvPr>
+          <p:cNvSpPr txBox="1"/>
+          <p:nvPr/>
+        </p:nvSpPr>
+        <p:spPr>
+          <a:xfrm>
+            <a:off x="4657440" y="3192836"/>
+            <a:ext cx="1684944" cy="646331"/>
+          </a:xfrm>
+          <a:prstGeom prst="rect">
+            <a:avLst/>
+          </a:prstGeom>
+          <a:noFill/>
+          <a:ln w="25400">
+            <a:solidFill>
+              <a:schemeClr val="accent5">
+                <a:lumMod val="75000"/>
+              </a:schemeClr>
+            </a:solidFill>
+            <a:prstDash val="sysDash"/>
+          </a:ln>
+        </p:spPr>
+        <p:txBody>
+          <a:bodyPr wrap="square" rtlCol="0">
+            <a:spAutoFit/>
+          </a:bodyPr>
+          <a:lstStyle/>
+          <a:p>
+            <a:pPr algn="ctr"/>
+            <a:r>
+              <a:rPr lang="en-KR" dirty="0"/>
+              <a:t>Data </a:t>
+            </a:r>
+            <a:br>
+              <a:rPr lang="en-KR" dirty="0"/>
+            </a:br>
+            <a:r>
+              <a:rPr lang="en-KR" dirty="0"/>
+              <a:t>Compression</a:t>
+            </a:r>
+          </a:p>
+        </p:txBody>
+      </p:sp>
+      <p:sp>
+        <p:nvSpPr>
+          <p:cNvPr id="3" name="Rounded Rectangle 2">
+            <a:extLst>
+              <a:ext uri="{FF2B5EF4-FFF2-40B4-BE49-F238E27FC236}">
+                <a16:creationId xmlns:a16="http://schemas.microsoft.com/office/drawing/2014/main" id="{D0DE5930-36C8-D84D-944A-068F2855E67D}"/>
+              </a:ext>
+            </a:extLst>
+          </p:cNvPr>
+          <p:cNvSpPr/>
+          <p:nvPr/>
+        </p:nvSpPr>
+        <p:spPr>
+          <a:xfrm>
+            <a:off x="7007873" y="1902363"/>
+            <a:ext cx="4066674" cy="4283242"/>
+          </a:xfrm>
+          <a:prstGeom prst="roundRect">
+            <a:avLst/>
+          </a:prstGeom>
+          <a:ln>
+            <a:solidFill>
+              <a:schemeClr val="tx1"/>
+            </a:solidFill>
+          </a:ln>
+        </p:spPr>
+        <p:style>
+          <a:lnRef idx="2">
+            <a:schemeClr val="accent6"/>
+          </a:lnRef>
+          <a:fillRef idx="1">
+            <a:schemeClr val="lt1"/>
+          </a:fillRef>
+          <a:effectRef idx="0">
+            <a:schemeClr val="accent6"/>
+          </a:effectRef>
+          <a:fontRef idx="minor">
+            <a:schemeClr val="dk1"/>
+          </a:fontRef>
+        </p:style>
+        <p:txBody>
+          <a:bodyPr rtlCol="0" anchor="ctr"/>
+          <a:lstStyle/>
+          <a:p>
+            <a:pPr algn="ctr"/>
+            <a:endParaRPr lang="en-KR" dirty="0"/>
+          </a:p>
+        </p:txBody>
+      </p:sp>
+      <p:grpSp>
+        <p:nvGrpSpPr>
+          <p:cNvPr id="6" name="Group 5">
+            <a:extLst>
+              <a:ext uri="{FF2B5EF4-FFF2-40B4-BE49-F238E27FC236}">
+                <a16:creationId xmlns:a16="http://schemas.microsoft.com/office/drawing/2014/main" id="{C86E5A40-1E79-9F44-A859-EC2E743018E5}"/>
+              </a:ext>
+            </a:extLst>
+          </p:cNvPr>
+          <p:cNvGrpSpPr/>
+          <p:nvPr/>
+        </p:nvGrpSpPr>
+        <p:grpSpPr>
+          <a:xfrm>
+            <a:off x="8525649" y="2435109"/>
+            <a:ext cx="1839035" cy="850888"/>
+            <a:chOff x="4188371" y="2560866"/>
+            <a:chExt cx="2070539" cy="902924"/>
+          </a:xfrm>
+        </p:grpSpPr>
+        <p:sp>
+          <p:nvSpPr>
+            <p:cNvPr id="25" name="TextBox 24">
+              <a:extLst>
+                <a:ext uri="{FF2B5EF4-FFF2-40B4-BE49-F238E27FC236}">
+                  <a16:creationId xmlns:a16="http://schemas.microsoft.com/office/drawing/2014/main" id="{40A4218A-C4AF-6443-8A4E-01333411EC3F}"/>
+                </a:ext>
+              </a:extLst>
+            </p:cNvPr>
+            <p:cNvSpPr txBox="1"/>
+            <p:nvPr/>
+          </p:nvSpPr>
+          <p:spPr>
+            <a:xfrm>
+              <a:off x="4188371" y="2895600"/>
+              <a:ext cx="762001" cy="369332"/>
+            </a:xfrm>
+            <a:prstGeom prst="rect">
+              <a:avLst/>
+            </a:prstGeom>
+            <a:noFill/>
+            <a:ln>
+              <a:solidFill>
+                <a:schemeClr val="tx1"/>
+              </a:solidFill>
+            </a:ln>
+          </p:spPr>
+          <p:txBody>
+            <a:bodyPr wrap="square" rtlCol="0">
+              <a:spAutoFit/>
+            </a:bodyPr>
+            <a:lstStyle/>
+            <a:p>
+              <a:r>
+                <a:rPr lang="en-US" dirty="0"/>
+                <a:t>entry</a:t>
+              </a:r>
+              <a:endParaRPr lang="en-KR" dirty="0"/>
+            </a:p>
+          </p:txBody>
+        </p:sp>
+        <p:sp>
+          <p:nvSpPr>
+            <p:cNvPr id="26" name="TextBox 25">
+              <a:extLst>
+                <a:ext uri="{FF2B5EF4-FFF2-40B4-BE49-F238E27FC236}">
+                  <a16:creationId xmlns:a16="http://schemas.microsoft.com/office/drawing/2014/main" id="{85DD7F60-7549-4E40-BF8B-5601B80BAD6F}"/>
+                </a:ext>
+              </a:extLst>
+            </p:cNvPr>
+            <p:cNvSpPr txBox="1"/>
+            <p:nvPr/>
+          </p:nvSpPr>
+          <p:spPr>
+            <a:xfrm>
+              <a:off x="5333998" y="2560866"/>
+              <a:ext cx="762001" cy="369332"/>
+            </a:xfrm>
+            <a:prstGeom prst="rect">
+              <a:avLst/>
+            </a:prstGeom>
+            <a:noFill/>
+            <a:ln>
+              <a:solidFill>
+                <a:schemeClr val="tx1"/>
+              </a:solidFill>
+            </a:ln>
+          </p:spPr>
+          <p:txBody>
+            <a:bodyPr wrap="square" rtlCol="0">
+              <a:spAutoFit/>
+            </a:bodyPr>
+            <a:lstStyle/>
+            <a:p>
+              <a:r>
+                <a:rPr lang="en-KR" dirty="0"/>
+                <a:t>key1</a:t>
+              </a:r>
+            </a:p>
+          </p:txBody>
+        </p:sp>
+        <p:sp>
+          <p:nvSpPr>
+            <p:cNvPr id="27" name="TextBox 26">
+              <a:extLst>
+                <a:ext uri="{FF2B5EF4-FFF2-40B4-BE49-F238E27FC236}">
+                  <a16:creationId xmlns:a16="http://schemas.microsoft.com/office/drawing/2014/main" id="{1FE853D8-6F16-BF46-86C3-70619456E511}"/>
+                </a:ext>
+              </a:extLst>
+            </p:cNvPr>
+            <p:cNvSpPr txBox="1"/>
+            <p:nvPr/>
+          </p:nvSpPr>
+          <p:spPr>
+            <a:xfrm>
+              <a:off x="5333998" y="3094458"/>
+              <a:ext cx="924912" cy="369332"/>
+            </a:xfrm>
+            <a:prstGeom prst="rect">
+              <a:avLst/>
+            </a:prstGeom>
+            <a:noFill/>
+            <a:ln>
+              <a:solidFill>
+                <a:schemeClr val="tx1"/>
+              </a:solidFill>
+            </a:ln>
+          </p:spPr>
+          <p:txBody>
+            <a:bodyPr wrap="square" rtlCol="0">
+              <a:spAutoFit/>
+            </a:bodyPr>
+            <a:lstStyle/>
+            <a:p>
+              <a:r>
+                <a:rPr lang="en-KR" dirty="0"/>
+                <a:t>value1</a:t>
+              </a:r>
+            </a:p>
+          </p:txBody>
+        </p:sp>
+        <p:cxnSp>
+          <p:nvCxnSpPr>
+            <p:cNvPr id="28" name="Elbow Connector 27">
+              <a:extLst>
+                <a:ext uri="{FF2B5EF4-FFF2-40B4-BE49-F238E27FC236}">
+                  <a16:creationId xmlns:a16="http://schemas.microsoft.com/office/drawing/2014/main" id="{7E94F93F-52C2-FC42-B075-58A2EA992199}"/>
+                </a:ext>
+              </a:extLst>
+            </p:cNvPr>
+            <p:cNvCxnSpPr>
+              <a:stCxn id="25" idx="3"/>
+              <a:endCxn id="26" idx="1"/>
+            </p:cNvCxnSpPr>
+            <p:nvPr/>
+          </p:nvCxnSpPr>
+          <p:spPr>
+            <a:xfrm flipV="1">
+              <a:off x="4950372" y="2745532"/>
+              <a:ext cx="383626" cy="334734"/>
+            </a:xfrm>
+            <a:prstGeom prst="bentConnector3">
+              <a:avLst/>
+            </a:prstGeom>
+          </p:spPr>
+          <p:style>
+            <a:lnRef idx="1">
+              <a:schemeClr val="dk1"/>
+            </a:lnRef>
+            <a:fillRef idx="0">
+              <a:schemeClr val="dk1"/>
+            </a:fillRef>
+            <a:effectRef idx="0">
+              <a:schemeClr val="dk1"/>
+            </a:effectRef>
+            <a:fontRef idx="minor">
+              <a:schemeClr val="tx1"/>
+            </a:fontRef>
+          </p:style>
+        </p:cxnSp>
+        <p:cxnSp>
+          <p:nvCxnSpPr>
+            <p:cNvPr id="29" name="Elbow Connector 28">
+              <a:extLst>
+                <a:ext uri="{FF2B5EF4-FFF2-40B4-BE49-F238E27FC236}">
+                  <a16:creationId xmlns:a16="http://schemas.microsoft.com/office/drawing/2014/main" id="{D55F4A25-EC3E-B74A-B64C-A8D13A5ABFC8}"/>
+                </a:ext>
+              </a:extLst>
+            </p:cNvPr>
+            <p:cNvCxnSpPr>
+              <a:stCxn id="25" idx="3"/>
+              <a:endCxn id="27" idx="1"/>
+            </p:cNvCxnSpPr>
+            <p:nvPr/>
+          </p:nvCxnSpPr>
+          <p:spPr>
+            <a:xfrm>
+              <a:off x="4950372" y="3080266"/>
+              <a:ext cx="383626" cy="198858"/>
+            </a:xfrm>
+            <a:prstGeom prst="bentConnector3">
+              <a:avLst/>
+            </a:prstGeom>
+          </p:spPr>
+          <p:style>
+            <a:lnRef idx="1">
+              <a:schemeClr val="dk1"/>
+            </a:lnRef>
+            <a:fillRef idx="0">
+              <a:schemeClr val="dk1"/>
+            </a:fillRef>
+            <a:effectRef idx="0">
+              <a:schemeClr val="dk1"/>
+            </a:effectRef>
+            <a:fontRef idx="minor">
+              <a:schemeClr val="tx1"/>
+            </a:fontRef>
+          </p:style>
+        </p:cxnSp>
+      </p:grpSp>
+      <p:grpSp>
+        <p:nvGrpSpPr>
+          <p:cNvPr id="41" name="Group 40">
+            <a:extLst>
+              <a:ext uri="{FF2B5EF4-FFF2-40B4-BE49-F238E27FC236}">
+                <a16:creationId xmlns:a16="http://schemas.microsoft.com/office/drawing/2014/main" id="{F4CF70C7-B69E-ED4A-85EA-7710085ABD4F}"/>
+              </a:ext>
+            </a:extLst>
+          </p:cNvPr>
+          <p:cNvGrpSpPr/>
+          <p:nvPr/>
+        </p:nvGrpSpPr>
+        <p:grpSpPr>
+          <a:xfrm>
+            <a:off x="7394682" y="2250443"/>
+            <a:ext cx="1130967" cy="3309521"/>
+            <a:chOff x="5943391" y="2392732"/>
+            <a:chExt cx="1130967" cy="3309521"/>
+          </a:xfrm>
+        </p:grpSpPr>
+        <p:sp>
+          <p:nvSpPr>
+            <p:cNvPr id="10" name="TextBox 9">
+              <a:extLst>
+                <a:ext uri="{FF2B5EF4-FFF2-40B4-BE49-F238E27FC236}">
+                  <a16:creationId xmlns:a16="http://schemas.microsoft.com/office/drawing/2014/main" id="{D6EF2DDC-E4D7-5747-A2FB-D036A1982798}"/>
+                </a:ext>
+              </a:extLst>
+            </p:cNvPr>
+            <p:cNvSpPr txBox="1"/>
+            <p:nvPr/>
+          </p:nvSpPr>
+          <p:spPr>
+            <a:xfrm>
+              <a:off x="5943391" y="2392732"/>
+              <a:ext cx="662152" cy="369332"/>
+            </a:xfrm>
+            <a:prstGeom prst="rect">
+              <a:avLst/>
+            </a:prstGeom>
+            <a:noFill/>
+            <a:ln>
+              <a:solidFill>
+                <a:schemeClr val="tx1"/>
+              </a:solidFill>
+            </a:ln>
+          </p:spPr>
+          <p:txBody>
+            <a:bodyPr wrap="square" rtlCol="0">
+              <a:spAutoFit/>
+            </a:bodyPr>
+            <a:lstStyle/>
+            <a:p>
+              <a:r>
+                <a:rPr lang="en-US" dirty="0" err="1"/>
+                <a:t>dict</a:t>
+              </a:r>
+              <a:endParaRPr lang="en-KR" dirty="0"/>
+            </a:p>
+          </p:txBody>
+        </p:sp>
+        <p:cxnSp>
+          <p:nvCxnSpPr>
+            <p:cNvPr id="11" name="Straight Connector 10">
+              <a:extLst>
+                <a:ext uri="{FF2B5EF4-FFF2-40B4-BE49-F238E27FC236}">
+                  <a16:creationId xmlns:a16="http://schemas.microsoft.com/office/drawing/2014/main" id="{421930D9-6DE6-F142-B869-7AA01F213992}"/>
+                </a:ext>
+              </a:extLst>
+            </p:cNvPr>
+            <p:cNvCxnSpPr>
+              <a:stCxn id="10" idx="2"/>
+            </p:cNvCxnSpPr>
+            <p:nvPr/>
+          </p:nvCxnSpPr>
+          <p:spPr>
+            <a:xfrm>
+              <a:off x="6274467" y="2762064"/>
+              <a:ext cx="0" cy="2940189"/>
+            </a:xfrm>
+            <a:prstGeom prst="line">
+              <a:avLst/>
+            </a:prstGeom>
+          </p:spPr>
+          <p:style>
+            <a:lnRef idx="1">
+              <a:schemeClr val="dk1"/>
+            </a:lnRef>
+            <a:fillRef idx="0">
+              <a:schemeClr val="dk1"/>
+            </a:fillRef>
+            <a:effectRef idx="0">
+              <a:schemeClr val="dk1"/>
+            </a:effectRef>
+            <a:fontRef idx="minor">
+              <a:schemeClr val="tx1"/>
+            </a:fontRef>
+          </p:style>
+        </p:cxnSp>
+        <p:cxnSp>
+          <p:nvCxnSpPr>
+            <p:cNvPr id="12" name="Straight Connector 11">
+              <a:extLst>
+                <a:ext uri="{FF2B5EF4-FFF2-40B4-BE49-F238E27FC236}">
+                  <a16:creationId xmlns:a16="http://schemas.microsoft.com/office/drawing/2014/main" id="{ECBF7277-0FDC-7C48-B181-1AC3BDC80FE2}"/>
+                </a:ext>
+              </a:extLst>
+            </p:cNvPr>
+            <p:cNvCxnSpPr>
+              <a:stCxn id="25" idx="1"/>
+            </p:cNvCxnSpPr>
+            <p:nvPr/>
+          </p:nvCxnSpPr>
+          <p:spPr>
+            <a:xfrm flipH="1" flipV="1">
+              <a:off x="6274467" y="3066864"/>
+              <a:ext cx="799891" cy="1"/>
+            </a:xfrm>
+            <a:prstGeom prst="line">
+              <a:avLst/>
+            </a:prstGeom>
+          </p:spPr>
+          <p:style>
+            <a:lnRef idx="1">
+              <a:schemeClr val="dk1"/>
+            </a:lnRef>
+            <a:fillRef idx="0">
+              <a:schemeClr val="dk1"/>
+            </a:fillRef>
+            <a:effectRef idx="0">
+              <a:schemeClr val="dk1"/>
+            </a:effectRef>
+            <a:fontRef idx="minor">
+              <a:schemeClr val="tx1"/>
+            </a:fontRef>
+          </p:style>
+        </p:cxnSp>
+      </p:grpSp>
+      <p:sp>
+        <p:nvSpPr>
+          <p:cNvPr id="35" name="TextBox 34">
+            <a:extLst>
+              <a:ext uri="{FF2B5EF4-FFF2-40B4-BE49-F238E27FC236}">
+                <a16:creationId xmlns:a16="http://schemas.microsoft.com/office/drawing/2014/main" id="{1E61587C-A4AC-F247-8D58-D0F7EB6EF036}"/>
+              </a:ext>
+            </a:extLst>
+          </p:cNvPr>
+          <p:cNvSpPr txBox="1"/>
+          <p:nvPr/>
+        </p:nvSpPr>
+        <p:spPr>
+          <a:xfrm>
+            <a:off x="8390438" y="6273884"/>
+            <a:ext cx="1104377" cy="369332"/>
+          </a:xfrm>
+          <a:prstGeom prst="rect">
+            <a:avLst/>
+          </a:prstGeom>
+          <a:noFill/>
+        </p:spPr>
+        <p:txBody>
+          <a:bodyPr wrap="square" rtlCol="0">
+            <a:spAutoFit/>
+          </a:bodyPr>
+          <a:lstStyle/>
+          <a:p>
+            <a:r>
+              <a:rPr lang="en-KR" b="1" dirty="0"/>
+              <a:t>Dataset</a:t>
+            </a:r>
+          </a:p>
+        </p:txBody>
+      </p:sp>
+      <p:sp>
+        <p:nvSpPr>
+          <p:cNvPr id="37" name="TextBox 36">
+            <a:extLst>
+              <a:ext uri="{FF2B5EF4-FFF2-40B4-BE49-F238E27FC236}">
+                <a16:creationId xmlns:a16="http://schemas.microsoft.com/office/drawing/2014/main" id="{A7CBA64C-254B-D648-A425-91DFD9C77D62}"/>
+              </a:ext>
+            </a:extLst>
+          </p:cNvPr>
+          <p:cNvSpPr txBox="1"/>
+          <p:nvPr/>
+        </p:nvSpPr>
+        <p:spPr>
+          <a:xfrm>
+            <a:off x="2486207" y="1534126"/>
+            <a:ext cx="1290643" cy="266092"/>
+          </a:xfrm>
+          <a:prstGeom prst="rect">
+            <a:avLst/>
+          </a:prstGeom>
+          <a:noFill/>
+        </p:spPr>
+        <p:txBody>
+          <a:bodyPr wrap="square" rtlCol="0">
+            <a:spAutoFit/>
+          </a:bodyPr>
+          <a:lstStyle/>
+          <a:p>
+            <a:r>
+              <a:rPr lang="en-KR" sz="1100" b="1" dirty="0"/>
+              <a:t>Disk(HDD or SSD)</a:t>
+            </a:r>
+          </a:p>
+        </p:txBody>
+      </p:sp>
+      <p:sp>
+        <p:nvSpPr>
+          <p:cNvPr id="38" name="TextBox 37">
+            <a:extLst>
+              <a:ext uri="{FF2B5EF4-FFF2-40B4-BE49-F238E27FC236}">
+                <a16:creationId xmlns:a16="http://schemas.microsoft.com/office/drawing/2014/main" id="{2CB58C1D-A4BF-D448-83B9-DD7B1D0AD5C0}"/>
+              </a:ext>
+            </a:extLst>
+          </p:cNvPr>
+          <p:cNvSpPr txBox="1"/>
+          <p:nvPr/>
+        </p:nvSpPr>
+        <p:spPr>
+          <a:xfrm>
+            <a:off x="3994167" y="1534126"/>
+            <a:ext cx="1248859" cy="253916"/>
+          </a:xfrm>
+          <a:prstGeom prst="rect">
+            <a:avLst/>
+          </a:prstGeom>
+          <a:noFill/>
+        </p:spPr>
+        <p:txBody>
+          <a:bodyPr wrap="square" rtlCol="0">
+            <a:spAutoFit/>
+          </a:bodyPr>
+          <a:lstStyle/>
+          <a:p>
+            <a:r>
+              <a:rPr lang="en-US" sz="1050" b="1" dirty="0"/>
+              <a:t>Memory(DRAM)</a:t>
+            </a:r>
+            <a:endParaRPr lang="en-KR" sz="1050" b="1" dirty="0"/>
+          </a:p>
+        </p:txBody>
+      </p:sp>
+    </p:spTree>
+    <p:extLst>
+      <p:ext uri="{BB962C8B-B14F-4D97-AF65-F5344CB8AC3E}">
+        <p14:creationId xmlns:p14="http://schemas.microsoft.com/office/powerpoint/2010/main" val="2924281535"/>
+      </p:ext>
+    </p:extLst>
+  </p:cSld>
+  <p:clrMapOvr>
+    <a:masterClrMapping/>
+  </p:clrMapOvr>
+</p:sld>
+</file>
+
+<file path=ppt/slides/slide5.xml><?xml version="1.0" encoding="utf-8"?>
+<p:sld xmlns:a="http://schemas.openxmlformats.org/drawingml/2006/main" xmlns:r="http://schemas.openxmlformats.org/officeDocument/2006/relationships" xmlns:p="http://schemas.openxmlformats.org/presentationml/2006/main">
+  <p:cSld>
+    <p:spTree>
+      <p:nvGrpSpPr>
+        <p:cNvPr id="1" name=""/>
+        <p:cNvGrpSpPr/>
+        <p:nvPr/>
+      </p:nvGrpSpPr>
+      <p:grpSpPr>
+        <a:xfrm>
+          <a:off x="0" y="0"/>
+          <a:ext cx="0" cy="0"/>
+          <a:chOff x="0" y="0"/>
+          <a:chExt cx="0" cy="0"/>
+        </a:xfrm>
+      </p:grpSpPr>
+      <p:sp>
+        <p:nvSpPr>
+          <p:cNvPr id="2" name="Title 1">
+            <a:extLst>
+              <a:ext uri="{FF2B5EF4-FFF2-40B4-BE49-F238E27FC236}">
+                <a16:creationId xmlns:a16="http://schemas.microsoft.com/office/drawing/2014/main" id="{24D2C232-2308-0942-B690-95502DDF1694}"/>
+              </a:ext>
+            </a:extLst>
+          </p:cNvPr>
+          <p:cNvSpPr>
+            <a:spLocks noGrp="1"/>
+          </p:cNvSpPr>
+          <p:nvPr>
+            <p:ph type="title"/>
+          </p:nvPr>
+        </p:nvSpPr>
+        <p:spPr/>
+        <p:txBody>
+          <a:bodyPr>
+            <a:normAutofit/>
+          </a:bodyPr>
+          <a:lstStyle/>
+          <a:p>
+            <a:r>
+              <a:rPr lang="en-US" sz="4000" dirty="0"/>
+              <a:t>AOF </a:t>
+            </a:r>
+            <a:r>
+              <a:rPr lang="ko-KR" altLang="en-US" sz="4000" dirty="0"/>
+              <a:t>로깅 과정</a:t>
+            </a:r>
+            <a:endParaRPr lang="en-KR" sz="4000" dirty="0"/>
+          </a:p>
+        </p:txBody>
+      </p:sp>
+      <p:sp>
+        <p:nvSpPr>
+          <p:cNvPr id="15" name="TextBox 14">
+            <a:extLst>
+              <a:ext uri="{FF2B5EF4-FFF2-40B4-BE49-F238E27FC236}">
+                <a16:creationId xmlns:a16="http://schemas.microsoft.com/office/drawing/2014/main" id="{9B69E391-6BAA-1B49-8696-89DA61C5C18C}"/>
+              </a:ext>
+            </a:extLst>
+          </p:cNvPr>
+          <p:cNvSpPr txBox="1"/>
+          <p:nvPr/>
+        </p:nvSpPr>
+        <p:spPr>
+          <a:xfrm>
+            <a:off x="800312" y="2793037"/>
+            <a:ext cx="3124985" cy="2957861"/>
+          </a:xfrm>
+          <a:prstGeom prst="rect">
+            <a:avLst/>
+          </a:prstGeom>
+          <a:noFill/>
+        </p:spPr>
+        <p:txBody>
+          <a:bodyPr wrap="square" rtlCol="0">
+            <a:spAutoFit/>
+          </a:bodyPr>
+          <a:lstStyle/>
+          <a:p>
+            <a:pPr>
+              <a:lnSpc>
+                <a:spcPct val="150000"/>
+              </a:lnSpc>
+            </a:pPr>
+            <a:r>
+              <a:rPr lang="en-US" altLang="ko-KR" dirty="0"/>
+              <a:t>1.</a:t>
+            </a:r>
+            <a:r>
+              <a:rPr lang="ko-KR" altLang="en-US" dirty="0"/>
+              <a:t> 명령 수행 후  로그 레코드</a:t>
+            </a:r>
+            <a:r>
+              <a:rPr lang="ko-KR" altLang="en-US" b="1" dirty="0"/>
+              <a:t> </a:t>
+            </a:r>
+            <a:r>
+              <a:rPr lang="ko-KR" altLang="en-US" dirty="0"/>
+              <a:t>생성</a:t>
+            </a:r>
+          </a:p>
+          <a:p>
+            <a:pPr>
+              <a:lnSpc>
+                <a:spcPct val="150000"/>
+              </a:lnSpc>
+            </a:pPr>
+            <a:r>
+              <a:rPr lang="en-US" altLang="ko-KR" dirty="0"/>
+              <a:t>2.</a:t>
+            </a:r>
+            <a:r>
+              <a:rPr lang="ko-KR" altLang="en-US" dirty="0"/>
+              <a:t> </a:t>
+            </a:r>
+            <a:r>
+              <a:rPr lang="en-US" dirty="0"/>
+              <a:t>AOF </a:t>
+            </a:r>
+            <a:r>
+              <a:rPr lang="ko-KR" altLang="en-US" dirty="0"/>
+              <a:t>버퍼에 로그 레코드 저장</a:t>
+            </a:r>
+          </a:p>
+          <a:p>
+            <a:pPr>
+              <a:lnSpc>
+                <a:spcPct val="150000"/>
+              </a:lnSpc>
+            </a:pPr>
+            <a:r>
+              <a:rPr lang="en-US" altLang="ko-KR" dirty="0"/>
+              <a:t>3.</a:t>
+            </a:r>
+            <a:r>
+              <a:rPr lang="ko-KR" altLang="en-US" dirty="0"/>
+              <a:t> </a:t>
+            </a:r>
+            <a:r>
+              <a:rPr lang="en-US" dirty="0" err="1"/>
+              <a:t>fsync</a:t>
+            </a:r>
+            <a:r>
+              <a:rPr lang="en-US" dirty="0"/>
+              <a:t> </a:t>
+            </a:r>
+            <a:r>
+              <a:rPr lang="ko-KR" altLang="en-US" dirty="0"/>
+              <a:t>함수를 통해 로그 레코드가 </a:t>
+            </a:r>
+            <a:r>
+              <a:rPr lang="en-US" dirty="0"/>
+              <a:t>AOF </a:t>
+            </a:r>
+            <a:r>
+              <a:rPr lang="ko-KR" altLang="en-US" dirty="0"/>
+              <a:t>파일에 기록</a:t>
+            </a:r>
+          </a:p>
+          <a:p>
+            <a:pPr>
+              <a:lnSpc>
+                <a:spcPct val="150000"/>
+              </a:lnSpc>
+            </a:pPr>
+            <a:endParaRPr lang="en-KR" dirty="0"/>
+          </a:p>
+        </p:txBody>
+      </p:sp>
+      <p:grpSp>
+        <p:nvGrpSpPr>
+          <p:cNvPr id="13" name="Group 12">
+            <a:extLst>
+              <a:ext uri="{FF2B5EF4-FFF2-40B4-BE49-F238E27FC236}">
+                <a16:creationId xmlns:a16="http://schemas.microsoft.com/office/drawing/2014/main" id="{6C0B6511-14E5-9E44-91A1-3A1B8ABAB198}"/>
+              </a:ext>
+            </a:extLst>
+          </p:cNvPr>
+          <p:cNvGrpSpPr/>
+          <p:nvPr/>
+        </p:nvGrpSpPr>
+        <p:grpSpPr>
+          <a:xfrm>
+            <a:off x="4805355" y="1772163"/>
+            <a:ext cx="7164972" cy="4267815"/>
+            <a:chOff x="4805355" y="1782673"/>
+            <a:chExt cx="7164972" cy="4267815"/>
+          </a:xfrm>
+        </p:grpSpPr>
+        <p:cxnSp>
+          <p:nvCxnSpPr>
+            <p:cNvPr id="30" name="Straight Arrow Connector 29">
+              <a:extLst>
+                <a:ext uri="{FF2B5EF4-FFF2-40B4-BE49-F238E27FC236}">
+                  <a16:creationId xmlns:a16="http://schemas.microsoft.com/office/drawing/2014/main" id="{9AAB407C-B7FA-6F4E-A066-8E0F35379F7D}"/>
+                </a:ext>
+              </a:extLst>
+            </p:cNvPr>
+            <p:cNvCxnSpPr>
+              <a:stCxn id="6" idx="2"/>
+              <a:endCxn id="10" idx="0"/>
+            </p:cNvCxnSpPr>
+            <p:nvPr/>
+          </p:nvCxnSpPr>
+          <p:spPr>
+            <a:xfrm>
+              <a:off x="9098780" y="4273216"/>
+              <a:ext cx="765" cy="1015272"/>
+            </a:xfrm>
+            <a:prstGeom prst="straightConnector1">
+              <a:avLst/>
+            </a:prstGeom>
+            <a:ln>
+              <a:tailEnd type="triangle"/>
+            </a:ln>
+          </p:spPr>
+          <p:style>
+            <a:lnRef idx="1">
+              <a:schemeClr val="dk1"/>
+            </a:lnRef>
+            <a:fillRef idx="0">
+              <a:schemeClr val="dk1"/>
+            </a:fillRef>
+            <a:effectRef idx="0">
+              <a:schemeClr val="dk1"/>
+            </a:effectRef>
+            <a:fontRef idx="minor">
+              <a:schemeClr val="tx1"/>
+            </a:fontRef>
+          </p:style>
+        </p:cxnSp>
+        <p:sp>
+          <p:nvSpPr>
+            <p:cNvPr id="4" name="Process 3">
+              <a:extLst>
+                <a:ext uri="{FF2B5EF4-FFF2-40B4-BE49-F238E27FC236}">
+                  <a16:creationId xmlns:a16="http://schemas.microsoft.com/office/drawing/2014/main" id="{0B43D8D5-E850-FA4D-B350-A77D3A5EB064}"/>
+                </a:ext>
+              </a:extLst>
+            </p:cNvPr>
+            <p:cNvSpPr/>
+            <p:nvPr/>
+          </p:nvSpPr>
+          <p:spPr>
+            <a:xfrm>
+              <a:off x="7855286" y="1782673"/>
+              <a:ext cx="3201597" cy="2748984"/>
+            </a:xfrm>
+            <a:prstGeom prst="flowChartProcess">
+              <a:avLst/>
+            </a:prstGeom>
+            <a:ln/>
+          </p:spPr>
+          <p:style>
+            <a:lnRef idx="2">
+              <a:schemeClr val="dk1"/>
+            </a:lnRef>
+            <a:fillRef idx="1">
+              <a:schemeClr val="lt1"/>
+            </a:fillRef>
+            <a:effectRef idx="0">
+              <a:schemeClr val="dk1"/>
+            </a:effectRef>
+            <a:fontRef idx="minor">
+              <a:schemeClr val="dk1"/>
+            </a:fontRef>
+          </p:style>
+          <p:txBody>
+            <a:bodyPr rtlCol="0" anchor="ctr"/>
+            <a:lstStyle/>
+            <a:p>
+              <a:pPr algn="ctr"/>
+              <a:endParaRPr lang="en-KR"/>
+            </a:p>
+          </p:txBody>
+        </p:sp>
+        <p:sp>
+          <p:nvSpPr>
+            <p:cNvPr id="5" name="Alternate Process 4">
+              <a:extLst>
+                <a:ext uri="{FF2B5EF4-FFF2-40B4-BE49-F238E27FC236}">
+                  <a16:creationId xmlns:a16="http://schemas.microsoft.com/office/drawing/2014/main" id="{A1EF4F14-0BFA-4843-B645-0EBFA9106732}"/>
+                </a:ext>
+              </a:extLst>
+            </p:cNvPr>
+            <p:cNvSpPr/>
+            <p:nvPr/>
+          </p:nvSpPr>
+          <p:spPr>
+            <a:xfrm>
+              <a:off x="8426353" y="2117108"/>
+              <a:ext cx="1372504" cy="785656"/>
+            </a:xfrm>
+            <a:prstGeom prst="flowChartAlternateProcess">
+              <a:avLst/>
+            </a:prstGeom>
+            <a:ln>
+              <a:solidFill>
+                <a:schemeClr val="tx1"/>
+              </a:solidFill>
+            </a:ln>
+          </p:spPr>
+          <p:style>
+            <a:lnRef idx="2">
+              <a:schemeClr val="accent6"/>
+            </a:lnRef>
+            <a:fillRef idx="1">
+              <a:schemeClr val="lt1"/>
+            </a:fillRef>
+            <a:effectRef idx="0">
+              <a:schemeClr val="accent6"/>
+            </a:effectRef>
+            <a:fontRef idx="minor">
+              <a:schemeClr val="dk1"/>
+            </a:fontRef>
+          </p:style>
+          <p:txBody>
+            <a:bodyPr rtlCol="0" anchor="ctr"/>
+            <a:lstStyle/>
+            <a:p>
+              <a:pPr algn="ctr"/>
+              <a:r>
+                <a:rPr lang="en-US" dirty="0"/>
+                <a:t>Dataset</a:t>
+              </a:r>
+              <a:endParaRPr lang="en-KR" dirty="0"/>
+            </a:p>
+          </p:txBody>
+        </p:sp>
+        <p:sp>
+          <p:nvSpPr>
+            <p:cNvPr id="6" name="Process 5">
+              <a:extLst>
+                <a:ext uri="{FF2B5EF4-FFF2-40B4-BE49-F238E27FC236}">
+                  <a16:creationId xmlns:a16="http://schemas.microsoft.com/office/drawing/2014/main" id="{D1C3E958-3D25-EE47-A206-9B8C1B4A7AA9}"/>
+                </a:ext>
+              </a:extLst>
+            </p:cNvPr>
+            <p:cNvSpPr/>
+            <p:nvPr/>
+          </p:nvSpPr>
+          <p:spPr>
+            <a:xfrm>
+              <a:off x="8485728" y="3446210"/>
+              <a:ext cx="1226104" cy="827006"/>
+            </a:xfrm>
+            <a:prstGeom prst="flowChartProcess">
+              <a:avLst/>
+            </a:prstGeom>
+            <a:ln>
+              <a:solidFill>
+                <a:schemeClr val="tx1"/>
+              </a:solidFill>
+            </a:ln>
+          </p:spPr>
+          <p:style>
+            <a:lnRef idx="2">
+              <a:schemeClr val="accent6"/>
+            </a:lnRef>
+            <a:fillRef idx="1">
+              <a:schemeClr val="lt1"/>
+            </a:fillRef>
+            <a:effectRef idx="0">
+              <a:schemeClr val="accent6"/>
+            </a:effectRef>
+            <a:fontRef idx="minor">
+              <a:schemeClr val="dk1"/>
+            </a:fontRef>
+          </p:style>
+          <p:txBody>
+            <a:bodyPr rtlCol="0" anchor="ctr"/>
+            <a:lstStyle/>
+            <a:p>
+              <a:pPr algn="ctr"/>
+              <a:r>
+                <a:rPr lang="en-KR" dirty="0"/>
+                <a:t>AOF Buffer</a:t>
+              </a:r>
+            </a:p>
+          </p:txBody>
+        </p:sp>
+        <p:sp>
+          <p:nvSpPr>
+            <p:cNvPr id="8" name="Connector 7">
+              <a:extLst>
+                <a:ext uri="{FF2B5EF4-FFF2-40B4-BE49-F238E27FC236}">
+                  <a16:creationId xmlns:a16="http://schemas.microsoft.com/office/drawing/2014/main" id="{55755F3F-836A-3E4E-99E2-3B7C68A74F0E}"/>
+                </a:ext>
+              </a:extLst>
+            </p:cNvPr>
+            <p:cNvSpPr/>
+            <p:nvPr/>
+          </p:nvSpPr>
+          <p:spPr>
+            <a:xfrm>
+              <a:off x="4875060" y="2828437"/>
+              <a:ext cx="1490113" cy="854277"/>
+            </a:xfrm>
+            <a:prstGeom prst="flowChartConnector">
+              <a:avLst/>
+            </a:prstGeom>
+            <a:ln>
+              <a:solidFill>
+                <a:schemeClr val="tx1"/>
+              </a:solidFill>
+            </a:ln>
+          </p:spPr>
+          <p:style>
+            <a:lnRef idx="2">
+              <a:schemeClr val="accent6"/>
+            </a:lnRef>
+            <a:fillRef idx="1">
+              <a:schemeClr val="lt1"/>
+            </a:fillRef>
+            <a:effectRef idx="0">
+              <a:schemeClr val="accent6"/>
+            </a:effectRef>
+            <a:fontRef idx="minor">
+              <a:schemeClr val="dk1"/>
+            </a:fontRef>
+          </p:style>
+          <p:txBody>
+            <a:bodyPr rtlCol="0" anchor="ctr"/>
+            <a:lstStyle/>
+            <a:p>
+              <a:pPr algn="ctr"/>
+              <a:r>
+                <a:rPr lang="en-US" dirty="0"/>
+                <a:t>C</a:t>
+              </a:r>
+              <a:r>
+                <a:rPr lang="en-KR" dirty="0"/>
+                <a:t>lient Request</a:t>
+              </a:r>
+            </a:p>
+          </p:txBody>
+        </p:sp>
+        <p:sp>
+          <p:nvSpPr>
+            <p:cNvPr id="10" name="Process 9">
+              <a:extLst>
+                <a:ext uri="{FF2B5EF4-FFF2-40B4-BE49-F238E27FC236}">
+                  <a16:creationId xmlns:a16="http://schemas.microsoft.com/office/drawing/2014/main" id="{E6F9F6CA-C5EB-704F-AED6-58C0BDFE7AEB}"/>
+                </a:ext>
+              </a:extLst>
+            </p:cNvPr>
+            <p:cNvSpPr/>
+            <p:nvPr/>
+          </p:nvSpPr>
+          <p:spPr>
+            <a:xfrm>
+              <a:off x="8461370" y="5288488"/>
+              <a:ext cx="1276350" cy="762000"/>
+            </a:xfrm>
+            <a:prstGeom prst="flowChartProcess">
+              <a:avLst/>
+            </a:prstGeom>
+            <a:ln>
+              <a:solidFill>
+                <a:schemeClr val="tx1"/>
+              </a:solidFill>
+            </a:ln>
+          </p:spPr>
+          <p:style>
+            <a:lnRef idx="2">
+              <a:schemeClr val="accent6"/>
+            </a:lnRef>
+            <a:fillRef idx="1">
+              <a:schemeClr val="lt1"/>
+            </a:fillRef>
+            <a:effectRef idx="0">
+              <a:schemeClr val="accent6"/>
+            </a:effectRef>
+            <a:fontRef idx="minor">
+              <a:schemeClr val="dk1"/>
+            </a:fontRef>
+          </p:style>
+          <p:txBody>
+            <a:bodyPr rtlCol="0" anchor="ctr"/>
+            <a:lstStyle/>
+            <a:p>
+              <a:pPr algn="ctr"/>
+              <a:r>
+                <a:rPr lang="en-KR" dirty="0"/>
+                <a:t>AOF File</a:t>
+              </a:r>
+            </a:p>
+          </p:txBody>
+        </p:sp>
+        <p:grpSp>
+          <p:nvGrpSpPr>
+            <p:cNvPr id="32" name="Group 31">
+              <a:extLst>
+                <a:ext uri="{FF2B5EF4-FFF2-40B4-BE49-F238E27FC236}">
+                  <a16:creationId xmlns:a16="http://schemas.microsoft.com/office/drawing/2014/main" id="{098EA616-20AA-304A-9671-C7583D497A5D}"/>
+                </a:ext>
+              </a:extLst>
+            </p:cNvPr>
+            <p:cNvGrpSpPr/>
+            <p:nvPr/>
+          </p:nvGrpSpPr>
+          <p:grpSpPr>
+            <a:xfrm>
+              <a:off x="4805355" y="4634657"/>
+              <a:ext cx="7164972" cy="713392"/>
+              <a:chOff x="4805355" y="4571598"/>
+              <a:chExt cx="7164972" cy="713392"/>
+            </a:xfrm>
+          </p:grpSpPr>
+          <p:cxnSp>
+            <p:nvCxnSpPr>
+              <p:cNvPr id="9" name="Straight Connector 8">
+                <a:extLst>
+                  <a:ext uri="{FF2B5EF4-FFF2-40B4-BE49-F238E27FC236}">
+                    <a16:creationId xmlns:a16="http://schemas.microsoft.com/office/drawing/2014/main" id="{C2490CBF-1504-F541-AB02-E5333BC46E87}"/>
+                  </a:ext>
+                </a:extLst>
+              </p:cNvPr>
+              <p:cNvCxnSpPr>
+                <a:cxnSpLocks/>
+              </p:cNvCxnSpPr>
+              <p:nvPr/>
+            </p:nvCxnSpPr>
+            <p:spPr>
+              <a:xfrm>
+                <a:off x="4875061" y="4920599"/>
+                <a:ext cx="7095266" cy="0"/>
+              </a:xfrm>
+              <a:prstGeom prst="line">
+                <a:avLst/>
+              </a:prstGeom>
+              <a:ln w="47625"/>
+            </p:spPr>
+            <p:style>
+              <a:lnRef idx="1">
+                <a:schemeClr val="dk1"/>
+              </a:lnRef>
+              <a:fillRef idx="0">
+                <a:schemeClr val="dk1"/>
+              </a:fillRef>
+              <a:effectRef idx="0">
+                <a:schemeClr val="dk1"/>
+              </a:effectRef>
+              <a:fontRef idx="minor">
+                <a:schemeClr val="tx1"/>
+              </a:fontRef>
+            </p:style>
+          </p:cxnSp>
+          <p:sp>
+            <p:nvSpPr>
+              <p:cNvPr id="11" name="TextBox 10">
+                <a:extLst>
+                  <a:ext uri="{FF2B5EF4-FFF2-40B4-BE49-F238E27FC236}">
+                    <a16:creationId xmlns:a16="http://schemas.microsoft.com/office/drawing/2014/main" id="{D0446E8F-7757-164A-B2A9-5C0317860E74}"/>
+                  </a:ext>
+                </a:extLst>
+              </p:cNvPr>
+              <p:cNvSpPr txBox="1"/>
+              <p:nvPr/>
+            </p:nvSpPr>
+            <p:spPr>
+              <a:xfrm>
+                <a:off x="4805355" y="4571598"/>
+                <a:ext cx="2114550" cy="261610"/>
+              </a:xfrm>
+              <a:prstGeom prst="rect">
+                <a:avLst/>
+              </a:prstGeom>
+              <a:noFill/>
+            </p:spPr>
+            <p:txBody>
+              <a:bodyPr wrap="square" rtlCol="0">
+                <a:spAutoFit/>
+              </a:bodyPr>
+              <a:lstStyle/>
+              <a:p>
+                <a:r>
+                  <a:rPr lang="en-US" sz="1100" b="1" dirty="0"/>
+                  <a:t>Memory(DRAM)</a:t>
+                </a:r>
+                <a:endParaRPr lang="en-KR" sz="1100" b="1" dirty="0"/>
+              </a:p>
+            </p:txBody>
+          </p:sp>
+          <p:sp>
+            <p:nvSpPr>
+              <p:cNvPr id="12" name="TextBox 11">
+                <a:extLst>
+                  <a:ext uri="{FF2B5EF4-FFF2-40B4-BE49-F238E27FC236}">
+                    <a16:creationId xmlns:a16="http://schemas.microsoft.com/office/drawing/2014/main" id="{944FD6A6-A5F6-E14E-89AB-28A5565AFED5}"/>
+                  </a:ext>
+                </a:extLst>
+              </p:cNvPr>
+              <p:cNvSpPr txBox="1"/>
+              <p:nvPr/>
+            </p:nvSpPr>
+            <p:spPr>
+              <a:xfrm>
+                <a:off x="4805355" y="5023380"/>
+                <a:ext cx="2114550" cy="261610"/>
+              </a:xfrm>
+              <a:prstGeom prst="rect">
+                <a:avLst/>
+              </a:prstGeom>
+              <a:noFill/>
+            </p:spPr>
+            <p:txBody>
+              <a:bodyPr wrap="square" rtlCol="0">
+                <a:spAutoFit/>
+              </a:bodyPr>
+              <a:lstStyle/>
+              <a:p>
+                <a:r>
+                  <a:rPr lang="en-KR" sz="1100" b="1" dirty="0"/>
+                  <a:t>Disk(HDD or SSD)</a:t>
+                </a:r>
+              </a:p>
+            </p:txBody>
+          </p:sp>
+        </p:grpSp>
+        <p:cxnSp>
+          <p:nvCxnSpPr>
+            <p:cNvPr id="20" name="Elbow Connector 19">
+              <a:extLst>
+                <a:ext uri="{FF2B5EF4-FFF2-40B4-BE49-F238E27FC236}">
+                  <a16:creationId xmlns:a16="http://schemas.microsoft.com/office/drawing/2014/main" id="{69ADFD75-CCCB-7642-AE99-A47F413A752A}"/>
+                </a:ext>
+              </a:extLst>
+            </p:cNvPr>
+            <p:cNvCxnSpPr>
+              <a:cxnSpLocks/>
+              <a:stCxn id="8" idx="6"/>
+              <a:endCxn id="6" idx="1"/>
+            </p:cNvCxnSpPr>
+            <p:nvPr/>
+          </p:nvCxnSpPr>
+          <p:spPr>
+            <a:xfrm>
+              <a:off x="6365173" y="3255576"/>
+              <a:ext cx="2120555" cy="604137"/>
+            </a:xfrm>
+            <a:prstGeom prst="bentConnector3">
+              <a:avLst>
+                <a:gd name="adj1" fmla="val 81660"/>
+              </a:avLst>
+            </a:prstGeom>
+            <a:ln>
+              <a:tailEnd type="triangle"/>
+            </a:ln>
+          </p:spPr>
+          <p:style>
+            <a:lnRef idx="2">
+              <a:schemeClr val="dk1"/>
+            </a:lnRef>
+            <a:fillRef idx="1">
+              <a:schemeClr val="lt1"/>
+            </a:fillRef>
+            <a:effectRef idx="0">
+              <a:schemeClr val="dk1"/>
+            </a:effectRef>
+            <a:fontRef idx="minor">
+              <a:schemeClr val="dk1"/>
+            </a:fontRef>
+          </p:style>
+        </p:cxnSp>
+        <p:cxnSp>
+          <p:nvCxnSpPr>
+            <p:cNvPr id="25" name="Elbow Connector 24">
+              <a:extLst>
+                <a:ext uri="{FF2B5EF4-FFF2-40B4-BE49-F238E27FC236}">
+                  <a16:creationId xmlns:a16="http://schemas.microsoft.com/office/drawing/2014/main" id="{E375EB92-8327-234A-8810-E29156607540}"/>
+                </a:ext>
+              </a:extLst>
+            </p:cNvPr>
+            <p:cNvCxnSpPr>
+              <a:stCxn id="8" idx="6"/>
+              <a:endCxn id="5" idx="1"/>
+            </p:cNvCxnSpPr>
+            <p:nvPr/>
+          </p:nvCxnSpPr>
+          <p:spPr>
+            <a:xfrm flipV="1">
+              <a:off x="6365173" y="2509936"/>
+              <a:ext cx="2061180" cy="745640"/>
+            </a:xfrm>
+            <a:prstGeom prst="bentConnector3">
+              <a:avLst>
+                <a:gd name="adj1" fmla="val 83992"/>
+              </a:avLst>
+            </a:prstGeom>
+            <a:ln>
+              <a:tailEnd type="triangle"/>
+            </a:ln>
+          </p:spPr>
+          <p:style>
+            <a:lnRef idx="2">
+              <a:schemeClr val="dk1"/>
+            </a:lnRef>
+            <a:fillRef idx="1">
+              <a:schemeClr val="lt1"/>
+            </a:fillRef>
+            <a:effectRef idx="0">
+              <a:schemeClr val="dk1"/>
+            </a:effectRef>
+            <a:fontRef idx="minor">
+              <a:schemeClr val="dk1"/>
+            </a:fontRef>
+          </p:style>
+        </p:cxnSp>
+        <p:sp>
+          <p:nvSpPr>
+            <p:cNvPr id="31" name="TextBox 30">
+              <a:extLst>
+                <a:ext uri="{FF2B5EF4-FFF2-40B4-BE49-F238E27FC236}">
+                  <a16:creationId xmlns:a16="http://schemas.microsoft.com/office/drawing/2014/main" id="{794724BD-36E5-8240-A925-7F34E71DEA2C}"/>
+                </a:ext>
+              </a:extLst>
+            </p:cNvPr>
+            <p:cNvSpPr txBox="1"/>
+            <p:nvPr/>
+          </p:nvSpPr>
+          <p:spPr>
+            <a:xfrm>
+              <a:off x="9299792" y="4528991"/>
+              <a:ext cx="1629103" cy="369332"/>
+            </a:xfrm>
+            <a:prstGeom prst="rect">
+              <a:avLst/>
+            </a:prstGeom>
+            <a:noFill/>
+          </p:spPr>
+          <p:txBody>
+            <a:bodyPr wrap="square" rtlCol="0">
+              <a:spAutoFit/>
+            </a:bodyPr>
+            <a:lstStyle/>
+            <a:p>
+              <a:r>
+                <a:rPr lang="en-US" dirty="0" err="1">
+                  <a:solidFill>
+                    <a:srgbClr val="FF0000"/>
+                  </a:solidFill>
+                </a:rPr>
+                <a:t>fsync</a:t>
+              </a:r>
+              <a:r>
+                <a:rPr lang="ko-KR" altLang="en-US" dirty="0">
+                  <a:solidFill>
+                    <a:srgbClr val="FF0000"/>
+                  </a:solidFill>
+                </a:rPr>
+                <a:t> 함수</a:t>
+              </a:r>
+              <a:endParaRPr lang="en-KR" dirty="0">
+                <a:solidFill>
+                  <a:srgbClr val="FF0000"/>
+                </a:solidFill>
+              </a:endParaRPr>
+            </a:p>
+          </p:txBody>
+        </p:sp>
+      </p:grpSp>
+    </p:spTree>
+    <p:extLst>
+      <p:ext uri="{BB962C8B-B14F-4D97-AF65-F5344CB8AC3E}">
+        <p14:creationId xmlns:p14="http://schemas.microsoft.com/office/powerpoint/2010/main" val="298065900"/>
+      </p:ext>
+    </p:extLst>
+  </p:cSld>
+  <p:clrMapOvr>
+    <a:masterClrMapping/>
+  </p:clrMapOvr>
+</p:sld>
+</file>
+
+<file path=ppt/slides/slide6.xml><?xml version="1.0" encoding="utf-8"?>
+<p:sld xmlns:a="http://schemas.openxmlformats.org/drawingml/2006/main" xmlns:r="http://schemas.openxmlformats.org/officeDocument/2006/relationships" xmlns:p="http://schemas.openxmlformats.org/presentationml/2006/main">
+  <p:cSld>
+    <p:spTree>
+      <p:nvGrpSpPr>
+        <p:cNvPr id="1" name=""/>
+        <p:cNvGrpSpPr/>
+        <p:nvPr/>
+      </p:nvGrpSpPr>
+      <p:grpSpPr>
+        <a:xfrm>
+          <a:off x="0" y="0"/>
+          <a:ext cx="0" cy="0"/>
+          <a:chOff x="0" y="0"/>
+          <a:chExt cx="0" cy="0"/>
+        </a:xfrm>
+      </p:grpSpPr>
+      <p:sp>
+        <p:nvSpPr>
+          <p:cNvPr id="2" name="Title 1">
+            <a:extLst>
+              <a:ext uri="{FF2B5EF4-FFF2-40B4-BE49-F238E27FC236}">
+                <a16:creationId xmlns:a16="http://schemas.microsoft.com/office/drawing/2014/main" id="{24D2C232-2308-0942-B690-95502DDF1694}"/>
+              </a:ext>
+            </a:extLst>
+          </p:cNvPr>
+          <p:cNvSpPr>
+            <a:spLocks noGrp="1"/>
+          </p:cNvSpPr>
+          <p:nvPr>
+            <p:ph type="title"/>
+          </p:nvPr>
+        </p:nvSpPr>
+        <p:spPr/>
+        <p:txBody>
+          <a:bodyPr>
+            <a:normAutofit/>
+          </a:bodyPr>
+          <a:lstStyle/>
+          <a:p>
+            <a:r>
+              <a:rPr lang="en-US" sz="4000" dirty="0"/>
+              <a:t>AOF </a:t>
+            </a:r>
+            <a:r>
+              <a:rPr lang="ko-KR" altLang="en-US" sz="4000" dirty="0"/>
+              <a:t>복구 과정</a:t>
+            </a:r>
+            <a:endParaRPr lang="en-KR" sz="4000" dirty="0"/>
+          </a:p>
+        </p:txBody>
+      </p:sp>
+      <p:sp>
+        <p:nvSpPr>
+          <p:cNvPr id="15" name="TextBox 14">
+            <a:extLst>
+              <a:ext uri="{FF2B5EF4-FFF2-40B4-BE49-F238E27FC236}">
+                <a16:creationId xmlns:a16="http://schemas.microsoft.com/office/drawing/2014/main" id="{9B69E391-6BAA-1B49-8696-89DA61C5C18C}"/>
+              </a:ext>
+            </a:extLst>
+          </p:cNvPr>
+          <p:cNvSpPr txBox="1"/>
+          <p:nvPr/>
+        </p:nvSpPr>
+        <p:spPr>
+          <a:xfrm>
+            <a:off x="800312" y="2793037"/>
+            <a:ext cx="3124985" cy="2957861"/>
+          </a:xfrm>
+          <a:prstGeom prst="rect">
+            <a:avLst/>
+          </a:prstGeom>
+          <a:noFill/>
+        </p:spPr>
+        <p:txBody>
+          <a:bodyPr wrap="square" rtlCol="0">
+            <a:spAutoFit/>
+          </a:bodyPr>
+          <a:lstStyle/>
+          <a:p>
+            <a:pPr>
+              <a:lnSpc>
+                <a:spcPct val="150000"/>
+              </a:lnSpc>
+            </a:pPr>
+            <a:r>
+              <a:rPr lang="en-US" altLang="ko-KR" dirty="0"/>
+              <a:t>1.</a:t>
+            </a:r>
+            <a:r>
+              <a:rPr lang="ko-KR" altLang="en-US" dirty="0"/>
+              <a:t> 명령 수행 후  로그 레코드</a:t>
+            </a:r>
+            <a:r>
+              <a:rPr lang="ko-KR" altLang="en-US" b="1" dirty="0"/>
+              <a:t> </a:t>
+            </a:r>
+            <a:r>
+              <a:rPr lang="ko-KR" altLang="en-US" dirty="0"/>
+              <a:t>생성</a:t>
+            </a:r>
+          </a:p>
+          <a:p>
+            <a:pPr>
+              <a:lnSpc>
+                <a:spcPct val="150000"/>
+              </a:lnSpc>
+            </a:pPr>
+            <a:r>
+              <a:rPr lang="en-US" altLang="ko-KR" dirty="0"/>
+              <a:t>2.</a:t>
+            </a:r>
+            <a:r>
+              <a:rPr lang="ko-KR" altLang="en-US" dirty="0"/>
+              <a:t> </a:t>
+            </a:r>
+            <a:r>
+              <a:rPr lang="en-US" dirty="0"/>
+              <a:t>AOF </a:t>
+            </a:r>
+            <a:r>
+              <a:rPr lang="ko-KR" altLang="en-US" dirty="0"/>
+              <a:t>버퍼에 로그 레코드 저장</a:t>
+            </a:r>
+          </a:p>
+          <a:p>
+            <a:pPr>
+              <a:lnSpc>
+                <a:spcPct val="150000"/>
+              </a:lnSpc>
+            </a:pPr>
+            <a:r>
+              <a:rPr lang="en-US" altLang="ko-KR" dirty="0"/>
+              <a:t>3.</a:t>
+            </a:r>
+            <a:r>
+              <a:rPr lang="ko-KR" altLang="en-US" dirty="0"/>
+              <a:t> </a:t>
+            </a:r>
+            <a:r>
+              <a:rPr lang="en-US" dirty="0" err="1"/>
+              <a:t>fsync</a:t>
+            </a:r>
+            <a:r>
+              <a:rPr lang="en-US" dirty="0"/>
+              <a:t> </a:t>
+            </a:r>
+            <a:r>
+              <a:rPr lang="ko-KR" altLang="en-US" dirty="0"/>
+              <a:t>함수를 통해 로그 레코드가 </a:t>
+            </a:r>
+            <a:r>
+              <a:rPr lang="en-US" dirty="0"/>
+              <a:t>AOF </a:t>
+            </a:r>
+            <a:r>
+              <a:rPr lang="ko-KR" altLang="en-US" dirty="0"/>
+              <a:t>파일에 기록</a:t>
+            </a:r>
+          </a:p>
+          <a:p>
+            <a:pPr>
+              <a:lnSpc>
+                <a:spcPct val="150000"/>
+              </a:lnSpc>
+            </a:pPr>
+            <a:endParaRPr lang="en-KR" dirty="0"/>
+          </a:p>
+        </p:txBody>
+      </p:sp>
+    </p:spTree>
+    <p:extLst>
+      <p:ext uri="{BB962C8B-B14F-4D97-AF65-F5344CB8AC3E}">
+        <p14:creationId xmlns:p14="http://schemas.microsoft.com/office/powerpoint/2010/main" val="4225991615"/>
+      </p:ext>
+    </p:extLst>
+  </p:cSld>
+  <p:clrMapOvr>
+    <a:masterClrMapping/>
+  </p:clrMapOvr>
+</p:sld>
+</file>
+
+<file path=ppt/slides/slide7.xml><?xml version="1.0" encoding="utf-8"?>
+<p:sld xmlns:a="http://schemas.openxmlformats.org/drawingml/2006/main" xmlns:r="http://schemas.openxmlformats.org/officeDocument/2006/relationships" xmlns:p="http://schemas.openxmlformats.org/presentationml/2006/main">
+  <p:cSld>
+    <p:spTree>
+      <p:nvGrpSpPr>
+        <p:cNvPr id="1" name=""/>
+        <p:cNvGrpSpPr/>
+        <p:nvPr/>
+      </p:nvGrpSpPr>
+      <p:grpSpPr>
+        <a:xfrm>
+          <a:off x="0" y="0"/>
+          <a:ext cx="0" cy="0"/>
+          <a:chOff x="0" y="0"/>
+          <a:chExt cx="0" cy="0"/>
+        </a:xfrm>
+      </p:grpSpPr>
+      <p:sp>
+        <p:nvSpPr>
+          <p:cNvPr id="2" name="Title 1">
+            <a:extLst>
+              <a:ext uri="{FF2B5EF4-FFF2-40B4-BE49-F238E27FC236}">
+                <a16:creationId xmlns:a16="http://schemas.microsoft.com/office/drawing/2014/main" id="{CE762BBF-2A28-D44F-A9CD-27F8D0C6D3BE}"/>
+              </a:ext>
+            </a:extLst>
+          </p:cNvPr>
+          <p:cNvSpPr>
+            <a:spLocks noGrp="1"/>
+          </p:cNvSpPr>
+          <p:nvPr>
+            <p:ph type="title"/>
+          </p:nvPr>
+        </p:nvSpPr>
+        <p:spPr/>
+        <p:txBody>
+          <a:bodyPr>
+            <a:normAutofit/>
+          </a:bodyPr>
+          <a:lstStyle/>
+          <a:p>
+            <a:r>
+              <a:rPr lang="en-US" sz="4000" dirty="0"/>
+              <a:t>AOF Rewrite </a:t>
+            </a:r>
+            <a:r>
+              <a:rPr lang="ko-KR" altLang="en-US" sz="4000" dirty="0"/>
+              <a:t>동작 과정</a:t>
+            </a:r>
+            <a:endParaRPr lang="en-KR" sz="4000" dirty="0"/>
+          </a:p>
+        </p:txBody>
+      </p:sp>
+      <p:grpSp>
+        <p:nvGrpSpPr>
+          <p:cNvPr id="10" name="Group 9">
+            <a:extLst>
+              <a:ext uri="{FF2B5EF4-FFF2-40B4-BE49-F238E27FC236}">
+                <a16:creationId xmlns:a16="http://schemas.microsoft.com/office/drawing/2014/main" id="{FE5E1C7A-FBBE-D94F-A2D8-452CA3C19479}"/>
+              </a:ext>
+            </a:extLst>
+          </p:cNvPr>
+          <p:cNvGrpSpPr/>
+          <p:nvPr/>
+        </p:nvGrpSpPr>
+        <p:grpSpPr>
+          <a:xfrm>
+            <a:off x="2400300" y="2209800"/>
+            <a:ext cx="3657600" cy="2324100"/>
+            <a:chOff x="1581150" y="2743200"/>
+            <a:chExt cx="3657600" cy="2324100"/>
+          </a:xfrm>
+        </p:grpSpPr>
+        <p:sp>
+          <p:nvSpPr>
+            <p:cNvPr id="3" name="Process 2">
+              <a:extLst>
+                <a:ext uri="{FF2B5EF4-FFF2-40B4-BE49-F238E27FC236}">
+                  <a16:creationId xmlns:a16="http://schemas.microsoft.com/office/drawing/2014/main" id="{9D0B968A-3089-4944-A9FA-78BFF3EF34C6}"/>
+                </a:ext>
+              </a:extLst>
+            </p:cNvPr>
+            <p:cNvSpPr/>
+            <p:nvPr/>
+          </p:nvSpPr>
+          <p:spPr>
+            <a:xfrm>
+              <a:off x="1581150" y="2743200"/>
+              <a:ext cx="3657600" cy="2324100"/>
+            </a:xfrm>
+            <a:prstGeom prst="flowChartProcess">
+              <a:avLst/>
+            </a:prstGeom>
+            <a:ln>
+              <a:solidFill>
+                <a:schemeClr val="tx1"/>
+              </a:solidFill>
+            </a:ln>
+          </p:spPr>
+          <p:style>
+            <a:lnRef idx="2">
+              <a:schemeClr val="accent6"/>
+            </a:lnRef>
+            <a:fillRef idx="1">
+              <a:schemeClr val="lt1"/>
+            </a:fillRef>
+            <a:effectRef idx="0">
+              <a:schemeClr val="accent6"/>
+            </a:effectRef>
+            <a:fontRef idx="minor">
+              <a:schemeClr val="dk1"/>
+            </a:fontRef>
+          </p:style>
+          <p:txBody>
+            <a:bodyPr rtlCol="0" anchor="ctr"/>
+            <a:lstStyle/>
+            <a:p>
+              <a:pPr algn="ctr"/>
+              <a:endParaRPr lang="en-KR"/>
+            </a:p>
+          </p:txBody>
+        </p:sp>
+        <p:sp>
+          <p:nvSpPr>
+            <p:cNvPr id="4" name="Alternate Process 3">
+              <a:extLst>
+                <a:ext uri="{FF2B5EF4-FFF2-40B4-BE49-F238E27FC236}">
+                  <a16:creationId xmlns:a16="http://schemas.microsoft.com/office/drawing/2014/main" id="{91251D08-4E79-0A4F-918E-E490E22A4CF1}"/>
+                </a:ext>
+              </a:extLst>
+            </p:cNvPr>
+            <p:cNvSpPr/>
+            <p:nvPr/>
+          </p:nvSpPr>
+          <p:spPr>
+            <a:xfrm>
+              <a:off x="2019300" y="2954425"/>
+              <a:ext cx="1428750" cy="723900"/>
+            </a:xfrm>
+            <a:prstGeom prst="flowChartAlternateProcess">
+              <a:avLst/>
+            </a:prstGeom>
+            <a:ln>
+              <a:solidFill>
+                <a:schemeClr val="tx1"/>
+              </a:solidFill>
+            </a:ln>
+          </p:spPr>
+          <p:style>
+            <a:lnRef idx="2">
+              <a:schemeClr val="accent6"/>
+            </a:lnRef>
+            <a:fillRef idx="1">
+              <a:schemeClr val="lt1"/>
+            </a:fillRef>
+            <a:effectRef idx="0">
+              <a:schemeClr val="accent6"/>
+            </a:effectRef>
+            <a:fontRef idx="minor">
+              <a:schemeClr val="dk1"/>
+            </a:fontRef>
+          </p:style>
+          <p:txBody>
+            <a:bodyPr rtlCol="0" anchor="ctr"/>
+            <a:lstStyle/>
+            <a:p>
+              <a:pPr algn="ctr"/>
+              <a:r>
+                <a:rPr lang="en-US" dirty="0"/>
+                <a:t>Dataset</a:t>
+              </a:r>
+              <a:endParaRPr lang="en-KR" dirty="0"/>
+            </a:p>
+          </p:txBody>
+        </p:sp>
+        <p:sp>
+          <p:nvSpPr>
+            <p:cNvPr id="5" name="Process 4">
+              <a:extLst>
+                <a:ext uri="{FF2B5EF4-FFF2-40B4-BE49-F238E27FC236}">
+                  <a16:creationId xmlns:a16="http://schemas.microsoft.com/office/drawing/2014/main" id="{92C8B7C6-72A3-734C-B9E4-F2E96BD913C3}"/>
+                </a:ext>
+              </a:extLst>
+            </p:cNvPr>
+            <p:cNvSpPr/>
+            <p:nvPr/>
+          </p:nvSpPr>
+          <p:spPr>
+            <a:xfrm>
+              <a:off x="2019300" y="4067175"/>
+              <a:ext cx="1276350" cy="762000"/>
+            </a:xfrm>
+            <a:prstGeom prst="flowChartProcess">
+              <a:avLst/>
+            </a:prstGeom>
+            <a:ln>
+              <a:solidFill>
+                <a:schemeClr val="tx1"/>
+              </a:solidFill>
+            </a:ln>
+          </p:spPr>
+          <p:style>
+            <a:lnRef idx="2">
+              <a:schemeClr val="accent6"/>
+            </a:lnRef>
+            <a:fillRef idx="1">
+              <a:schemeClr val="lt1"/>
+            </a:fillRef>
+            <a:effectRef idx="0">
+              <a:schemeClr val="accent6"/>
+            </a:effectRef>
+            <a:fontRef idx="minor">
+              <a:schemeClr val="dk1"/>
+            </a:fontRef>
+          </p:style>
+          <p:txBody>
+            <a:bodyPr rtlCol="0" anchor="ctr"/>
+            <a:lstStyle/>
+            <a:p>
+              <a:pPr algn="ctr"/>
+              <a:r>
+                <a:rPr lang="en-KR" dirty="0"/>
+                <a:t>AOF Buffer</a:t>
+              </a:r>
+            </a:p>
+          </p:txBody>
+        </p:sp>
+        <p:sp>
+          <p:nvSpPr>
+            <p:cNvPr id="6" name="Process 5">
+              <a:extLst>
+                <a:ext uri="{FF2B5EF4-FFF2-40B4-BE49-F238E27FC236}">
+                  <a16:creationId xmlns:a16="http://schemas.microsoft.com/office/drawing/2014/main" id="{00E5002E-4A9E-D142-A960-5C69580765E8}"/>
+                </a:ext>
+              </a:extLst>
+            </p:cNvPr>
+            <p:cNvSpPr/>
+            <p:nvPr/>
+          </p:nvSpPr>
+          <p:spPr>
+            <a:xfrm>
+              <a:off x="3629025" y="4090988"/>
+              <a:ext cx="1276350" cy="762000"/>
+            </a:xfrm>
+            <a:prstGeom prst="flowChartProcess">
+              <a:avLst/>
+            </a:prstGeom>
+            <a:ln>
+              <a:solidFill>
+                <a:schemeClr val="tx1"/>
+              </a:solidFill>
+            </a:ln>
+          </p:spPr>
+          <p:style>
+            <a:lnRef idx="2">
+              <a:schemeClr val="accent6"/>
+            </a:lnRef>
+            <a:fillRef idx="1">
+              <a:schemeClr val="lt1"/>
+            </a:fillRef>
+            <a:effectRef idx="0">
+              <a:schemeClr val="accent6"/>
+            </a:effectRef>
+            <a:fontRef idx="minor">
+              <a:schemeClr val="dk1"/>
+            </a:fontRef>
+          </p:style>
+          <p:txBody>
+            <a:bodyPr rtlCol="0" anchor="ctr"/>
+            <a:lstStyle/>
+            <a:p>
+              <a:pPr algn="ctr"/>
+              <a:r>
+                <a:rPr lang="en-KR" dirty="0"/>
+                <a:t>Rewrite Buffer</a:t>
+              </a:r>
+            </a:p>
+          </p:txBody>
+        </p:sp>
+      </p:grpSp>
+      <p:grpSp>
+        <p:nvGrpSpPr>
+          <p:cNvPr id="9" name="Group 8">
+            <a:extLst>
+              <a:ext uri="{FF2B5EF4-FFF2-40B4-BE49-F238E27FC236}">
+                <a16:creationId xmlns:a16="http://schemas.microsoft.com/office/drawing/2014/main" id="{151980D7-39BF-3A46-A5FA-BA79E5FAF48D}"/>
+              </a:ext>
+            </a:extLst>
+          </p:cNvPr>
+          <p:cNvGrpSpPr/>
+          <p:nvPr/>
+        </p:nvGrpSpPr>
+        <p:grpSpPr>
+          <a:xfrm>
+            <a:off x="7510152" y="2584133"/>
+            <a:ext cx="2381250" cy="1581150"/>
+            <a:chOff x="6686550" y="2743200"/>
+            <a:chExt cx="2381250" cy="1581150"/>
+          </a:xfrm>
+        </p:grpSpPr>
+        <p:sp>
+          <p:nvSpPr>
+            <p:cNvPr id="7" name="Process 6">
+              <a:extLst>
+                <a:ext uri="{FF2B5EF4-FFF2-40B4-BE49-F238E27FC236}">
+                  <a16:creationId xmlns:a16="http://schemas.microsoft.com/office/drawing/2014/main" id="{83DB0B39-483C-7E49-9B60-BD80FDB7BA57}"/>
+                </a:ext>
+              </a:extLst>
+            </p:cNvPr>
+            <p:cNvSpPr/>
+            <p:nvPr/>
+          </p:nvSpPr>
+          <p:spPr>
+            <a:xfrm>
+              <a:off x="6686550" y="2743200"/>
+              <a:ext cx="2381250" cy="1581150"/>
+            </a:xfrm>
+            <a:prstGeom prst="flowChartProcess">
+              <a:avLst/>
+            </a:prstGeom>
+            <a:ln>
+              <a:solidFill>
+                <a:schemeClr val="tx1"/>
+              </a:solidFill>
+            </a:ln>
+          </p:spPr>
+          <p:style>
+            <a:lnRef idx="2">
+              <a:schemeClr val="accent6"/>
+            </a:lnRef>
+            <a:fillRef idx="1">
+              <a:schemeClr val="lt1"/>
+            </a:fillRef>
+            <a:effectRef idx="0">
+              <a:schemeClr val="accent6"/>
+            </a:effectRef>
+            <a:fontRef idx="minor">
+              <a:schemeClr val="dk1"/>
+            </a:fontRef>
+          </p:style>
+          <p:txBody>
+            <a:bodyPr rtlCol="0" anchor="ctr"/>
+            <a:lstStyle/>
+            <a:p>
+              <a:pPr algn="ctr"/>
+              <a:endParaRPr lang="en-KR" dirty="0"/>
+            </a:p>
+          </p:txBody>
+        </p:sp>
+        <p:sp>
+          <p:nvSpPr>
+            <p:cNvPr id="8" name="Alternate Process 7">
+              <a:extLst>
+                <a:ext uri="{FF2B5EF4-FFF2-40B4-BE49-F238E27FC236}">
+                  <a16:creationId xmlns:a16="http://schemas.microsoft.com/office/drawing/2014/main" id="{E54CA9B0-B625-C647-830C-F4B4324D9E0B}"/>
+                </a:ext>
+              </a:extLst>
+            </p:cNvPr>
+            <p:cNvSpPr/>
+            <p:nvPr/>
+          </p:nvSpPr>
+          <p:spPr>
+            <a:xfrm>
+              <a:off x="6953250" y="3429000"/>
+              <a:ext cx="1428750" cy="723900"/>
+            </a:xfrm>
+            <a:prstGeom prst="flowChartAlternateProcess">
+              <a:avLst/>
+            </a:prstGeom>
+            <a:ln>
+              <a:solidFill>
+                <a:schemeClr val="tx1"/>
+              </a:solidFill>
+            </a:ln>
+          </p:spPr>
+          <p:style>
+            <a:lnRef idx="2">
+              <a:schemeClr val="accent6"/>
+            </a:lnRef>
+            <a:fillRef idx="1">
+              <a:schemeClr val="lt1"/>
+            </a:fillRef>
+            <a:effectRef idx="0">
+              <a:schemeClr val="accent6"/>
+            </a:effectRef>
+            <a:fontRef idx="minor">
+              <a:schemeClr val="dk1"/>
+            </a:fontRef>
+          </p:style>
+          <p:txBody>
+            <a:bodyPr rtlCol="0" anchor="ctr"/>
+            <a:lstStyle/>
+            <a:p>
+              <a:pPr algn="ctr"/>
+              <a:r>
+                <a:rPr lang="en-US" dirty="0"/>
+                <a:t>Dataset</a:t>
+              </a:r>
+              <a:endParaRPr lang="en-KR" dirty="0"/>
+            </a:p>
+          </p:txBody>
+        </p:sp>
+      </p:grpSp>
+      <p:sp>
+        <p:nvSpPr>
+          <p:cNvPr id="11" name="Connector 10">
+            <a:extLst>
+              <a:ext uri="{FF2B5EF4-FFF2-40B4-BE49-F238E27FC236}">
+                <a16:creationId xmlns:a16="http://schemas.microsoft.com/office/drawing/2014/main" id="{804BB694-2242-7A45-ADAB-232CA241B633}"/>
+              </a:ext>
+            </a:extLst>
+          </p:cNvPr>
+          <p:cNvSpPr/>
+          <p:nvPr/>
+        </p:nvSpPr>
+        <p:spPr>
+          <a:xfrm>
+            <a:off x="552450" y="3028950"/>
+            <a:ext cx="1352550" cy="642938"/>
+          </a:xfrm>
+          <a:prstGeom prst="flowChartConnector">
+            <a:avLst/>
+          </a:prstGeom>
+          <a:ln>
+            <a:solidFill>
+              <a:schemeClr val="tx1"/>
+            </a:solidFill>
+          </a:ln>
+        </p:spPr>
+        <p:style>
+          <a:lnRef idx="2">
+            <a:schemeClr val="accent6"/>
+          </a:lnRef>
+          <a:fillRef idx="1">
+            <a:schemeClr val="lt1"/>
+          </a:fillRef>
+          <a:effectRef idx="0">
+            <a:schemeClr val="accent6"/>
+          </a:effectRef>
+          <a:fontRef idx="minor">
+            <a:schemeClr val="dk1"/>
+          </a:fontRef>
+        </p:style>
+        <p:txBody>
+          <a:bodyPr rtlCol="0" anchor="ctr"/>
+          <a:lstStyle/>
+          <a:p>
+            <a:pPr algn="ctr"/>
+            <a:r>
+              <a:rPr lang="en-US" dirty="0"/>
+              <a:t>C</a:t>
+            </a:r>
+            <a:r>
+              <a:rPr lang="en-KR" dirty="0"/>
+              <a:t>lient Request</a:t>
+            </a:r>
+          </a:p>
+        </p:txBody>
+      </p:sp>
+      <p:cxnSp>
+        <p:nvCxnSpPr>
+          <p:cNvPr id="13" name="Straight Connector 12">
+            <a:extLst>
+              <a:ext uri="{FF2B5EF4-FFF2-40B4-BE49-F238E27FC236}">
+                <a16:creationId xmlns:a16="http://schemas.microsoft.com/office/drawing/2014/main" id="{48DDDE0C-FE04-6647-A6ED-E65F395FA63C}"/>
+              </a:ext>
+            </a:extLst>
+          </p:cNvPr>
+          <p:cNvCxnSpPr/>
+          <p:nvPr/>
+        </p:nvCxnSpPr>
+        <p:spPr>
+          <a:xfrm>
+            <a:off x="552450" y="5276850"/>
+            <a:ext cx="10553700" cy="0"/>
+          </a:xfrm>
+          <a:prstGeom prst="line">
+            <a:avLst/>
+          </a:prstGeom>
+          <a:ln w="47625"/>
+        </p:spPr>
+        <p:style>
+          <a:lnRef idx="1">
+            <a:schemeClr val="dk1"/>
+          </a:lnRef>
+          <a:fillRef idx="0">
+            <a:schemeClr val="dk1"/>
+          </a:fillRef>
+          <a:effectRef idx="0">
+            <a:schemeClr val="dk1"/>
+          </a:effectRef>
+          <a:fontRef idx="minor">
+            <a:schemeClr val="tx1"/>
+          </a:fontRef>
+        </p:style>
+      </p:cxnSp>
+      <p:sp>
+        <p:nvSpPr>
+          <p:cNvPr id="14" name="Process 13">
+            <a:extLst>
+              <a:ext uri="{FF2B5EF4-FFF2-40B4-BE49-F238E27FC236}">
+                <a16:creationId xmlns:a16="http://schemas.microsoft.com/office/drawing/2014/main" id="{89DCB771-3827-D948-B909-F17367DAAE3A}"/>
+              </a:ext>
+            </a:extLst>
+          </p:cNvPr>
+          <p:cNvSpPr/>
+          <p:nvPr/>
+        </p:nvSpPr>
+        <p:spPr>
+          <a:xfrm>
+            <a:off x="2838450" y="5572125"/>
+            <a:ext cx="1276350" cy="762000"/>
+          </a:xfrm>
+          <a:prstGeom prst="flowChartProcess">
+            <a:avLst/>
+          </a:prstGeom>
+          <a:ln>
+            <a:solidFill>
+              <a:schemeClr val="tx1"/>
+            </a:solidFill>
+          </a:ln>
+        </p:spPr>
+        <p:style>
+          <a:lnRef idx="2">
+            <a:schemeClr val="accent6"/>
+          </a:lnRef>
+          <a:fillRef idx="1">
+            <a:schemeClr val="lt1"/>
+          </a:fillRef>
+          <a:effectRef idx="0">
+            <a:schemeClr val="accent6"/>
+          </a:effectRef>
+          <a:fontRef idx="minor">
+            <a:schemeClr val="dk1"/>
+          </a:fontRef>
+        </p:style>
+        <p:txBody>
+          <a:bodyPr rtlCol="0" anchor="ctr"/>
+          <a:lstStyle/>
+          <a:p>
+            <a:pPr algn="ctr"/>
+            <a:r>
+              <a:rPr lang="en-KR" dirty="0"/>
+              <a:t>AOF File</a:t>
+            </a:r>
+          </a:p>
+        </p:txBody>
+      </p:sp>
+      <p:sp>
+        <p:nvSpPr>
+          <p:cNvPr id="15" name="Process 14">
+            <a:extLst>
+              <a:ext uri="{FF2B5EF4-FFF2-40B4-BE49-F238E27FC236}">
+                <a16:creationId xmlns:a16="http://schemas.microsoft.com/office/drawing/2014/main" id="{BF8D90AE-8B9A-0C4C-804C-FC8F7F94F4BD}"/>
+              </a:ext>
+            </a:extLst>
+          </p:cNvPr>
+          <p:cNvSpPr/>
+          <p:nvPr/>
+        </p:nvSpPr>
+        <p:spPr>
+          <a:xfrm>
+            <a:off x="7871460" y="5581650"/>
+            <a:ext cx="1276350" cy="762000"/>
+          </a:xfrm>
+          <a:prstGeom prst="flowChartProcess">
+            <a:avLst/>
+          </a:prstGeom>
+          <a:ln>
+            <a:solidFill>
+              <a:schemeClr val="tx1"/>
+            </a:solidFill>
+          </a:ln>
+        </p:spPr>
+        <p:style>
+          <a:lnRef idx="2">
+            <a:schemeClr val="accent6"/>
+          </a:lnRef>
+          <a:fillRef idx="1">
+            <a:schemeClr val="lt1"/>
+          </a:fillRef>
+          <a:effectRef idx="0">
+            <a:schemeClr val="accent6"/>
+          </a:effectRef>
+          <a:fontRef idx="minor">
+            <a:schemeClr val="dk1"/>
+          </a:fontRef>
+        </p:style>
+        <p:txBody>
+          <a:bodyPr rtlCol="0" anchor="ctr"/>
+          <a:lstStyle/>
+          <a:p>
+            <a:pPr algn="ctr"/>
+            <a:r>
+              <a:rPr lang="en-KR" dirty="0"/>
+              <a:t>Temp AOF File</a:t>
+            </a:r>
+          </a:p>
+        </p:txBody>
+      </p:sp>
+      <p:sp>
+        <p:nvSpPr>
+          <p:cNvPr id="16" name="TextBox 15">
+            <a:extLst>
+              <a:ext uri="{FF2B5EF4-FFF2-40B4-BE49-F238E27FC236}">
+                <a16:creationId xmlns:a16="http://schemas.microsoft.com/office/drawing/2014/main" id="{64821463-344A-8D43-968B-262E7A02B631}"/>
+              </a:ext>
+            </a:extLst>
+          </p:cNvPr>
+          <p:cNvSpPr txBox="1"/>
+          <p:nvPr/>
+        </p:nvSpPr>
+        <p:spPr>
+          <a:xfrm>
+            <a:off x="7258706" y="2138801"/>
+            <a:ext cx="2037693" cy="253916"/>
+          </a:xfrm>
+          <a:prstGeom prst="rect">
+            <a:avLst/>
+          </a:prstGeom>
+          <a:noFill/>
+        </p:spPr>
+        <p:txBody>
+          <a:bodyPr wrap="square" rtlCol="0">
+            <a:spAutoFit/>
+          </a:bodyPr>
+          <a:lstStyle/>
+          <a:p>
+            <a:r>
+              <a:rPr lang="en-US" altLang="ko-KR" sz="1050" dirty="0">
+                <a:solidFill>
+                  <a:srgbClr val="FF0000"/>
+                </a:solidFill>
+              </a:rPr>
+              <a:t>1.</a:t>
+            </a:r>
+            <a:r>
+              <a:rPr lang="ko-KR" altLang="en-US" sz="1050" dirty="0">
+                <a:solidFill>
+                  <a:srgbClr val="FF0000"/>
+                </a:solidFill>
+              </a:rPr>
+              <a:t> 자식 프로세스 생성</a:t>
+            </a:r>
+            <a:r>
+              <a:rPr lang="en-US" altLang="ko-KR" sz="1050" dirty="0">
+                <a:solidFill>
+                  <a:srgbClr val="FF0000"/>
+                </a:solidFill>
+              </a:rPr>
+              <a:t>(fork)</a:t>
+            </a:r>
+            <a:endParaRPr lang="en-KR" sz="1000" dirty="0">
+              <a:solidFill>
+                <a:srgbClr val="FF0000"/>
+              </a:solidFill>
+            </a:endParaRPr>
+          </a:p>
+        </p:txBody>
+      </p:sp>
+      <p:sp>
+        <p:nvSpPr>
+          <p:cNvPr id="17" name="TextBox 16">
+            <a:extLst>
+              <a:ext uri="{FF2B5EF4-FFF2-40B4-BE49-F238E27FC236}">
+                <a16:creationId xmlns:a16="http://schemas.microsoft.com/office/drawing/2014/main" id="{795E71D1-6B9D-8A46-97C2-D8451DCED242}"/>
+              </a:ext>
+            </a:extLst>
+          </p:cNvPr>
+          <p:cNvSpPr txBox="1"/>
+          <p:nvPr/>
+        </p:nvSpPr>
+        <p:spPr>
+          <a:xfrm>
+            <a:off x="9296400" y="5765885"/>
+            <a:ext cx="1601514" cy="253916"/>
+          </a:xfrm>
+          <a:prstGeom prst="rect">
+            <a:avLst/>
+          </a:prstGeom>
+          <a:noFill/>
+        </p:spPr>
+        <p:txBody>
+          <a:bodyPr wrap="square" rtlCol="0">
+            <a:spAutoFit/>
+          </a:bodyPr>
+          <a:lstStyle/>
+          <a:p>
+            <a:r>
+              <a:rPr lang="en-US" altLang="ko-KR" sz="1050" dirty="0">
+                <a:solidFill>
+                  <a:srgbClr val="FF0000"/>
+                </a:solidFill>
+              </a:rPr>
+              <a:t>2. Temp AOF  File </a:t>
+            </a:r>
+            <a:r>
+              <a:rPr lang="ko-KR" altLang="en-US" sz="1050" dirty="0">
+                <a:solidFill>
+                  <a:srgbClr val="FF0000"/>
+                </a:solidFill>
+              </a:rPr>
+              <a:t>생성 </a:t>
+            </a:r>
+            <a:endParaRPr lang="en-KR" sz="1000" dirty="0">
+              <a:solidFill>
+                <a:srgbClr val="FF0000"/>
+              </a:solidFill>
+            </a:endParaRPr>
+          </a:p>
+        </p:txBody>
+      </p:sp>
+      <p:sp>
+        <p:nvSpPr>
+          <p:cNvPr id="18" name="TextBox 17">
+            <a:extLst>
+              <a:ext uri="{FF2B5EF4-FFF2-40B4-BE49-F238E27FC236}">
+                <a16:creationId xmlns:a16="http://schemas.microsoft.com/office/drawing/2014/main" id="{10FB4878-757D-7049-A025-E177FF308959}"/>
+              </a:ext>
+            </a:extLst>
+          </p:cNvPr>
+          <p:cNvSpPr txBox="1"/>
+          <p:nvPr/>
+        </p:nvSpPr>
+        <p:spPr>
+          <a:xfrm>
+            <a:off x="398736" y="2448639"/>
+            <a:ext cx="2001564" cy="246221"/>
+          </a:xfrm>
+          <a:prstGeom prst="rect">
+            <a:avLst/>
+          </a:prstGeom>
+          <a:noFill/>
+        </p:spPr>
+        <p:txBody>
+          <a:bodyPr wrap="square" rtlCol="0">
+            <a:spAutoFit/>
+          </a:bodyPr>
+          <a:lstStyle/>
+          <a:p>
+            <a:r>
+              <a:rPr lang="en-US" altLang="ko-KR" sz="1000" dirty="0">
+                <a:solidFill>
+                  <a:srgbClr val="FF0000"/>
+                </a:solidFill>
+              </a:rPr>
+              <a:t>3.</a:t>
+            </a:r>
+            <a:r>
+              <a:rPr lang="ko-KR" altLang="en-US" sz="1000" dirty="0">
+                <a:solidFill>
+                  <a:srgbClr val="FF0000"/>
+                </a:solidFill>
+              </a:rPr>
+              <a:t> </a:t>
+            </a:r>
+            <a:r>
+              <a:rPr lang="ko-KR" altLang="en-US" sz="1000" dirty="0" err="1">
+                <a:solidFill>
+                  <a:srgbClr val="FF0000"/>
+                </a:solidFill>
+              </a:rPr>
+              <a:t>요청시</a:t>
+            </a:r>
+            <a:r>
+              <a:rPr lang="ko-KR" altLang="en-US" sz="1000" dirty="0">
+                <a:solidFill>
+                  <a:srgbClr val="FF0000"/>
+                </a:solidFill>
+              </a:rPr>
+              <a:t> 로그 레코드 기록</a:t>
+            </a:r>
+            <a:endParaRPr lang="en-KR" sz="1000" dirty="0">
+              <a:solidFill>
+                <a:srgbClr val="FF0000"/>
+              </a:solidFill>
+            </a:endParaRPr>
+          </a:p>
+        </p:txBody>
+      </p:sp>
+      <p:sp>
+        <p:nvSpPr>
+          <p:cNvPr id="19" name="TextBox 18">
+            <a:extLst>
+              <a:ext uri="{FF2B5EF4-FFF2-40B4-BE49-F238E27FC236}">
+                <a16:creationId xmlns:a16="http://schemas.microsoft.com/office/drawing/2014/main" id="{3611F4C8-9256-4A48-9329-C643B59D40F1}"/>
+              </a:ext>
+            </a:extLst>
+          </p:cNvPr>
+          <p:cNvSpPr txBox="1"/>
+          <p:nvPr/>
+        </p:nvSpPr>
+        <p:spPr>
+          <a:xfrm>
+            <a:off x="6027054" y="2940810"/>
+            <a:ext cx="1428750" cy="253905"/>
+          </a:xfrm>
+          <a:prstGeom prst="rect">
+            <a:avLst/>
+          </a:prstGeom>
+          <a:noFill/>
+        </p:spPr>
+        <p:txBody>
+          <a:bodyPr wrap="square" rtlCol="0">
+            <a:spAutoFit/>
+          </a:bodyPr>
+          <a:lstStyle/>
+          <a:p>
+            <a:r>
+              <a:rPr lang="en-US" altLang="ko-KR" sz="1050" dirty="0">
+                <a:solidFill>
+                  <a:srgbClr val="FF0000"/>
+                </a:solidFill>
+              </a:rPr>
+              <a:t>4.</a:t>
+            </a:r>
+            <a:r>
+              <a:rPr lang="ko-KR" altLang="en-US" sz="1050" dirty="0">
+                <a:solidFill>
+                  <a:srgbClr val="FF0000"/>
+                </a:solidFill>
+              </a:rPr>
+              <a:t> 종료</a:t>
+            </a:r>
+            <a:r>
+              <a:rPr lang="en-US" altLang="ko-KR" sz="1050" dirty="0">
+                <a:solidFill>
+                  <a:srgbClr val="FF0000"/>
+                </a:solidFill>
+              </a:rPr>
+              <a:t> </a:t>
+            </a:r>
+            <a:r>
+              <a:rPr lang="ko-KR" altLang="en-US" sz="1050" dirty="0">
+                <a:solidFill>
+                  <a:srgbClr val="FF0000"/>
+                </a:solidFill>
+              </a:rPr>
+              <a:t>시그널 전송 </a:t>
+            </a:r>
+            <a:endParaRPr lang="en-KR" sz="1000" dirty="0">
+              <a:solidFill>
+                <a:srgbClr val="FF0000"/>
+              </a:solidFill>
+            </a:endParaRPr>
+          </a:p>
+        </p:txBody>
+      </p:sp>
+      <p:sp>
+        <p:nvSpPr>
+          <p:cNvPr id="20" name="TextBox 19">
+            <a:extLst>
+              <a:ext uri="{FF2B5EF4-FFF2-40B4-BE49-F238E27FC236}">
+                <a16:creationId xmlns:a16="http://schemas.microsoft.com/office/drawing/2014/main" id="{404D31D3-E13E-A94A-85CD-0D9D8194ED53}"/>
+              </a:ext>
+            </a:extLst>
+          </p:cNvPr>
+          <p:cNvSpPr txBox="1"/>
+          <p:nvPr/>
+        </p:nvSpPr>
+        <p:spPr>
+          <a:xfrm>
+            <a:off x="6779119" y="4571153"/>
+            <a:ext cx="2114550" cy="253916"/>
+          </a:xfrm>
+          <a:prstGeom prst="rect">
+            <a:avLst/>
+          </a:prstGeom>
+          <a:noFill/>
+        </p:spPr>
+        <p:txBody>
+          <a:bodyPr wrap="square" rtlCol="0">
+            <a:spAutoFit/>
+          </a:bodyPr>
+          <a:lstStyle/>
+          <a:p>
+            <a:r>
+              <a:rPr lang="en-US" altLang="ko-KR" sz="1050" dirty="0">
+                <a:solidFill>
+                  <a:srgbClr val="FF0000"/>
+                </a:solidFill>
+              </a:rPr>
+              <a:t>5.</a:t>
+            </a:r>
+            <a:r>
+              <a:rPr lang="ko-KR" altLang="en-US" sz="1050" dirty="0">
+                <a:solidFill>
+                  <a:srgbClr val="FF0000"/>
+                </a:solidFill>
+              </a:rPr>
+              <a:t> 로그 레코드 기록</a:t>
+            </a:r>
+            <a:endParaRPr lang="en-KR" sz="1000" dirty="0">
+              <a:solidFill>
+                <a:srgbClr val="FF0000"/>
+              </a:solidFill>
+            </a:endParaRPr>
+          </a:p>
+        </p:txBody>
+      </p:sp>
+      <p:sp>
+        <p:nvSpPr>
+          <p:cNvPr id="21" name="TextBox 20">
+            <a:extLst>
+              <a:ext uri="{FF2B5EF4-FFF2-40B4-BE49-F238E27FC236}">
+                <a16:creationId xmlns:a16="http://schemas.microsoft.com/office/drawing/2014/main" id="{29F8D223-7FF9-5E48-85D4-F7BA720D3805}"/>
+              </a:ext>
+            </a:extLst>
+          </p:cNvPr>
+          <p:cNvSpPr txBox="1"/>
+          <p:nvPr/>
+        </p:nvSpPr>
+        <p:spPr>
+          <a:xfrm>
+            <a:off x="4829832" y="6205538"/>
+            <a:ext cx="2114550" cy="246221"/>
+          </a:xfrm>
+          <a:prstGeom prst="rect">
+            <a:avLst/>
+          </a:prstGeom>
+          <a:noFill/>
+        </p:spPr>
+        <p:txBody>
+          <a:bodyPr wrap="square" rtlCol="0">
+            <a:spAutoFit/>
+          </a:bodyPr>
+          <a:lstStyle/>
+          <a:p>
+            <a:r>
+              <a:rPr lang="en-US" altLang="ko-KR" sz="1000" dirty="0">
+                <a:solidFill>
+                  <a:srgbClr val="FF0000"/>
+                </a:solidFill>
+              </a:rPr>
+              <a:t>5.</a:t>
+            </a:r>
+            <a:r>
+              <a:rPr lang="ko-KR" altLang="en-US" sz="1000" dirty="0">
+                <a:solidFill>
+                  <a:srgbClr val="FF0000"/>
+                </a:solidFill>
+              </a:rPr>
+              <a:t> 기존 </a:t>
+            </a:r>
+            <a:r>
+              <a:rPr lang="en-US" altLang="ko-KR" sz="1000" dirty="0">
+                <a:solidFill>
+                  <a:srgbClr val="FF0000"/>
+                </a:solidFill>
+              </a:rPr>
+              <a:t>AOF </a:t>
+            </a:r>
+            <a:r>
+              <a:rPr lang="ko-KR" altLang="en-US" sz="1000" dirty="0">
+                <a:solidFill>
+                  <a:srgbClr val="FF0000"/>
+                </a:solidFill>
+              </a:rPr>
+              <a:t>파일 대체 </a:t>
+            </a:r>
+            <a:endParaRPr lang="en-KR" sz="1000" dirty="0">
+              <a:solidFill>
+                <a:srgbClr val="FF0000"/>
+              </a:solidFill>
+            </a:endParaRPr>
+          </a:p>
+        </p:txBody>
+      </p:sp>
+      <p:sp>
+        <p:nvSpPr>
+          <p:cNvPr id="22" name="TextBox 21">
+            <a:extLst>
+              <a:ext uri="{FF2B5EF4-FFF2-40B4-BE49-F238E27FC236}">
+                <a16:creationId xmlns:a16="http://schemas.microsoft.com/office/drawing/2014/main" id="{2313E784-176E-5B4B-8F8A-10E80B7A9017}"/>
+              </a:ext>
+            </a:extLst>
+          </p:cNvPr>
+          <p:cNvSpPr txBox="1"/>
+          <p:nvPr/>
+        </p:nvSpPr>
+        <p:spPr>
+          <a:xfrm>
+            <a:off x="482744" y="4927849"/>
+            <a:ext cx="2114550" cy="246221"/>
+          </a:xfrm>
+          <a:prstGeom prst="rect">
+            <a:avLst/>
+          </a:prstGeom>
+          <a:noFill/>
+        </p:spPr>
+        <p:txBody>
+          <a:bodyPr wrap="square" rtlCol="0">
+            <a:spAutoFit/>
+          </a:bodyPr>
+          <a:lstStyle/>
+          <a:p>
+            <a:r>
+              <a:rPr lang="en-US" sz="1000" b="1" dirty="0"/>
+              <a:t>Memory(DRAM)</a:t>
+            </a:r>
+            <a:endParaRPr lang="en-KR" sz="1000" b="1" dirty="0"/>
+          </a:p>
+        </p:txBody>
+      </p:sp>
+      <p:sp>
+        <p:nvSpPr>
+          <p:cNvPr id="23" name="TextBox 22">
+            <a:extLst>
+              <a:ext uri="{FF2B5EF4-FFF2-40B4-BE49-F238E27FC236}">
+                <a16:creationId xmlns:a16="http://schemas.microsoft.com/office/drawing/2014/main" id="{5A4FE09A-4499-F546-8784-AC2192834378}"/>
+              </a:ext>
+            </a:extLst>
+          </p:cNvPr>
+          <p:cNvSpPr txBox="1"/>
+          <p:nvPr/>
+        </p:nvSpPr>
+        <p:spPr>
+          <a:xfrm>
+            <a:off x="482744" y="5379631"/>
+            <a:ext cx="2114550" cy="246221"/>
+          </a:xfrm>
+          <a:prstGeom prst="rect">
+            <a:avLst/>
+          </a:prstGeom>
+          <a:noFill/>
+        </p:spPr>
+        <p:txBody>
+          <a:bodyPr wrap="square" rtlCol="0">
+            <a:spAutoFit/>
+          </a:bodyPr>
+          <a:lstStyle/>
+          <a:p>
+            <a:r>
+              <a:rPr lang="en-KR" sz="1000" b="1" dirty="0"/>
+              <a:t>Disk(HDD or SSD)</a:t>
+            </a:r>
+          </a:p>
+        </p:txBody>
+      </p:sp>
+      <p:cxnSp>
+        <p:nvCxnSpPr>
+          <p:cNvPr id="24" name="Elbow Connector 23">
+            <a:extLst>
+              <a:ext uri="{FF2B5EF4-FFF2-40B4-BE49-F238E27FC236}">
+                <a16:creationId xmlns:a16="http://schemas.microsoft.com/office/drawing/2014/main" id="{1722E09F-92F5-FF4C-9716-500A6A23F24C}"/>
+              </a:ext>
+            </a:extLst>
+          </p:cNvPr>
+          <p:cNvCxnSpPr>
+            <a:stCxn id="11" idx="6"/>
+          </p:cNvCxnSpPr>
+          <p:nvPr/>
+        </p:nvCxnSpPr>
+        <p:spPr>
+          <a:xfrm flipV="1">
+            <a:off x="1905000" y="2767013"/>
+            <a:ext cx="933450" cy="583406"/>
+          </a:xfrm>
+          <a:prstGeom prst="bentConnector3">
+            <a:avLst>
+              <a:gd name="adj1" fmla="val 72606"/>
+            </a:avLst>
+          </a:prstGeom>
+          <a:ln>
+            <a:tailEnd type="triangle"/>
+          </a:ln>
+        </p:spPr>
+        <p:style>
+          <a:lnRef idx="1">
+            <a:schemeClr val="dk1"/>
+          </a:lnRef>
+          <a:fillRef idx="0">
+            <a:schemeClr val="dk1"/>
+          </a:fillRef>
+          <a:effectRef idx="0">
+            <a:schemeClr val="dk1"/>
+          </a:effectRef>
+          <a:fontRef idx="minor">
+            <a:schemeClr val="tx1"/>
+          </a:fontRef>
+        </p:style>
+      </p:cxnSp>
+      <p:cxnSp>
+        <p:nvCxnSpPr>
+          <p:cNvPr id="27" name="Elbow Connector 26">
+            <a:extLst>
+              <a:ext uri="{FF2B5EF4-FFF2-40B4-BE49-F238E27FC236}">
+                <a16:creationId xmlns:a16="http://schemas.microsoft.com/office/drawing/2014/main" id="{06E9296C-4F59-CF4C-B049-AC9695F52FFC}"/>
+              </a:ext>
+            </a:extLst>
+          </p:cNvPr>
+          <p:cNvCxnSpPr>
+            <a:cxnSpLocks/>
+          </p:cNvCxnSpPr>
+          <p:nvPr/>
+        </p:nvCxnSpPr>
+        <p:spPr>
+          <a:xfrm>
+            <a:off x="1905000" y="3350419"/>
+            <a:ext cx="933450" cy="564356"/>
+          </a:xfrm>
+          <a:prstGeom prst="bentConnector3">
+            <a:avLst>
+              <a:gd name="adj1" fmla="val 72404"/>
+            </a:avLst>
+          </a:prstGeom>
+          <a:ln>
+            <a:tailEnd type="triangle"/>
+          </a:ln>
+        </p:spPr>
+        <p:style>
+          <a:lnRef idx="1">
+            <a:schemeClr val="dk1"/>
+          </a:lnRef>
+          <a:fillRef idx="0">
+            <a:schemeClr val="dk1"/>
+          </a:fillRef>
+          <a:effectRef idx="0">
+            <a:schemeClr val="dk1"/>
+          </a:effectRef>
+          <a:fontRef idx="minor">
+            <a:schemeClr val="tx1"/>
+          </a:fontRef>
+        </p:style>
+      </p:cxnSp>
+      <p:cxnSp>
+        <p:nvCxnSpPr>
+          <p:cNvPr id="33" name="Elbow Connector 32">
+            <a:extLst>
+              <a:ext uri="{FF2B5EF4-FFF2-40B4-BE49-F238E27FC236}">
+                <a16:creationId xmlns:a16="http://schemas.microsoft.com/office/drawing/2014/main" id="{74890C63-854A-4B4B-87DE-AF2D617F6435}"/>
+              </a:ext>
+            </a:extLst>
+          </p:cNvPr>
+          <p:cNvCxnSpPr>
+            <a:stCxn id="11" idx="6"/>
+            <a:endCxn id="6" idx="0"/>
+          </p:cNvCxnSpPr>
+          <p:nvPr/>
+        </p:nvCxnSpPr>
+        <p:spPr>
+          <a:xfrm>
+            <a:off x="1905000" y="3350419"/>
+            <a:ext cx="3181350" cy="207169"/>
+          </a:xfrm>
+          <a:prstGeom prst="bentConnector2">
+            <a:avLst/>
+          </a:prstGeom>
+          <a:ln>
+            <a:tailEnd type="triangle"/>
+          </a:ln>
+        </p:spPr>
+        <p:style>
+          <a:lnRef idx="1">
+            <a:schemeClr val="dk1"/>
+          </a:lnRef>
+          <a:fillRef idx="0">
+            <a:schemeClr val="dk1"/>
+          </a:fillRef>
+          <a:effectRef idx="0">
+            <a:schemeClr val="dk1"/>
+          </a:effectRef>
+          <a:fontRef idx="minor">
+            <a:schemeClr val="tx1"/>
+          </a:fontRef>
+        </p:style>
+      </p:cxnSp>
+      <p:cxnSp>
+        <p:nvCxnSpPr>
+          <p:cNvPr id="35" name="Straight Arrow Connector 34">
+            <a:extLst>
+              <a:ext uri="{FF2B5EF4-FFF2-40B4-BE49-F238E27FC236}">
+                <a16:creationId xmlns:a16="http://schemas.microsoft.com/office/drawing/2014/main" id="{813967FA-8878-354E-B531-2BA05A8BEE15}"/>
+              </a:ext>
+            </a:extLst>
+          </p:cNvPr>
+          <p:cNvCxnSpPr>
+            <a:stCxn id="3" idx="3"/>
+            <a:endCxn id="7" idx="1"/>
+          </p:cNvCxnSpPr>
+          <p:nvPr/>
+        </p:nvCxnSpPr>
+        <p:spPr>
+          <a:xfrm>
+            <a:off x="6057900" y="3371850"/>
+            <a:ext cx="1452252" cy="2858"/>
+          </a:xfrm>
+          <a:prstGeom prst="straightConnector1">
+            <a:avLst/>
+          </a:prstGeom>
+          <a:ln>
+            <a:tailEnd type="triangle"/>
+          </a:ln>
+        </p:spPr>
+        <p:style>
+          <a:lnRef idx="1">
+            <a:schemeClr val="dk1"/>
+          </a:lnRef>
+          <a:fillRef idx="0">
+            <a:schemeClr val="dk1"/>
+          </a:fillRef>
+          <a:effectRef idx="0">
+            <a:schemeClr val="dk1"/>
+          </a:effectRef>
+          <a:fontRef idx="minor">
+            <a:schemeClr val="tx1"/>
+          </a:fontRef>
+        </p:style>
+      </p:cxnSp>
+      <p:cxnSp>
+        <p:nvCxnSpPr>
+          <p:cNvPr id="37" name="Straight Arrow Connector 36">
+            <a:extLst>
+              <a:ext uri="{FF2B5EF4-FFF2-40B4-BE49-F238E27FC236}">
+                <a16:creationId xmlns:a16="http://schemas.microsoft.com/office/drawing/2014/main" id="{69B240A0-358B-F648-8947-C6B22EE6DA7D}"/>
+              </a:ext>
+            </a:extLst>
+          </p:cNvPr>
+          <p:cNvCxnSpPr>
+            <a:stCxn id="5" idx="2"/>
+            <a:endCxn id="14" idx="0"/>
+          </p:cNvCxnSpPr>
+          <p:nvPr/>
+        </p:nvCxnSpPr>
+        <p:spPr>
+          <a:xfrm>
+            <a:off x="3476625" y="4295775"/>
+            <a:ext cx="0" cy="1276350"/>
+          </a:xfrm>
+          <a:prstGeom prst="straightConnector1">
+            <a:avLst/>
+          </a:prstGeom>
+          <a:ln>
+            <a:tailEnd type="triangle"/>
+          </a:ln>
+        </p:spPr>
+        <p:style>
+          <a:lnRef idx="1">
+            <a:schemeClr val="dk1"/>
+          </a:lnRef>
+          <a:fillRef idx="0">
+            <a:schemeClr val="dk1"/>
+          </a:fillRef>
+          <a:effectRef idx="0">
+            <a:schemeClr val="dk1"/>
+          </a:effectRef>
+          <a:fontRef idx="minor">
+            <a:schemeClr val="tx1"/>
+          </a:fontRef>
+        </p:style>
+      </p:cxnSp>
+      <p:cxnSp>
+        <p:nvCxnSpPr>
+          <p:cNvPr id="39" name="Straight Arrow Connector 38">
+            <a:extLst>
+              <a:ext uri="{FF2B5EF4-FFF2-40B4-BE49-F238E27FC236}">
+                <a16:creationId xmlns:a16="http://schemas.microsoft.com/office/drawing/2014/main" id="{30D97E28-14E6-2540-9DA3-1767173057C1}"/>
+              </a:ext>
+            </a:extLst>
+          </p:cNvPr>
+          <p:cNvCxnSpPr>
+            <a:stCxn id="8" idx="2"/>
+            <a:endCxn id="15" idx="0"/>
+          </p:cNvCxnSpPr>
+          <p:nvPr/>
+        </p:nvCxnSpPr>
+        <p:spPr>
+          <a:xfrm>
+            <a:off x="8491227" y="3993833"/>
+            <a:ext cx="18408" cy="1587817"/>
+          </a:xfrm>
+          <a:prstGeom prst="straightConnector1">
+            <a:avLst/>
+          </a:prstGeom>
+          <a:ln>
+            <a:tailEnd type="triangle"/>
+          </a:ln>
+        </p:spPr>
+        <p:style>
+          <a:lnRef idx="1">
+            <a:schemeClr val="dk1"/>
+          </a:lnRef>
+          <a:fillRef idx="0">
+            <a:schemeClr val="dk1"/>
+          </a:fillRef>
+          <a:effectRef idx="0">
+            <a:schemeClr val="dk1"/>
+          </a:effectRef>
+          <a:fontRef idx="minor">
+            <a:schemeClr val="tx1"/>
+          </a:fontRef>
+        </p:style>
+      </p:cxnSp>
+    </p:spTree>
+    <p:extLst>
+      <p:ext uri="{BB962C8B-B14F-4D97-AF65-F5344CB8AC3E}">
+        <p14:creationId xmlns:p14="http://schemas.microsoft.com/office/powerpoint/2010/main" val="1653055989"/>
+      </p:ext>
+    </p:extLst>
+  </p:cSld>
+  <p:clrMapOvr>
+    <a:masterClrMapping/>
+  </p:clrMapOvr>
+</p:sld>
+</file>
+
+<file path=ppt/slides/slide8.xml><?xml version="1.0" encoding="utf-8"?>
+<p:sld xmlns:a="http://schemas.openxmlformats.org/drawingml/2006/main" xmlns:r="http://schemas.openxmlformats.org/officeDocument/2006/relationships" xmlns:p="http://schemas.openxmlformats.org/presentationml/2006/main">
+  <p:cSld>
+    <p:spTree>
+      <p:nvGrpSpPr>
+        <p:cNvPr id="1" name=""/>
+        <p:cNvGrpSpPr/>
+        <p:nvPr/>
+      </p:nvGrpSpPr>
+      <p:grpSpPr>
+        <a:xfrm>
+          <a:off x="0" y="0"/>
+          <a:ext cx="0" cy="0"/>
+          <a:chOff x="0" y="0"/>
+          <a:chExt cx="0" cy="0"/>
+        </a:xfrm>
+      </p:grpSpPr>
+      <p:sp>
+        <p:nvSpPr>
+          <p:cNvPr id="2" name="Title 1">
+            <a:extLst>
+              <a:ext uri="{FF2B5EF4-FFF2-40B4-BE49-F238E27FC236}">
+                <a16:creationId xmlns:a16="http://schemas.microsoft.com/office/drawing/2014/main" id="{24D2C232-2308-0942-B690-95502DDF1694}"/>
+              </a:ext>
+            </a:extLst>
+          </p:cNvPr>
+          <p:cNvSpPr>
+            <a:spLocks noGrp="1"/>
+          </p:cNvSpPr>
+          <p:nvPr>
+            <p:ph type="title"/>
+          </p:nvPr>
+        </p:nvSpPr>
+        <p:spPr/>
+        <p:txBody>
+          <a:bodyPr>
+            <a:normAutofit/>
+          </a:bodyPr>
+          <a:lstStyle/>
+          <a:p>
+            <a:r>
+              <a:rPr lang="en-US" sz="4000" dirty="0"/>
+              <a:t>AOF preamble</a:t>
+            </a:r>
+            <a:endParaRPr lang="en-KR" sz="4000" dirty="0"/>
+          </a:p>
+        </p:txBody>
+      </p:sp>
+      <p:sp>
+        <p:nvSpPr>
+          <p:cNvPr id="3" name="TextBox 2">
+            <a:extLst>
+              <a:ext uri="{FF2B5EF4-FFF2-40B4-BE49-F238E27FC236}">
+                <a16:creationId xmlns:a16="http://schemas.microsoft.com/office/drawing/2014/main" id="{9FD8DC16-9EB4-E746-B173-2924688FA541}"/>
+              </a:ext>
+            </a:extLst>
+          </p:cNvPr>
+          <p:cNvSpPr txBox="1"/>
+          <p:nvPr/>
+        </p:nvSpPr>
+        <p:spPr>
+          <a:xfrm>
+            <a:off x="960715" y="1794784"/>
+            <a:ext cx="4002374" cy="3693319"/>
+          </a:xfrm>
+          <a:prstGeom prst="rect">
+            <a:avLst/>
+          </a:prstGeom>
+          <a:noFill/>
+        </p:spPr>
+        <p:txBody>
+          <a:bodyPr wrap="square" rtlCol="0">
+            <a:spAutoFit/>
+          </a:bodyPr>
+          <a:lstStyle/>
+          <a:p>
+            <a:r>
+              <a:rPr lang="en-US" dirty="0"/>
+              <a:t>AOF Preamble</a:t>
+            </a:r>
+          </a:p>
+          <a:p>
+            <a:pPr marL="285750" indent="-285750">
+              <a:buFont typeface="Arial" panose="020B0604020202020204" pitchFamily="34" charset="0"/>
+              <a:buChar char="•"/>
+            </a:pPr>
+            <a:r>
+              <a:rPr lang="en-US" dirty="0"/>
+              <a:t>AOF Rewrite </a:t>
+            </a:r>
+            <a:r>
+              <a:rPr lang="ko-KR" altLang="en-US" dirty="0"/>
+              <a:t>와 동일한 동작 과정</a:t>
+            </a:r>
+            <a:endParaRPr lang="en-US" altLang="ko-KR" dirty="0"/>
+          </a:p>
+          <a:p>
+            <a:pPr marL="285750" indent="-285750">
+              <a:buFont typeface="Arial" panose="020B0604020202020204" pitchFamily="34" charset="0"/>
+              <a:buChar char="•"/>
+            </a:pPr>
+            <a:r>
+              <a:rPr lang="en-US" dirty="0"/>
+              <a:t>Temp AOF </a:t>
+            </a:r>
+            <a:r>
+              <a:rPr lang="ko-KR" altLang="en-US" dirty="0"/>
+              <a:t>파일에 </a:t>
+            </a:r>
+            <a:r>
+              <a:rPr lang="en-US" altLang="ko-KR" dirty="0"/>
+              <a:t>RDB </a:t>
+            </a:r>
+            <a:r>
+              <a:rPr lang="ko-KR" altLang="en-US" dirty="0"/>
+              <a:t>로그 레코드를 기록하는 것이 가장 큰 차이점</a:t>
+            </a:r>
+            <a:endParaRPr lang="en-US" altLang="ko-KR" dirty="0"/>
+          </a:p>
+          <a:p>
+            <a:pPr marL="285750" indent="-285750">
+              <a:buFont typeface="Arial" panose="020B0604020202020204" pitchFamily="34" charset="0"/>
+              <a:buChar char="•"/>
+            </a:pPr>
+            <a:r>
+              <a:rPr lang="en-US" dirty="0"/>
+              <a:t>RDB</a:t>
+            </a:r>
+            <a:r>
+              <a:rPr lang="ko-KR" altLang="en-US" dirty="0"/>
+              <a:t>의 이점인 빠른 작업 및 복구 속도를 활용한다</a:t>
+            </a:r>
+            <a:r>
+              <a:rPr lang="en-US" altLang="ko-KR" dirty="0"/>
+              <a:t>.</a:t>
+            </a:r>
+          </a:p>
+          <a:p>
+            <a:pPr marL="285750" indent="-285750">
+              <a:buFont typeface="Arial" panose="020B0604020202020204" pitchFamily="34" charset="0"/>
+              <a:buChar char="•"/>
+            </a:pPr>
+            <a:r>
+              <a:rPr lang="ko-KR" altLang="en-US" dirty="0"/>
+              <a:t>결국 </a:t>
+            </a:r>
+            <a:r>
+              <a:rPr lang="en-US" altLang="ko-KR" dirty="0"/>
+              <a:t>AOF, RDB</a:t>
+            </a:r>
+            <a:r>
+              <a:rPr lang="ko-KR" altLang="en-US" dirty="0"/>
+              <a:t>가 혼합된 형태이다</a:t>
+            </a:r>
+            <a:r>
+              <a:rPr lang="en-US" altLang="ko-KR" dirty="0"/>
+              <a:t>.</a:t>
+            </a:r>
+          </a:p>
+          <a:p>
+            <a:pPr marL="285750" indent="-285750">
+              <a:buFont typeface="Arial" panose="020B0604020202020204" pitchFamily="34" charset="0"/>
+              <a:buChar char="•"/>
+            </a:pPr>
+            <a:r>
+              <a:rPr lang="ko-KR" altLang="en-US" dirty="0"/>
+              <a:t>상용자 요청 발생시 기존 </a:t>
+            </a:r>
+            <a:r>
+              <a:rPr lang="en-US" altLang="ko-KR" dirty="0"/>
+              <a:t>AOF Rewrite</a:t>
+            </a:r>
+            <a:r>
+              <a:rPr lang="ko-KR" altLang="en-US" dirty="0"/>
+              <a:t>와 동일한 작동 방식을 거친다</a:t>
+            </a:r>
+            <a:r>
+              <a:rPr lang="en-US" altLang="ko-KR" dirty="0"/>
+              <a:t>.</a:t>
+            </a:r>
+            <a:r>
+              <a:rPr lang="ko-KR" altLang="en-US" dirty="0"/>
+              <a:t> </a:t>
+            </a:r>
+            <a:endParaRPr lang="en-US" altLang="ko-KR" dirty="0"/>
+          </a:p>
+          <a:p>
+            <a:pPr marL="285750" indent="-285750">
+              <a:buFont typeface="Arial" panose="020B0604020202020204" pitchFamily="34" charset="0"/>
+              <a:buChar char="•"/>
+            </a:pPr>
+            <a:r>
+              <a:rPr lang="ko-KR" altLang="en-US" dirty="0"/>
+              <a:t>데이터 </a:t>
+            </a:r>
+            <a:r>
+              <a:rPr lang="ko-KR" altLang="en-US" dirty="0" err="1"/>
+              <a:t>복구시</a:t>
+            </a:r>
+            <a:r>
+              <a:rPr lang="ko-KR" altLang="en-US" dirty="0"/>
+              <a:t> </a:t>
+            </a:r>
+            <a:r>
+              <a:rPr lang="en-US" altLang="ko-KR" dirty="0"/>
+              <a:t>RDB, AOF </a:t>
+            </a:r>
+            <a:r>
+              <a:rPr lang="ko-KR" altLang="en-US" dirty="0"/>
+              <a:t>복구 방법 모두 사용된다</a:t>
+            </a:r>
+            <a:r>
+              <a:rPr lang="en-US" altLang="ko-KR" dirty="0"/>
+              <a:t>.</a:t>
+            </a:r>
+            <a:r>
+              <a:rPr lang="ko-KR" altLang="en-US" dirty="0"/>
+              <a:t> </a:t>
+            </a:r>
+            <a:endParaRPr lang="en-KR" dirty="0"/>
+          </a:p>
+        </p:txBody>
+      </p:sp>
+    </p:spTree>
+    <p:extLst>
+      <p:ext uri="{BB962C8B-B14F-4D97-AF65-F5344CB8AC3E}">
+        <p14:creationId xmlns:p14="http://schemas.microsoft.com/office/powerpoint/2010/main" val="1719661354"/>
+      </p:ext>
+    </p:extLst>
+  </p:cSld>
+  <p:clrMapOvr>
+    <a:masterClrMapping/>
+  </p:clrMapOvr>
+</p:sld>
+</file>
+
+<file path=ppt/slides/slide9.xml><?xml version="1.0" encoding="utf-8"?>
+<p:sld xmlns:a="http://schemas.openxmlformats.org/drawingml/2006/main" xmlns:r="http://schemas.openxmlformats.org/officeDocument/2006/relationships" xmlns:p="http://schemas.openxmlformats.org/presentationml/2006/main">
+  <p:cSld>
+    <p:spTree>
+      <p:nvGrpSpPr>
+        <p:cNvPr id="1" name=""/>
+        <p:cNvGrpSpPr/>
+        <p:nvPr/>
+      </p:nvGrpSpPr>
+      <p:grpSpPr>
+        <a:xfrm>
+          <a:off x="0" y="0"/>
+          <a:ext cx="0" cy="0"/>
+          <a:chOff x="0" y="0"/>
+          <a:chExt cx="0" cy="0"/>
+        </a:xfrm>
+      </p:grpSpPr>
+      <p:sp>
+        <p:nvSpPr>
+          <p:cNvPr id="2" name="Title 1">
+            <a:extLst>
+              <a:ext uri="{FF2B5EF4-FFF2-40B4-BE49-F238E27FC236}">
+                <a16:creationId xmlns:a16="http://schemas.microsoft.com/office/drawing/2014/main" id="{34B3DA25-58D6-9046-BF18-574A0EE2318B}"/>
+              </a:ext>
+            </a:extLst>
+          </p:cNvPr>
+          <p:cNvSpPr>
+            <a:spLocks noGrp="1"/>
+          </p:cNvSpPr>
+          <p:nvPr>
+            <p:ph type="title"/>
+          </p:nvPr>
+        </p:nvSpPr>
+        <p:spPr/>
+        <p:txBody>
+          <a:bodyPr>
+            <a:normAutofit/>
+          </a:bodyPr>
+          <a:lstStyle/>
+          <a:p>
+            <a:r>
+              <a:rPr lang="en-US" sz="4000" dirty="0"/>
+              <a:t>AOF </a:t>
+            </a:r>
+            <a:r>
+              <a:rPr lang="ko-KR" altLang="en-US" sz="4000" dirty="0"/>
+              <a:t>관련 </a:t>
+            </a:r>
+            <a:r>
+              <a:rPr lang="ko-KR" altLang="en-US" sz="4000" dirty="0" err="1"/>
+              <a:t>파라미터</a:t>
+            </a:r>
+            <a:endParaRPr lang="en-KR" sz="4000" dirty="0"/>
+          </a:p>
+        </p:txBody>
+      </p:sp>
+      <p:sp>
+        <p:nvSpPr>
+          <p:cNvPr id="3" name="TextBox 2">
+            <a:extLst>
+              <a:ext uri="{FF2B5EF4-FFF2-40B4-BE49-F238E27FC236}">
+                <a16:creationId xmlns:a16="http://schemas.microsoft.com/office/drawing/2014/main" id="{FB2D2156-D83E-D44D-A171-C99201A7FF97}"/>
+              </a:ext>
+            </a:extLst>
+          </p:cNvPr>
+          <p:cNvSpPr txBox="1"/>
+          <p:nvPr/>
+        </p:nvSpPr>
+        <p:spPr>
+          <a:xfrm>
+            <a:off x="6576643" y="2292990"/>
+            <a:ext cx="4070268" cy="5109091"/>
+          </a:xfrm>
+          <a:prstGeom prst="rect">
+            <a:avLst/>
+          </a:prstGeom>
+          <a:noFill/>
+        </p:spPr>
+        <p:txBody>
+          <a:bodyPr wrap="square" rtlCol="0">
+            <a:spAutoFit/>
+          </a:bodyPr>
+          <a:lstStyle/>
+          <a:p>
+            <a:r>
+              <a:rPr lang="en-US" sz="2000" dirty="0"/>
+              <a:t>APPENDONLY</a:t>
+            </a:r>
+          </a:p>
+          <a:p>
+            <a:pPr marL="342900" indent="-342900">
+              <a:buFont typeface="Arial" panose="020B0604020202020204" pitchFamily="34" charset="0"/>
+              <a:buChar char="•"/>
+            </a:pPr>
+            <a:r>
+              <a:rPr lang="en-US" dirty="0"/>
+              <a:t>AOF </a:t>
+            </a:r>
+            <a:r>
+              <a:rPr lang="ko-KR" altLang="en-US" dirty="0"/>
+              <a:t>로깅 여부 결정</a:t>
+            </a:r>
+            <a:endParaRPr lang="en-US" altLang="ko-KR" dirty="0"/>
+          </a:p>
+          <a:p>
+            <a:pPr marL="342900" indent="-342900">
+              <a:buFont typeface="Arial" panose="020B0604020202020204" pitchFamily="34" charset="0"/>
+              <a:buChar char="•"/>
+            </a:pPr>
+            <a:r>
+              <a:rPr lang="en-US" altLang="ko-KR" dirty="0"/>
+              <a:t>AOF File </a:t>
+            </a:r>
+            <a:r>
+              <a:rPr lang="ko-KR" altLang="en-US" dirty="0"/>
+              <a:t>작성 여부 </a:t>
+            </a:r>
+            <a:endParaRPr lang="en-US" dirty="0"/>
+          </a:p>
+          <a:p>
+            <a:endParaRPr lang="en-US" sz="2000" dirty="0"/>
+          </a:p>
+          <a:p>
+            <a:r>
+              <a:rPr lang="en-US" sz="2000" dirty="0"/>
+              <a:t>APPENDFILENAME</a:t>
+            </a:r>
+          </a:p>
+          <a:p>
+            <a:pPr marL="285750" indent="-285750">
+              <a:buFont typeface="Arial" panose="020B0604020202020204" pitchFamily="34" charset="0"/>
+              <a:buChar char="•"/>
+            </a:pPr>
+            <a:r>
+              <a:rPr lang="en-US" altLang="ko-KR" dirty="0"/>
+              <a:t>AOF </a:t>
+            </a:r>
+            <a:r>
+              <a:rPr lang="ko-KR" altLang="en-US" dirty="0"/>
+              <a:t>파일명 지정 가능</a:t>
+            </a:r>
+            <a:endParaRPr lang="en-US" altLang="ko-KR" dirty="0"/>
+          </a:p>
+          <a:p>
+            <a:pPr marL="285750" indent="-285750">
+              <a:buFont typeface="Arial" panose="020B0604020202020204" pitchFamily="34" charset="0"/>
+              <a:buChar char="•"/>
+            </a:pPr>
+            <a:endParaRPr lang="en-US" dirty="0"/>
+          </a:p>
+          <a:p>
+            <a:r>
+              <a:rPr lang="en-US" sz="2000" dirty="0"/>
+              <a:t>AOF-LOAD-TRUNCATED</a:t>
+            </a:r>
+          </a:p>
+          <a:p>
+            <a:pPr marL="342900" indent="-342900">
+              <a:buFont typeface="Arial" panose="020B0604020202020204" pitchFamily="34" charset="0"/>
+              <a:buChar char="•"/>
+            </a:pPr>
+            <a:r>
+              <a:rPr lang="ko-KR" altLang="en-US" dirty="0"/>
+              <a:t>끝이 잘려 있는 </a:t>
+            </a:r>
+            <a:r>
+              <a:rPr lang="en-US" altLang="ko-KR" dirty="0"/>
+              <a:t>AOF</a:t>
+            </a:r>
+            <a:r>
+              <a:rPr lang="ko-KR" altLang="en-US" dirty="0"/>
+              <a:t> 파일을 </a:t>
+            </a:r>
+            <a:r>
+              <a:rPr lang="ko-KR" altLang="en-US" dirty="0" err="1"/>
+              <a:t>로드할</a:t>
+            </a:r>
+            <a:r>
+              <a:rPr lang="ko-KR" altLang="en-US" dirty="0"/>
+              <a:t> 경우의 정상 작동 여부</a:t>
+            </a:r>
+            <a:endParaRPr lang="en-US" altLang="ko-KR" dirty="0"/>
+          </a:p>
+          <a:p>
+            <a:endParaRPr lang="en-US" sz="2000" dirty="0"/>
+          </a:p>
+          <a:p>
+            <a:r>
+              <a:rPr lang="en-US" sz="2000" dirty="0"/>
+              <a:t>AOF-USE-RDB-PREAMBLE</a:t>
+            </a:r>
+          </a:p>
+          <a:p>
+            <a:pPr marL="285750" indent="-285750">
+              <a:buFont typeface="Arial" panose="020B0604020202020204" pitchFamily="34" charset="0"/>
+              <a:buChar char="•"/>
+            </a:pPr>
+            <a:r>
+              <a:rPr lang="en-US" altLang="ko-KR" dirty="0"/>
+              <a:t>AOF Rewrite </a:t>
+            </a:r>
+            <a:r>
+              <a:rPr lang="ko-KR" altLang="en-US" dirty="0"/>
+              <a:t>동작 시 </a:t>
+            </a:r>
+            <a:r>
+              <a:rPr lang="en-US" altLang="ko-KR" dirty="0"/>
+              <a:t>AOF</a:t>
+            </a:r>
+            <a:r>
+              <a:rPr lang="ko-KR" altLang="en-US" dirty="0"/>
+              <a:t> 파일을 </a:t>
+            </a:r>
+            <a:r>
+              <a:rPr lang="en-US" altLang="ko-KR" dirty="0"/>
+              <a:t>RDB </a:t>
+            </a:r>
+            <a:r>
+              <a:rPr lang="ko-KR" altLang="en-US" dirty="0"/>
+              <a:t>형식으로 작성할 지 결정</a:t>
+            </a:r>
+            <a:endParaRPr lang="en-US" altLang="ko-KR" dirty="0"/>
+          </a:p>
+          <a:p>
+            <a:endParaRPr lang="en-US" dirty="0"/>
+          </a:p>
+          <a:p>
+            <a:endParaRPr lang="en-US" sz="2000" dirty="0"/>
+          </a:p>
+        </p:txBody>
+      </p:sp>
+      <p:sp>
+        <p:nvSpPr>
+          <p:cNvPr id="5" name="TextBox 4">
+            <a:extLst>
+              <a:ext uri="{FF2B5EF4-FFF2-40B4-BE49-F238E27FC236}">
+                <a16:creationId xmlns:a16="http://schemas.microsoft.com/office/drawing/2014/main" id="{CC8659ED-57CB-3A42-ACE6-836D9F422F29}"/>
+              </a:ext>
+            </a:extLst>
+          </p:cNvPr>
+          <p:cNvSpPr txBox="1"/>
+          <p:nvPr/>
+        </p:nvSpPr>
+        <p:spPr>
+          <a:xfrm>
+            <a:off x="-691662" y="6435969"/>
+            <a:ext cx="184731" cy="369332"/>
+          </a:xfrm>
+          <a:prstGeom prst="rect">
+            <a:avLst/>
+          </a:prstGeom>
+          <a:noFill/>
+        </p:spPr>
+        <p:txBody>
+          <a:bodyPr wrap="none" rtlCol="0">
+            <a:spAutoFit/>
+          </a:bodyPr>
+          <a:lstStyle/>
+          <a:p>
+            <a:endParaRPr lang="en-KR"/>
+          </a:p>
+        </p:txBody>
+      </p:sp>
+      <p:sp>
+        <p:nvSpPr>
+          <p:cNvPr id="6" name="TextBox 5">
+            <a:extLst>
+              <a:ext uri="{FF2B5EF4-FFF2-40B4-BE49-F238E27FC236}">
+                <a16:creationId xmlns:a16="http://schemas.microsoft.com/office/drawing/2014/main" id="{C92867B0-9051-5F43-851E-12390F2E0D55}"/>
+              </a:ext>
+            </a:extLst>
+          </p:cNvPr>
+          <p:cNvSpPr txBox="1"/>
+          <p:nvPr/>
+        </p:nvSpPr>
+        <p:spPr>
+          <a:xfrm>
+            <a:off x="1005941" y="1812347"/>
+            <a:ext cx="3902528" cy="3785652"/>
+          </a:xfrm>
+          <a:prstGeom prst="rect">
+            <a:avLst/>
+          </a:prstGeom>
+          <a:noFill/>
+        </p:spPr>
+        <p:txBody>
+          <a:bodyPr wrap="square" rtlCol="0">
+            <a:spAutoFit/>
+          </a:bodyPr>
+          <a:lstStyle/>
+          <a:p>
+            <a:r>
+              <a:rPr lang="en-US" sz="1600" b="1" dirty="0"/>
+              <a:t>AOF </a:t>
+            </a:r>
+            <a:r>
+              <a:rPr lang="ko-KR" altLang="en-US" sz="1600" b="1" dirty="0"/>
+              <a:t>기본 설정 </a:t>
+            </a:r>
+            <a:r>
+              <a:rPr lang="en-US" altLang="ko-KR" sz="1600" b="1" dirty="0"/>
+              <a:t>Params</a:t>
+            </a:r>
+            <a:endParaRPr lang="en-US" sz="1400" b="1" dirty="0"/>
+          </a:p>
+          <a:p>
+            <a:pPr marL="285750" indent="-285750">
+              <a:buFont typeface="Arial" panose="020B0604020202020204" pitchFamily="34" charset="0"/>
+              <a:buChar char="•"/>
+            </a:pPr>
+            <a:r>
+              <a:rPr lang="en-US" sz="1400" dirty="0"/>
+              <a:t>APPENDONLY</a:t>
+            </a:r>
+          </a:p>
+          <a:p>
+            <a:pPr marL="285750" indent="-285750">
+              <a:buFont typeface="Arial" panose="020B0604020202020204" pitchFamily="34" charset="0"/>
+              <a:buChar char="•"/>
+            </a:pPr>
+            <a:r>
+              <a:rPr lang="en-US" sz="1400" dirty="0"/>
+              <a:t>APPENDFILENAME</a:t>
+            </a:r>
+          </a:p>
+          <a:p>
+            <a:pPr marL="285750" indent="-285750">
+              <a:buFont typeface="Arial" panose="020B0604020202020204" pitchFamily="34" charset="0"/>
+              <a:buChar char="•"/>
+            </a:pPr>
+            <a:r>
+              <a:rPr lang="en-US" sz="1400" dirty="0"/>
+              <a:t>AOF-LOAD-TRUNCATED</a:t>
+            </a:r>
+          </a:p>
+          <a:p>
+            <a:pPr marL="285750" indent="-285750">
+              <a:buFont typeface="Arial" panose="020B0604020202020204" pitchFamily="34" charset="0"/>
+              <a:buChar char="•"/>
+            </a:pPr>
+            <a:r>
+              <a:rPr lang="en-US" sz="1400" dirty="0"/>
+              <a:t>AOF-USE-RDB-PREAMBLE</a:t>
+            </a:r>
+          </a:p>
+          <a:p>
+            <a:endParaRPr lang="en-US" sz="1400" dirty="0"/>
+          </a:p>
+          <a:p>
+            <a:r>
+              <a:rPr lang="en-US" sz="1400" b="1" dirty="0" err="1"/>
+              <a:t>fsync</a:t>
+            </a:r>
+            <a:r>
+              <a:rPr lang="ko-KR" altLang="en-US" sz="1400" b="1" dirty="0"/>
+              <a:t> 함수 관련 </a:t>
+            </a:r>
+            <a:r>
+              <a:rPr lang="en-US" altLang="ko-KR" sz="1400" b="1" dirty="0"/>
+              <a:t>Params</a:t>
+            </a:r>
+            <a:endParaRPr lang="en-US" sz="1400" dirty="0"/>
+          </a:p>
+          <a:p>
+            <a:pPr marL="285750" indent="-285750">
+              <a:buFont typeface="Arial" panose="020B0604020202020204" pitchFamily="34" charset="0"/>
+              <a:buChar char="•"/>
+            </a:pPr>
+            <a:r>
+              <a:rPr lang="en-US" sz="1400" dirty="0"/>
+              <a:t>APPENDFSYNC</a:t>
+            </a:r>
+            <a:endParaRPr lang="en-US" altLang="ko-KR" sz="1400" dirty="0"/>
+          </a:p>
+          <a:p>
+            <a:pPr marL="285750" indent="-285750">
+              <a:buFont typeface="Arial" panose="020B0604020202020204" pitchFamily="34" charset="0"/>
+              <a:buChar char="•"/>
+            </a:pPr>
+            <a:r>
+              <a:rPr lang="en-US" altLang="ko-KR" sz="1400" dirty="0"/>
+              <a:t>NO-APPENDFSYNC-ONREWRITE</a:t>
+            </a:r>
+          </a:p>
+          <a:p>
+            <a:pPr marL="285750" indent="-285750">
+              <a:buFont typeface="Arial" panose="020B0604020202020204" pitchFamily="34" charset="0"/>
+              <a:buChar char="•"/>
+            </a:pPr>
+            <a:r>
+              <a:rPr lang="en-US" altLang="ko-KR" sz="1400" dirty="0"/>
+              <a:t>AOF-REWRITE-INCREMENTAL-FSYNC</a:t>
+            </a:r>
+          </a:p>
+          <a:p>
+            <a:endParaRPr lang="en-US" altLang="ko-KR" sz="1400" dirty="0"/>
+          </a:p>
+          <a:p>
+            <a:r>
+              <a:rPr lang="en-US" sz="1400" b="1" dirty="0"/>
+              <a:t>AOF Rewrite </a:t>
+            </a:r>
+            <a:r>
+              <a:rPr lang="ko-KR" altLang="en-US" sz="1400" b="1" dirty="0"/>
+              <a:t>동작 관련 </a:t>
+            </a:r>
+            <a:r>
+              <a:rPr lang="en-US" altLang="ko-KR" sz="1400" b="1" dirty="0"/>
+              <a:t>Params</a:t>
+            </a:r>
+            <a:endParaRPr lang="en-US" altLang="ko-KR" sz="1400" dirty="0"/>
+          </a:p>
+          <a:p>
+            <a:pPr marL="285750" indent="-285750">
+              <a:buFont typeface="Arial" panose="020B0604020202020204" pitchFamily="34" charset="0"/>
+              <a:buChar char="•"/>
+            </a:pPr>
+            <a:r>
+              <a:rPr lang="en-US" altLang="ko-KR" sz="1400" dirty="0"/>
+              <a:t>AUTO-AOF-REWRITE-PERCENTAGE</a:t>
+            </a:r>
+          </a:p>
+          <a:p>
+            <a:pPr marL="285750" indent="-285750">
+              <a:buFont typeface="Arial" panose="020B0604020202020204" pitchFamily="34" charset="0"/>
+              <a:buChar char="•"/>
+            </a:pPr>
+            <a:r>
+              <a:rPr lang="en-US" altLang="ko-KR" sz="1400" dirty="0"/>
+              <a:t>AUTO-AOF-REWRITE-MIN-SIZE</a:t>
+            </a:r>
+          </a:p>
+          <a:p>
+            <a:pPr marL="285750" indent="-285750">
+              <a:buFont typeface="Arial" panose="020B0604020202020204" pitchFamily="34" charset="0"/>
+              <a:buChar char="•"/>
+            </a:pPr>
+            <a:r>
+              <a:rPr lang="en-US" altLang="ko-KR" sz="1400" dirty="0"/>
+              <a:t>AUTO-AOF-REWRITE-SPEC-TIME</a:t>
+            </a:r>
+          </a:p>
+          <a:p>
+            <a:pPr marL="285750" indent="-285750">
+              <a:buFont typeface="Arial" panose="020B0604020202020204" pitchFamily="34" charset="0"/>
+              <a:buChar char="•"/>
+            </a:pPr>
+            <a:endParaRPr lang="en-US" altLang="ko-KR" sz="1400" dirty="0"/>
+          </a:p>
+          <a:p>
+            <a:pPr marL="285750" indent="-285750">
+              <a:buFont typeface="Arial" panose="020B0604020202020204" pitchFamily="34" charset="0"/>
+              <a:buChar char="•"/>
+            </a:pPr>
+            <a:endParaRPr lang="en-US" altLang="ko-KR" sz="1400" dirty="0"/>
+          </a:p>
+        </p:txBody>
+      </p:sp>
+      <p:sp>
+        <p:nvSpPr>
+          <p:cNvPr id="7" name="TextBox 6">
+            <a:extLst>
+              <a:ext uri="{FF2B5EF4-FFF2-40B4-BE49-F238E27FC236}">
+                <a16:creationId xmlns:a16="http://schemas.microsoft.com/office/drawing/2014/main" id="{D69786DD-CE80-7048-9ECB-7A01B8AE51CD}"/>
+              </a:ext>
+            </a:extLst>
+          </p:cNvPr>
+          <p:cNvSpPr txBox="1"/>
+          <p:nvPr/>
+        </p:nvSpPr>
+        <p:spPr>
+          <a:xfrm>
+            <a:off x="6576643" y="1508549"/>
+            <a:ext cx="4220308" cy="461665"/>
+          </a:xfrm>
+          <a:prstGeom prst="rect">
+            <a:avLst/>
+          </a:prstGeom>
+          <a:noFill/>
+        </p:spPr>
+        <p:txBody>
+          <a:bodyPr wrap="square" rtlCol="0">
+            <a:spAutoFit/>
+          </a:bodyPr>
+          <a:lstStyle/>
+          <a:p>
+            <a:r>
+              <a:rPr lang="en-US" sz="2400" b="1" dirty="0"/>
+              <a:t>AOF </a:t>
+            </a:r>
+            <a:r>
+              <a:rPr lang="ko-KR" altLang="en-US" sz="2400" b="1" dirty="0"/>
+              <a:t>기본 설정 </a:t>
+            </a:r>
+            <a:r>
+              <a:rPr lang="en-US" altLang="ko-KR" sz="2400" b="1" dirty="0"/>
+              <a:t>Params</a:t>
+            </a:r>
+            <a:endParaRPr lang="en-US" sz="2000" b="1" dirty="0"/>
+          </a:p>
+        </p:txBody>
+      </p:sp>
+    </p:spTree>
+    <p:extLst>
+      <p:ext uri="{BB962C8B-B14F-4D97-AF65-F5344CB8AC3E}">
+        <p14:creationId xmlns:p14="http://schemas.microsoft.com/office/powerpoint/2010/main" val="3153526628"/>
+      </p:ext>
+    </p:extLst>
+  </p:cSld>
+  <p:clrMapOvr>
+    <a:masterClrMapping/>
+  </p:clrMapOvr>
+</p:sld>
+</file>
+
 <file path=ppt/theme/theme1.xml><?xml version="1.0" encoding="utf-8"?>
 <a:theme xmlns:a="http://schemas.openxmlformats.org/drawingml/2006/main" name="Office Theme">
   <a:themeElements>
